--- a/NoSQL.pptx
+++ b/NoSQL.pptx
@@ -5,33 +5,36 @@
     <p:sldMasterId id="2147483648" r:id="rId1"/>
   </p:sldMasterIdLst>
   <p:notesMasterIdLst>
-    <p:notesMasterId r:id="rId26"/>
+    <p:notesMasterId r:id="rId29"/>
   </p:notesMasterIdLst>
   <p:sldIdLst>
     <p:sldId id="256" r:id="rId2"/>
     <p:sldId id="257" r:id="rId3"/>
     <p:sldId id="271" r:id="rId4"/>
-    <p:sldId id="258" r:id="rId5"/>
-    <p:sldId id="259" r:id="rId6"/>
-    <p:sldId id="273" r:id="rId7"/>
-    <p:sldId id="260" r:id="rId8"/>
-    <p:sldId id="272" r:id="rId9"/>
-    <p:sldId id="261" r:id="rId10"/>
-    <p:sldId id="264" r:id="rId11"/>
-    <p:sldId id="265" r:id="rId12"/>
-    <p:sldId id="266" r:id="rId13"/>
-    <p:sldId id="267" r:id="rId14"/>
-    <p:sldId id="268" r:id="rId15"/>
-    <p:sldId id="269" r:id="rId16"/>
-    <p:sldId id="270" r:id="rId17"/>
-    <p:sldId id="262" r:id="rId18"/>
-    <p:sldId id="274" r:id="rId19"/>
-    <p:sldId id="275" r:id="rId20"/>
-    <p:sldId id="263" r:id="rId21"/>
-    <p:sldId id="276" r:id="rId22"/>
-    <p:sldId id="278" r:id="rId23"/>
-    <p:sldId id="279" r:id="rId24"/>
-    <p:sldId id="277" r:id="rId25"/>
+    <p:sldId id="281" r:id="rId5"/>
+    <p:sldId id="258" r:id="rId6"/>
+    <p:sldId id="280" r:id="rId7"/>
+    <p:sldId id="259" r:id="rId8"/>
+    <p:sldId id="273" r:id="rId9"/>
+    <p:sldId id="282" r:id="rId10"/>
+    <p:sldId id="272" r:id="rId11"/>
+    <p:sldId id="260" r:id="rId12"/>
+    <p:sldId id="261" r:id="rId13"/>
+    <p:sldId id="264" r:id="rId14"/>
+    <p:sldId id="265" r:id="rId15"/>
+    <p:sldId id="266" r:id="rId16"/>
+    <p:sldId id="267" r:id="rId17"/>
+    <p:sldId id="268" r:id="rId18"/>
+    <p:sldId id="269" r:id="rId19"/>
+    <p:sldId id="270" r:id="rId20"/>
+    <p:sldId id="262" r:id="rId21"/>
+    <p:sldId id="274" r:id="rId22"/>
+    <p:sldId id="275" r:id="rId23"/>
+    <p:sldId id="263" r:id="rId24"/>
+    <p:sldId id="276" r:id="rId25"/>
+    <p:sldId id="278" r:id="rId26"/>
+    <p:sldId id="279" r:id="rId27"/>
+    <p:sldId id="283" r:id="rId28"/>
   </p:sldIdLst>
   <p:sldSz cx="9144000" cy="6858000" type="screen4x3"/>
   <p:notesSz cx="6858000" cy="9144000"/>
@@ -215,7 +218,7 @@
           <a:p>
             <a:fld id="{BC07F99F-492B-4F6C-818C-20B0196B4DA0}" type="datetimeFigureOut">
               <a:rPr lang="en-US" smtClean="0"/>
-              <a:t>4/27/2017</a:t>
+              <a:t>6/29/2017</a:t>
             </a:fld>
             <a:endParaRPr lang="en-US"/>
           </a:p>
@@ -527,14 +530,6 @@
           <a:bodyPr/>
           <a:lstStyle/>
           <a:p>
-            <a:r>
-              <a:rPr lang="en-US" dirty="0" smtClean="0"/>
-              <a:t>Hands-On Graph Exercise</a:t>
-            </a:r>
-            <a:r>
-              <a:rPr lang="en-US" baseline="0" dirty="0" smtClean="0"/>
-              <a:t> would be fun</a:t>
-            </a:r>
             <a:endParaRPr lang="en-US" dirty="0"/>
           </a:p>
         </p:txBody>
@@ -621,11 +616,23 @@
           <a:p>
             <a:r>
               <a:rPr lang="en-US" dirty="0" smtClean="0"/>
-              <a:t>Array</a:t>
-            </a:r>
-            <a:r>
-              <a:rPr lang="en-US" baseline="0" dirty="0" smtClean="0"/>
-              <a:t> of Strings &amp; Array of Objects</a:t>
+              <a:t>Only String Data Type Value requires Double Quotes</a:t>
+            </a:r>
+          </a:p>
+          <a:p>
+            <a:r>
+              <a:rPr lang="en-US" dirty="0" smtClean="0"/>
+              <a:t>Date or Time Data Types are NOT </a:t>
+            </a:r>
+            <a:r>
+              <a:rPr lang="en-US" dirty="0" smtClean="0"/>
+              <a:t>supported</a:t>
+            </a:r>
+          </a:p>
+          <a:p>
+            <a:r>
+              <a:rPr lang="en-US" dirty="0" smtClean="0"/>
+              <a:t>Everything is Case Sensitive! True &lt;&gt; true</a:t>
             </a:r>
             <a:endParaRPr lang="en-US" dirty="0"/>
           </a:p>
@@ -713,13 +720,7 @@
           <a:p>
             <a:r>
               <a:rPr lang="en-US" dirty="0" smtClean="0"/>
-              <a:t>http://json-schema.org/examples.html</a:t>
-            </a:r>
-          </a:p>
-          <a:p>
-            <a:r>
-              <a:rPr lang="en-US" dirty="0" smtClean="0"/>
-              <a:t>A Developing Standard, not widely used yet.</a:t>
+              <a:t>Data Nesting is Supported</a:t>
             </a:r>
             <a:endParaRPr lang="en-US" dirty="0"/>
           </a:p>
@@ -806,51 +807,30 @@
           <a:lstStyle/>
           <a:p>
             <a:r>
-              <a:rPr lang="en-US" dirty="0" err="1" smtClean="0"/>
-              <a:t>xPath</a:t>
+              <a:rPr lang="en-US" dirty="0" smtClean="0"/>
+              <a:t>Simple Person </a:t>
+            </a:r>
+            <a:r>
+              <a:rPr lang="en-US" dirty="0" smtClean="0"/>
+              <a:t>Object</a:t>
             </a:r>
             <a:r>
               <a:rPr lang="en-US" baseline="0" dirty="0" smtClean="0"/>
-              <a:t> for</a:t>
-            </a:r>
-            <a:r>
-              <a:rPr lang="en-US" dirty="0" smtClean="0"/>
-              <a:t> JSON is called </a:t>
-            </a:r>
-            <a:r>
-              <a:rPr lang="en-US" dirty="0" err="1" smtClean="0"/>
-              <a:t>JsonPath</a:t>
-            </a:r>
-            <a:endParaRPr lang="en-US" dirty="0" smtClean="0"/>
-          </a:p>
-          <a:p>
-            <a:r>
-              <a:rPr lang="en-US" dirty="0" smtClean="0"/>
-              <a:t>http://goessner.net/articles/JsonPath</a:t>
-            </a:r>
-          </a:p>
-          <a:p>
-            <a:endParaRPr lang="en-US" dirty="0" smtClean="0"/>
-          </a:p>
-          <a:p>
-            <a:r>
-              <a:rPr lang="en-US" dirty="0" smtClean="0"/>
-              <a:t>-- online examples:</a:t>
-            </a:r>
-          </a:p>
-          <a:p>
-            <a:r>
-              <a:rPr lang="en-US" dirty="0" smtClean="0"/>
-              <a:t>http://jsonpath.com</a:t>
-            </a:r>
-          </a:p>
-          <a:p>
-            <a:endParaRPr lang="en-US" dirty="0" smtClean="0"/>
-          </a:p>
-          <a:p>
-            <a:r>
-              <a:rPr lang="en-US" dirty="0" smtClean="0"/>
-              <a:t>A Developing Standard, not widely used yet.</a:t>
+              <a:t> </a:t>
+            </a:r>
+            <a:r>
+              <a:rPr lang="en-US" dirty="0" smtClean="0"/>
+              <a:t>Example</a:t>
+            </a:r>
+          </a:p>
+          <a:p>
+            <a:r>
+              <a:rPr lang="en-US" dirty="0" smtClean="0"/>
+              <a:t>Watch the Quotes and Case</a:t>
+            </a:r>
+            <a:r>
+              <a:rPr lang="en-US" baseline="0" dirty="0" smtClean="0"/>
+              <a:t> Sensitivity!</a:t>
             </a:r>
             <a:endParaRPr lang="en-US" dirty="0"/>
           </a:p>
@@ -938,27 +918,11 @@
           <a:p>
             <a:r>
               <a:rPr lang="en-US" dirty="0" smtClean="0"/>
-              <a:t>JSONiq leverages </a:t>
-            </a:r>
-            <a:r>
-              <a:rPr lang="en-US" dirty="0" err="1" smtClean="0"/>
-              <a:t>JsonPath</a:t>
-            </a:r>
-            <a:endParaRPr lang="en-US" dirty="0" smtClean="0"/>
-          </a:p>
-          <a:p>
-            <a:r>
-              <a:rPr lang="en-US" dirty="0" smtClean="0"/>
-              <a:t>http://goessner.net/articles/JsonPath</a:t>
-            </a:r>
-          </a:p>
-          <a:p>
-            <a:endParaRPr lang="en-US" dirty="0" smtClean="0"/>
-          </a:p>
-          <a:p>
-            <a:r>
-              <a:rPr lang="en-US" dirty="0" smtClean="0"/>
-              <a:t>A Developing Standard, not widely used yet.</a:t>
+              <a:t>Array</a:t>
+            </a:r>
+            <a:r>
+              <a:rPr lang="en-US" baseline="0" dirty="0" smtClean="0"/>
+              <a:t> of Strings &amp; Array of Objects</a:t>
             </a:r>
             <a:endParaRPr lang="en-US" dirty="0"/>
           </a:p>
@@ -1046,11 +1010,23 @@
           <a:p>
             <a:r>
               <a:rPr lang="en-US" dirty="0" smtClean="0"/>
-              <a:t>Array</a:t>
+              <a:t>http://json-schema.org/examples.html</a:t>
+            </a:r>
+          </a:p>
+          <a:p>
+            <a:r>
+              <a:rPr lang="en-US" dirty="0" smtClean="0"/>
+              <a:t>A Developing Standard, not widely used yet.</a:t>
+            </a:r>
+          </a:p>
+          <a:p>
+            <a:r>
+              <a:rPr lang="en-US" dirty="0" smtClean="0"/>
+              <a:t>JSON Fields</a:t>
             </a:r>
             <a:r>
               <a:rPr lang="en-US" baseline="0" dirty="0" smtClean="0"/>
-              <a:t> of Strings &amp; Array of Objects</a:t>
+              <a:t> start within the "properties" key:</a:t>
             </a:r>
             <a:endParaRPr lang="en-US" dirty="0"/>
           </a:p>
@@ -1137,14 +1113,51 @@
           <a:lstStyle/>
           <a:p>
             <a:r>
-              <a:rPr lang="en-US" dirty="0" smtClean="0"/>
-              <a:t>https://www.w3schools.com/xml/</a:t>
-            </a:r>
-          </a:p>
-          <a:p>
-            <a:r>
-              <a:rPr lang="en-US" dirty="0" smtClean="0"/>
-              <a:t>Attribute Data is best used as Metadata about the Element Data</a:t>
+              <a:rPr lang="en-US" dirty="0" err="1" smtClean="0"/>
+              <a:t>xPath</a:t>
+            </a:r>
+            <a:r>
+              <a:rPr lang="en-US" baseline="0" dirty="0" smtClean="0"/>
+              <a:t> for</a:t>
+            </a:r>
+            <a:r>
+              <a:rPr lang="en-US" dirty="0" smtClean="0"/>
+              <a:t> JSON is called </a:t>
+            </a:r>
+            <a:r>
+              <a:rPr lang="en-US" dirty="0" err="1" smtClean="0"/>
+              <a:t>JsonPath</a:t>
+            </a:r>
+            <a:endParaRPr lang="en-US" dirty="0" smtClean="0"/>
+          </a:p>
+          <a:p>
+            <a:r>
+              <a:rPr lang="en-US" dirty="0" smtClean="0"/>
+              <a:t>http://goessner.net/articles/JsonPath</a:t>
+            </a:r>
+          </a:p>
+          <a:p>
+            <a:endParaRPr lang="en-US" dirty="0" smtClean="0"/>
+          </a:p>
+          <a:p>
+            <a:r>
+              <a:rPr lang="en-US" dirty="0" smtClean="0"/>
+              <a:t>-- online examples:</a:t>
+            </a:r>
+          </a:p>
+          <a:p>
+            <a:r>
+              <a:rPr lang="en-US" dirty="0" smtClean="0"/>
+              <a:t>http://jsonpath.com</a:t>
+            </a:r>
+          </a:p>
+          <a:p>
+            <a:endParaRPr lang="en-US" dirty="0" smtClean="0"/>
+          </a:p>
+          <a:p>
+            <a:r>
+              <a:rPr lang="en-US" dirty="0" smtClean="0"/>
+              <a:t>A Developing Standard, not widely used yet.</a:t>
             </a:r>
             <a:endParaRPr lang="en-US" dirty="0"/>
           </a:p>
@@ -1176,7 +1189,7 @@
     </p:spTree>
     <p:extLst>
       <p:ext uri="{BB962C8B-B14F-4D97-AF65-F5344CB8AC3E}">
-        <p14:creationId xmlns:p14="http://schemas.microsoft.com/office/powerpoint/2010/main" val="1694362293"/>
+        <p14:creationId xmlns:p14="http://schemas.microsoft.com/office/powerpoint/2010/main" val="1874009049"/>
       </p:ext>
     </p:extLst>
   </p:cSld>
@@ -1232,19 +1245,27 @@
           <a:p>
             <a:r>
               <a:rPr lang="en-US" dirty="0" smtClean="0"/>
-              <a:t>Single Entity &lt;person&gt; Example</a:t>
-            </a:r>
-          </a:p>
-          <a:p>
-            <a:r>
-              <a:rPr lang="en-US" dirty="0" smtClean="0"/>
-              <a:t>https://www.w3schools.com/xml/</a:t>
-            </a:r>
-          </a:p>
-          <a:p>
-            <a:r>
-              <a:rPr lang="en-US" dirty="0" smtClean="0"/>
-              <a:t>Attribute Data is best used as Metadata about the Element Data</a:t>
+              <a:t>JSONiq leverages </a:t>
+            </a:r>
+            <a:r>
+              <a:rPr lang="en-US" dirty="0" err="1" smtClean="0"/>
+              <a:t>JsonPath</a:t>
+            </a:r>
+            <a:endParaRPr lang="en-US" dirty="0" smtClean="0"/>
+          </a:p>
+          <a:p>
+            <a:r>
+              <a:rPr lang="en-US" dirty="0" smtClean="0"/>
+              <a:t>http://goessner.net/articles/JsonPath</a:t>
+            </a:r>
+          </a:p>
+          <a:p>
+            <a:endParaRPr lang="en-US" dirty="0" smtClean="0"/>
+          </a:p>
+          <a:p>
+            <a:r>
+              <a:rPr lang="en-US" dirty="0" smtClean="0"/>
+              <a:t>A Developing Standard, not widely used yet.</a:t>
             </a:r>
             <a:endParaRPr lang="en-US" dirty="0"/>
           </a:p>
@@ -1276,7 +1297,7 @@
     </p:spTree>
     <p:extLst>
       <p:ext uri="{BB962C8B-B14F-4D97-AF65-F5344CB8AC3E}">
-        <p14:creationId xmlns:p14="http://schemas.microsoft.com/office/powerpoint/2010/main" val="1694362293"/>
+        <p14:creationId xmlns:p14="http://schemas.microsoft.com/office/powerpoint/2010/main" val="1874009049"/>
       </p:ext>
     </p:extLst>
   </p:cSld>
@@ -1330,38 +1351,27 @@
           <a:bodyPr/>
           <a:lstStyle/>
           <a:p>
-            <a:pPr marL="0" marR="0" indent="0" algn="l" defTabSz="914400" rtl="0" eaLnBrk="1" fontAlgn="auto" latinLnBrk="0" hangingPunct="1">
-              <a:lnSpc>
-                <a:spcPct val="100000"/>
-              </a:lnSpc>
-              <a:spcBef>
-                <a:spcPts val="0"/>
-              </a:spcBef>
-              <a:spcAft>
-                <a:spcPts val="0"/>
-              </a:spcAft>
-              <a:buClrTx/>
-              <a:buSzTx/>
-              <a:buFontTx/>
-              <a:buNone/>
-              <a:tabLst/>
-              <a:defRPr/>
-            </a:pPr>
-            <a:r>
-              <a:rPr lang="en-US" dirty="0" smtClean="0"/>
-              <a:t>Multiple Entity &lt;note&gt; Example</a:t>
-            </a:r>
-          </a:p>
-          <a:p>
-            <a:r>
-              <a:rPr lang="en-US" dirty="0" smtClean="0"/>
-              <a:t>https://www.w3schools.com/xml/</a:t>
-            </a:r>
-          </a:p>
-          <a:p>
-            <a:r>
-              <a:rPr lang="en-US" dirty="0" smtClean="0"/>
-              <a:t>Attribute Data is best used as Metadata about the Element Data</a:t>
+            <a:r>
+              <a:rPr lang="en-US" dirty="0" smtClean="0"/>
+              <a:t>XML</a:t>
+            </a:r>
+            <a:r>
+              <a:rPr lang="en-US" baseline="0" dirty="0" smtClean="0"/>
+              <a:t> also supports XML Attributes &lt;node </a:t>
+            </a:r>
+            <a:r>
+              <a:rPr lang="en-US" baseline="0" dirty="0" err="1" smtClean="0"/>
+              <a:t>xmlAttribute</a:t>
+            </a:r>
+            <a:r>
+              <a:rPr lang="en-US" baseline="0" dirty="0" smtClean="0"/>
+              <a:t>="comment"&gt;Some Data&lt;/node&gt;</a:t>
+            </a:r>
+          </a:p>
+          <a:p>
+            <a:r>
+              <a:rPr lang="en-US" baseline="0" dirty="0" smtClean="0"/>
+              <a:t>XML is more mature than JSON</a:t>
             </a:r>
             <a:endParaRPr lang="en-US" dirty="0"/>
           </a:p>
@@ -1393,7 +1403,7 @@
     </p:spTree>
     <p:extLst>
       <p:ext uri="{BB962C8B-B14F-4D97-AF65-F5344CB8AC3E}">
-        <p14:creationId xmlns:p14="http://schemas.microsoft.com/office/powerpoint/2010/main" val="1694362293"/>
+        <p14:creationId xmlns:p14="http://schemas.microsoft.com/office/powerpoint/2010/main" val="1874009049"/>
       </p:ext>
     </p:extLst>
   </p:cSld>
@@ -1449,17 +1459,13 @@
           <a:p>
             <a:r>
               <a:rPr lang="en-US" dirty="0" smtClean="0"/>
-              <a:t>https://www.w3schools.com/xml/schema_intro.asp</a:t>
-            </a:r>
-          </a:p>
-          <a:p>
-            <a:r>
-              <a:rPr lang="en-US" dirty="0" smtClean="0"/>
-              <a:t>You can use Java or online tools to validate xml</a:t>
-            </a:r>
-            <a:r>
-              <a:rPr lang="en-US" baseline="0" dirty="0" smtClean="0"/>
-              <a:t> with xml schema.</a:t>
+              <a:t>https://www.w3schools.com/xml/</a:t>
+            </a:r>
+          </a:p>
+          <a:p>
+            <a:r>
+              <a:rPr lang="en-US" dirty="0" smtClean="0"/>
+              <a:t>Attribute Data is best used as Metadata about the Element Data</a:t>
             </a:r>
             <a:endParaRPr lang="en-US" dirty="0"/>
           </a:p>
@@ -1491,7 +1497,7 @@
     </p:spTree>
     <p:extLst>
       <p:ext uri="{BB962C8B-B14F-4D97-AF65-F5344CB8AC3E}">
-        <p14:creationId xmlns:p14="http://schemas.microsoft.com/office/powerpoint/2010/main" val="4057972422"/>
+        <p14:creationId xmlns:p14="http://schemas.microsoft.com/office/powerpoint/2010/main" val="1694362293"/>
       </p:ext>
     </p:extLst>
   </p:cSld>
@@ -1547,73 +1553,33 @@
           <a:p>
             <a:r>
               <a:rPr lang="en-US" dirty="0" smtClean="0"/>
-              <a:t>https://www.w3schools.com/xml/xpath_intro.asp</a:t>
-            </a:r>
-          </a:p>
-          <a:p>
-            <a:r>
-              <a:rPr lang="en-US" dirty="0" smtClean="0"/>
-              <a:t>Returns </a:t>
-            </a:r>
-            <a:r>
-              <a:rPr lang="en-US" sz="1200" b="0" i="0" kern="1200" dirty="0" smtClean="0">
-                <a:solidFill>
-                  <a:schemeClr val="tx1"/>
-                </a:solidFill>
-                <a:effectLst/>
-                <a:latin typeface="+mn-lt"/>
-                <a:ea typeface="+mn-ea"/>
-                <a:cs typeface="+mn-cs"/>
-              </a:rPr>
-              <a:t>&lt;title </a:t>
-            </a:r>
-            <a:r>
-              <a:rPr lang="en-US" sz="1200" b="0" i="0" kern="1200" dirty="0" err="1" smtClean="0">
-                <a:solidFill>
-                  <a:schemeClr val="tx1"/>
-                </a:solidFill>
-                <a:effectLst/>
-                <a:latin typeface="+mn-lt"/>
-                <a:ea typeface="+mn-ea"/>
-                <a:cs typeface="+mn-cs"/>
-              </a:rPr>
-              <a:t>lang</a:t>
-            </a:r>
-            <a:r>
-              <a:rPr lang="en-US" sz="1200" b="0" i="0" kern="1200" dirty="0" smtClean="0">
-                <a:solidFill>
-                  <a:schemeClr val="tx1"/>
-                </a:solidFill>
-                <a:effectLst/>
-                <a:latin typeface="+mn-lt"/>
-                <a:ea typeface="+mn-ea"/>
-                <a:cs typeface="+mn-cs"/>
-              </a:rPr>
-              <a:t>="</a:t>
-            </a:r>
-            <a:r>
-              <a:rPr lang="en-US" sz="1200" b="0" i="0" kern="1200" dirty="0" err="1" smtClean="0">
-                <a:solidFill>
-                  <a:schemeClr val="tx1"/>
-                </a:solidFill>
-                <a:effectLst/>
-                <a:latin typeface="+mn-lt"/>
-                <a:ea typeface="+mn-ea"/>
-                <a:cs typeface="+mn-cs"/>
-              </a:rPr>
-              <a:t>en</a:t>
-            </a:r>
-            <a:r>
-              <a:rPr lang="en-US" sz="1200" b="0" i="0" kern="1200" dirty="0" smtClean="0">
-                <a:solidFill>
-                  <a:schemeClr val="tx1"/>
-                </a:solidFill>
-                <a:effectLst/>
-                <a:latin typeface="+mn-lt"/>
-                <a:ea typeface="+mn-ea"/>
-                <a:cs typeface="+mn-cs"/>
-              </a:rPr>
-              <a:t>"&gt;XQuery Kick Start&lt;/title&gt;</a:t>
+              <a:t>Single Entity &lt;person&gt; Example</a:t>
+            </a:r>
+          </a:p>
+          <a:p>
+            <a:r>
+              <a:rPr lang="en-US" dirty="0" smtClean="0"/>
+              <a:t>https://www.w3schools.com/xml/</a:t>
+            </a:r>
+          </a:p>
+          <a:p>
+            <a:r>
+              <a:rPr lang="en-US" dirty="0" smtClean="0"/>
+              <a:t>Attribute Data is best used as Metadata about the Element </a:t>
+            </a:r>
+            <a:r>
+              <a:rPr lang="en-US" dirty="0" smtClean="0"/>
+              <a:t>Data</a:t>
+            </a:r>
+          </a:p>
+          <a:p>
+            <a:r>
+              <a:rPr lang="en-US" dirty="0" smtClean="0"/>
+              <a:t>In this case, I would have used gender</a:t>
+            </a:r>
+            <a:r>
+              <a:rPr lang="en-US" baseline="0" dirty="0" smtClean="0"/>
+              <a:t> as another node, rather than an Attribute.</a:t>
             </a:r>
             <a:endParaRPr lang="en-US" dirty="0"/>
           </a:p>
@@ -1645,7 +1611,7 @@
     </p:spTree>
     <p:extLst>
       <p:ext uri="{BB962C8B-B14F-4D97-AF65-F5344CB8AC3E}">
-        <p14:creationId xmlns:p14="http://schemas.microsoft.com/office/powerpoint/2010/main" val="3395605695"/>
+        <p14:creationId xmlns:p14="http://schemas.microsoft.com/office/powerpoint/2010/main" val="1694362293"/>
       </p:ext>
     </p:extLst>
   </p:cSld>
@@ -1701,21 +1667,7 @@
           <a:p>
             <a:r>
               <a:rPr lang="en-US" dirty="0" smtClean="0"/>
-              <a:t>E.F. </a:t>
-            </a:r>
-            <a:r>
-              <a:rPr lang="en-US" dirty="0" err="1" smtClean="0"/>
-              <a:t>Codd</a:t>
-            </a:r>
-            <a:r>
-              <a:rPr lang="en-US" dirty="0" smtClean="0"/>
-              <a:t> wrote the paper while working for IBM, but Oracle used it 8 years later.</a:t>
-            </a:r>
-          </a:p>
-          <a:p>
-            <a:r>
-              <a:rPr lang="en-US" dirty="0" smtClean="0"/>
-              <a:t>We will mainly focus on Document and Graph DB, since they are more widely used.</a:t>
+              <a:t>Now in 2010s, People are still primarily using Relational Technologies!</a:t>
             </a:r>
             <a:endParaRPr lang="en-US" dirty="0"/>
           </a:p>
@@ -1747,7 +1699,7 @@
     </p:spTree>
     <p:extLst>
       <p:ext uri="{BB962C8B-B14F-4D97-AF65-F5344CB8AC3E}">
-        <p14:creationId xmlns:p14="http://schemas.microsoft.com/office/powerpoint/2010/main" val="3910238719"/>
+        <p14:creationId xmlns:p14="http://schemas.microsoft.com/office/powerpoint/2010/main" val="3630661752"/>
       </p:ext>
     </p:extLst>
   </p:cSld>
@@ -1801,16 +1753,40 @@
           <a:bodyPr/>
           <a:lstStyle/>
           <a:p>
-            <a:r>
-              <a:rPr lang="en-US" dirty="0" smtClean="0"/>
-              <a:t>https://www.w3.org/XML/Query/</a:t>
-            </a:r>
-          </a:p>
-          <a:p>
-            <a:r>
-              <a:rPr lang="en-US" dirty="0" smtClean="0"/>
-              <a:t>https://www.w3schools.com/xml/xquery_intro.asp</a:t>
-            </a:r>
+            <a:pPr marL="0" marR="0" indent="0" algn="l" defTabSz="914400" rtl="0" eaLnBrk="1" fontAlgn="auto" latinLnBrk="0" hangingPunct="1">
+              <a:lnSpc>
+                <a:spcPct val="100000"/>
+              </a:lnSpc>
+              <a:spcBef>
+                <a:spcPts val="0"/>
+              </a:spcBef>
+              <a:spcAft>
+                <a:spcPts val="0"/>
+              </a:spcAft>
+              <a:buClrTx/>
+              <a:buSzTx/>
+              <a:buFontTx/>
+              <a:buNone/>
+              <a:tabLst/>
+              <a:defRPr/>
+            </a:pPr>
+            <a:r>
+              <a:rPr lang="en-US" dirty="0" smtClean="0"/>
+              <a:t>Multiple Entity &lt;note&gt; Example</a:t>
+            </a:r>
+          </a:p>
+          <a:p>
+            <a:r>
+              <a:rPr lang="en-US" dirty="0" smtClean="0"/>
+              <a:t>https://www.w3schools.com/xml/</a:t>
+            </a:r>
+          </a:p>
+          <a:p>
+            <a:r>
+              <a:rPr lang="en-US" dirty="0" smtClean="0"/>
+              <a:t>Attribute Data is best used as Metadata about the Element Data</a:t>
+            </a:r>
+            <a:endParaRPr lang="en-US" dirty="0"/>
           </a:p>
         </p:txBody>
       </p:sp>
@@ -1840,7 +1816,7 @@
     </p:spTree>
     <p:extLst>
       <p:ext uri="{BB962C8B-B14F-4D97-AF65-F5344CB8AC3E}">
-        <p14:creationId xmlns:p14="http://schemas.microsoft.com/office/powerpoint/2010/main" val="1874009049"/>
+        <p14:creationId xmlns:p14="http://schemas.microsoft.com/office/powerpoint/2010/main" val="1694362293"/>
       </p:ext>
     </p:extLst>
   </p:cSld>
@@ -1896,17 +1872,34 @@
           <a:p>
             <a:r>
               <a:rPr lang="en-US" dirty="0" smtClean="0"/>
-              <a:t>You</a:t>
+              <a:t>Defines Valid</a:t>
             </a:r>
             <a:r>
               <a:rPr lang="en-US" baseline="0" dirty="0" smtClean="0"/>
-              <a:t> can execute XQuery Code in </a:t>
-            </a:r>
-            <a:r>
-              <a:rPr lang="en-US" baseline="0" dirty="0" err="1" smtClean="0"/>
-              <a:t>BaseX</a:t>
+              <a:t> Structure of the XML Document</a:t>
             </a:r>
             <a:endParaRPr lang="en-US" dirty="0" smtClean="0"/>
+          </a:p>
+          <a:p>
+            <a:r>
+              <a:rPr lang="en-US" dirty="0" smtClean="0"/>
+              <a:t>https</a:t>
+            </a:r>
+            <a:r>
+              <a:rPr lang="en-US" dirty="0" smtClean="0"/>
+              <a:t>://www.w3schools.com/xml/schema_intro.asp</a:t>
+            </a:r>
+          </a:p>
+          <a:p>
+            <a:r>
+              <a:rPr lang="en-US" dirty="0" smtClean="0"/>
+              <a:t>You can use Java or online tools to validate xml</a:t>
+            </a:r>
+            <a:r>
+              <a:rPr lang="en-US" baseline="0" dirty="0" smtClean="0"/>
+              <a:t> with xml schema.</a:t>
+            </a:r>
+            <a:endParaRPr lang="en-US" dirty="0"/>
           </a:p>
         </p:txBody>
       </p:sp>
@@ -1928,6 +1921,375 @@
             <a:fld id="{715A84DC-FEF2-4269-A86F-D7F63D4115C8}" type="slidenum">
               <a:rPr lang="en-US" smtClean="0"/>
               <a:t>23</a:t>
+            </a:fld>
+            <a:endParaRPr lang="en-US"/>
+          </a:p>
+        </p:txBody>
+      </p:sp>
+    </p:spTree>
+    <p:extLst>
+      <p:ext uri="{BB962C8B-B14F-4D97-AF65-F5344CB8AC3E}">
+        <p14:creationId xmlns:p14="http://schemas.microsoft.com/office/powerpoint/2010/main" val="4057972422"/>
+      </p:ext>
+    </p:extLst>
+  </p:cSld>
+  <p:clrMapOvr>
+    <a:masterClrMapping/>
+  </p:clrMapOvr>
+</p:notes>
+</file>
+
+<file path=ppt/notesSlides/notesSlide22.xml><?xml version="1.0" encoding="utf-8"?>
+<p:notes xmlns:a="http://schemas.openxmlformats.org/drawingml/2006/main" xmlns:r="http://schemas.openxmlformats.org/officeDocument/2006/relationships" xmlns:p="http://schemas.openxmlformats.org/presentationml/2006/main">
+  <p:cSld>
+    <p:spTree>
+      <p:nvGrpSpPr>
+        <p:cNvPr id="1" name=""/>
+        <p:cNvGrpSpPr/>
+        <p:nvPr/>
+      </p:nvGrpSpPr>
+      <p:grpSpPr>
+        <a:xfrm>
+          <a:off x="0" y="0"/>
+          <a:ext cx="0" cy="0"/>
+          <a:chOff x="0" y="0"/>
+          <a:chExt cx="0" cy="0"/>
+        </a:xfrm>
+      </p:grpSpPr>
+      <p:sp>
+        <p:nvSpPr>
+          <p:cNvPr id="2" name="Slide Image Placeholder 1"/>
+          <p:cNvSpPr>
+            <a:spLocks noGrp="1" noRot="1" noChangeAspect="1"/>
+          </p:cNvSpPr>
+          <p:nvPr>
+            <p:ph type="sldImg"/>
+          </p:nvPr>
+        </p:nvSpPr>
+        <p:spPr/>
+      </p:sp>
+      <p:sp>
+        <p:nvSpPr>
+          <p:cNvPr id="3" name="Notes Placeholder 2"/>
+          <p:cNvSpPr>
+            <a:spLocks noGrp="1"/>
+          </p:cNvSpPr>
+          <p:nvPr>
+            <p:ph type="body" idx="1"/>
+          </p:nvPr>
+        </p:nvSpPr>
+        <p:spPr/>
+        <p:txBody>
+          <a:bodyPr/>
+          <a:lstStyle/>
+          <a:p>
+            <a:r>
+              <a:rPr lang="en-US" dirty="0" smtClean="0"/>
+              <a:t>https://www.w3schools.com/xml/xpath_intro.asp</a:t>
+            </a:r>
+          </a:p>
+          <a:p>
+            <a:r>
+              <a:rPr lang="en-US" dirty="0" smtClean="0"/>
+              <a:t>Returns </a:t>
+            </a:r>
+            <a:r>
+              <a:rPr lang="en-US" sz="1200" b="0" i="0" kern="1200" dirty="0" smtClean="0">
+                <a:solidFill>
+                  <a:schemeClr val="tx1"/>
+                </a:solidFill>
+                <a:effectLst/>
+                <a:latin typeface="+mn-lt"/>
+                <a:ea typeface="+mn-ea"/>
+                <a:cs typeface="+mn-cs"/>
+              </a:rPr>
+              <a:t>&lt;title </a:t>
+            </a:r>
+            <a:r>
+              <a:rPr lang="en-US" sz="1200" b="0" i="0" kern="1200" dirty="0" err="1" smtClean="0">
+                <a:solidFill>
+                  <a:schemeClr val="tx1"/>
+                </a:solidFill>
+                <a:effectLst/>
+                <a:latin typeface="+mn-lt"/>
+                <a:ea typeface="+mn-ea"/>
+                <a:cs typeface="+mn-cs"/>
+              </a:rPr>
+              <a:t>lang</a:t>
+            </a:r>
+            <a:r>
+              <a:rPr lang="en-US" sz="1200" b="0" i="0" kern="1200" dirty="0" smtClean="0">
+                <a:solidFill>
+                  <a:schemeClr val="tx1"/>
+                </a:solidFill>
+                <a:effectLst/>
+                <a:latin typeface="+mn-lt"/>
+                <a:ea typeface="+mn-ea"/>
+                <a:cs typeface="+mn-cs"/>
+              </a:rPr>
+              <a:t>="</a:t>
+            </a:r>
+            <a:r>
+              <a:rPr lang="en-US" sz="1200" b="0" i="0" kern="1200" dirty="0" err="1" smtClean="0">
+                <a:solidFill>
+                  <a:schemeClr val="tx1"/>
+                </a:solidFill>
+                <a:effectLst/>
+                <a:latin typeface="+mn-lt"/>
+                <a:ea typeface="+mn-ea"/>
+                <a:cs typeface="+mn-cs"/>
+              </a:rPr>
+              <a:t>en</a:t>
+            </a:r>
+            <a:r>
+              <a:rPr lang="en-US" sz="1200" b="0" i="0" kern="1200" dirty="0" smtClean="0">
+                <a:solidFill>
+                  <a:schemeClr val="tx1"/>
+                </a:solidFill>
+                <a:effectLst/>
+                <a:latin typeface="+mn-lt"/>
+                <a:ea typeface="+mn-ea"/>
+                <a:cs typeface="+mn-cs"/>
+              </a:rPr>
+              <a:t>"&gt;XQuery Kick Start&lt;/title</a:t>
+            </a:r>
+            <a:r>
+              <a:rPr lang="en-US" sz="1200" b="0" i="0" kern="1200" dirty="0" smtClean="0">
+                <a:solidFill>
+                  <a:schemeClr val="tx1"/>
+                </a:solidFill>
+                <a:effectLst/>
+                <a:latin typeface="+mn-lt"/>
+                <a:ea typeface="+mn-ea"/>
+                <a:cs typeface="+mn-cs"/>
+              </a:rPr>
+              <a:t>&gt;</a:t>
+            </a:r>
+          </a:p>
+          <a:p>
+            <a:r>
+              <a:rPr lang="en-US" sz="1200" b="0" i="0" kern="1200" dirty="0" smtClean="0">
+                <a:solidFill>
+                  <a:schemeClr val="tx1"/>
+                </a:solidFill>
+                <a:effectLst/>
+                <a:latin typeface="+mn-lt"/>
+                <a:ea typeface="+mn-ea"/>
+                <a:cs typeface="+mn-cs"/>
+              </a:rPr>
+              <a:t>[price&gt;35] is referred to as the Predicate.</a:t>
+            </a:r>
+            <a:endParaRPr lang="en-US" dirty="0"/>
+          </a:p>
+        </p:txBody>
+      </p:sp>
+      <p:sp>
+        <p:nvSpPr>
+          <p:cNvPr id="4" name="Slide Number Placeholder 3"/>
+          <p:cNvSpPr>
+            <a:spLocks noGrp="1"/>
+          </p:cNvSpPr>
+          <p:nvPr>
+            <p:ph type="sldNum" sz="quarter" idx="10"/>
+          </p:nvPr>
+        </p:nvSpPr>
+        <p:spPr/>
+        <p:txBody>
+          <a:bodyPr/>
+          <a:lstStyle/>
+          <a:p>
+            <a:fld id="{715A84DC-FEF2-4269-A86F-D7F63D4115C8}" type="slidenum">
+              <a:rPr lang="en-US" smtClean="0"/>
+              <a:t>24</a:t>
+            </a:fld>
+            <a:endParaRPr lang="en-US"/>
+          </a:p>
+        </p:txBody>
+      </p:sp>
+    </p:spTree>
+    <p:extLst>
+      <p:ext uri="{BB962C8B-B14F-4D97-AF65-F5344CB8AC3E}">
+        <p14:creationId xmlns:p14="http://schemas.microsoft.com/office/powerpoint/2010/main" val="3395605695"/>
+      </p:ext>
+    </p:extLst>
+  </p:cSld>
+  <p:clrMapOvr>
+    <a:masterClrMapping/>
+  </p:clrMapOvr>
+</p:notes>
+</file>
+
+<file path=ppt/notesSlides/notesSlide23.xml><?xml version="1.0" encoding="utf-8"?>
+<p:notes xmlns:a="http://schemas.openxmlformats.org/drawingml/2006/main" xmlns:r="http://schemas.openxmlformats.org/officeDocument/2006/relationships" xmlns:p="http://schemas.openxmlformats.org/presentationml/2006/main">
+  <p:cSld>
+    <p:spTree>
+      <p:nvGrpSpPr>
+        <p:cNvPr id="1" name=""/>
+        <p:cNvGrpSpPr/>
+        <p:nvPr/>
+      </p:nvGrpSpPr>
+      <p:grpSpPr>
+        <a:xfrm>
+          <a:off x="0" y="0"/>
+          <a:ext cx="0" cy="0"/>
+          <a:chOff x="0" y="0"/>
+          <a:chExt cx="0" cy="0"/>
+        </a:xfrm>
+      </p:grpSpPr>
+      <p:sp>
+        <p:nvSpPr>
+          <p:cNvPr id="2" name="Slide Image Placeholder 1"/>
+          <p:cNvSpPr>
+            <a:spLocks noGrp="1" noRot="1" noChangeAspect="1"/>
+          </p:cNvSpPr>
+          <p:nvPr>
+            <p:ph type="sldImg"/>
+          </p:nvPr>
+        </p:nvSpPr>
+        <p:spPr/>
+      </p:sp>
+      <p:sp>
+        <p:nvSpPr>
+          <p:cNvPr id="3" name="Notes Placeholder 2"/>
+          <p:cNvSpPr>
+            <a:spLocks noGrp="1"/>
+          </p:cNvSpPr>
+          <p:nvPr>
+            <p:ph type="body" idx="1"/>
+          </p:nvPr>
+        </p:nvSpPr>
+        <p:spPr/>
+        <p:txBody>
+          <a:bodyPr/>
+          <a:lstStyle/>
+          <a:p>
+            <a:r>
+              <a:rPr lang="en-US" dirty="0" smtClean="0"/>
+              <a:t>https://www.w3.org/XML/Query/</a:t>
+            </a:r>
+          </a:p>
+          <a:p>
+            <a:r>
+              <a:rPr lang="en-US" dirty="0" smtClean="0"/>
+              <a:t>https://www.w3schools.com/xml/xquery_intro.asp</a:t>
+            </a:r>
+          </a:p>
+        </p:txBody>
+      </p:sp>
+      <p:sp>
+        <p:nvSpPr>
+          <p:cNvPr id="4" name="Slide Number Placeholder 3"/>
+          <p:cNvSpPr>
+            <a:spLocks noGrp="1"/>
+          </p:cNvSpPr>
+          <p:nvPr>
+            <p:ph type="sldNum" sz="quarter" idx="10"/>
+          </p:nvPr>
+        </p:nvSpPr>
+        <p:spPr/>
+        <p:txBody>
+          <a:bodyPr/>
+          <a:lstStyle/>
+          <a:p>
+            <a:fld id="{715A84DC-FEF2-4269-A86F-D7F63D4115C8}" type="slidenum">
+              <a:rPr lang="en-US" smtClean="0"/>
+              <a:t>25</a:t>
+            </a:fld>
+            <a:endParaRPr lang="en-US"/>
+          </a:p>
+        </p:txBody>
+      </p:sp>
+    </p:spTree>
+    <p:extLst>
+      <p:ext uri="{BB962C8B-B14F-4D97-AF65-F5344CB8AC3E}">
+        <p14:creationId xmlns:p14="http://schemas.microsoft.com/office/powerpoint/2010/main" val="1874009049"/>
+      </p:ext>
+    </p:extLst>
+  </p:cSld>
+  <p:clrMapOvr>
+    <a:masterClrMapping/>
+  </p:clrMapOvr>
+</p:notes>
+</file>
+
+<file path=ppt/notesSlides/notesSlide24.xml><?xml version="1.0" encoding="utf-8"?>
+<p:notes xmlns:a="http://schemas.openxmlformats.org/drawingml/2006/main" xmlns:r="http://schemas.openxmlformats.org/officeDocument/2006/relationships" xmlns:p="http://schemas.openxmlformats.org/presentationml/2006/main">
+  <p:cSld>
+    <p:spTree>
+      <p:nvGrpSpPr>
+        <p:cNvPr id="1" name=""/>
+        <p:cNvGrpSpPr/>
+        <p:nvPr/>
+      </p:nvGrpSpPr>
+      <p:grpSpPr>
+        <a:xfrm>
+          <a:off x="0" y="0"/>
+          <a:ext cx="0" cy="0"/>
+          <a:chOff x="0" y="0"/>
+          <a:chExt cx="0" cy="0"/>
+        </a:xfrm>
+      </p:grpSpPr>
+      <p:sp>
+        <p:nvSpPr>
+          <p:cNvPr id="2" name="Slide Image Placeholder 1"/>
+          <p:cNvSpPr>
+            <a:spLocks noGrp="1" noRot="1" noChangeAspect="1"/>
+          </p:cNvSpPr>
+          <p:nvPr>
+            <p:ph type="sldImg"/>
+          </p:nvPr>
+        </p:nvSpPr>
+        <p:spPr/>
+      </p:sp>
+      <p:sp>
+        <p:nvSpPr>
+          <p:cNvPr id="3" name="Notes Placeholder 2"/>
+          <p:cNvSpPr>
+            <a:spLocks noGrp="1"/>
+          </p:cNvSpPr>
+          <p:nvPr>
+            <p:ph type="body" idx="1"/>
+          </p:nvPr>
+        </p:nvSpPr>
+        <p:spPr/>
+        <p:txBody>
+          <a:bodyPr/>
+          <a:lstStyle/>
+          <a:p>
+            <a:r>
+              <a:rPr lang="en-US" dirty="0" smtClean="0"/>
+              <a:t>You</a:t>
+            </a:r>
+            <a:r>
+              <a:rPr lang="en-US" baseline="0" dirty="0" smtClean="0"/>
+              <a:t> can execute XQuery Code in </a:t>
+            </a:r>
+            <a:r>
+              <a:rPr lang="en-US" b="1" baseline="0" dirty="0" err="1" smtClean="0"/>
+              <a:t>BaseX</a:t>
+            </a:r>
+            <a:endParaRPr lang="en-US" b="1" dirty="0" smtClean="0"/>
+          </a:p>
+        </p:txBody>
+      </p:sp>
+      <p:sp>
+        <p:nvSpPr>
+          <p:cNvPr id="4" name="Slide Number Placeholder 3"/>
+          <p:cNvSpPr>
+            <a:spLocks noGrp="1"/>
+          </p:cNvSpPr>
+          <p:nvPr>
+            <p:ph type="sldNum" sz="quarter" idx="10"/>
+          </p:nvPr>
+        </p:nvSpPr>
+        <p:spPr/>
+        <p:txBody>
+          <a:bodyPr/>
+          <a:lstStyle/>
+          <a:p>
+            <a:fld id="{715A84DC-FEF2-4269-A86F-D7F63D4115C8}" type="slidenum">
+              <a:rPr lang="en-US" smtClean="0"/>
+              <a:t>26</a:t>
             </a:fld>
             <a:endParaRPr lang="en-US"/>
           </a:p>
@@ -1992,153 +2354,23 @@
           <a:p>
             <a:r>
               <a:rPr lang="en-US" dirty="0" smtClean="0"/>
-              <a:t>https://www.mongodb.com/nosql-explained</a:t>
-            </a:r>
-          </a:p>
-          <a:p>
-            <a:pPr marL="171450" marR="0" indent="-171450" algn="l" defTabSz="914400" rtl="0" eaLnBrk="1" fontAlgn="auto" latinLnBrk="0" hangingPunct="1">
-              <a:lnSpc>
-                <a:spcPct val="100000"/>
-              </a:lnSpc>
-              <a:spcBef>
-                <a:spcPts val="0"/>
-              </a:spcBef>
-              <a:spcAft>
-                <a:spcPts val="0"/>
-              </a:spcAft>
-              <a:buClrTx/>
-              <a:buSzTx/>
-              <a:buFont typeface="Arial" panose="020B0604020202020204" pitchFamily="34" charset="0"/>
-              <a:buChar char="•"/>
-              <a:tabLst/>
-              <a:defRPr/>
-            </a:pPr>
-            <a:r>
-              <a:rPr lang="en-US" sz="1200" b="0" i="0" kern="1200" dirty="0" smtClean="0">
-                <a:solidFill>
-                  <a:schemeClr val="tx1"/>
-                </a:solidFill>
-                <a:effectLst/>
-                <a:latin typeface="+mn-lt"/>
-                <a:ea typeface="+mn-ea"/>
-                <a:cs typeface="+mn-cs"/>
-              </a:rPr>
-              <a:t>Dynamic Schemas</a:t>
-            </a:r>
-          </a:p>
-          <a:p>
-            <a:pPr marL="171450" marR="0" indent="-171450" algn="l" defTabSz="914400" rtl="0" eaLnBrk="1" fontAlgn="auto" latinLnBrk="0" hangingPunct="1">
-              <a:lnSpc>
-                <a:spcPct val="100000"/>
-              </a:lnSpc>
-              <a:spcBef>
-                <a:spcPts val="0"/>
-              </a:spcBef>
-              <a:spcAft>
-                <a:spcPts val="0"/>
-              </a:spcAft>
-              <a:buClrTx/>
-              <a:buSzTx/>
-              <a:buFont typeface="Arial" panose="020B0604020202020204" pitchFamily="34" charset="0"/>
-              <a:buChar char="•"/>
-              <a:tabLst/>
-              <a:defRPr/>
-            </a:pPr>
-            <a:r>
-              <a:rPr lang="en-US" sz="1200" b="0" i="0" kern="1200" dirty="0" smtClean="0">
-                <a:solidFill>
-                  <a:schemeClr val="tx1"/>
-                </a:solidFill>
-                <a:effectLst/>
-                <a:latin typeface="+mn-lt"/>
-                <a:ea typeface="+mn-ea"/>
-                <a:cs typeface="+mn-cs"/>
-              </a:rPr>
-              <a:t>Auto-</a:t>
-            </a:r>
-            <a:r>
-              <a:rPr lang="en-US" sz="1200" b="0" i="0" kern="1200" dirty="0" err="1" smtClean="0">
-                <a:solidFill>
-                  <a:schemeClr val="tx1"/>
-                </a:solidFill>
-                <a:effectLst/>
-                <a:latin typeface="+mn-lt"/>
-                <a:ea typeface="+mn-ea"/>
-                <a:cs typeface="+mn-cs"/>
-              </a:rPr>
-              <a:t>sharding</a:t>
-            </a:r>
-            <a:endParaRPr lang="en-US" sz="1200" b="0" i="0" kern="1200" dirty="0" smtClean="0">
-              <a:solidFill>
-                <a:schemeClr val="tx1"/>
-              </a:solidFill>
-              <a:effectLst/>
-              <a:latin typeface="+mn-lt"/>
-              <a:ea typeface="+mn-ea"/>
-              <a:cs typeface="+mn-cs"/>
-            </a:endParaRPr>
-          </a:p>
-          <a:p>
-            <a:pPr marL="171450" marR="0" indent="-171450" algn="l" defTabSz="914400" rtl="0" eaLnBrk="1" fontAlgn="auto" latinLnBrk="0" hangingPunct="1">
-              <a:lnSpc>
-                <a:spcPct val="100000"/>
-              </a:lnSpc>
-              <a:spcBef>
-                <a:spcPts val="0"/>
-              </a:spcBef>
-              <a:spcAft>
-                <a:spcPts val="0"/>
-              </a:spcAft>
-              <a:buClrTx/>
-              <a:buSzTx/>
-              <a:buFont typeface="Arial" panose="020B0604020202020204" pitchFamily="34" charset="0"/>
-              <a:buChar char="•"/>
-              <a:tabLst/>
-              <a:defRPr/>
-            </a:pPr>
-            <a:r>
-              <a:rPr lang="en-US" sz="1200" b="0" i="0" kern="1200" dirty="0" smtClean="0">
-                <a:solidFill>
-                  <a:schemeClr val="tx1"/>
-                </a:solidFill>
-                <a:effectLst/>
-                <a:latin typeface="+mn-lt"/>
-                <a:ea typeface="+mn-ea"/>
-                <a:cs typeface="+mn-cs"/>
-              </a:rPr>
-              <a:t>Replication</a:t>
-            </a:r>
-          </a:p>
-          <a:p>
-            <a:pPr marL="171450" marR="0" indent="-171450" algn="l" defTabSz="914400" rtl="0" eaLnBrk="1" fontAlgn="auto" latinLnBrk="0" hangingPunct="1">
-              <a:lnSpc>
-                <a:spcPct val="100000"/>
-              </a:lnSpc>
-              <a:spcBef>
-                <a:spcPts val="0"/>
-              </a:spcBef>
-              <a:spcAft>
-                <a:spcPts val="0"/>
-              </a:spcAft>
-              <a:buClrTx/>
-              <a:buSzTx/>
-              <a:buFont typeface="Arial" panose="020B0604020202020204" pitchFamily="34" charset="0"/>
-              <a:buChar char="•"/>
-              <a:tabLst/>
-              <a:defRPr/>
-            </a:pPr>
-            <a:r>
-              <a:rPr lang="en-US" sz="1200" b="0" i="0" kern="1200" dirty="0" smtClean="0">
-                <a:solidFill>
-                  <a:schemeClr val="tx1"/>
-                </a:solidFill>
-                <a:effectLst/>
-                <a:latin typeface="+mn-lt"/>
-                <a:ea typeface="+mn-ea"/>
-                <a:cs typeface="+mn-cs"/>
-              </a:rPr>
-              <a:t>Integrated Caching</a:t>
-            </a:r>
+              <a:t>E.F. </a:t>
+            </a:r>
+            <a:r>
+              <a:rPr lang="en-US" dirty="0" err="1" smtClean="0"/>
+              <a:t>Codd</a:t>
+            </a:r>
+            <a:r>
+              <a:rPr lang="en-US" dirty="0" smtClean="0"/>
+              <a:t> wrote the paper while working for IBM, but Oracle used it 8 years later.</a:t>
+            </a:r>
+          </a:p>
+          <a:p>
+            <a:r>
+              <a:rPr lang="en-US" dirty="0" smtClean="0"/>
+              <a:t>We will mainly focus on Document and Graph DB, since they are more widely used.</a:t>
+            </a:r>
+            <a:endParaRPr lang="en-US" dirty="0"/>
           </a:p>
         </p:txBody>
       </p:sp>
@@ -2168,7 +2400,7 @@
     </p:spTree>
     <p:extLst>
       <p:ext uri="{BB962C8B-B14F-4D97-AF65-F5344CB8AC3E}">
-        <p14:creationId xmlns:p14="http://schemas.microsoft.com/office/powerpoint/2010/main" val="2030243564"/>
+        <p14:creationId xmlns:p14="http://schemas.microsoft.com/office/powerpoint/2010/main" val="3910238719"/>
       </p:ext>
     </p:extLst>
   </p:cSld>
@@ -2222,222 +2454,35 @@
           <a:bodyPr/>
           <a:lstStyle/>
           <a:p>
-            <a:pPr marL="0" marR="0" indent="0" algn="l" defTabSz="914400" rtl="0" eaLnBrk="1" fontAlgn="auto" latinLnBrk="0" hangingPunct="1">
-              <a:lnSpc>
-                <a:spcPct val="100000"/>
-              </a:lnSpc>
-              <a:spcBef>
-                <a:spcPts val="0"/>
-              </a:spcBef>
-              <a:spcAft>
-                <a:spcPts val="0"/>
-              </a:spcAft>
-              <a:buClrTx/>
-              <a:buSzTx/>
-              <a:buFont typeface="Arial" panose="020B0604020202020204" pitchFamily="34" charset="0"/>
-              <a:buNone/>
-              <a:tabLst/>
-              <a:defRPr/>
-            </a:pPr>
-            <a:r>
-              <a:rPr lang="en-US" sz="1200" b="0" i="0" kern="1200" dirty="0" smtClean="0">
-                <a:solidFill>
-                  <a:schemeClr val="tx1"/>
-                </a:solidFill>
-                <a:effectLst/>
-                <a:latin typeface="+mn-lt"/>
-                <a:ea typeface="+mn-ea"/>
-                <a:cs typeface="+mn-cs"/>
-              </a:rPr>
-              <a:t>Big</a:t>
-            </a:r>
-            <a:r>
-              <a:rPr lang="en-US" sz="1200" b="0" i="0" kern="1200" baseline="0" dirty="0" smtClean="0">
-                <a:solidFill>
-                  <a:schemeClr val="tx1"/>
-                </a:solidFill>
-                <a:effectLst/>
-                <a:latin typeface="+mn-lt"/>
-                <a:ea typeface="+mn-ea"/>
-                <a:cs typeface="+mn-cs"/>
-              </a:rPr>
-              <a:t> Data Features:</a:t>
-            </a:r>
-            <a:endParaRPr lang="en-US" sz="1200" b="0" i="0" kern="1200" dirty="0" smtClean="0">
-              <a:solidFill>
-                <a:schemeClr val="tx1"/>
-              </a:solidFill>
-              <a:effectLst/>
-              <a:latin typeface="+mn-lt"/>
-              <a:ea typeface="+mn-ea"/>
-              <a:cs typeface="+mn-cs"/>
-            </a:endParaRPr>
-          </a:p>
-          <a:p>
-            <a:pPr marL="171450" marR="0" indent="-171450" algn="l" defTabSz="914400" rtl="0" eaLnBrk="1" fontAlgn="auto" latinLnBrk="0" hangingPunct="1">
-              <a:lnSpc>
-                <a:spcPct val="100000"/>
-              </a:lnSpc>
-              <a:spcBef>
-                <a:spcPts val="0"/>
-              </a:spcBef>
-              <a:spcAft>
-                <a:spcPts val="0"/>
-              </a:spcAft>
-              <a:buClrTx/>
-              <a:buSzTx/>
-              <a:buFont typeface="Arial" panose="020B0604020202020204" pitchFamily="34" charset="0"/>
-              <a:buChar char="•"/>
-              <a:tabLst/>
-              <a:defRPr/>
-            </a:pPr>
-            <a:r>
-              <a:rPr lang="en-US" sz="1200" b="0" i="0" kern="1200" dirty="0" smtClean="0">
-                <a:solidFill>
-                  <a:schemeClr val="tx1"/>
-                </a:solidFill>
-                <a:effectLst/>
-                <a:latin typeface="+mn-lt"/>
-                <a:ea typeface="+mn-ea"/>
-                <a:cs typeface="+mn-cs"/>
-              </a:rPr>
-              <a:t>Auto Fail-Over</a:t>
-            </a:r>
-          </a:p>
-          <a:p>
-            <a:pPr marL="171450" marR="0" indent="-171450" algn="l" defTabSz="914400" rtl="0" eaLnBrk="1" fontAlgn="auto" latinLnBrk="0" hangingPunct="1">
-              <a:lnSpc>
-                <a:spcPct val="100000"/>
-              </a:lnSpc>
-              <a:spcBef>
-                <a:spcPts val="0"/>
-              </a:spcBef>
-              <a:spcAft>
-                <a:spcPts val="0"/>
-              </a:spcAft>
-              <a:buClrTx/>
-              <a:buSzTx/>
-              <a:buFont typeface="Arial" panose="020B0604020202020204" pitchFamily="34" charset="0"/>
-              <a:buChar char="•"/>
-              <a:tabLst/>
-              <a:defRPr/>
-            </a:pPr>
-            <a:r>
-              <a:rPr lang="en-US" sz="1200" b="0" i="0" kern="1200" dirty="0" smtClean="0">
-                <a:solidFill>
-                  <a:schemeClr val="tx1"/>
-                </a:solidFill>
-                <a:effectLst/>
-                <a:latin typeface="+mn-lt"/>
-                <a:ea typeface="+mn-ea"/>
-                <a:cs typeface="+mn-cs"/>
-              </a:rPr>
-              <a:t>Auto-</a:t>
-            </a:r>
-            <a:r>
-              <a:rPr lang="en-US" sz="1200" b="0" i="0" kern="1200" dirty="0" err="1" smtClean="0">
-                <a:solidFill>
-                  <a:schemeClr val="tx1"/>
-                </a:solidFill>
-                <a:effectLst/>
-                <a:latin typeface="+mn-lt"/>
-                <a:ea typeface="+mn-ea"/>
-                <a:cs typeface="+mn-cs"/>
-              </a:rPr>
-              <a:t>Sharding</a:t>
-            </a:r>
-            <a:endParaRPr lang="en-US" sz="1200" b="0" i="0" kern="1200" dirty="0" smtClean="0">
-              <a:solidFill>
-                <a:schemeClr val="tx1"/>
-              </a:solidFill>
-              <a:effectLst/>
-              <a:latin typeface="+mn-lt"/>
-              <a:ea typeface="+mn-ea"/>
-              <a:cs typeface="+mn-cs"/>
-            </a:endParaRPr>
-          </a:p>
-          <a:p>
-            <a:pPr marL="171450" marR="0" indent="-171450" algn="l" defTabSz="914400" rtl="0" eaLnBrk="1" fontAlgn="auto" latinLnBrk="0" hangingPunct="1">
-              <a:lnSpc>
-                <a:spcPct val="100000"/>
-              </a:lnSpc>
-              <a:spcBef>
-                <a:spcPts val="0"/>
-              </a:spcBef>
-              <a:spcAft>
-                <a:spcPts val="0"/>
-              </a:spcAft>
-              <a:buClrTx/>
-              <a:buSzTx/>
-              <a:buFont typeface="Arial" panose="020B0604020202020204" pitchFamily="34" charset="0"/>
-              <a:buChar char="•"/>
-              <a:tabLst/>
-              <a:defRPr/>
-            </a:pPr>
-            <a:r>
-              <a:rPr lang="en-US" sz="1200" b="0" i="0" kern="1200" dirty="0" smtClean="0">
-                <a:solidFill>
-                  <a:schemeClr val="tx1"/>
-                </a:solidFill>
-                <a:effectLst/>
-                <a:latin typeface="+mn-lt"/>
-                <a:ea typeface="+mn-ea"/>
-                <a:cs typeface="+mn-cs"/>
-              </a:rPr>
-              <a:t>Replication &amp; High Availability &amp; High</a:t>
-            </a:r>
-            <a:r>
-              <a:rPr lang="en-US" sz="1200" b="0" i="0" kern="1200" baseline="0" dirty="0" smtClean="0">
-                <a:solidFill>
-                  <a:schemeClr val="tx1"/>
-                </a:solidFill>
-                <a:effectLst/>
-                <a:latin typeface="+mn-lt"/>
-                <a:ea typeface="+mn-ea"/>
-                <a:cs typeface="+mn-cs"/>
-              </a:rPr>
-              <a:t> Performance Computing</a:t>
-            </a:r>
-            <a:endParaRPr lang="en-US" sz="1200" b="0" i="0" kern="1200" dirty="0" smtClean="0">
-              <a:solidFill>
-                <a:schemeClr val="tx1"/>
-              </a:solidFill>
-              <a:effectLst/>
-              <a:latin typeface="+mn-lt"/>
-              <a:ea typeface="+mn-ea"/>
-              <a:cs typeface="+mn-cs"/>
-            </a:endParaRPr>
-          </a:p>
-          <a:p>
-            <a:pPr marL="171450" marR="0" indent="-171450" algn="l" defTabSz="914400" rtl="0" eaLnBrk="1" fontAlgn="auto" latinLnBrk="0" hangingPunct="1">
-              <a:lnSpc>
-                <a:spcPct val="100000"/>
-              </a:lnSpc>
-              <a:spcBef>
-                <a:spcPts val="0"/>
-              </a:spcBef>
-              <a:spcAft>
-                <a:spcPts val="0"/>
-              </a:spcAft>
-              <a:buClrTx/>
-              <a:buSzTx/>
-              <a:buFont typeface="Arial" panose="020B0604020202020204" pitchFamily="34" charset="0"/>
-              <a:buChar char="•"/>
-              <a:tabLst/>
-              <a:defRPr/>
-            </a:pPr>
-            <a:r>
-              <a:rPr lang="en-US" sz="1200" b="0" i="0" kern="1200" dirty="0" smtClean="0">
-                <a:solidFill>
-                  <a:schemeClr val="tx1"/>
-                </a:solidFill>
-                <a:effectLst/>
-                <a:latin typeface="+mn-lt"/>
-                <a:ea typeface="+mn-ea"/>
-                <a:cs typeface="+mn-cs"/>
-              </a:rPr>
-              <a:t>Integrated Caching</a:t>
-            </a:r>
+            <a:r>
+              <a:rPr lang="en-US" dirty="0" smtClean="0"/>
+              <a:t>Read</a:t>
+            </a:r>
+            <a:r>
+              <a:rPr lang="en-US" baseline="0" dirty="0" smtClean="0"/>
+              <a:t> the Summery Text...</a:t>
+            </a:r>
+          </a:p>
+          <a:p>
+            <a:r>
+              <a:rPr lang="en-US" dirty="0" smtClean="0"/>
+              <a:t>OrientDB</a:t>
+            </a:r>
+            <a:r>
+              <a:rPr lang="en-US" baseline="0" dirty="0" smtClean="0"/>
+              <a:t> </a:t>
+            </a:r>
+            <a:r>
+              <a:rPr lang="en-US" baseline="0" dirty="0" smtClean="0"/>
+              <a:t>attempts to do all of these in one product!</a:t>
+            </a:r>
+          </a:p>
+          <a:p>
+            <a:r>
+              <a:rPr lang="en-US" baseline="0" dirty="0" smtClean="0"/>
+              <a:t>I think these will eventually merge into one product.</a:t>
+            </a:r>
+            <a:endParaRPr lang="en-US" dirty="0"/>
           </a:p>
         </p:txBody>
       </p:sp>
@@ -2467,7 +2512,7 @@
     </p:spTree>
     <p:extLst>
       <p:ext uri="{BB962C8B-B14F-4D97-AF65-F5344CB8AC3E}">
-        <p14:creationId xmlns:p14="http://schemas.microsoft.com/office/powerpoint/2010/main" val="2030243564"/>
+        <p14:creationId xmlns:p14="http://schemas.microsoft.com/office/powerpoint/2010/main" val="3910238719"/>
       </p:ext>
     </p:extLst>
   </p:cSld>
@@ -2523,12 +2568,44 @@
           <a:p>
             <a:r>
               <a:rPr lang="en-US" dirty="0" smtClean="0"/>
-              <a:t>https://db-engines.com/en/ranking/document+store</a:t>
-            </a:r>
-          </a:p>
-          <a:p>
-            <a:r>
-              <a:rPr lang="en-US" sz="1200" b="0" i="0" u="none" strike="noStrike" kern="1200" dirty="0" smtClean="0">
+              <a:t>The slide</a:t>
+            </a:r>
+            <a:r>
+              <a:rPr lang="en-US" baseline="0" dirty="0" smtClean="0"/>
+              <a:t> covers the reasons for using NoSQL</a:t>
+            </a:r>
+            <a:r>
+              <a:rPr lang="en-US" baseline="0" dirty="0" smtClean="0"/>
+              <a:t>! Any other use cases?</a:t>
+            </a:r>
+            <a:endParaRPr lang="en-US" dirty="0" smtClean="0"/>
+          </a:p>
+          <a:p>
+            <a:r>
+              <a:rPr lang="en-US" dirty="0" smtClean="0"/>
+              <a:t>https://www.mongodb.com/nosql-explained</a:t>
+            </a:r>
+          </a:p>
+          <a:p>
+            <a:pPr marL="171450" marR="0" indent="-171450" algn="l" defTabSz="914400" rtl="0" eaLnBrk="1" fontAlgn="auto" latinLnBrk="0" hangingPunct="1">
+              <a:lnSpc>
+                <a:spcPct val="100000"/>
+              </a:lnSpc>
+              <a:spcBef>
+                <a:spcPts val="0"/>
+              </a:spcBef>
+              <a:spcAft>
+                <a:spcPts val="0"/>
+              </a:spcAft>
+              <a:buClrTx/>
+              <a:buSzTx/>
+              <a:buFont typeface="Arial" panose="020B0604020202020204" pitchFamily="34" charset="0"/>
+              <a:buChar char="•"/>
+              <a:tabLst/>
+              <a:defRPr/>
+            </a:pPr>
+            <a:r>
+              <a:rPr lang="en-US" sz="1200" b="0" i="0" kern="1200" dirty="0" smtClean="0">
                 <a:solidFill>
                   <a:schemeClr val="tx1"/>
                 </a:solidFill>
@@ -2537,12 +2614,29 @@
                 <a:ea typeface="+mn-ea"/>
                 <a:cs typeface="+mn-cs"/>
               </a:rPr>
-              <a:t>BSON is a binary representation of JSON documents</a:t>
-            </a:r>
-          </a:p>
-          <a:p>
-            <a:r>
-              <a:rPr lang="en-US" sz="1200" b="0" i="0" u="none" strike="noStrike" kern="1200" dirty="0" smtClean="0">
+              <a:t>Dynamic Schemas</a:t>
+            </a:r>
+          </a:p>
+          <a:p>
+            <a:pPr marL="171450" marR="0" indent="-171450" algn="l" defTabSz="914400" rtl="0" eaLnBrk="1" fontAlgn="auto" latinLnBrk="0" hangingPunct="1">
+              <a:lnSpc>
+                <a:spcPct val="100000"/>
+              </a:lnSpc>
+              <a:spcBef>
+                <a:spcPts val="0"/>
+              </a:spcBef>
+              <a:spcAft>
+                <a:spcPts val="0"/>
+              </a:spcAft>
+              <a:buClrTx/>
+              <a:buSzTx/>
+              <a:buFont typeface="Arial" panose="020B0604020202020204" pitchFamily="34" charset="0"/>
+              <a:buChar char="•"/>
+              <a:tabLst/>
+              <a:defRPr/>
+            </a:pPr>
+            <a:r>
+              <a:rPr lang="en-US" sz="1200" b="0" i="0" kern="1200" dirty="0" smtClean="0">
                 <a:solidFill>
                   <a:schemeClr val="tx1"/>
                 </a:solidFill>
@@ -2551,24 +2645,91 @@
                 <a:ea typeface="+mn-ea"/>
                 <a:cs typeface="+mn-cs"/>
               </a:rPr>
-              <a:t>http://bsonspec.org</a:t>
-            </a:r>
-          </a:p>
-          <a:p>
-            <a:r>
-              <a:rPr lang="en-US" dirty="0" smtClean="0"/>
-              <a:t>https://docs.mongodb.com/manual/reference/bson-types/</a:t>
-            </a:r>
-          </a:p>
-          <a:p>
-            <a:endParaRPr lang="en-US" dirty="0" smtClean="0"/>
-          </a:p>
-          <a:p>
-            <a:r>
-              <a:rPr lang="en-US" dirty="0" smtClean="0"/>
-              <a:t>https://db-engines.com/en/ranking/graph+dbms</a:t>
-            </a:r>
-            <a:endParaRPr lang="en-US" dirty="0"/>
+              <a:t>Auto-</a:t>
+            </a:r>
+            <a:r>
+              <a:rPr lang="en-US" sz="1200" b="0" i="0" kern="1200" dirty="0" err="1" smtClean="0">
+                <a:solidFill>
+                  <a:schemeClr val="tx1"/>
+                </a:solidFill>
+                <a:effectLst/>
+                <a:latin typeface="+mn-lt"/>
+                <a:ea typeface="+mn-ea"/>
+                <a:cs typeface="+mn-cs"/>
+              </a:rPr>
+              <a:t>sharding</a:t>
+            </a:r>
+            <a:endParaRPr lang="en-US" sz="1200" b="0" i="0" kern="1200" dirty="0" smtClean="0">
+              <a:solidFill>
+                <a:schemeClr val="tx1"/>
+              </a:solidFill>
+              <a:effectLst/>
+              <a:latin typeface="+mn-lt"/>
+              <a:ea typeface="+mn-ea"/>
+              <a:cs typeface="+mn-cs"/>
+            </a:endParaRPr>
+          </a:p>
+          <a:p>
+            <a:pPr marL="171450" marR="0" indent="-171450" algn="l" defTabSz="914400" rtl="0" eaLnBrk="1" fontAlgn="auto" latinLnBrk="0" hangingPunct="1">
+              <a:lnSpc>
+                <a:spcPct val="100000"/>
+              </a:lnSpc>
+              <a:spcBef>
+                <a:spcPts val="0"/>
+              </a:spcBef>
+              <a:spcAft>
+                <a:spcPts val="0"/>
+              </a:spcAft>
+              <a:buClrTx/>
+              <a:buSzTx/>
+              <a:buFont typeface="Arial" panose="020B0604020202020204" pitchFamily="34" charset="0"/>
+              <a:buChar char="•"/>
+              <a:tabLst/>
+              <a:defRPr/>
+            </a:pPr>
+            <a:r>
+              <a:rPr lang="en-US" sz="1200" b="0" i="0" kern="1200" dirty="0" smtClean="0">
+                <a:solidFill>
+                  <a:schemeClr val="tx1"/>
+                </a:solidFill>
+                <a:effectLst/>
+                <a:latin typeface="+mn-lt"/>
+                <a:ea typeface="+mn-ea"/>
+                <a:cs typeface="+mn-cs"/>
+              </a:rPr>
+              <a:t>Replication</a:t>
+            </a:r>
+          </a:p>
+          <a:p>
+            <a:pPr marL="171450" marR="0" indent="-171450" algn="l" defTabSz="914400" rtl="0" eaLnBrk="1" fontAlgn="auto" latinLnBrk="0" hangingPunct="1">
+              <a:lnSpc>
+                <a:spcPct val="100000"/>
+              </a:lnSpc>
+              <a:spcBef>
+                <a:spcPts val="0"/>
+              </a:spcBef>
+              <a:spcAft>
+                <a:spcPts val="0"/>
+              </a:spcAft>
+              <a:buClrTx/>
+              <a:buSzTx/>
+              <a:buFont typeface="Arial" panose="020B0604020202020204" pitchFamily="34" charset="0"/>
+              <a:buChar char="•"/>
+              <a:tabLst/>
+              <a:defRPr/>
+            </a:pPr>
+            <a:r>
+              <a:rPr lang="en-US" sz="1200" b="0" i="0" kern="1200" dirty="0" smtClean="0">
+                <a:solidFill>
+                  <a:schemeClr val="tx1"/>
+                </a:solidFill>
+                <a:effectLst/>
+                <a:latin typeface="+mn-lt"/>
+                <a:ea typeface="+mn-ea"/>
+                <a:cs typeface="+mn-cs"/>
+              </a:rPr>
+              <a:t>Integrated Caching</a:t>
+            </a:r>
           </a:p>
         </p:txBody>
       </p:sp>
@@ -2598,7 +2759,7 @@
     </p:spTree>
     <p:extLst>
       <p:ext uri="{BB962C8B-B14F-4D97-AF65-F5344CB8AC3E}">
-        <p14:creationId xmlns:p14="http://schemas.microsoft.com/office/powerpoint/2010/main" val="1874009049"/>
+        <p14:creationId xmlns:p14="http://schemas.microsoft.com/office/powerpoint/2010/main" val="2030243564"/>
       </p:ext>
     </p:extLst>
   </p:cSld>
@@ -2652,11 +2813,258 @@
           <a:bodyPr/>
           <a:lstStyle/>
           <a:p>
-            <a:r>
-              <a:rPr lang="en-US" dirty="0" smtClean="0"/>
-              <a:t>We will go over each of these in the following slides…</a:t>
-            </a:r>
-            <a:endParaRPr lang="en-US" dirty="0"/>
+            <a:pPr marL="0" marR="0" indent="0" algn="l" defTabSz="914400" rtl="0" eaLnBrk="1" fontAlgn="auto" latinLnBrk="0" hangingPunct="1">
+              <a:lnSpc>
+                <a:spcPct val="100000"/>
+              </a:lnSpc>
+              <a:spcBef>
+                <a:spcPts val="0"/>
+              </a:spcBef>
+              <a:spcAft>
+                <a:spcPts val="0"/>
+              </a:spcAft>
+              <a:buClrTx/>
+              <a:buSzTx/>
+              <a:buFont typeface="Arial" panose="020B0604020202020204" pitchFamily="34" charset="0"/>
+              <a:buNone/>
+              <a:tabLst/>
+              <a:defRPr/>
+            </a:pPr>
+            <a:r>
+              <a:rPr lang="en-US" sz="1200" b="0" i="0" kern="1200" dirty="0" smtClean="0">
+                <a:solidFill>
+                  <a:schemeClr val="tx1"/>
+                </a:solidFill>
+                <a:effectLst/>
+                <a:latin typeface="+mn-lt"/>
+                <a:ea typeface="+mn-ea"/>
+                <a:cs typeface="+mn-cs"/>
+              </a:rPr>
+              <a:t>NoSQL is designed to work with </a:t>
+            </a:r>
+            <a:r>
+              <a:rPr lang="en-US" sz="1200" b="1" i="0" kern="1200" dirty="0" smtClean="0">
+                <a:solidFill>
+                  <a:schemeClr val="tx1"/>
+                </a:solidFill>
+                <a:effectLst/>
+                <a:latin typeface="+mn-lt"/>
+                <a:ea typeface="+mn-ea"/>
+                <a:cs typeface="+mn-cs"/>
+              </a:rPr>
+              <a:t>Big</a:t>
+            </a:r>
+            <a:r>
+              <a:rPr lang="en-US" sz="1200" b="1" i="0" kern="1200" baseline="0" dirty="0" smtClean="0">
+                <a:solidFill>
+                  <a:schemeClr val="tx1"/>
+                </a:solidFill>
+                <a:effectLst/>
+                <a:latin typeface="+mn-lt"/>
+                <a:ea typeface="+mn-ea"/>
+                <a:cs typeface="+mn-cs"/>
+              </a:rPr>
+              <a:t> </a:t>
+            </a:r>
+            <a:r>
+              <a:rPr lang="en-US" sz="1200" b="1" i="0" kern="1200" baseline="0" dirty="0" smtClean="0">
+                <a:solidFill>
+                  <a:schemeClr val="tx1"/>
+                </a:solidFill>
+                <a:effectLst/>
+                <a:latin typeface="+mn-lt"/>
+                <a:ea typeface="+mn-ea"/>
+                <a:cs typeface="+mn-cs"/>
+              </a:rPr>
+              <a:t>Data </a:t>
+            </a:r>
+            <a:r>
+              <a:rPr lang="en-US" sz="1200" b="0" i="0" kern="1200" baseline="0" dirty="0" smtClean="0">
+                <a:solidFill>
+                  <a:schemeClr val="tx1"/>
+                </a:solidFill>
+                <a:effectLst/>
+                <a:latin typeface="+mn-lt"/>
+                <a:ea typeface="+mn-ea"/>
+                <a:cs typeface="+mn-cs"/>
+              </a:rPr>
+              <a:t>Features:</a:t>
+            </a:r>
+            <a:endParaRPr lang="en-US" sz="1200" b="0" i="0" kern="1200" dirty="0" smtClean="0">
+              <a:solidFill>
+                <a:schemeClr val="tx1"/>
+              </a:solidFill>
+              <a:effectLst/>
+              <a:latin typeface="+mn-lt"/>
+              <a:ea typeface="+mn-ea"/>
+              <a:cs typeface="+mn-cs"/>
+            </a:endParaRPr>
+          </a:p>
+          <a:p>
+            <a:pPr marL="171450" marR="0" indent="-171450" algn="l" defTabSz="914400" rtl="0" eaLnBrk="1" fontAlgn="auto" latinLnBrk="0" hangingPunct="1">
+              <a:lnSpc>
+                <a:spcPct val="100000"/>
+              </a:lnSpc>
+              <a:spcBef>
+                <a:spcPts val="0"/>
+              </a:spcBef>
+              <a:spcAft>
+                <a:spcPts val="0"/>
+              </a:spcAft>
+              <a:buClrTx/>
+              <a:buSzTx/>
+              <a:buFont typeface="Arial" panose="020B0604020202020204" pitchFamily="34" charset="0"/>
+              <a:buChar char="•"/>
+              <a:tabLst/>
+              <a:defRPr/>
+            </a:pPr>
+            <a:r>
+              <a:rPr lang="en-US" sz="1200" b="0" i="0" kern="1200" dirty="0" smtClean="0">
+                <a:solidFill>
+                  <a:schemeClr val="tx1"/>
+                </a:solidFill>
+                <a:effectLst/>
+                <a:latin typeface="+mn-lt"/>
+                <a:ea typeface="+mn-ea"/>
+                <a:cs typeface="+mn-cs"/>
+              </a:rPr>
+              <a:t>Auto Fail-Over</a:t>
+            </a:r>
+          </a:p>
+          <a:p>
+            <a:pPr marL="171450" marR="0" indent="-171450" algn="l" defTabSz="914400" rtl="0" eaLnBrk="1" fontAlgn="auto" latinLnBrk="0" hangingPunct="1">
+              <a:lnSpc>
+                <a:spcPct val="100000"/>
+              </a:lnSpc>
+              <a:spcBef>
+                <a:spcPts val="0"/>
+              </a:spcBef>
+              <a:spcAft>
+                <a:spcPts val="0"/>
+              </a:spcAft>
+              <a:buClrTx/>
+              <a:buSzTx/>
+              <a:buFont typeface="Arial" panose="020B0604020202020204" pitchFamily="34" charset="0"/>
+              <a:buChar char="•"/>
+              <a:tabLst/>
+              <a:defRPr/>
+            </a:pPr>
+            <a:r>
+              <a:rPr lang="en-US" sz="1200" b="0" i="0" kern="1200" dirty="0" smtClean="0">
+                <a:solidFill>
+                  <a:schemeClr val="tx1"/>
+                </a:solidFill>
+                <a:effectLst/>
+                <a:latin typeface="+mn-lt"/>
+                <a:ea typeface="+mn-ea"/>
+                <a:cs typeface="+mn-cs"/>
+              </a:rPr>
+              <a:t>Auto-</a:t>
+            </a:r>
+            <a:r>
+              <a:rPr lang="en-US" sz="1200" b="0" i="0" kern="1200" dirty="0" err="1" smtClean="0">
+                <a:solidFill>
+                  <a:schemeClr val="tx1"/>
+                </a:solidFill>
+                <a:effectLst/>
+                <a:latin typeface="+mn-lt"/>
+                <a:ea typeface="+mn-ea"/>
+                <a:cs typeface="+mn-cs"/>
+              </a:rPr>
+              <a:t>Sharding</a:t>
+            </a:r>
+            <a:endParaRPr lang="en-US" sz="1200" b="0" i="0" kern="1200" dirty="0" smtClean="0">
+              <a:solidFill>
+                <a:schemeClr val="tx1"/>
+              </a:solidFill>
+              <a:effectLst/>
+              <a:latin typeface="+mn-lt"/>
+              <a:ea typeface="+mn-ea"/>
+              <a:cs typeface="+mn-cs"/>
+            </a:endParaRPr>
+          </a:p>
+          <a:p>
+            <a:pPr marL="171450" marR="0" indent="-171450" algn="l" defTabSz="914400" rtl="0" eaLnBrk="1" fontAlgn="auto" latinLnBrk="0" hangingPunct="1">
+              <a:lnSpc>
+                <a:spcPct val="100000"/>
+              </a:lnSpc>
+              <a:spcBef>
+                <a:spcPts val="0"/>
+              </a:spcBef>
+              <a:spcAft>
+                <a:spcPts val="0"/>
+              </a:spcAft>
+              <a:buClrTx/>
+              <a:buSzTx/>
+              <a:buFont typeface="Arial" panose="020B0604020202020204" pitchFamily="34" charset="0"/>
+              <a:buChar char="•"/>
+              <a:tabLst/>
+              <a:defRPr/>
+            </a:pPr>
+            <a:r>
+              <a:rPr lang="en-US" sz="1200" b="0" i="0" kern="1200" dirty="0" smtClean="0">
+                <a:solidFill>
+                  <a:schemeClr val="tx1"/>
+                </a:solidFill>
+                <a:effectLst/>
+                <a:latin typeface="+mn-lt"/>
+                <a:ea typeface="+mn-ea"/>
+                <a:cs typeface="+mn-cs"/>
+              </a:rPr>
+              <a:t>Replication &amp; High Availability &amp; High</a:t>
+            </a:r>
+            <a:r>
+              <a:rPr lang="en-US" sz="1200" b="0" i="0" kern="1200" baseline="0" dirty="0" smtClean="0">
+                <a:solidFill>
+                  <a:schemeClr val="tx1"/>
+                </a:solidFill>
+                <a:effectLst/>
+                <a:latin typeface="+mn-lt"/>
+                <a:ea typeface="+mn-ea"/>
+                <a:cs typeface="+mn-cs"/>
+              </a:rPr>
+              <a:t> Performance Computing</a:t>
+            </a:r>
+            <a:endParaRPr lang="en-US" sz="1200" b="0" i="0" kern="1200" dirty="0" smtClean="0">
+              <a:solidFill>
+                <a:schemeClr val="tx1"/>
+              </a:solidFill>
+              <a:effectLst/>
+              <a:latin typeface="+mn-lt"/>
+              <a:ea typeface="+mn-ea"/>
+              <a:cs typeface="+mn-cs"/>
+            </a:endParaRPr>
+          </a:p>
+          <a:p>
+            <a:pPr marL="171450" marR="0" indent="-171450" algn="l" defTabSz="914400" rtl="0" eaLnBrk="1" fontAlgn="auto" latinLnBrk="0" hangingPunct="1">
+              <a:lnSpc>
+                <a:spcPct val="100000"/>
+              </a:lnSpc>
+              <a:spcBef>
+                <a:spcPts val="0"/>
+              </a:spcBef>
+              <a:spcAft>
+                <a:spcPts val="0"/>
+              </a:spcAft>
+              <a:buClrTx/>
+              <a:buSzTx/>
+              <a:buFont typeface="Arial" panose="020B0604020202020204" pitchFamily="34" charset="0"/>
+              <a:buChar char="•"/>
+              <a:tabLst/>
+              <a:defRPr/>
+            </a:pPr>
+            <a:r>
+              <a:rPr lang="en-US" sz="1200" b="0" i="0" kern="1200" dirty="0" smtClean="0">
+                <a:solidFill>
+                  <a:schemeClr val="tx1"/>
+                </a:solidFill>
+                <a:effectLst/>
+                <a:latin typeface="+mn-lt"/>
+                <a:ea typeface="+mn-ea"/>
+                <a:cs typeface="+mn-cs"/>
+              </a:rPr>
+              <a:t>Integrated Caching</a:t>
+            </a:r>
           </a:p>
         </p:txBody>
       </p:sp>
@@ -2686,7 +3094,7 @@
     </p:spTree>
     <p:extLst>
       <p:ext uri="{BB962C8B-B14F-4D97-AF65-F5344CB8AC3E}">
-        <p14:creationId xmlns:p14="http://schemas.microsoft.com/office/powerpoint/2010/main" val="1874009049"/>
+        <p14:creationId xmlns:p14="http://schemas.microsoft.com/office/powerpoint/2010/main" val="2030243564"/>
       </p:ext>
     </p:extLst>
   </p:cSld>
@@ -2742,13 +3150,47 @@
           <a:p>
             <a:r>
               <a:rPr lang="en-US" dirty="0" smtClean="0"/>
-              <a:t>Only String Data Type Value requires Double Quotes</a:t>
-            </a:r>
-          </a:p>
-          <a:p>
-            <a:r>
-              <a:rPr lang="en-US" dirty="0" smtClean="0"/>
-              <a:t>Date or Time Data Types are NOT supported</a:t>
+              <a:t>https://db-engines.com/en/ranking/document+store</a:t>
+            </a:r>
+          </a:p>
+          <a:p>
+            <a:r>
+              <a:rPr lang="en-US" sz="1200" b="0" i="0" u="none" strike="noStrike" kern="1200" dirty="0" smtClean="0">
+                <a:solidFill>
+                  <a:schemeClr val="tx1"/>
+                </a:solidFill>
+                <a:effectLst/>
+                <a:latin typeface="+mn-lt"/>
+                <a:ea typeface="+mn-ea"/>
+                <a:cs typeface="+mn-cs"/>
+              </a:rPr>
+              <a:t>BSON is a binary representation of JSON documents</a:t>
+            </a:r>
+          </a:p>
+          <a:p>
+            <a:r>
+              <a:rPr lang="en-US" sz="1200" b="0" i="0" u="none" strike="noStrike" kern="1200" dirty="0" smtClean="0">
+                <a:solidFill>
+                  <a:schemeClr val="tx1"/>
+                </a:solidFill>
+                <a:effectLst/>
+                <a:latin typeface="+mn-lt"/>
+                <a:ea typeface="+mn-ea"/>
+                <a:cs typeface="+mn-cs"/>
+              </a:rPr>
+              <a:t>http://bsonspec.org provides more data types:</a:t>
+            </a:r>
+          </a:p>
+          <a:p>
+            <a:r>
+              <a:rPr lang="en-US" dirty="0" smtClean="0"/>
+              <a:t>https://docs.mongodb.com/manual/reference/bson-types/</a:t>
+            </a:r>
+          </a:p>
+          <a:p>
+            <a:r>
+              <a:rPr lang="en-US" dirty="0" smtClean="0"/>
+              <a:t>https://db-engines.com/en/ranking/graph+dbms</a:t>
             </a:r>
             <a:endParaRPr lang="en-US" dirty="0"/>
           </a:p>
@@ -2836,7 +3278,7 @@
           <a:p>
             <a:r>
               <a:rPr lang="en-US" dirty="0" smtClean="0"/>
-              <a:t>Data Nesting is Supported</a:t>
+              <a:t>We will go over each of these in the following slides…</a:t>
             </a:r>
             <a:endParaRPr lang="en-US" dirty="0"/>
           </a:p>
@@ -2924,13 +3366,27 @@
           <a:p>
             <a:r>
               <a:rPr lang="en-US" dirty="0" smtClean="0"/>
-              <a:t>Simple Person Example, may add:</a:t>
-            </a:r>
-          </a:p>
-          <a:p>
-            <a:r>
-              <a:rPr lang="en-US" dirty="0" smtClean="0"/>
-              <a:t>"class" : "Person"</a:t>
+              <a:t>I believe more often than not, you would want some kind of document structure</a:t>
+            </a:r>
+            <a:r>
+              <a:rPr lang="en-US" dirty="0" smtClean="0"/>
+              <a:t>.</a:t>
+            </a:r>
+          </a:p>
+          <a:p>
+            <a:r>
+              <a:rPr lang="en-US" dirty="0" smtClean="0"/>
+              <a:t>OrientDB offers "Classes"</a:t>
+            </a:r>
+          </a:p>
+          <a:p>
+            <a:r>
+              <a:rPr lang="en-US" dirty="0" smtClean="0"/>
+              <a:t>MongoDB</a:t>
+            </a:r>
+            <a:r>
+              <a:rPr lang="en-US" baseline="0" dirty="0" smtClean="0"/>
+              <a:t> offers "Schemas"</a:t>
             </a:r>
             <a:endParaRPr lang="en-US" dirty="0"/>
           </a:p>
@@ -3154,7 +3610,7 @@
             <a:fld id="{1D8BD707-D9CF-40AE-B4C6-C98DA3205C09}" type="datetimeFigureOut">
               <a:rPr lang="en-US" smtClean="0"/>
               <a:pPr/>
-              <a:t>4/27/2017</a:t>
+              <a:t>6/29/2017</a:t>
             </a:fld>
             <a:endParaRPr lang="en-US"/>
           </a:p>
@@ -3321,7 +3777,7 @@
             <a:fld id="{1D8BD707-D9CF-40AE-B4C6-C98DA3205C09}" type="datetimeFigureOut">
               <a:rPr lang="en-US" smtClean="0"/>
               <a:pPr/>
-              <a:t>4/27/2017</a:t>
+              <a:t>6/29/2017</a:t>
             </a:fld>
             <a:endParaRPr lang="en-US"/>
           </a:p>
@@ -3498,7 +3954,7 @@
             <a:fld id="{1D8BD707-D9CF-40AE-B4C6-C98DA3205C09}" type="datetimeFigureOut">
               <a:rPr lang="en-US" smtClean="0"/>
               <a:pPr/>
-              <a:t>4/27/2017</a:t>
+              <a:t>6/29/2017</a:t>
             </a:fld>
             <a:endParaRPr lang="en-US"/>
           </a:p>
@@ -3665,7 +4121,7 @@
             <a:fld id="{1D8BD707-D9CF-40AE-B4C6-C98DA3205C09}" type="datetimeFigureOut">
               <a:rPr lang="en-US" smtClean="0"/>
               <a:pPr/>
-              <a:t>4/27/2017</a:t>
+              <a:t>6/29/2017</a:t>
             </a:fld>
             <a:endParaRPr lang="en-US"/>
           </a:p>
@@ -3908,7 +4364,7 @@
             <a:fld id="{1D8BD707-D9CF-40AE-B4C6-C98DA3205C09}" type="datetimeFigureOut">
               <a:rPr lang="en-US" smtClean="0"/>
               <a:pPr/>
-              <a:t>4/27/2017</a:t>
+              <a:t>6/29/2017</a:t>
             </a:fld>
             <a:endParaRPr lang="en-US"/>
           </a:p>
@@ -4193,7 +4649,7 @@
             <a:fld id="{1D8BD707-D9CF-40AE-B4C6-C98DA3205C09}" type="datetimeFigureOut">
               <a:rPr lang="en-US" smtClean="0"/>
               <a:pPr/>
-              <a:t>4/27/2017</a:t>
+              <a:t>6/29/2017</a:t>
             </a:fld>
             <a:endParaRPr lang="en-US"/>
           </a:p>
@@ -4612,7 +5068,7 @@
             <a:fld id="{1D8BD707-D9CF-40AE-B4C6-C98DA3205C09}" type="datetimeFigureOut">
               <a:rPr lang="en-US" smtClean="0"/>
               <a:pPr/>
-              <a:t>4/27/2017</a:t>
+              <a:t>6/29/2017</a:t>
             </a:fld>
             <a:endParaRPr lang="en-US"/>
           </a:p>
@@ -4727,7 +5183,7 @@
             <a:fld id="{1D8BD707-D9CF-40AE-B4C6-C98DA3205C09}" type="datetimeFigureOut">
               <a:rPr lang="en-US" smtClean="0"/>
               <a:pPr/>
-              <a:t>4/27/2017</a:t>
+              <a:t>6/29/2017</a:t>
             </a:fld>
             <a:endParaRPr lang="en-US"/>
           </a:p>
@@ -4819,7 +5275,7 @@
             <a:fld id="{1D8BD707-D9CF-40AE-B4C6-C98DA3205C09}" type="datetimeFigureOut">
               <a:rPr lang="en-US" smtClean="0"/>
               <a:pPr/>
-              <a:t>4/27/2017</a:t>
+              <a:t>6/29/2017</a:t>
             </a:fld>
             <a:endParaRPr lang="en-US"/>
           </a:p>
@@ -5093,7 +5549,7 @@
             <a:fld id="{1D8BD707-D9CF-40AE-B4C6-C98DA3205C09}" type="datetimeFigureOut">
               <a:rPr lang="en-US" smtClean="0"/>
               <a:pPr/>
-              <a:t>4/27/2017</a:t>
+              <a:t>6/29/2017</a:t>
             </a:fld>
             <a:endParaRPr lang="en-US"/>
           </a:p>
@@ -5343,7 +5799,7 @@
             <a:fld id="{1D8BD707-D9CF-40AE-B4C6-C98DA3205C09}" type="datetimeFigureOut">
               <a:rPr lang="en-US" smtClean="0"/>
               <a:pPr/>
-              <a:t>4/27/2017</a:t>
+              <a:t>6/29/2017</a:t>
             </a:fld>
             <a:endParaRPr lang="en-US"/>
           </a:p>
@@ -5553,7 +6009,7 @@
             <a:fld id="{1D8BD707-D9CF-40AE-B4C6-C98DA3205C09}" type="datetimeFigureOut">
               <a:rPr lang="en-US" smtClean="0"/>
               <a:pPr/>
-              <a:t>4/27/2017</a:t>
+              <a:t>6/29/2017</a:t>
             </a:fld>
             <a:endParaRPr lang="en-US"/>
           </a:p>
@@ -6023,7 +6479,7 @@
           <a:p>
             <a:r>
               <a:rPr lang="en-US" dirty="0" smtClean="0"/>
-              <a:t>JSON</a:t>
+              <a:t>Document Data Types</a:t>
             </a:r>
             <a:endParaRPr lang="en-US" dirty="0"/>
           </a:p>
@@ -6041,8 +6497,8 @@
         </p:nvSpPr>
         <p:spPr>
           <a:xfrm>
-            <a:off x="457200" y="1524000"/>
-            <a:ext cx="8229600" cy="5105400"/>
+            <a:off x="457200" y="1600200"/>
+            <a:ext cx="8229600" cy="4800600"/>
           </a:xfrm>
         </p:spPr>
         <p:txBody>
@@ -6053,93 +6509,281 @@
           <a:p>
             <a:r>
               <a:rPr lang="en-US" dirty="0" smtClean="0"/>
-              <a:t>How is JSON Data Organized?</a:t>
-            </a:r>
-          </a:p>
-          <a:p>
-            <a:r>
-              <a:rPr lang="en-US" dirty="0" smtClean="0"/>
-              <a:t>Data Structures:</a:t>
+              <a:t>Designed </a:t>
+            </a:r>
+            <a:r>
+              <a:rPr lang="en-US" dirty="0"/>
+              <a:t>to </a:t>
+            </a:r>
+            <a:r>
+              <a:rPr lang="en-US" dirty="0" smtClean="0"/>
+              <a:t>Store </a:t>
+            </a:r>
+            <a:r>
+              <a:rPr lang="en-US" dirty="0"/>
+              <a:t>and </a:t>
+            </a:r>
+            <a:r>
+              <a:rPr lang="en-US" dirty="0" smtClean="0"/>
+              <a:t>Transport Data</a:t>
+            </a:r>
+          </a:p>
+          <a:p>
+            <a:r>
+              <a:rPr lang="en-US" dirty="0" smtClean="0"/>
+              <a:t>Human </a:t>
+            </a:r>
+            <a:r>
+              <a:rPr lang="en-US" dirty="0"/>
+              <a:t>and </a:t>
+            </a:r>
+            <a:r>
+              <a:rPr lang="en-US" dirty="0" smtClean="0"/>
+              <a:t>Machine Readable</a:t>
+            </a:r>
+          </a:p>
+          <a:p>
+            <a:endParaRPr lang="en-US" dirty="0"/>
+          </a:p>
+          <a:p>
+            <a:r>
+              <a:rPr lang="en-US" dirty="0" smtClean="0"/>
+              <a:t>JSON:</a:t>
             </a:r>
           </a:p>
           <a:p>
             <a:pPr lvl="1"/>
             <a:r>
-              <a:rPr lang="en-US" dirty="0" smtClean="0"/>
-              <a:t>Object { }</a:t>
-            </a:r>
-          </a:p>
-          <a:p>
-            <a:pPr lvl="2"/>
-            <a:r>
               <a:rPr lang="en-US" dirty="0"/>
-              <a:t>An </a:t>
-            </a:r>
-            <a:r>
-              <a:rPr lang="en-US" i="1" dirty="0"/>
-              <a:t>object</a:t>
-            </a:r>
-            <a:r>
-              <a:rPr lang="en-US" dirty="0"/>
-              <a:t> is an unordered set of </a:t>
-            </a:r>
-            <a:r>
-              <a:rPr lang="en-US" dirty="0" smtClean="0"/>
-              <a:t>key-value pairs</a:t>
+              <a:t>JavaScript Object </a:t>
+            </a:r>
+            <a:r>
+              <a:rPr lang="en-US" dirty="0" smtClean="0"/>
+              <a:t>Notation</a:t>
+            </a:r>
+          </a:p>
+          <a:p>
+            <a:endParaRPr lang="en-US" dirty="0" smtClean="0"/>
+          </a:p>
+          <a:p>
+            <a:r>
+              <a:rPr lang="en-US" dirty="0" smtClean="0"/>
+              <a:t>XML:</a:t>
             </a:r>
           </a:p>
           <a:p>
             <a:pPr lvl="1"/>
             <a:r>
               <a:rPr lang="en-US" dirty="0" smtClean="0"/>
-              <a:t>Array [ ]</a:t>
-            </a:r>
-          </a:p>
-          <a:p>
-            <a:pPr lvl="2"/>
-            <a:r>
-              <a:rPr lang="en-US" dirty="0"/>
-              <a:t>An </a:t>
-            </a:r>
-            <a:r>
-              <a:rPr lang="en-US" i="1" dirty="0"/>
-              <a:t>array</a:t>
-            </a:r>
-            <a:r>
-              <a:rPr lang="en-US" dirty="0"/>
-              <a:t> is an ordered collection of </a:t>
-            </a:r>
-            <a:r>
-              <a:rPr lang="en-US" dirty="0" smtClean="0"/>
-              <a:t>values (List)</a:t>
-            </a:r>
-          </a:p>
-          <a:p>
-            <a:r>
-              <a:rPr lang="en-US" dirty="0" smtClean="0"/>
-              <a:t>Data Nesting:</a:t>
-            </a:r>
-          </a:p>
-          <a:p>
-            <a:pPr lvl="1"/>
-            <a:r>
-              <a:rPr lang="en-US" dirty="0" smtClean="0"/>
-              <a:t>A Value may be an Object or an Array</a:t>
-            </a:r>
-          </a:p>
-          <a:p>
-            <a:pPr lvl="1"/>
-            <a:r>
-              <a:rPr lang="en-US" dirty="0" smtClean="0"/>
-              <a:t>You can embed Objects inside of Array and vice versa</a:t>
-            </a:r>
-          </a:p>
-        </p:txBody>
-      </p:sp>
+              <a:t>Extensible Markup Language</a:t>
+            </a:r>
+            <a:endParaRPr lang="en-US" dirty="0"/>
+          </a:p>
+        </p:txBody>
+      </p:sp>
+      <p:sp>
+        <p:nvSpPr>
+          <p:cNvPr id="4" name="AutoShape 2" descr="Image result for json"/>
+          <p:cNvSpPr>
+            <a:spLocks noChangeAspect="1" noChangeArrowheads="1"/>
+          </p:cNvSpPr>
+          <p:nvPr/>
+        </p:nvSpPr>
+        <p:spPr bwMode="auto">
+          <a:xfrm>
+            <a:off x="155575" y="-144463"/>
+            <a:ext cx="304800" cy="304801"/>
+          </a:xfrm>
+          <a:prstGeom prst="rect">
+            <a:avLst/>
+          </a:prstGeom>
+          <a:noFill/>
+          <a:extLst>
+            <a:ext uri="{909E8E84-426E-40DD-AFC4-6F175D3DCCD1}">
+              <a14:hiddenFill xmlns:a14="http://schemas.microsoft.com/office/drawing/2010/main">
+                <a:solidFill>
+                  <a:srgbClr val="FFFFFF"/>
+                </a:solidFill>
+              </a14:hiddenFill>
+            </a:ext>
+          </a:extLst>
+        </p:spPr>
+        <p:txBody>
+          <a:bodyPr vert="horz" wrap="square" lIns="91440" tIns="45720" rIns="91440" bIns="45720" numCol="1" anchor="t" anchorCtr="0" compatLnSpc="1">
+            <a:prstTxWarp prst="textNoShape">
+              <a:avLst/>
+            </a:prstTxWarp>
+          </a:bodyPr>
+          <a:lstStyle/>
+          <a:p>
+            <a:endParaRPr lang="en-US"/>
+          </a:p>
+        </p:txBody>
+      </p:sp>
+      <p:sp>
+        <p:nvSpPr>
+          <p:cNvPr id="5" name="AutoShape 4" descr="Image result for json"/>
+          <p:cNvSpPr>
+            <a:spLocks noChangeAspect="1" noChangeArrowheads="1"/>
+          </p:cNvSpPr>
+          <p:nvPr/>
+        </p:nvSpPr>
+        <p:spPr bwMode="auto">
+          <a:xfrm>
+            <a:off x="307975" y="7937"/>
+            <a:ext cx="304800" cy="304801"/>
+          </a:xfrm>
+          <a:prstGeom prst="rect">
+            <a:avLst/>
+          </a:prstGeom>
+          <a:noFill/>
+          <a:extLst>
+            <a:ext uri="{909E8E84-426E-40DD-AFC4-6F175D3DCCD1}">
+              <a14:hiddenFill xmlns:a14="http://schemas.microsoft.com/office/drawing/2010/main">
+                <a:solidFill>
+                  <a:srgbClr val="FFFFFF"/>
+                </a:solidFill>
+              </a14:hiddenFill>
+            </a:ext>
+          </a:extLst>
+        </p:spPr>
+        <p:txBody>
+          <a:bodyPr vert="horz" wrap="square" lIns="91440" tIns="45720" rIns="91440" bIns="45720" numCol="1" anchor="t" anchorCtr="0" compatLnSpc="1">
+            <a:prstTxWarp prst="textNoShape">
+              <a:avLst/>
+            </a:prstTxWarp>
+          </a:bodyPr>
+          <a:lstStyle/>
+          <a:p>
+            <a:endParaRPr lang="en-US"/>
+          </a:p>
+        </p:txBody>
+      </p:sp>
+      <p:sp>
+        <p:nvSpPr>
+          <p:cNvPr id="6" name="AutoShape 6" descr="Image result for json"/>
+          <p:cNvSpPr>
+            <a:spLocks noChangeAspect="1" noChangeArrowheads="1"/>
+          </p:cNvSpPr>
+          <p:nvPr/>
+        </p:nvSpPr>
+        <p:spPr bwMode="auto">
+          <a:xfrm>
+            <a:off x="460375" y="160337"/>
+            <a:ext cx="304800" cy="304801"/>
+          </a:xfrm>
+          <a:prstGeom prst="rect">
+            <a:avLst/>
+          </a:prstGeom>
+          <a:noFill/>
+          <a:extLst>
+            <a:ext uri="{909E8E84-426E-40DD-AFC4-6F175D3DCCD1}">
+              <a14:hiddenFill xmlns:a14="http://schemas.microsoft.com/office/drawing/2010/main">
+                <a:solidFill>
+                  <a:srgbClr val="FFFFFF"/>
+                </a:solidFill>
+              </a14:hiddenFill>
+            </a:ext>
+          </a:extLst>
+        </p:spPr>
+        <p:txBody>
+          <a:bodyPr vert="horz" wrap="square" lIns="91440" tIns="45720" rIns="91440" bIns="45720" numCol="1" anchor="t" anchorCtr="0" compatLnSpc="1">
+            <a:prstTxWarp prst="textNoShape">
+              <a:avLst/>
+            </a:prstTxWarp>
+          </a:bodyPr>
+          <a:lstStyle/>
+          <a:p>
+            <a:endParaRPr lang="en-US"/>
+          </a:p>
+        </p:txBody>
+      </p:sp>
+      <p:pic>
+        <p:nvPicPr>
+          <p:cNvPr id="3080" name="Picture 8" descr="Image result for json"/>
+          <p:cNvPicPr>
+            <a:picLocks noChangeAspect="1" noChangeArrowheads="1"/>
+          </p:cNvPicPr>
+          <p:nvPr/>
+        </p:nvPicPr>
+        <p:blipFill>
+          <a:blip r:embed="rId3" cstate="print">
+            <a:extLst>
+              <a:ext uri="{28A0092B-C50C-407E-A947-70E740481C1C}">
+                <a14:useLocalDpi xmlns:a14="http://schemas.microsoft.com/office/drawing/2010/main" val="0"/>
+              </a:ext>
+            </a:extLst>
+          </a:blip>
+          <a:srcRect/>
+          <a:stretch>
+            <a:fillRect/>
+          </a:stretch>
+        </p:blipFill>
+        <p:spPr bwMode="auto">
+          <a:xfrm>
+            <a:off x="6019800" y="3276600"/>
+            <a:ext cx="2270414" cy="1085850"/>
+          </a:xfrm>
+          <a:prstGeom prst="rect">
+            <a:avLst/>
+          </a:prstGeom>
+          <a:noFill/>
+          <a:extLst>
+            <a:ext uri="{909E8E84-426E-40DD-AFC4-6F175D3DCCD1}">
+              <a14:hiddenFill xmlns:a14="http://schemas.microsoft.com/office/drawing/2010/main">
+                <a:solidFill>
+                  <a:srgbClr val="FFFFFF"/>
+                </a:solidFill>
+              </a14:hiddenFill>
+            </a:ext>
+          </a:extLst>
+        </p:spPr>
+      </p:pic>
+      <p:pic>
+        <p:nvPicPr>
+          <p:cNvPr id="3082" name="Picture 10" descr="Image result for xml"/>
+          <p:cNvPicPr>
+            <a:picLocks noChangeAspect="1" noChangeArrowheads="1"/>
+          </p:cNvPicPr>
+          <p:nvPr/>
+        </p:nvPicPr>
+        <p:blipFill>
+          <a:blip r:embed="rId4">
+            <a:extLst>
+              <a:ext uri="{28A0092B-C50C-407E-A947-70E740481C1C}">
+                <a14:useLocalDpi xmlns:a14="http://schemas.microsoft.com/office/drawing/2010/main" val="0"/>
+              </a:ext>
+            </a:extLst>
+          </a:blip>
+          <a:srcRect/>
+          <a:stretch>
+            <a:fillRect/>
+          </a:stretch>
+        </p:blipFill>
+        <p:spPr bwMode="auto">
+          <a:xfrm>
+            <a:off x="6019800" y="4724400"/>
+            <a:ext cx="1676400" cy="1676400"/>
+          </a:xfrm>
+          <a:prstGeom prst="rect">
+            <a:avLst/>
+          </a:prstGeom>
+          <a:noFill/>
+          <a:extLst>
+            <a:ext uri="{909E8E84-426E-40DD-AFC4-6F175D3DCCD1}">
+              <a14:hiddenFill xmlns:a14="http://schemas.microsoft.com/office/drawing/2010/main">
+                <a:solidFill>
+                  <a:srgbClr val="FFFFFF"/>
+                </a:solidFill>
+              </a14:hiddenFill>
+            </a:ext>
+          </a:extLst>
+        </p:spPr>
+      </p:pic>
     </p:spTree>
     <p:extLst>
       <p:ext uri="{BB962C8B-B14F-4D97-AF65-F5344CB8AC3E}">
-        <p14:creationId xmlns:p14="http://schemas.microsoft.com/office/powerpoint/2010/main" val="284573289"/>
+        <p14:creationId xmlns:p14="http://schemas.microsoft.com/office/powerpoint/2010/main" val="1399758064"/>
       </p:ext>
     </p:extLst>
   </p:cSld>
@@ -6183,7 +6827,7 @@
           <a:p>
             <a:r>
               <a:rPr lang="en-US" dirty="0" smtClean="0"/>
-              <a:t>JSON Example</a:t>
+              <a:t>Document Structure</a:t>
             </a:r>
             <a:endParaRPr lang="en-US" dirty="0"/>
           </a:p>
@@ -6201,8 +6845,8 @@
         </p:nvSpPr>
         <p:spPr>
           <a:xfrm>
-            <a:off x="457200" y="1524000"/>
-            <a:ext cx="8229600" cy="5105400"/>
+            <a:off x="457200" y="1600200"/>
+            <a:ext cx="8229600" cy="4800600"/>
           </a:xfrm>
         </p:spPr>
         <p:txBody>
@@ -6213,102 +6857,36 @@
           <a:p>
             <a:r>
               <a:rPr lang="en-US" dirty="0" smtClean="0"/>
-              <a:t>Simple</a:t>
-            </a:r>
-          </a:p>
-          <a:p>
-            <a:pPr marL="0" indent="0">
-              <a:buNone/>
-            </a:pPr>
-            <a:r>
-              <a:rPr lang="en-US" dirty="0"/>
-              <a:t>{ </a:t>
-            </a:r>
-            <a:endParaRPr lang="en-US" dirty="0" smtClean="0"/>
-          </a:p>
-          <a:p>
-            <a:pPr marL="457200" lvl="1" indent="0">
-              <a:buNone/>
-            </a:pPr>
-            <a:r>
-              <a:rPr lang="en-US" dirty="0" smtClean="0"/>
-              <a:t>"</a:t>
-            </a:r>
-            <a:r>
-              <a:rPr lang="en-US" dirty="0"/>
-              <a:t>name</a:t>
-            </a:r>
-            <a:r>
-              <a:rPr lang="en-US" dirty="0" smtClean="0"/>
-              <a:t>" : "</a:t>
-            </a:r>
-            <a:r>
-              <a:rPr lang="en-US" dirty="0"/>
-              <a:t>John", </a:t>
-            </a:r>
-            <a:endParaRPr lang="en-US" dirty="0" smtClean="0"/>
-          </a:p>
-          <a:p>
-            <a:pPr marL="457200" lvl="1" indent="0">
-              <a:buNone/>
-            </a:pPr>
-            <a:r>
-              <a:rPr lang="en-US" dirty="0" smtClean="0"/>
-              <a:t>"</a:t>
-            </a:r>
-            <a:r>
-              <a:rPr lang="en-US" dirty="0"/>
-              <a:t>age</a:t>
-            </a:r>
-            <a:r>
-              <a:rPr lang="en-US" dirty="0" smtClean="0"/>
-              <a:t>" : 31</a:t>
-            </a:r>
-            <a:r>
-              <a:rPr lang="en-US" dirty="0"/>
-              <a:t>, </a:t>
-            </a:r>
-            <a:endParaRPr lang="en-US" dirty="0" smtClean="0"/>
-          </a:p>
-          <a:p>
-            <a:pPr marL="457200" lvl="1" indent="0">
-              <a:buNone/>
-            </a:pPr>
-            <a:r>
-              <a:rPr lang="en-US" dirty="0" smtClean="0"/>
-              <a:t>"Birth Place" : "</a:t>
-            </a:r>
-            <a:r>
-              <a:rPr lang="en-US" dirty="0"/>
-              <a:t>New York" </a:t>
-            </a:r>
-            <a:endParaRPr lang="en-US" dirty="0" smtClean="0"/>
-          </a:p>
-          <a:p>
-            <a:pPr marL="457200" lvl="1" indent="0">
-              <a:buNone/>
-            </a:pPr>
-            <a:r>
-              <a:rPr lang="en-US" dirty="0" smtClean="0"/>
-              <a:t>"alive" : true</a:t>
-            </a:r>
-          </a:p>
-          <a:p>
-            <a:pPr marL="457200" lvl="1" indent="0">
-              <a:buNone/>
-            </a:pPr>
-            <a:r>
-              <a:rPr lang="en-US" dirty="0" smtClean="0"/>
-              <a:t>"married" : null</a:t>
-            </a:r>
-          </a:p>
-          <a:p>
-            <a:pPr marL="57150" indent="0">
-              <a:buNone/>
-            </a:pPr>
-            <a:r>
-              <a:rPr lang="en-US" dirty="0" smtClean="0"/>
-              <a:t>}</a:t>
+              <a:t>Do you need document structure?</a:t>
+            </a:r>
+          </a:p>
+          <a:p>
+            <a:pPr lvl="1"/>
+            <a:r>
+              <a:rPr lang="en-US" dirty="0" smtClean="0"/>
+              <a:t>If you need to compare one document to another, then you need some structure. Otherwise, you may not need document structure.</a:t>
+            </a:r>
+          </a:p>
+          <a:p>
+            <a:pPr lvl="1"/>
+            <a:r>
+              <a:rPr lang="en-US" dirty="0" smtClean="0"/>
+              <a:t>Common practice to create a minimal set of fields, while you are free to extend to other fields at will in real-time or on-demand.</a:t>
+            </a:r>
+          </a:p>
+          <a:p>
+            <a:pPr lvl="1"/>
+            <a:r>
+              <a:rPr lang="en-US" dirty="0" smtClean="0"/>
+              <a:t>Relational Databases provide a fairly static structure, while NoSQL provides a </a:t>
+            </a:r>
+            <a:r>
+              <a:rPr lang="en-US" b="1" dirty="0" smtClean="0"/>
+              <a:t>flexible</a:t>
+            </a:r>
+            <a:r>
+              <a:rPr lang="en-US" dirty="0" smtClean="0"/>
+              <a:t> structure.</a:t>
             </a:r>
           </a:p>
         </p:txBody>
@@ -6316,7 +6894,7 @@
     </p:spTree>
     <p:extLst>
       <p:ext uri="{BB962C8B-B14F-4D97-AF65-F5344CB8AC3E}">
-        <p14:creationId xmlns:p14="http://schemas.microsoft.com/office/powerpoint/2010/main" val="2675734897"/>
+        <p14:creationId xmlns:p14="http://schemas.microsoft.com/office/powerpoint/2010/main" val="4147183093"/>
       </p:ext>
     </p:extLst>
   </p:cSld>
@@ -6360,7 +6938,7 @@
           <a:p>
             <a:r>
               <a:rPr lang="en-US" dirty="0" smtClean="0"/>
-              <a:t>JSON Example</a:t>
+              <a:t>JSON</a:t>
             </a:r>
             <a:endParaRPr lang="en-US" dirty="0"/>
           </a:p>
@@ -6384,13 +6962,430 @@
         </p:spPr>
         <p:txBody>
           <a:bodyPr>
+            <a:normAutofit fontScale="77500" lnSpcReduction="20000"/>
+          </a:bodyPr>
+          <a:lstStyle/>
+          <a:p>
+            <a:r>
+              <a:rPr lang="en-US" dirty="0" smtClean="0"/>
+              <a:t>Data Format in key-value pairs</a:t>
+            </a:r>
+          </a:p>
+          <a:p>
+            <a:pPr lvl="1">
+              <a:buFont typeface="Arial" panose="020B0604020202020204" pitchFamily="34" charset="0"/>
+              <a:buChar char="•"/>
+            </a:pPr>
+            <a:r>
+              <a:rPr lang="en-US" dirty="0" smtClean="0"/>
+              <a:t>{"key" : "value"}</a:t>
+            </a:r>
+          </a:p>
+          <a:p>
+            <a:pPr lvl="1">
+              <a:buFont typeface="Arial" panose="020B0604020202020204" pitchFamily="34" charset="0"/>
+              <a:buChar char="•"/>
+            </a:pPr>
+            <a:r>
+              <a:rPr lang="en-US" dirty="0" smtClean="0"/>
+              <a:t>The key is always in double quotes</a:t>
+            </a:r>
+          </a:p>
+          <a:p>
+            <a:pPr lvl="1">
+              <a:buFont typeface="Arial" panose="020B0604020202020204" pitchFamily="34" charset="0"/>
+              <a:buChar char="•"/>
+            </a:pPr>
+            <a:r>
+              <a:rPr lang="en-US" dirty="0" smtClean="0"/>
+              <a:t>The value quotes depend on data type</a:t>
+            </a:r>
+          </a:p>
+          <a:p>
+            <a:r>
+              <a:rPr lang="en-US" dirty="0" smtClean="0"/>
+              <a:t>Data Types:</a:t>
+            </a:r>
+          </a:p>
+          <a:p>
+            <a:pPr lvl="1"/>
+            <a:r>
+              <a:rPr lang="en-US" dirty="0" smtClean="0"/>
+              <a:t>String</a:t>
+            </a:r>
+          </a:p>
+          <a:p>
+            <a:pPr lvl="2"/>
+            <a:r>
+              <a:rPr lang="en-US" dirty="0" smtClean="0"/>
+              <a:t>E.g. { "</a:t>
+            </a:r>
+            <a:r>
+              <a:rPr lang="en-US" dirty="0" err="1" smtClean="0"/>
+              <a:t>stringKey</a:t>
+            </a:r>
+            <a:r>
+              <a:rPr lang="en-US" dirty="0" smtClean="0"/>
+              <a:t>" : "string value in Double quotes" }</a:t>
+            </a:r>
+          </a:p>
+          <a:p>
+            <a:pPr lvl="1"/>
+            <a:r>
+              <a:rPr lang="en-US" dirty="0" smtClean="0"/>
+              <a:t>Number</a:t>
+            </a:r>
+          </a:p>
+          <a:p>
+            <a:pPr lvl="2"/>
+            <a:r>
+              <a:rPr lang="en-US" dirty="0" smtClean="0"/>
+              <a:t>Integer or floating point, no quotes</a:t>
+            </a:r>
+          </a:p>
+          <a:p>
+            <a:pPr lvl="2"/>
+            <a:r>
+              <a:rPr lang="en-US" dirty="0" smtClean="0"/>
+              <a:t>E.g. </a:t>
+            </a:r>
+            <a:r>
+              <a:rPr lang="en-US" dirty="0"/>
+              <a:t>{ "age</a:t>
+            </a:r>
+            <a:r>
+              <a:rPr lang="en-US" dirty="0" smtClean="0"/>
+              <a:t>" : 30.123</a:t>
+            </a:r>
+            <a:r>
+              <a:rPr lang="en-US" dirty="0"/>
+              <a:t> }</a:t>
+            </a:r>
+            <a:endParaRPr lang="en-US" dirty="0" smtClean="0"/>
+          </a:p>
+          <a:p>
+            <a:pPr lvl="1"/>
+            <a:r>
+              <a:rPr lang="en-US" dirty="0" smtClean="0"/>
+              <a:t>Boolean</a:t>
+            </a:r>
+          </a:p>
+          <a:p>
+            <a:pPr lvl="2"/>
+            <a:r>
+              <a:rPr lang="en-US" dirty="0"/>
+              <a:t>t</a:t>
+            </a:r>
+            <a:r>
+              <a:rPr lang="en-US" dirty="0" smtClean="0"/>
+              <a:t>rue or false, no quotes</a:t>
+            </a:r>
+          </a:p>
+          <a:p>
+            <a:pPr lvl="2"/>
+            <a:r>
+              <a:rPr lang="en-US" dirty="0" smtClean="0"/>
+              <a:t>E.g. { "</a:t>
+            </a:r>
+            <a:r>
+              <a:rPr lang="en-US" dirty="0" err="1" smtClean="0"/>
+              <a:t>flagField</a:t>
+            </a:r>
+            <a:r>
+              <a:rPr lang="en-US" dirty="0" smtClean="0"/>
+              <a:t>" : true }</a:t>
+            </a:r>
+          </a:p>
+          <a:p>
+            <a:pPr lvl="1"/>
+            <a:r>
+              <a:rPr lang="en-US" dirty="0" smtClean="0"/>
+              <a:t>Null</a:t>
+            </a:r>
+          </a:p>
+          <a:p>
+            <a:pPr lvl="2"/>
+            <a:r>
+              <a:rPr lang="en-US" dirty="0"/>
+              <a:t>E.g. { </a:t>
+            </a:r>
+            <a:r>
+              <a:rPr lang="en-US" dirty="0" smtClean="0"/>
+              <a:t>"</a:t>
+            </a:r>
+            <a:r>
+              <a:rPr lang="en-US" dirty="0" err="1" smtClean="0"/>
+              <a:t>dummyField</a:t>
+            </a:r>
+            <a:r>
+              <a:rPr lang="en-US" dirty="0" smtClean="0"/>
+              <a:t>" </a:t>
+            </a:r>
+            <a:r>
+              <a:rPr lang="en-US" dirty="0"/>
+              <a:t>: </a:t>
+            </a:r>
+            <a:r>
+              <a:rPr lang="en-US" dirty="0" smtClean="0"/>
+              <a:t>null }</a:t>
+            </a:r>
+            <a:endParaRPr lang="en-US" dirty="0"/>
+          </a:p>
+        </p:txBody>
+      </p:sp>
+    </p:spTree>
+    <p:extLst>
+      <p:ext uri="{BB962C8B-B14F-4D97-AF65-F5344CB8AC3E}">
+        <p14:creationId xmlns:p14="http://schemas.microsoft.com/office/powerpoint/2010/main" val="215320801"/>
+      </p:ext>
+    </p:extLst>
+  </p:cSld>
+  <p:clrMapOvr>
+    <a:masterClrMapping/>
+  </p:clrMapOvr>
+  <p:timing>
+    <p:tnLst>
+      <p:par>
+        <p:cTn id="1" dur="indefinite" restart="never" nodeType="tmRoot"/>
+      </p:par>
+    </p:tnLst>
+  </p:timing>
+</p:sld>
+</file>
+
+<file path=ppt/slides/slide13.xml><?xml version="1.0" encoding="utf-8"?>
+<p:sld xmlns:a="http://schemas.openxmlformats.org/drawingml/2006/main" xmlns:r="http://schemas.openxmlformats.org/officeDocument/2006/relationships" xmlns:p="http://schemas.openxmlformats.org/presentationml/2006/main">
+  <p:cSld>
+    <p:spTree>
+      <p:nvGrpSpPr>
+        <p:cNvPr id="1" name=""/>
+        <p:cNvGrpSpPr/>
+        <p:nvPr/>
+      </p:nvGrpSpPr>
+      <p:grpSpPr>
+        <a:xfrm>
+          <a:off x="0" y="0"/>
+          <a:ext cx="0" cy="0"/>
+          <a:chOff x="0" y="0"/>
+          <a:chExt cx="0" cy="0"/>
+        </a:xfrm>
+      </p:grpSpPr>
+      <p:sp>
+        <p:nvSpPr>
+          <p:cNvPr id="2" name="Title 1"/>
+          <p:cNvSpPr>
+            <a:spLocks noGrp="1"/>
+          </p:cNvSpPr>
+          <p:nvPr>
+            <p:ph type="title"/>
+          </p:nvPr>
+        </p:nvSpPr>
+        <p:spPr/>
+        <p:txBody>
+          <a:bodyPr/>
+          <a:lstStyle/>
+          <a:p>
+            <a:r>
+              <a:rPr lang="en-US" dirty="0" smtClean="0"/>
+              <a:t>JSON</a:t>
+            </a:r>
+            <a:endParaRPr lang="en-US" dirty="0"/>
+          </a:p>
+        </p:txBody>
+      </p:sp>
+      <p:sp>
+        <p:nvSpPr>
+          <p:cNvPr id="3" name="Content Placeholder 2"/>
+          <p:cNvSpPr>
+            <a:spLocks noGrp="1"/>
+          </p:cNvSpPr>
+          <p:nvPr>
+            <p:ph idx="1"/>
+          </p:nvPr>
+        </p:nvSpPr>
+        <p:spPr>
+          <a:xfrm>
+            <a:off x="457200" y="1524000"/>
+            <a:ext cx="8229600" cy="5105400"/>
+          </a:xfrm>
+        </p:spPr>
+        <p:txBody>
+          <a:bodyPr>
             <a:normAutofit/>
           </a:bodyPr>
           <a:lstStyle/>
           <a:p>
             <a:r>
               <a:rPr lang="en-US" dirty="0" smtClean="0"/>
-              <a:t>Nested </a:t>
+              <a:t>How is JSON Data Organized?</a:t>
+            </a:r>
+          </a:p>
+          <a:p>
+            <a:r>
+              <a:rPr lang="en-US" dirty="0" smtClean="0"/>
+              <a:t>Data Structures:</a:t>
+            </a:r>
+          </a:p>
+          <a:p>
+            <a:pPr lvl="1"/>
+            <a:r>
+              <a:rPr lang="en-US" dirty="0" smtClean="0"/>
+              <a:t>Object </a:t>
+            </a:r>
+            <a:r>
+              <a:rPr lang="en-US" b="1" dirty="0" smtClean="0"/>
+              <a:t>{ }</a:t>
+            </a:r>
+          </a:p>
+          <a:p>
+            <a:pPr lvl="2"/>
+            <a:r>
+              <a:rPr lang="en-US" dirty="0"/>
+              <a:t>An </a:t>
+            </a:r>
+            <a:r>
+              <a:rPr lang="en-US" i="1" dirty="0"/>
+              <a:t>object</a:t>
+            </a:r>
+            <a:r>
+              <a:rPr lang="en-US" dirty="0"/>
+              <a:t> is an unordered set of </a:t>
+            </a:r>
+            <a:r>
+              <a:rPr lang="en-US" dirty="0" smtClean="0"/>
+              <a:t>key-value pairs</a:t>
+            </a:r>
+          </a:p>
+          <a:p>
+            <a:pPr lvl="1"/>
+            <a:r>
+              <a:rPr lang="en-US" dirty="0" smtClean="0"/>
+              <a:t>Array </a:t>
+            </a:r>
+            <a:r>
+              <a:rPr lang="en-US" b="1" dirty="0" smtClean="0"/>
+              <a:t>[ ]</a:t>
+            </a:r>
+          </a:p>
+          <a:p>
+            <a:pPr lvl="2"/>
+            <a:r>
+              <a:rPr lang="en-US" dirty="0"/>
+              <a:t>An </a:t>
+            </a:r>
+            <a:r>
+              <a:rPr lang="en-US" i="1" dirty="0"/>
+              <a:t>array</a:t>
+            </a:r>
+            <a:r>
+              <a:rPr lang="en-US" dirty="0"/>
+              <a:t> is an ordered collection of </a:t>
+            </a:r>
+            <a:r>
+              <a:rPr lang="en-US" dirty="0" smtClean="0"/>
+              <a:t>values (List)</a:t>
+            </a:r>
+          </a:p>
+          <a:p>
+            <a:r>
+              <a:rPr lang="en-US" dirty="0" smtClean="0"/>
+              <a:t>Data Nesting:</a:t>
+            </a:r>
+          </a:p>
+          <a:p>
+            <a:pPr lvl="1"/>
+            <a:r>
+              <a:rPr lang="en-US" dirty="0" smtClean="0"/>
+              <a:t>A Value may be an Object or an Array</a:t>
+            </a:r>
+          </a:p>
+          <a:p>
+            <a:pPr lvl="1"/>
+            <a:r>
+              <a:rPr lang="en-US" dirty="0" smtClean="0"/>
+              <a:t>You can embed Objects inside of Array and vice versa</a:t>
+            </a:r>
+          </a:p>
+        </p:txBody>
+      </p:sp>
+    </p:spTree>
+    <p:extLst>
+      <p:ext uri="{BB962C8B-B14F-4D97-AF65-F5344CB8AC3E}">
+        <p14:creationId xmlns:p14="http://schemas.microsoft.com/office/powerpoint/2010/main" val="284573289"/>
+      </p:ext>
+    </p:extLst>
+  </p:cSld>
+  <p:clrMapOvr>
+    <a:masterClrMapping/>
+  </p:clrMapOvr>
+</p:sld>
+</file>
+
+<file path=ppt/slides/slide14.xml><?xml version="1.0" encoding="utf-8"?>
+<p:sld xmlns:a="http://schemas.openxmlformats.org/drawingml/2006/main" xmlns:r="http://schemas.openxmlformats.org/officeDocument/2006/relationships" xmlns:p="http://schemas.openxmlformats.org/presentationml/2006/main">
+  <p:cSld>
+    <p:spTree>
+      <p:nvGrpSpPr>
+        <p:cNvPr id="1" name=""/>
+        <p:cNvGrpSpPr/>
+        <p:nvPr/>
+      </p:nvGrpSpPr>
+      <p:grpSpPr>
+        <a:xfrm>
+          <a:off x="0" y="0"/>
+          <a:ext cx="0" cy="0"/>
+          <a:chOff x="0" y="0"/>
+          <a:chExt cx="0" cy="0"/>
+        </a:xfrm>
+      </p:grpSpPr>
+      <p:sp>
+        <p:nvSpPr>
+          <p:cNvPr id="2" name="Title 1"/>
+          <p:cNvSpPr>
+            <a:spLocks noGrp="1"/>
+          </p:cNvSpPr>
+          <p:nvPr>
+            <p:ph type="title"/>
+          </p:nvPr>
+        </p:nvSpPr>
+        <p:spPr/>
+        <p:txBody>
+          <a:bodyPr/>
+          <a:lstStyle/>
+          <a:p>
+            <a:r>
+              <a:rPr lang="en-US" dirty="0" smtClean="0"/>
+              <a:t>JSON Example</a:t>
+            </a:r>
+            <a:endParaRPr lang="en-US" dirty="0"/>
+          </a:p>
+        </p:txBody>
+      </p:sp>
+      <p:sp>
+        <p:nvSpPr>
+          <p:cNvPr id="3" name="Content Placeholder 2"/>
+          <p:cNvSpPr>
+            <a:spLocks noGrp="1"/>
+          </p:cNvSpPr>
+          <p:nvPr>
+            <p:ph idx="1"/>
+          </p:nvPr>
+        </p:nvSpPr>
+        <p:spPr>
+          <a:xfrm>
+            <a:off x="457200" y="1524000"/>
+            <a:ext cx="8229600" cy="5105400"/>
+          </a:xfrm>
+        </p:spPr>
+        <p:txBody>
+          <a:bodyPr>
+            <a:normAutofit/>
+          </a:bodyPr>
+          <a:lstStyle/>
+          <a:p>
+            <a:r>
+              <a:rPr lang="en-US" dirty="0" smtClean="0"/>
+              <a:t>Simple</a:t>
             </a:r>
           </a:p>
           <a:p>
@@ -6398,8 +7393,176 @@
               <a:buNone/>
             </a:pPr>
             <a:r>
-              <a:rPr lang="en-US" dirty="0" smtClean="0"/>
-              <a:t>{</a:t>
+              <a:rPr lang="en-US" dirty="0"/>
+              <a:t>{ </a:t>
+            </a:r>
+            <a:endParaRPr lang="en-US" dirty="0" smtClean="0"/>
+          </a:p>
+          <a:p>
+            <a:pPr marL="457200" lvl="1" indent="0">
+              <a:buNone/>
+            </a:pPr>
+            <a:r>
+              <a:rPr lang="en-US" dirty="0" smtClean="0"/>
+              <a:t>"</a:t>
+            </a:r>
+            <a:r>
+              <a:rPr lang="en-US" dirty="0"/>
+              <a:t>name</a:t>
+            </a:r>
+            <a:r>
+              <a:rPr lang="en-US" dirty="0" smtClean="0"/>
+              <a:t>" : "</a:t>
+            </a:r>
+            <a:r>
+              <a:rPr lang="en-US" dirty="0"/>
+              <a:t>John", </a:t>
+            </a:r>
+            <a:endParaRPr lang="en-US" dirty="0" smtClean="0"/>
+          </a:p>
+          <a:p>
+            <a:pPr marL="457200" lvl="1" indent="0">
+              <a:buNone/>
+            </a:pPr>
+            <a:r>
+              <a:rPr lang="en-US" dirty="0" smtClean="0"/>
+              <a:t>"</a:t>
+            </a:r>
+            <a:r>
+              <a:rPr lang="en-US" dirty="0"/>
+              <a:t>age</a:t>
+            </a:r>
+            <a:r>
+              <a:rPr lang="en-US" dirty="0" smtClean="0"/>
+              <a:t>" : 31</a:t>
+            </a:r>
+            <a:r>
+              <a:rPr lang="en-US" dirty="0"/>
+              <a:t>, </a:t>
+            </a:r>
+            <a:endParaRPr lang="en-US" dirty="0" smtClean="0"/>
+          </a:p>
+          <a:p>
+            <a:pPr marL="457200" lvl="1" indent="0">
+              <a:buNone/>
+            </a:pPr>
+            <a:r>
+              <a:rPr lang="en-US" dirty="0" smtClean="0"/>
+              <a:t>"Birth Place" : "</a:t>
+            </a:r>
+            <a:r>
+              <a:rPr lang="en-US" dirty="0"/>
+              <a:t>New York" </a:t>
+            </a:r>
+            <a:endParaRPr lang="en-US" dirty="0" smtClean="0"/>
+          </a:p>
+          <a:p>
+            <a:pPr marL="457200" lvl="1" indent="0">
+              <a:buNone/>
+            </a:pPr>
+            <a:r>
+              <a:rPr lang="en-US" dirty="0" smtClean="0"/>
+              <a:t>"alive" : true</a:t>
+            </a:r>
+          </a:p>
+          <a:p>
+            <a:pPr marL="457200" lvl="1" indent="0">
+              <a:buNone/>
+            </a:pPr>
+            <a:r>
+              <a:rPr lang="en-US" dirty="0" smtClean="0"/>
+              <a:t>"married" : null</a:t>
+            </a:r>
+          </a:p>
+          <a:p>
+            <a:pPr marL="57150" indent="0">
+              <a:buNone/>
+            </a:pPr>
+            <a:r>
+              <a:rPr lang="en-US" dirty="0" smtClean="0"/>
+              <a:t>}</a:t>
+            </a:r>
+          </a:p>
+        </p:txBody>
+      </p:sp>
+    </p:spTree>
+    <p:extLst>
+      <p:ext uri="{BB962C8B-B14F-4D97-AF65-F5344CB8AC3E}">
+        <p14:creationId xmlns:p14="http://schemas.microsoft.com/office/powerpoint/2010/main" val="2675734897"/>
+      </p:ext>
+    </p:extLst>
+  </p:cSld>
+  <p:clrMapOvr>
+    <a:masterClrMapping/>
+  </p:clrMapOvr>
+</p:sld>
+</file>
+
+<file path=ppt/slides/slide15.xml><?xml version="1.0" encoding="utf-8"?>
+<p:sld xmlns:a="http://schemas.openxmlformats.org/drawingml/2006/main" xmlns:r="http://schemas.openxmlformats.org/officeDocument/2006/relationships" xmlns:p="http://schemas.openxmlformats.org/presentationml/2006/main">
+  <p:cSld>
+    <p:spTree>
+      <p:nvGrpSpPr>
+        <p:cNvPr id="1" name=""/>
+        <p:cNvGrpSpPr/>
+        <p:nvPr/>
+      </p:nvGrpSpPr>
+      <p:grpSpPr>
+        <a:xfrm>
+          <a:off x="0" y="0"/>
+          <a:ext cx="0" cy="0"/>
+          <a:chOff x="0" y="0"/>
+          <a:chExt cx="0" cy="0"/>
+        </a:xfrm>
+      </p:grpSpPr>
+      <p:sp>
+        <p:nvSpPr>
+          <p:cNvPr id="2" name="Title 1"/>
+          <p:cNvSpPr>
+            <a:spLocks noGrp="1"/>
+          </p:cNvSpPr>
+          <p:nvPr>
+            <p:ph type="title"/>
+          </p:nvPr>
+        </p:nvSpPr>
+        <p:spPr/>
+        <p:txBody>
+          <a:bodyPr/>
+          <a:lstStyle/>
+          <a:p>
+            <a:r>
+              <a:rPr lang="en-US" dirty="0" smtClean="0"/>
+              <a:t>JSON Example</a:t>
+            </a:r>
+            <a:endParaRPr lang="en-US" dirty="0"/>
+          </a:p>
+        </p:txBody>
+      </p:sp>
+      <p:sp>
+        <p:nvSpPr>
+          <p:cNvPr id="3" name="Content Placeholder 2"/>
+          <p:cNvSpPr>
+            <a:spLocks noGrp="1"/>
+          </p:cNvSpPr>
+          <p:nvPr>
+            <p:ph idx="1"/>
+          </p:nvPr>
+        </p:nvSpPr>
+        <p:spPr>
+          <a:xfrm>
+            <a:off x="457200" y="1524000"/>
+            <a:ext cx="8229600" cy="5105400"/>
+          </a:xfrm>
+        </p:spPr>
+        <p:txBody>
+          <a:bodyPr>
+            <a:normAutofit/>
+          </a:bodyPr>
+          <a:lstStyle/>
+          <a:p>
+            <a:r>
+              <a:rPr lang="en-US" dirty="0" smtClean="0"/>
+              <a:t>Nested </a:t>
             </a:r>
           </a:p>
           <a:p>
@@ -6407,20 +7570,8 @@
               <a:buNone/>
             </a:pPr>
             <a:r>
-              <a:rPr lang="en-US" dirty="0"/>
-              <a:t> </a:t>
-            </a:r>
-            <a:r>
-              <a:rPr lang="en-US" dirty="0" smtClean="0"/>
-              <a:t> "</a:t>
-            </a:r>
-            <a:r>
-              <a:rPr lang="en-US" dirty="0"/>
-              <a:t>company" : [ "University of Utah", "IHC" </a:t>
-            </a:r>
-            <a:r>
-              <a:rPr lang="en-US" dirty="0" smtClean="0"/>
-              <a:t>],</a:t>
+              <a:rPr lang="en-US" dirty="0" smtClean="0"/>
+              <a:t>{</a:t>
             </a:r>
           </a:p>
           <a:p>
@@ -6428,6 +7579,27 @@
               <a:buNone/>
             </a:pPr>
             <a:r>
+              <a:rPr lang="en-US" dirty="0"/>
+              <a:t> </a:t>
+            </a:r>
+            <a:r>
+              <a:rPr lang="en-US" dirty="0" smtClean="0"/>
+              <a:t> "</a:t>
+            </a:r>
+            <a:r>
+              <a:rPr lang="en-US" dirty="0"/>
+              <a:t>company" : [ "University of Utah", "IHC" </a:t>
+            </a:r>
+            <a:r>
+              <a:rPr lang="en-US" dirty="0" smtClean="0"/>
+              <a:t>],</a:t>
+            </a:r>
+          </a:p>
+          <a:p>
+            <a:pPr marL="0" indent="0">
+              <a:buNone/>
+            </a:pPr>
+            <a:r>
               <a:rPr lang="en-US" dirty="0" smtClean="0"/>
               <a:t>  "</a:t>
             </a:r>
@@ -6448,23 +7620,7 @@
             </a:br>
             <a:r>
               <a:rPr lang="en-US" dirty="0"/>
-              <a:t>    { "</a:t>
-            </a:r>
-            <a:r>
-              <a:rPr lang="en-US" dirty="0" err="1"/>
-              <a:t>firstName</a:t>
-            </a:r>
-            <a:r>
-              <a:rPr lang="en-US" dirty="0"/>
-              <a:t>":"John", "</a:t>
-            </a:r>
-            <a:r>
-              <a:rPr lang="en-US" dirty="0" err="1"/>
-              <a:t>lastName</a:t>
-            </a:r>
-            <a:r>
-              <a:rPr lang="en-US" dirty="0"/>
-              <a:t>":"Doe" },</a:t>
+              <a:t>    { "firstName":"John", "lastName":"Doe" },</a:t>
             </a:r>
             <a:br>
               <a:rPr lang="en-US" dirty="0"/>
@@ -6475,19 +7631,19 @@
             </a:r>
             <a:r>
               <a:rPr lang="en-US" dirty="0" err="1"/>
-              <a:t>firstName</a:t>
+              <a:t>firstName":"Anna</a:t>
             </a:r>
             <a:r>
               <a:rPr lang="en-US" dirty="0"/>
-              <a:t>":"Anna", "</a:t>
+              <a:t>", "</a:t>
             </a:r>
             <a:r>
               <a:rPr lang="en-US" dirty="0" err="1"/>
-              <a:t>lastName</a:t>
+              <a:t>lastName":"Smith</a:t>
             </a:r>
             <a:r>
               <a:rPr lang="en-US" dirty="0"/>
-              <a:t>":"Smith" },</a:t>
+              <a:t>" },</a:t>
             </a:r>
             <a:br>
               <a:rPr lang="en-US" dirty="0"/>
@@ -6498,19 +7654,19 @@
             </a:r>
             <a:r>
               <a:rPr lang="en-US" dirty="0" err="1"/>
-              <a:t>firstName</a:t>
+              <a:t>firstName":"Peter</a:t>
             </a:r>
             <a:r>
               <a:rPr lang="en-US" dirty="0"/>
-              <a:t>":"Peter", "</a:t>
+              <a:t>", "</a:t>
             </a:r>
             <a:r>
               <a:rPr lang="en-US" dirty="0" err="1"/>
-              <a:t>lastName</a:t>
+              <a:t>lastName":"Jones</a:t>
             </a:r>
             <a:r>
               <a:rPr lang="en-US" dirty="0"/>
-              <a:t>":"Jones" }</a:t>
+              <a:t>" }</a:t>
             </a:r>
             <a:br>
               <a:rPr lang="en-US" dirty="0"/>
@@ -6544,7 +7700,7 @@
 </p:sld>
 </file>
 
-<file path=ppt/slides/slide13.xml><?xml version="1.0" encoding="utf-8"?>
+<file path=ppt/slides/slide16.xml><?xml version="1.0" encoding="utf-8"?>
 <p:sld xmlns:a="http://schemas.openxmlformats.org/drawingml/2006/main" xmlns:r="http://schemas.openxmlformats.org/officeDocument/2006/relationships" xmlns:p="http://schemas.openxmlformats.org/presentationml/2006/main">
   <p:cSld>
     <p:spTree>
@@ -6687,7 +7843,7 @@
 </p:sld>
 </file>
 
-<file path=ppt/slides/slide14.xml><?xml version="1.0" encoding="utf-8"?>
+<file path=ppt/slides/slide17.xml><?xml version="1.0" encoding="utf-8"?>
 <p:sld xmlns:a="http://schemas.openxmlformats.org/drawingml/2006/main" xmlns:r="http://schemas.openxmlformats.org/officeDocument/2006/relationships" xmlns:p="http://schemas.openxmlformats.org/presentationml/2006/main">
   <p:cSld>
     <p:spTree>
@@ -6902,7 +8058,7 @@
 </p:sld>
 </file>
 
-<file path=ppt/slides/slide15.xml><?xml version="1.0" encoding="utf-8"?>
+<file path=ppt/slides/slide18.xml><?xml version="1.0" encoding="utf-8"?>
 <p:sld xmlns:a="http://schemas.openxmlformats.org/drawingml/2006/main" xmlns:r="http://schemas.openxmlformats.org/officeDocument/2006/relationships" xmlns:p="http://schemas.openxmlformats.org/presentationml/2006/main">
   <p:cSld>
     <p:spTree>
@@ -6986,13 +8142,8 @@
           <a:p>
             <a:r>
               <a:rPr lang="en-US" dirty="0" smtClean="0"/>
-              <a:t>This is the equivalent of XQuery for </a:t>
-            </a:r>
-            <a:r>
-              <a:rPr lang="en-US" dirty="0" smtClean="0"/>
-              <a:t>XML, or SQL for Relational Databases</a:t>
-            </a:r>
-            <a:endParaRPr lang="en-US" dirty="0" smtClean="0"/>
+              <a:t>This is the equivalent of XQuery for XML, or SQL for Relational Databases</a:t>
+            </a:r>
           </a:p>
           <a:p>
             <a:r>
@@ -7001,11 +8152,7 @@
             </a:r>
             <a:r>
               <a:rPr lang="en-US" dirty="0" smtClean="0"/>
-              <a:t>also </a:t>
-            </a:r>
-            <a:r>
-              <a:rPr lang="en-US" dirty="0" smtClean="0"/>
-              <a:t>a developing standard (work in progress), not yet widely used.</a:t>
+              <a:t>also a developing standard (work in progress), not yet widely used.</a:t>
             </a:r>
           </a:p>
         </p:txBody>
@@ -7023,7 +8170,7 @@
 </p:sld>
 </file>
 
-<file path=ppt/slides/slide16.xml><?xml version="1.0" encoding="utf-8"?>
+<file path=ppt/slides/slide19.xml><?xml version="1.0" encoding="utf-8"?>
 <p:sld xmlns:a="http://schemas.openxmlformats.org/drawingml/2006/main" xmlns:r="http://schemas.openxmlformats.org/officeDocument/2006/relationships" xmlns:p="http://schemas.openxmlformats.org/presentationml/2006/main">
   <p:cSld>
     <p:spTree>
@@ -7109,7 +8256,7 @@
             <a:endParaRPr lang="en-US" dirty="0"/>
           </a:p>
           <a:p>
-            <a:pPr marL="0" indent="0">
+            <a:pPr marL="400050" lvl="1" indent="0">
               <a:buNone/>
             </a:pPr>
             <a:r>
@@ -7118,7 +8265,7 @@
             </a:r>
           </a:p>
           <a:p>
-            <a:pPr marL="0" indent="0">
+            <a:pPr marL="400050" lvl="1" indent="0">
               <a:buNone/>
             </a:pPr>
             <a:r>
@@ -7152,7 +8299,7 @@
 </p:sld>
 </file>
 
-<file path=ppt/slides/slide17.xml><?xml version="1.0" encoding="utf-8"?>
+<file path=ppt/slides/slide2.xml><?xml version="1.0" encoding="utf-8"?>
 <p:sld xmlns:a="http://schemas.openxmlformats.org/drawingml/2006/main" xmlns:r="http://schemas.openxmlformats.org/officeDocument/2006/relationships" xmlns:p="http://schemas.openxmlformats.org/presentationml/2006/main">
   <p:cSld>
     <p:spTree>
@@ -7186,6 +8333,105 @@
           <a:p>
             <a:r>
               <a:rPr lang="en-US" dirty="0" smtClean="0"/>
+              <a:t>Objectives</a:t>
+            </a:r>
+            <a:endParaRPr lang="en-US" dirty="0"/>
+          </a:p>
+        </p:txBody>
+      </p:sp>
+      <p:sp>
+        <p:nvSpPr>
+          <p:cNvPr id="3" name="Content Placeholder 2"/>
+          <p:cNvSpPr>
+            <a:spLocks noGrp="1"/>
+          </p:cNvSpPr>
+          <p:nvPr>
+            <p:ph idx="1"/>
+          </p:nvPr>
+        </p:nvSpPr>
+        <p:spPr/>
+        <p:txBody>
+          <a:bodyPr>
+            <a:normAutofit/>
+          </a:bodyPr>
+          <a:lstStyle/>
+          <a:p>
+            <a:pPr marL="514350" indent="-514350">
+              <a:buFont typeface="+mj-lt"/>
+              <a:buAutoNum type="arabicParenR"/>
+            </a:pPr>
+            <a:r>
+              <a:rPr lang="en-US" dirty="0" smtClean="0"/>
+              <a:t>Provide an introduction and a conceptual understanding of NoSQL technologies</a:t>
+            </a:r>
+            <a:endParaRPr lang="en-US" dirty="0"/>
+          </a:p>
+          <a:p>
+            <a:pPr marL="514350" indent="-514350">
+              <a:buFont typeface="+mj-lt"/>
+              <a:buAutoNum type="arabicParenR"/>
+            </a:pPr>
+            <a:endParaRPr lang="en-US" dirty="0" smtClean="0"/>
+          </a:p>
+          <a:p>
+            <a:pPr marL="514350" indent="-514350">
+              <a:buFont typeface="+mj-lt"/>
+              <a:buAutoNum type="arabicParenR"/>
+            </a:pPr>
+            <a:r>
+              <a:rPr lang="en-US" dirty="0" smtClean="0"/>
+              <a:t>Understand how various types of data are represented in a NoSQL Environment</a:t>
+            </a:r>
+          </a:p>
+        </p:txBody>
+      </p:sp>
+    </p:spTree>
+    <p:extLst>
+      <p:ext uri="{BB962C8B-B14F-4D97-AF65-F5344CB8AC3E}">
+        <p14:creationId xmlns:p14="http://schemas.microsoft.com/office/powerpoint/2010/main" val="2501235184"/>
+      </p:ext>
+    </p:extLst>
+  </p:cSld>
+  <p:clrMapOvr>
+    <a:masterClrMapping/>
+  </p:clrMapOvr>
+</p:sld>
+</file>
+
+<file path=ppt/slides/slide20.xml><?xml version="1.0" encoding="utf-8"?>
+<p:sld xmlns:a="http://schemas.openxmlformats.org/drawingml/2006/main" xmlns:r="http://schemas.openxmlformats.org/officeDocument/2006/relationships" xmlns:p="http://schemas.openxmlformats.org/presentationml/2006/main">
+  <p:cSld>
+    <p:spTree>
+      <p:nvGrpSpPr>
+        <p:cNvPr id="1" name=""/>
+        <p:cNvGrpSpPr/>
+        <p:nvPr/>
+      </p:nvGrpSpPr>
+      <p:grpSpPr>
+        <a:xfrm>
+          <a:off x="0" y="0"/>
+          <a:ext cx="0" cy="0"/>
+          <a:chOff x="0" y="0"/>
+          <a:chExt cx="0" cy="0"/>
+        </a:xfrm>
+      </p:grpSpPr>
+      <p:sp>
+        <p:nvSpPr>
+          <p:cNvPr id="2" name="Title 1"/>
+          <p:cNvSpPr>
+            <a:spLocks noGrp="1"/>
+          </p:cNvSpPr>
+          <p:nvPr>
+            <p:ph type="title"/>
+          </p:nvPr>
+        </p:nvSpPr>
+        <p:spPr/>
+        <p:txBody>
+          <a:bodyPr/>
+          <a:lstStyle/>
+          <a:p>
+            <a:r>
+              <a:rPr lang="en-US" dirty="0" smtClean="0"/>
               <a:t>XML</a:t>
             </a:r>
             <a:endParaRPr lang="en-US" dirty="0"/>
@@ -7205,7 +8451,7 @@
         <p:spPr>
           <a:xfrm>
             <a:off x="304800" y="1447800"/>
-            <a:ext cx="8534400" cy="5105400"/>
+            <a:ext cx="8686800" cy="5105400"/>
           </a:xfrm>
         </p:spPr>
         <p:txBody>
@@ -7245,20 +8491,29 @@
             </a:r>
             <a:r>
               <a:rPr lang="en-US" dirty="0" err="1" smtClean="0"/>
-              <a:t>startEnd</a:t>
-            </a:r>
-            <a:r>
-              <a:rPr lang="en-US" dirty="0" smtClean="0"/>
-              <a:t>&gt;Some Data&lt;/</a:t>
-            </a:r>
-            <a:r>
-              <a:rPr lang="en-US" dirty="0" err="1" smtClean="0"/>
-              <a:t>startEnd</a:t>
-            </a:r>
-            <a:r>
-              <a:rPr lang="en-US" dirty="0" smtClean="0"/>
+              <a:t>nodeName</a:t>
+            </a:r>
+            <a:r>
+              <a:rPr lang="en-US" dirty="0" smtClean="0"/>
+              <a:t>&gt;Some </a:t>
+            </a:r>
+            <a:r>
+              <a:rPr lang="en-US" dirty="0" smtClean="0"/>
+              <a:t>Data</a:t>
+            </a:r>
+            <a:r>
+              <a:rPr lang="en-US" dirty="0"/>
+              <a:t>&lt;/</a:t>
+            </a:r>
+            <a:r>
+              <a:rPr lang="en-US" dirty="0" err="1"/>
+              <a:t>nodeName</a:t>
+            </a:r>
+            <a:r>
+              <a:rPr lang="en-US" dirty="0"/>
               <a:t>&gt;</a:t>
             </a:r>
+            <a:endParaRPr lang="en-US" dirty="0" smtClean="0"/>
           </a:p>
           <a:p>
             <a:r>
@@ -7293,41 +8548,46 @@
               <a:buNone/>
             </a:pPr>
             <a:r>
-              <a:rPr lang="en-US" dirty="0"/>
+              <a:rPr lang="en-US" sz="2400" dirty="0"/>
               <a:t>&lt;</a:t>
             </a:r>
             <a:r>
-              <a:rPr lang="en-US" dirty="0" err="1" smtClean="0"/>
-              <a:t>startEnd</a:t>
-            </a:r>
-            <a:r>
-              <a:rPr lang="en-US" dirty="0" smtClean="0"/>
+              <a:rPr lang="en-US" sz="2400" dirty="0" err="1"/>
+              <a:t>nodeName</a:t>
+            </a:r>
+            <a:r>
+              <a:rPr lang="en-US" sz="2400" dirty="0"/>
               <a:t> </a:t>
             </a:r>
             <a:r>
-              <a:rPr lang="en-US" b="1" dirty="0"/>
+              <a:rPr lang="en-US" sz="2400" b="1" dirty="0"/>
               <a:t>date="</a:t>
             </a:r>
             <a:r>
-              <a:rPr lang="en-US" b="1" dirty="0" smtClean="0"/>
+              <a:rPr lang="en-US" sz="2400" b="1" dirty="0" smtClean="0"/>
               <a:t>2017-07-24"</a:t>
             </a:r>
             <a:r>
-              <a:rPr lang="en-US" dirty="0" smtClean="0"/>
+              <a:rPr lang="en-US" sz="2400" dirty="0" smtClean="0"/>
               <a:t>&gt;</a:t>
             </a:r>
             <a:r>
-              <a:rPr lang="en-US" dirty="0"/>
-              <a:t>Some Data&lt;/</a:t>
-            </a:r>
-            <a:r>
-              <a:rPr lang="en-US" dirty="0" err="1"/>
-              <a:t>startEnd</a:t>
-            </a:r>
-            <a:r>
-              <a:rPr lang="en-US" dirty="0"/>
+              <a:rPr lang="en-US" sz="2400" dirty="0"/>
+              <a:t>Some Data</a:t>
+            </a:r>
+            <a:r>
+              <a:rPr lang="en-US" sz="2400" dirty="0"/>
+              <a:t>&lt;/</a:t>
+            </a:r>
+            <a:r>
+              <a:rPr lang="en-US" sz="2400" dirty="0" err="1"/>
+              <a:t>nodeName</a:t>
+            </a:r>
+            <a:r>
+              <a:rPr lang="en-US" sz="2400" dirty="0"/>
               <a:t>&gt;</a:t>
             </a:r>
+            <a:endParaRPr lang="en-US" sz="2400" dirty="0"/>
           </a:p>
         </p:txBody>
       </p:sp>
@@ -7344,7 +8604,7 @@
 </p:sld>
 </file>
 
-<file path=ppt/slides/slide18.xml><?xml version="1.0" encoding="utf-8"?>
+<file path=ppt/slides/slide21.xml><?xml version="1.0" encoding="utf-8"?>
 <p:sld xmlns:a="http://schemas.openxmlformats.org/drawingml/2006/main" xmlns:r="http://schemas.openxmlformats.org/officeDocument/2006/relationships" xmlns:p="http://schemas.openxmlformats.org/presentationml/2006/main">
   <p:cSld>
     <p:spTree>
@@ -7601,8 +8861,9 @@
           <a:p>
             <a:r>
               <a:rPr lang="en-US" dirty="0" smtClean="0"/>
-              <a:t>Single</a:t>
-            </a:r>
+              <a:t>Single Person Object</a:t>
+            </a:r>
+            <a:endParaRPr lang="en-US" dirty="0" smtClean="0"/>
           </a:p>
         </p:txBody>
       </p:sp>
@@ -7619,7 +8880,7 @@
 </p:sld>
 </file>
 
-<file path=ppt/slides/slide19.xml><?xml version="1.0" encoding="utf-8"?>
+<file path=ppt/slides/slide22.xml><?xml version="1.0" encoding="utf-8"?>
 <p:sld xmlns:a="http://schemas.openxmlformats.org/drawingml/2006/main" xmlns:r="http://schemas.openxmlformats.org/officeDocument/2006/relationships" xmlns:p="http://schemas.openxmlformats.org/presentationml/2006/main">
   <p:cSld>
     <p:spTree>
@@ -7823,6 +9084,25 @@
               <a:t>Multiple</a:t>
             </a:r>
           </a:p>
+          <a:p>
+            <a:pPr marL="400050" lvl="1" indent="0">
+              <a:buNone/>
+            </a:pPr>
+            <a:r>
+              <a:rPr lang="en-US" sz="3200" dirty="0" smtClean="0"/>
+              <a:t>note </a:t>
+            </a:r>
+          </a:p>
+          <a:p>
+            <a:pPr marL="400050" lvl="1" indent="0">
+              <a:buNone/>
+            </a:pPr>
+            <a:r>
+              <a:rPr lang="en-US" sz="3200" dirty="0" smtClean="0"/>
+              <a:t>Objects</a:t>
+            </a:r>
+            <a:endParaRPr lang="en-US" sz="3200" dirty="0" smtClean="0"/>
+          </a:p>
         </p:txBody>
       </p:sp>
       <p:pic>
@@ -7892,111 +9172,7 @@
 </p:sld>
 </file>
 
-<file path=ppt/slides/slide2.xml><?xml version="1.0" encoding="utf-8"?>
-<p:sld xmlns:a="http://schemas.openxmlformats.org/drawingml/2006/main" xmlns:r="http://schemas.openxmlformats.org/officeDocument/2006/relationships" xmlns:p="http://schemas.openxmlformats.org/presentationml/2006/main">
-  <p:cSld>
-    <p:spTree>
-      <p:nvGrpSpPr>
-        <p:cNvPr id="1" name=""/>
-        <p:cNvGrpSpPr/>
-        <p:nvPr/>
-      </p:nvGrpSpPr>
-      <p:grpSpPr>
-        <a:xfrm>
-          <a:off x="0" y="0"/>
-          <a:ext cx="0" cy="0"/>
-          <a:chOff x="0" y="0"/>
-          <a:chExt cx="0" cy="0"/>
-        </a:xfrm>
-      </p:grpSpPr>
-      <p:sp>
-        <p:nvSpPr>
-          <p:cNvPr id="2" name="Title 1"/>
-          <p:cNvSpPr>
-            <a:spLocks noGrp="1"/>
-          </p:cNvSpPr>
-          <p:nvPr>
-            <p:ph type="title"/>
-          </p:nvPr>
-        </p:nvSpPr>
-        <p:spPr/>
-        <p:txBody>
-          <a:bodyPr/>
-          <a:lstStyle/>
-          <a:p>
-            <a:r>
-              <a:rPr lang="en-US" dirty="0" smtClean="0"/>
-              <a:t>Objectives</a:t>
-            </a:r>
-            <a:endParaRPr lang="en-US" dirty="0"/>
-          </a:p>
-        </p:txBody>
-      </p:sp>
-      <p:sp>
-        <p:nvSpPr>
-          <p:cNvPr id="3" name="Content Placeholder 2"/>
-          <p:cNvSpPr>
-            <a:spLocks noGrp="1"/>
-          </p:cNvSpPr>
-          <p:nvPr>
-            <p:ph idx="1"/>
-          </p:nvPr>
-        </p:nvSpPr>
-        <p:spPr/>
-        <p:txBody>
-          <a:bodyPr>
-            <a:normAutofit/>
-          </a:bodyPr>
-          <a:lstStyle/>
-          <a:p>
-            <a:pPr marL="514350" indent="-514350">
-              <a:buFont typeface="+mj-lt"/>
-              <a:buAutoNum type="arabicParenR"/>
-            </a:pPr>
-            <a:r>
-              <a:rPr lang="en-US" dirty="0" smtClean="0"/>
-              <a:t>Provide an introduction and a conceptual understanding of NoSQL technologies</a:t>
-            </a:r>
-            <a:endParaRPr lang="en-US" dirty="0"/>
-          </a:p>
-          <a:p>
-            <a:pPr marL="514350" indent="-514350">
-              <a:buFont typeface="+mj-lt"/>
-              <a:buAutoNum type="arabicParenR"/>
-            </a:pPr>
-            <a:endParaRPr lang="en-US" dirty="0" smtClean="0"/>
-          </a:p>
-          <a:p>
-            <a:pPr marL="514350" indent="-514350">
-              <a:buFont typeface="+mj-lt"/>
-              <a:buAutoNum type="arabicParenR"/>
-            </a:pPr>
-            <a:r>
-              <a:rPr lang="en-US" dirty="0" smtClean="0"/>
-              <a:t>Understand how various types of data are represented in a NoSQL </a:t>
-            </a:r>
-            <a:r>
-              <a:rPr lang="en-US" dirty="0" smtClean="0"/>
-              <a:t>Environment</a:t>
-            </a:r>
-            <a:endParaRPr lang="en-US" dirty="0" smtClean="0"/>
-          </a:p>
-        </p:txBody>
-      </p:sp>
-    </p:spTree>
-    <p:extLst>
-      <p:ext uri="{BB962C8B-B14F-4D97-AF65-F5344CB8AC3E}">
-        <p14:creationId xmlns:p14="http://schemas.microsoft.com/office/powerpoint/2010/main" val="2501235184"/>
-      </p:ext>
-    </p:extLst>
-  </p:cSld>
-  <p:clrMapOvr>
-    <a:masterClrMapping/>
-  </p:clrMapOvr>
-</p:sld>
-</file>
-
-<file path=ppt/slides/slide20.xml><?xml version="1.0" encoding="utf-8"?>
+<file path=ppt/slides/slide23.xml><?xml version="1.0" encoding="utf-8"?>
 <p:sld xmlns:a="http://schemas.openxmlformats.org/drawingml/2006/main" xmlns:r="http://schemas.openxmlformats.org/officeDocument/2006/relationships" xmlns:p="http://schemas.openxmlformats.org/presentationml/2006/main">
   <p:cSld>
     <p:spTree>
@@ -8139,7 +9315,7 @@
 </p:sld>
 </file>
 
-<file path=ppt/slides/slide21.xml><?xml version="1.0" encoding="utf-8"?>
+<file path=ppt/slides/slide24.xml><?xml version="1.0" encoding="utf-8"?>
 <p:sld xmlns:a="http://schemas.openxmlformats.org/drawingml/2006/main" xmlns:r="http://schemas.openxmlformats.org/officeDocument/2006/relationships" xmlns:p="http://schemas.openxmlformats.org/presentationml/2006/main">
   <p:cSld>
     <p:spTree>
@@ -8358,7 +9534,7 @@
 </p:sld>
 </file>
 
-<file path=ppt/slides/slide22.xml><?xml version="1.0" encoding="utf-8"?>
+<file path=ppt/slides/slide25.xml><?xml version="1.0" encoding="utf-8"?>
 <p:sld xmlns:a="http://schemas.openxmlformats.org/drawingml/2006/main" xmlns:r="http://schemas.openxmlformats.org/officeDocument/2006/relationships" xmlns:p="http://schemas.openxmlformats.org/presentationml/2006/main">
   <p:cSld>
     <p:spTree>
@@ -8421,8 +9597,12 @@
           <a:lstStyle/>
           <a:p>
             <a:r>
-              <a:rPr lang="en-US" dirty="0" smtClean="0"/>
-              <a:t>XQuery is a W3C Recommendation</a:t>
+              <a:rPr lang="en-US" b="1" dirty="0" smtClean="0"/>
+              <a:t>XQuery</a:t>
+            </a:r>
+            <a:r>
+              <a:rPr lang="en-US" dirty="0" smtClean="0"/>
+              <a:t> is a W3C Recommendation</a:t>
             </a:r>
           </a:p>
           <a:p>
@@ -8537,7 +9717,7 @@
 </p:sld>
 </file>
 
-<file path=ppt/slides/slide23.xml><?xml version="1.0" encoding="utf-8"?>
+<file path=ppt/slides/slide26.xml><?xml version="1.0" encoding="utf-8"?>
 <p:sld xmlns:a="http://schemas.openxmlformats.org/drawingml/2006/main" xmlns:r="http://schemas.openxmlformats.org/officeDocument/2006/relationships" xmlns:p="http://schemas.openxmlformats.org/presentationml/2006/main">
   <p:cSld>
     <p:spTree>
@@ -8628,6 +9808,13 @@
           </a:p>
           <a:p>
             <a:endParaRPr lang="en-US" sz="1600" dirty="0" smtClean="0"/>
+          </a:p>
+          <a:p>
+            <a:pPr lvl="1">
+              <a:buFont typeface="Arial" panose="020B0604020202020204" pitchFamily="34" charset="0"/>
+              <a:buChar char="•"/>
+            </a:pPr>
+            <a:endParaRPr lang="en-US" dirty="0" smtClean="0"/>
           </a:p>
           <a:p>
             <a:pPr lvl="1">
@@ -8697,7 +9884,7 @@
       </p:pic>
       <p:pic>
         <p:nvPicPr>
-          <p:cNvPr id="7170" name="Picture 2"/>
+          <p:cNvPr id="3074" name="Picture 2"/>
           <p:cNvPicPr>
             <a:picLocks noChangeAspect="1" noChangeArrowheads="1"/>
           </p:cNvPicPr>
@@ -8718,8 +9905,8 @@
         </p:blipFill>
         <p:spPr bwMode="auto">
           <a:xfrm>
-            <a:off x="990601" y="5181600"/>
-            <a:ext cx="6858000" cy="743639"/>
+            <a:off x="990599" y="5867400"/>
+            <a:ext cx="6672349" cy="609600"/>
           </a:xfrm>
           <a:prstGeom prst="rect">
             <a:avLst/>
@@ -8749,6 +9936,47 @@
           </a:extLst>
         </p:spPr>
       </p:pic>
+      <p:pic>
+        <p:nvPicPr>
+          <p:cNvPr id="3075" name="Picture 3"/>
+          <p:cNvPicPr>
+            <a:picLocks noChangeAspect="1" noChangeArrowheads="1"/>
+          </p:cNvPicPr>
+          <p:nvPr/>
+        </p:nvPicPr>
+        <p:blipFill>
+          <a:blip r:embed="rId5">
+            <a:extLst>
+              <a:ext uri="{28A0092B-C50C-407E-A947-70E740481C1C}">
+                <a14:useLocalDpi xmlns:a14="http://schemas.microsoft.com/office/drawing/2010/main" val="0"/>
+              </a:ext>
+            </a:extLst>
+          </a:blip>
+          <a:srcRect/>
+          <a:stretch>
+            <a:fillRect/>
+          </a:stretch>
+        </p:blipFill>
+        <p:spPr bwMode="auto">
+          <a:xfrm>
+            <a:off x="7010400" y="3124200"/>
+            <a:ext cx="1844041" cy="2895600"/>
+          </a:xfrm>
+          <a:prstGeom prst="rect">
+            <a:avLst/>
+          </a:prstGeom>
+          <a:ln>
+            <a:noFill/>
+          </a:ln>
+          <a:effectLst>
+            <a:glow rad="127000">
+              <a:schemeClr val="accent1">
+                <a:alpha val="0"/>
+              </a:schemeClr>
+            </a:glow>
+          </a:effectLst>
+        </p:spPr>
+      </p:pic>
     </p:spTree>
     <p:extLst>
       <p:ext uri="{BB962C8B-B14F-4D97-AF65-F5344CB8AC3E}">
@@ -8759,10 +9987,17 @@
   <p:clrMapOvr>
     <a:masterClrMapping/>
   </p:clrMapOvr>
+  <p:timing>
+    <p:tnLst>
+      <p:par>
+        <p:cTn id="1" dur="indefinite" restart="never" nodeType="tmRoot"/>
+      </p:par>
+    </p:tnLst>
+  </p:timing>
 </p:sld>
 </file>
 
-<file path=ppt/slides/slide24.xml><?xml version="1.0" encoding="utf-8"?>
+<file path=ppt/slides/slide27.xml><?xml version="1.0" encoding="utf-8"?>
 <p:sld xmlns:a="http://schemas.openxmlformats.org/drawingml/2006/main" xmlns:r="http://schemas.openxmlformats.org/officeDocument/2006/relationships" xmlns:p="http://schemas.openxmlformats.org/presentationml/2006/main">
   <p:cSld>
     <p:spTree>
@@ -8789,16 +10024,23 @@
             <p:ph type="title"/>
           </p:nvPr>
         </p:nvSpPr>
-        <p:spPr/>
-        <p:txBody>
-          <a:bodyPr/>
-          <a:lstStyle/>
-          <a:p>
-            <a:r>
-              <a:rPr lang="en-US" dirty="0" smtClean="0"/>
-              <a:t>What is Graph DB</a:t>
-            </a:r>
-            <a:endParaRPr lang="en-US" dirty="0"/>
+        <p:spPr>
+          <a:xfrm>
+            <a:off x="457200" y="274638"/>
+            <a:ext cx="8229600" cy="1554162"/>
+          </a:xfrm>
+        </p:spPr>
+        <p:txBody>
+          <a:bodyPr>
+            <a:noAutofit/>
+          </a:bodyPr>
+          <a:lstStyle/>
+          <a:p>
+            <a:r>
+              <a:rPr lang="en-US" sz="8800" dirty="0" smtClean="0"/>
+              <a:t>Thank You!</a:t>
+            </a:r>
+            <a:endParaRPr lang="en-US" sz="8800" dirty="0"/>
           </a:p>
         </p:txBody>
       </p:sp>
@@ -8812,23 +10054,73 @@
             <p:ph idx="1"/>
           </p:nvPr>
         </p:nvSpPr>
-        <p:spPr/>
-        <p:txBody>
-          <a:bodyPr/>
-          <a:lstStyle/>
-          <a:p>
-            <a:r>
-              <a:rPr lang="en-US" dirty="0" smtClean="0"/>
-              <a:t>Switch to OrientDB Presentation</a:t>
-            </a:r>
-            <a:endParaRPr lang="en-US" dirty="0"/>
-          </a:p>
-        </p:txBody>
-      </p:sp>
+        <p:spPr>
+          <a:xfrm>
+            <a:off x="457200" y="3581400"/>
+            <a:ext cx="8229600" cy="2544763"/>
+          </a:xfrm>
+        </p:spPr>
+        <p:txBody>
+          <a:bodyPr>
+            <a:normAutofit/>
+          </a:bodyPr>
+          <a:lstStyle/>
+          <a:p>
+            <a:pPr marL="0" indent="0" algn="ctr">
+              <a:buNone/>
+            </a:pPr>
+            <a:r>
+              <a:rPr lang="en-US" sz="7200" dirty="0" smtClean="0"/>
+              <a:t>Discussion? </a:t>
+            </a:r>
+            <a:r>
+              <a:rPr lang="en-US" sz="7200" dirty="0"/>
+              <a:t>Questions</a:t>
+            </a:r>
+            <a:r>
+              <a:rPr lang="en-US" sz="7200" dirty="0" smtClean="0"/>
+              <a:t>?</a:t>
+            </a:r>
+            <a:endParaRPr lang="en-US" sz="7200" dirty="0"/>
+          </a:p>
+        </p:txBody>
+      </p:sp>
+      <p:pic>
+        <p:nvPicPr>
+          <p:cNvPr id="3074" name="Picture 2" descr="C:\Users\peter\AppData\Local\Microsoft\Windows\Temporary Internet Files\Content.IE5\I0OTX59U\Discussion[1].png"/>
+          <p:cNvPicPr>
+            <a:picLocks noChangeAspect="1" noChangeArrowheads="1"/>
+          </p:cNvPicPr>
+          <p:nvPr/>
+        </p:nvPicPr>
+        <p:blipFill>
+          <a:blip r:embed="rId2" cstate="print">
+            <a:extLst>
+              <a:ext uri="{28A0092B-C50C-407E-A947-70E740481C1C}">
+                <a14:useLocalDpi xmlns:a14="http://schemas.microsoft.com/office/drawing/2010/main" val="0"/>
+              </a:ext>
+            </a:extLst>
+          </a:blip>
+          <a:srcRect/>
+          <a:stretch>
+            <a:fillRect/>
+          </a:stretch>
+        </p:blipFill>
+        <p:spPr bwMode="auto">
+          <a:xfrm>
+            <a:off x="2873829" y="1904999"/>
+            <a:ext cx="3124200" cy="1901687"/>
+          </a:xfrm>
+          <a:prstGeom prst="rect">
+            <a:avLst/>
+          </a:prstGeom>
+          <a:noFill/>
+        </p:spPr>
+      </p:pic>
     </p:spTree>
     <p:extLst>
       <p:ext uri="{BB962C8B-B14F-4D97-AF65-F5344CB8AC3E}">
-        <p14:creationId xmlns:p14="http://schemas.microsoft.com/office/powerpoint/2010/main" val="1362142052"/>
+        <p14:creationId xmlns:p14="http://schemas.microsoft.com/office/powerpoint/2010/main" val="2763356229"/>
       </p:ext>
     </p:extLst>
   </p:cSld>
@@ -8896,7 +10188,7 @@
         </p:spPr>
         <p:txBody>
           <a:bodyPr>
-            <a:normAutofit fontScale="92500" lnSpcReduction="10000"/>
+            <a:normAutofit/>
           </a:bodyPr>
           <a:lstStyle/>
           <a:p>
@@ -8914,7 +10206,7 @@
           <a:p>
             <a:r>
               <a:rPr lang="en-US" dirty="0" smtClean="0"/>
-              <a:t>Popular Types</a:t>
+              <a:t>Common NoSQL Platforms</a:t>
             </a:r>
           </a:p>
           <a:p>
@@ -8938,36 +10230,10 @@
             </a:r>
           </a:p>
           <a:p>
-            <a:pPr lvl="1"/>
-            <a:r>
-              <a:rPr lang="en-US" dirty="0" smtClean="0"/>
-              <a:t>Examples</a:t>
-            </a:r>
-          </a:p>
-          <a:p>
-            <a:r>
-              <a:rPr lang="en-US" dirty="0"/>
-              <a:t>What is a </a:t>
-            </a:r>
-            <a:r>
-              <a:rPr lang="en-US" dirty="0" smtClean="0"/>
-              <a:t>Graph?</a:t>
-            </a:r>
-            <a:endParaRPr lang="en-US" dirty="0"/>
-          </a:p>
-          <a:p>
-            <a:pPr lvl="1"/>
-            <a:r>
-              <a:rPr lang="en-US" dirty="0" smtClean="0"/>
-              <a:t>Examples</a:t>
-            </a:r>
-          </a:p>
-          <a:p>
-            <a:r>
-              <a:rPr lang="en-US" dirty="0" smtClean="0"/>
-              <a:t>Demo &amp; Exercise</a:t>
-            </a:r>
-            <a:endParaRPr lang="en-US" dirty="0"/>
+            <a:r>
+              <a:rPr lang="en-US" dirty="0" smtClean="0"/>
+              <a:t>Working with Documents</a:t>
+            </a:r>
           </a:p>
         </p:txBody>
       </p:sp>
@@ -9018,146 +10284,83 @@
           <a:p>
             <a:r>
               <a:rPr lang="en-US" dirty="0" smtClean="0"/>
-              <a:t>What is NoSQL?</a:t>
+              <a:t>Evolution of DB Technology</a:t>
             </a:r>
             <a:endParaRPr lang="en-US" dirty="0"/>
           </a:p>
         </p:txBody>
       </p:sp>
-      <p:sp>
-        <p:nvSpPr>
-          <p:cNvPr id="3" name="Content Placeholder 2"/>
-          <p:cNvSpPr>
-            <a:spLocks noGrp="1"/>
-          </p:cNvSpPr>
-          <p:nvPr>
-            <p:ph idx="1"/>
-          </p:nvPr>
-        </p:nvSpPr>
-        <p:spPr>
-          <a:xfrm>
-            <a:off x="457200" y="1600200"/>
-            <a:ext cx="8229600" cy="5029200"/>
-          </a:xfrm>
-        </p:spPr>
-        <p:txBody>
-          <a:bodyPr>
-            <a:normAutofit lnSpcReduction="10000"/>
-          </a:bodyPr>
-          <a:lstStyle/>
-          <a:p>
-            <a:r>
-              <a:rPr lang="en-US" dirty="0"/>
-              <a:t>A database is an </a:t>
-            </a:r>
-            <a:r>
-              <a:rPr lang="en-US" b="1" dirty="0"/>
-              <a:t>organized</a:t>
-            </a:r>
-            <a:r>
-              <a:rPr lang="en-US" dirty="0"/>
-              <a:t> collection of </a:t>
-            </a:r>
-            <a:r>
-              <a:rPr lang="en-US" dirty="0" smtClean="0"/>
-              <a:t>data</a:t>
-            </a:r>
-          </a:p>
-          <a:p>
-            <a:r>
-              <a:rPr lang="en-US" dirty="0" smtClean="0"/>
-              <a:t>Many ways to organize data</a:t>
-            </a:r>
-          </a:p>
-          <a:p>
-            <a:pPr lvl="1"/>
-            <a:r>
-              <a:rPr lang="en-US" dirty="0" smtClean="0"/>
-              <a:t>Relational Technology</a:t>
-            </a:r>
-          </a:p>
-          <a:p>
-            <a:pPr lvl="2"/>
-            <a:r>
-              <a:rPr lang="en-US" dirty="0" smtClean="0"/>
-              <a:t>Based on Relational Theory (E.F. </a:t>
-            </a:r>
-            <a:r>
-              <a:rPr lang="en-US" dirty="0" err="1" smtClean="0"/>
-              <a:t>Codd</a:t>
-            </a:r>
-            <a:r>
-              <a:rPr lang="en-US" dirty="0" smtClean="0"/>
-              <a:t> 1970)</a:t>
-            </a:r>
-          </a:p>
-          <a:p>
-            <a:pPr lvl="2"/>
-            <a:r>
-              <a:rPr lang="en-US" dirty="0" smtClean="0"/>
-              <a:t>Oracle, MySQL, SQL Server, etc.</a:t>
-            </a:r>
-          </a:p>
-          <a:p>
-            <a:pPr lvl="1"/>
-            <a:r>
-              <a:rPr lang="en-US" dirty="0" smtClean="0"/>
-              <a:t>Non-Relation (NoSQL) Technologies</a:t>
-            </a:r>
-          </a:p>
-          <a:p>
-            <a:pPr lvl="2"/>
-            <a:r>
-              <a:rPr lang="en-US" dirty="0" smtClean="0"/>
-              <a:t>There are many types</a:t>
-            </a:r>
-          </a:p>
-          <a:p>
-            <a:pPr lvl="3"/>
-            <a:r>
-              <a:rPr lang="en-US" dirty="0" smtClean="0"/>
-              <a:t>Document</a:t>
-            </a:r>
-          </a:p>
-          <a:p>
-            <a:pPr lvl="3"/>
-            <a:r>
-              <a:rPr lang="en-US" dirty="0" smtClean="0"/>
-              <a:t>Graph</a:t>
-            </a:r>
-          </a:p>
-          <a:p>
-            <a:pPr lvl="3"/>
-            <a:r>
-              <a:rPr lang="en-US" dirty="0" smtClean="0"/>
-              <a:t>Key-Value Pairs</a:t>
-            </a:r>
-          </a:p>
-          <a:p>
-            <a:pPr lvl="3"/>
-            <a:r>
-              <a:rPr lang="en-US" dirty="0" smtClean="0"/>
-              <a:t>Others…</a:t>
-            </a:r>
-          </a:p>
-          <a:p>
-            <a:pPr lvl="3"/>
-            <a:r>
-              <a:rPr lang="en-US" dirty="0"/>
-              <a:t>Combinations of various </a:t>
-            </a:r>
-            <a:r>
-              <a:rPr lang="en-US" dirty="0" smtClean="0"/>
-              <a:t>types in a single solution</a:t>
-            </a:r>
-            <a:endParaRPr lang="en-US" dirty="0"/>
-          </a:p>
-        </p:txBody>
-      </p:sp>
+      <p:graphicFrame>
+        <p:nvGraphicFramePr>
+          <p:cNvPr id="4" name="Object 3"/>
+          <p:cNvGraphicFramePr>
+            <a:graphicFrameLocks noChangeAspect="1"/>
+          </p:cNvGraphicFramePr>
+          <p:nvPr>
+            <p:extLst>
+              <p:ext uri="{D42A27DB-BD31-4B8C-83A1-F6EECF244321}">
+                <p14:modId xmlns:p14="http://schemas.microsoft.com/office/powerpoint/2010/main" val="815801750"/>
+              </p:ext>
+            </p:extLst>
+          </p:nvPr>
+        </p:nvGraphicFramePr>
+        <p:xfrm>
+          <a:off x="304800" y="1606550"/>
+          <a:ext cx="8534400" cy="4927600"/>
+        </p:xfrm>
+        <a:graphic>
+          <a:graphicData uri="http://schemas.openxmlformats.org/presentationml/2006/ole">
+            <mc:AlternateContent xmlns:mc="http://schemas.openxmlformats.org/markup-compatibility/2006">
+              <mc:Choice xmlns:v="urn:schemas-microsoft-com:vml" Requires="v">
+                <p:oleObj spid="_x0000_s2068" name="Document" r:id="rId4" imgW="8224928" imgH="5027963" progId="Word.Document.8">
+                  <p:embed/>
+                </p:oleObj>
+              </mc:Choice>
+              <mc:Fallback>
+                <p:oleObj name="Document" r:id="rId4" imgW="8224928" imgH="5027963" progId="Word.Document.8">
+                  <p:embed/>
+                  <p:pic>
+                    <p:nvPicPr>
+                      <p:cNvPr id="0" name="Object 2"/>
+                      <p:cNvPicPr>
+                        <a:picLocks noChangeAspect="1" noChangeArrowheads="1"/>
+                      </p:cNvPicPr>
+                      <p:nvPr/>
+                    </p:nvPicPr>
+                    <p:blipFill>
+                      <a:blip r:embed="rId5"/>
+                      <a:srcRect/>
+                      <a:stretch>
+                        <a:fillRect/>
+                      </a:stretch>
+                    </p:blipFill>
+                    <p:spPr bwMode="auto">
+                      <a:xfrm>
+                        <a:off x="304800" y="1606550"/>
+                        <a:ext cx="8534400" cy="4927600"/>
+                      </a:xfrm>
+                      <a:prstGeom prst="rect">
+                        <a:avLst/>
+                      </a:prstGeom>
+                      <a:solidFill>
+                        <a:schemeClr val="bg1"/>
+                      </a:solidFill>
+                      <a:ln>
+                        <a:noFill/>
+                      </a:ln>
+                      <a:effectLst/>
+                    </p:spPr>
+                  </p:pic>
+                </p:oleObj>
+              </mc:Fallback>
+            </mc:AlternateContent>
+          </a:graphicData>
+        </a:graphic>
+      </p:graphicFrame>
     </p:spTree>
     <p:extLst>
       <p:ext uri="{BB962C8B-B14F-4D97-AF65-F5344CB8AC3E}">
-        <p14:creationId xmlns:p14="http://schemas.microsoft.com/office/powerpoint/2010/main" val="2420519114"/>
+        <p14:creationId xmlns:p14="http://schemas.microsoft.com/office/powerpoint/2010/main" val="3647548039"/>
       </p:ext>
     </p:extLst>
   </p:cSld>
@@ -9201,7 +10404,7 @@
           <a:p>
             <a:r>
               <a:rPr lang="en-US" dirty="0" smtClean="0"/>
-              <a:t>Why NoSQL?</a:t>
+              <a:t>What is NoSQL?</a:t>
             </a:r>
             <a:endParaRPr lang="en-US" dirty="0"/>
           </a:p>
@@ -9217,71 +10420,132 @@
             <p:ph idx="1"/>
           </p:nvPr>
         </p:nvSpPr>
-        <p:spPr/>
+        <p:spPr>
+          <a:xfrm>
+            <a:off x="457200" y="1600200"/>
+            <a:ext cx="8229600" cy="5029200"/>
+          </a:xfrm>
+        </p:spPr>
         <p:txBody>
           <a:bodyPr>
-            <a:normAutofit/>
+            <a:normAutofit lnSpcReduction="10000"/>
           </a:bodyPr>
           <a:lstStyle/>
           <a:p>
             <a:r>
-              <a:rPr lang="en-US" dirty="0" smtClean="0"/>
-              <a:t>Supports polymorphic data types:</a:t>
+              <a:rPr lang="en-US" dirty="0"/>
+              <a:t>A database is an </a:t>
+            </a:r>
+            <a:r>
+              <a:rPr lang="en-US" b="1" dirty="0"/>
+              <a:t>organized</a:t>
+            </a:r>
+            <a:r>
+              <a:rPr lang="en-US" dirty="0"/>
+              <a:t> collection of </a:t>
+            </a:r>
+            <a:r>
+              <a:rPr lang="en-US" dirty="0" smtClean="0"/>
+              <a:t>data</a:t>
+            </a:r>
+          </a:p>
+          <a:p>
+            <a:r>
+              <a:rPr lang="en-US" dirty="0" smtClean="0"/>
+              <a:t>Many ways to organize data</a:t>
             </a:r>
           </a:p>
           <a:p>
             <a:pPr lvl="1"/>
             <a:r>
               <a:rPr lang="en-US" dirty="0" smtClean="0"/>
-              <a:t>Structured, Semi-Structured, Unstructured</a:t>
-            </a:r>
-          </a:p>
-          <a:p>
-            <a:r>
-              <a:rPr lang="en-US" dirty="0" smtClean="0"/>
-              <a:t>Fits well with Agile development</a:t>
+              <a:t>Relational Technology</a:t>
+            </a:r>
+          </a:p>
+          <a:p>
+            <a:pPr lvl="2"/>
+            <a:r>
+              <a:rPr lang="en-US" dirty="0" smtClean="0"/>
+              <a:t>Based on Relational Theory (E.F. </a:t>
+            </a:r>
+            <a:r>
+              <a:rPr lang="en-US" dirty="0" err="1" smtClean="0"/>
+              <a:t>Codd</a:t>
+            </a:r>
+            <a:r>
+              <a:rPr lang="en-US" dirty="0" smtClean="0"/>
+              <a:t> 1970)</a:t>
+            </a:r>
+          </a:p>
+          <a:p>
+            <a:pPr lvl="2"/>
+            <a:r>
+              <a:rPr lang="en-US" dirty="0" smtClean="0"/>
+              <a:t>Oracle, MySQL, SQL Server, etc.</a:t>
             </a:r>
           </a:p>
           <a:p>
             <a:pPr lvl="1"/>
             <a:r>
               <a:rPr lang="en-US" dirty="0" smtClean="0"/>
-              <a:t>Data Structures may change on-the-fly</a:t>
-            </a:r>
-          </a:p>
-          <a:p>
-            <a:r>
-              <a:rPr lang="en-US" dirty="0" smtClean="0"/>
-              <a:t>Scalability (Big Data Compatible)</a:t>
-            </a:r>
-          </a:p>
-          <a:p>
-            <a:pPr lvl="1"/>
-            <a:r>
-              <a:rPr lang="en-US" dirty="0" smtClean="0"/>
-              <a:t>Distributed &amp; Parallel Processing</a:t>
+              <a:t>Non-Relation (NoSQL) Technologies</a:t>
             </a:r>
           </a:p>
           <a:p>
             <a:pPr lvl="2"/>
             <a:r>
               <a:rPr lang="en-US" dirty="0" smtClean="0"/>
-              <a:t>High Performance &amp; Availability</a:t>
-            </a:r>
-          </a:p>
-          <a:p>
-            <a:pPr lvl="1"/>
-            <a:r>
-              <a:rPr lang="en-US" dirty="0" smtClean="0"/>
-              <a:t>May take advantage of Cloud Computing</a:t>
-            </a:r>
+              <a:t>There are many types</a:t>
+            </a:r>
+          </a:p>
+          <a:p>
+            <a:pPr lvl="3"/>
+            <a:r>
+              <a:rPr lang="en-US" dirty="0" smtClean="0"/>
+              <a:t>Document Collections</a:t>
+            </a:r>
+            <a:endParaRPr lang="en-US" dirty="0" smtClean="0"/>
+          </a:p>
+          <a:p>
+            <a:pPr lvl="3"/>
+            <a:r>
+              <a:rPr lang="en-US" dirty="0" smtClean="0"/>
+              <a:t>Graph Nodes and Edges</a:t>
+            </a:r>
+            <a:endParaRPr lang="en-US" dirty="0" smtClean="0"/>
+          </a:p>
+          <a:p>
+            <a:pPr lvl="3"/>
+            <a:r>
+              <a:rPr lang="en-US" dirty="0" smtClean="0"/>
+              <a:t>Key-Value Pairs</a:t>
+            </a:r>
+          </a:p>
+          <a:p>
+            <a:pPr lvl="3"/>
+            <a:r>
+              <a:rPr lang="en-US" dirty="0" smtClean="0"/>
+              <a:t>Others…</a:t>
+            </a:r>
+          </a:p>
+          <a:p>
+            <a:pPr lvl="3"/>
+            <a:r>
+              <a:rPr lang="en-US" dirty="0"/>
+              <a:t>Combinations of various </a:t>
+            </a:r>
+            <a:r>
+              <a:rPr lang="en-US" dirty="0" smtClean="0"/>
+              <a:t>types in a single solution</a:t>
+            </a:r>
+            <a:endParaRPr lang="en-US" dirty="0"/>
           </a:p>
         </p:txBody>
       </p:sp>
     </p:spTree>
     <p:extLst>
       <p:ext uri="{BB962C8B-B14F-4D97-AF65-F5344CB8AC3E}">
-        <p14:creationId xmlns:p14="http://schemas.microsoft.com/office/powerpoint/2010/main" val="844680060"/>
+        <p14:creationId xmlns:p14="http://schemas.microsoft.com/office/powerpoint/2010/main" val="2420519114"/>
       </p:ext>
     </p:extLst>
   </p:cSld>
@@ -9325,7 +10589,7 @@
           <a:p>
             <a:r>
               <a:rPr lang="en-US" dirty="0" smtClean="0"/>
-              <a:t>Why NoSQL?</a:t>
+              <a:t>What is NoSQL?</a:t>
             </a:r>
             <a:endParaRPr lang="en-US" dirty="0"/>
           </a:p>
@@ -9333,9 +10597,9 @@
       </p:sp>
       <p:pic>
         <p:nvPicPr>
-          <p:cNvPr id="1026" name="Picture 2" descr="Image result for nosql architecture"/>
+          <p:cNvPr id="5" name="Picture 4"/>
           <p:cNvPicPr>
-            <a:picLocks noChangeAspect="1" noChangeArrowheads="1"/>
+            <a:picLocks noChangeAspect="1"/>
           </p:cNvPicPr>
           <p:nvPr/>
         </p:nvPicPr>
@@ -9347,72 +10611,37 @@
               </a:ext>
             </a:extLst>
           </a:blip>
-          <a:srcRect/>
           <a:stretch>
             <a:fillRect/>
           </a:stretch>
         </p:blipFill>
-        <p:spPr bwMode="auto">
+        <p:spPr>
           <a:xfrm>
-            <a:off x="51952" y="1371600"/>
-            <a:ext cx="9040093" cy="4419602"/>
+            <a:off x="0" y="1600200"/>
+            <a:ext cx="9144000" cy="4754880"/>
           </a:xfrm>
           <a:prstGeom prst="rect">
             <a:avLst/>
           </a:prstGeom>
-          <a:noFill/>
-          <a:extLst>
-            <a:ext uri="{909E8E84-426E-40DD-AFC4-6F175D3DCCD1}">
-              <a14:hiddenFill xmlns:a14="http://schemas.microsoft.com/office/drawing/2010/main">
-                <a:solidFill>
-                  <a:srgbClr val="FFFFFF"/>
-                </a:solidFill>
-              </a14:hiddenFill>
-            </a:ext>
-          </a:extLst>
         </p:spPr>
       </p:pic>
-      <p:sp>
-        <p:nvSpPr>
-          <p:cNvPr id="5" name="TextBox 4"/>
-          <p:cNvSpPr txBox="1"/>
-          <p:nvPr/>
-        </p:nvSpPr>
-        <p:spPr>
-          <a:xfrm>
-            <a:off x="1104898" y="5638800"/>
-            <a:ext cx="6743702" cy="523220"/>
-          </a:xfrm>
-          <a:prstGeom prst="rect">
-            <a:avLst/>
-          </a:prstGeom>
-          <a:noFill/>
-        </p:spPr>
-        <p:txBody>
-          <a:bodyPr wrap="square" rtlCol="0">
-            <a:spAutoFit/>
-          </a:bodyPr>
-          <a:lstStyle/>
-          <a:p>
-            <a:pPr algn="ctr"/>
-            <a:r>
-              <a:rPr lang="en-US" sz="2800" dirty="0" smtClean="0"/>
-              <a:t>DB Servers may be local, remote, or on cloud</a:t>
-            </a:r>
-            <a:endParaRPr lang="en-US" sz="2800" dirty="0"/>
-          </a:p>
-        </p:txBody>
-      </p:sp>
     </p:spTree>
     <p:extLst>
       <p:ext uri="{BB962C8B-B14F-4D97-AF65-F5344CB8AC3E}">
-        <p14:creationId xmlns:p14="http://schemas.microsoft.com/office/powerpoint/2010/main" val="319868448"/>
+        <p14:creationId xmlns:p14="http://schemas.microsoft.com/office/powerpoint/2010/main" val="3836223359"/>
       </p:ext>
     </p:extLst>
   </p:cSld>
   <p:clrMapOvr>
     <a:masterClrMapping/>
   </p:clrMapOvr>
+  <p:timing>
+    <p:tnLst>
+      <p:par>
+        <p:cTn id="1" dur="indefinite" restart="never" nodeType="tmRoot"/>
+      </p:par>
+    </p:tnLst>
+  </p:timing>
 </p:sld>
 </file>
 
@@ -9450,7 +10679,7 @@
           <a:p>
             <a:r>
               <a:rPr lang="en-US" dirty="0" smtClean="0"/>
-              <a:t>NoSQL DB Types</a:t>
+              <a:t>Why NoSQL?</a:t>
             </a:r>
             <a:endParaRPr lang="en-US" dirty="0"/>
           </a:p>
@@ -9466,12 +10695,7 @@
             <p:ph idx="1"/>
           </p:nvPr>
         </p:nvSpPr>
-        <p:spPr>
-          <a:xfrm>
-            <a:off x="457200" y="1600200"/>
-            <a:ext cx="8229600" cy="4800600"/>
-          </a:xfrm>
-        </p:spPr>
+        <p:spPr/>
         <p:txBody>
           <a:bodyPr>
             <a:normAutofit/>
@@ -9480,76 +10704,62 @@
           <a:p>
             <a:r>
               <a:rPr lang="en-US" dirty="0" smtClean="0"/>
-              <a:t>Document:</a:t>
+              <a:t>Supports polymorphic data types:</a:t>
             </a:r>
           </a:p>
           <a:p>
             <a:pPr lvl="1"/>
             <a:r>
               <a:rPr lang="en-US" dirty="0" smtClean="0"/>
-              <a:t>Usually JSON or XML</a:t>
+              <a:t>Structured, Semi-Structured, Unstructured</a:t>
+            </a:r>
+          </a:p>
+          <a:p>
+            <a:r>
+              <a:rPr lang="en-US" dirty="0" smtClean="0"/>
+              <a:t>Fits well with Agile development</a:t>
             </a:r>
           </a:p>
           <a:p>
             <a:pPr lvl="1"/>
             <a:r>
               <a:rPr lang="en-US" dirty="0" smtClean="0"/>
-              <a:t>Popular Technology/Platform:</a:t>
+              <a:t>Data Structures may change on-the-fly</a:t>
+            </a:r>
+          </a:p>
+          <a:p>
+            <a:r>
+              <a:rPr lang="en-US" dirty="0" smtClean="0"/>
+              <a:t>Scalability (Big Data Compatible)</a:t>
+            </a:r>
+          </a:p>
+          <a:p>
+            <a:pPr lvl="1"/>
+            <a:r>
+              <a:rPr lang="en-US" dirty="0" smtClean="0"/>
+              <a:t>Distributed &amp; Parallel Processing</a:t>
             </a:r>
           </a:p>
           <a:p>
             <a:pPr lvl="2"/>
             <a:r>
               <a:rPr lang="en-US" dirty="0" smtClean="0"/>
-              <a:t>MongoDB (BSON)</a:t>
-            </a:r>
-          </a:p>
-          <a:p>
-            <a:pPr lvl="2"/>
-            <a:r>
-              <a:rPr lang="en-US" dirty="0" err="1" smtClean="0"/>
-              <a:t>BaseX</a:t>
-            </a:r>
-            <a:r>
-              <a:rPr lang="en-US" dirty="0" smtClean="0"/>
-              <a:t> (XML)</a:t>
-            </a:r>
-          </a:p>
-          <a:p>
-            <a:r>
-              <a:rPr lang="en-US" dirty="0" smtClean="0"/>
-              <a:t>Graph:</a:t>
+              <a:t>High Performance &amp; Availability</a:t>
             </a:r>
           </a:p>
           <a:p>
             <a:pPr lvl="1"/>
             <a:r>
-              <a:rPr lang="en-US" dirty="0"/>
-              <a:t>Popular Technology/Platform:</a:t>
-            </a:r>
-          </a:p>
-          <a:p>
-            <a:pPr lvl="2"/>
-            <a:r>
-              <a:rPr lang="en-US" dirty="0" smtClean="0"/>
-              <a:t>Neo4j (Cypher Query Language)</a:t>
-            </a:r>
-            <a:endParaRPr lang="en-US" dirty="0"/>
-          </a:p>
-          <a:p>
-            <a:pPr lvl="2"/>
-            <a:r>
-              <a:rPr lang="en-US" dirty="0" smtClean="0"/>
-              <a:t>OrientDB (SQL)</a:t>
-            </a:r>
-            <a:endParaRPr lang="en-US" dirty="0"/>
+              <a:rPr lang="en-US" dirty="0" smtClean="0"/>
+              <a:t>May take advantage of Cloud Computing</a:t>
+            </a:r>
           </a:p>
         </p:txBody>
       </p:sp>
     </p:spTree>
     <p:extLst>
       <p:ext uri="{BB962C8B-B14F-4D97-AF65-F5344CB8AC3E}">
-        <p14:creationId xmlns:p14="http://schemas.microsoft.com/office/powerpoint/2010/main" val="4147183093"/>
+        <p14:creationId xmlns:p14="http://schemas.microsoft.com/office/powerpoint/2010/main" val="844680060"/>
       </p:ext>
     </p:extLst>
   </p:cSld>
@@ -9593,235 +10803,22 @@
           <a:p>
             <a:r>
               <a:rPr lang="en-US" dirty="0" smtClean="0"/>
-              <a:t>Document Data Types</a:t>
+              <a:t>Why NoSQL?</a:t>
             </a:r>
             <a:endParaRPr lang="en-US" dirty="0"/>
-          </a:p>
-        </p:txBody>
-      </p:sp>
-      <p:sp>
-        <p:nvSpPr>
-          <p:cNvPr id="3" name="Content Placeholder 2"/>
-          <p:cNvSpPr>
-            <a:spLocks noGrp="1"/>
-          </p:cNvSpPr>
-          <p:nvPr>
-            <p:ph idx="1"/>
-          </p:nvPr>
-        </p:nvSpPr>
-        <p:spPr>
-          <a:xfrm>
-            <a:off x="457200" y="1600200"/>
-            <a:ext cx="8229600" cy="4800600"/>
-          </a:xfrm>
-        </p:spPr>
-        <p:txBody>
-          <a:bodyPr>
-            <a:normAutofit/>
-          </a:bodyPr>
-          <a:lstStyle/>
-          <a:p>
-            <a:r>
-              <a:rPr lang="en-US" dirty="0" smtClean="0"/>
-              <a:t>Designed </a:t>
-            </a:r>
-            <a:r>
-              <a:rPr lang="en-US" dirty="0"/>
-              <a:t>to </a:t>
-            </a:r>
-            <a:r>
-              <a:rPr lang="en-US" dirty="0" smtClean="0"/>
-              <a:t>Store </a:t>
-            </a:r>
-            <a:r>
-              <a:rPr lang="en-US" dirty="0"/>
-              <a:t>and </a:t>
-            </a:r>
-            <a:r>
-              <a:rPr lang="en-US" dirty="0" smtClean="0"/>
-              <a:t>Transport Data</a:t>
-            </a:r>
-          </a:p>
-          <a:p>
-            <a:r>
-              <a:rPr lang="en-US" dirty="0" smtClean="0"/>
-              <a:t>Human </a:t>
-            </a:r>
-            <a:r>
-              <a:rPr lang="en-US" dirty="0"/>
-              <a:t>and </a:t>
-            </a:r>
-            <a:r>
-              <a:rPr lang="en-US" dirty="0" smtClean="0"/>
-              <a:t>Machine Readable</a:t>
-            </a:r>
-          </a:p>
-          <a:p>
-            <a:endParaRPr lang="en-US" dirty="0"/>
-          </a:p>
-          <a:p>
-            <a:r>
-              <a:rPr lang="en-US" dirty="0" smtClean="0"/>
-              <a:t>JSON:</a:t>
-            </a:r>
-          </a:p>
-          <a:p>
-            <a:pPr lvl="1"/>
-            <a:r>
-              <a:rPr lang="en-US" dirty="0"/>
-              <a:t>JavaScript Object </a:t>
-            </a:r>
-            <a:r>
-              <a:rPr lang="en-US" dirty="0" smtClean="0"/>
-              <a:t>Notation</a:t>
-            </a:r>
-          </a:p>
-          <a:p>
-            <a:endParaRPr lang="en-US" dirty="0" smtClean="0"/>
-          </a:p>
-          <a:p>
-            <a:r>
-              <a:rPr lang="en-US" dirty="0" smtClean="0"/>
-              <a:t>XML:</a:t>
-            </a:r>
-          </a:p>
-          <a:p>
-            <a:pPr lvl="1"/>
-            <a:r>
-              <a:rPr lang="en-US" dirty="0" smtClean="0"/>
-              <a:t>Extensible Markup Language</a:t>
-            </a:r>
-            <a:endParaRPr lang="en-US" dirty="0"/>
-          </a:p>
-        </p:txBody>
-      </p:sp>
-      <p:sp>
-        <p:nvSpPr>
-          <p:cNvPr id="4" name="AutoShape 2" descr="Image result for json"/>
-          <p:cNvSpPr>
-            <a:spLocks noChangeAspect="1" noChangeArrowheads="1"/>
-          </p:cNvSpPr>
-          <p:nvPr/>
-        </p:nvSpPr>
-        <p:spPr bwMode="auto">
-          <a:xfrm>
-            <a:off x="155575" y="-144463"/>
-            <a:ext cx="304800" cy="304801"/>
-          </a:xfrm>
-          <a:prstGeom prst="rect">
-            <a:avLst/>
-          </a:prstGeom>
-          <a:noFill/>
-          <a:extLst>
-            <a:ext uri="{909E8E84-426E-40DD-AFC4-6F175D3DCCD1}">
-              <a14:hiddenFill xmlns:a14="http://schemas.microsoft.com/office/drawing/2010/main">
-                <a:solidFill>
-                  <a:srgbClr val="FFFFFF"/>
-                </a:solidFill>
-              </a14:hiddenFill>
-            </a:ext>
-          </a:extLst>
-        </p:spPr>
-        <p:txBody>
-          <a:bodyPr vert="horz" wrap="square" lIns="91440" tIns="45720" rIns="91440" bIns="45720" numCol="1" anchor="t" anchorCtr="0" compatLnSpc="1">
-            <a:prstTxWarp prst="textNoShape">
-              <a:avLst/>
-            </a:prstTxWarp>
-          </a:bodyPr>
-          <a:lstStyle/>
-          <a:p>
-            <a:endParaRPr lang="en-US"/>
-          </a:p>
-        </p:txBody>
-      </p:sp>
-      <p:sp>
-        <p:nvSpPr>
-          <p:cNvPr id="5" name="AutoShape 4" descr="Image result for json"/>
-          <p:cNvSpPr>
-            <a:spLocks noChangeAspect="1" noChangeArrowheads="1"/>
-          </p:cNvSpPr>
-          <p:nvPr/>
-        </p:nvSpPr>
-        <p:spPr bwMode="auto">
-          <a:xfrm>
-            <a:off x="307975" y="7937"/>
-            <a:ext cx="304800" cy="304801"/>
-          </a:xfrm>
-          <a:prstGeom prst="rect">
-            <a:avLst/>
-          </a:prstGeom>
-          <a:noFill/>
-          <a:extLst>
-            <a:ext uri="{909E8E84-426E-40DD-AFC4-6F175D3DCCD1}">
-              <a14:hiddenFill xmlns:a14="http://schemas.microsoft.com/office/drawing/2010/main">
-                <a:solidFill>
-                  <a:srgbClr val="FFFFFF"/>
-                </a:solidFill>
-              </a14:hiddenFill>
-            </a:ext>
-          </a:extLst>
-        </p:spPr>
-        <p:txBody>
-          <a:bodyPr vert="horz" wrap="square" lIns="91440" tIns="45720" rIns="91440" bIns="45720" numCol="1" anchor="t" anchorCtr="0" compatLnSpc="1">
-            <a:prstTxWarp prst="textNoShape">
-              <a:avLst/>
-            </a:prstTxWarp>
-          </a:bodyPr>
-          <a:lstStyle/>
-          <a:p>
-            <a:endParaRPr lang="en-US"/>
-          </a:p>
-        </p:txBody>
-      </p:sp>
-      <p:sp>
-        <p:nvSpPr>
-          <p:cNvPr id="6" name="AutoShape 6" descr="Image result for json"/>
-          <p:cNvSpPr>
-            <a:spLocks noChangeAspect="1" noChangeArrowheads="1"/>
-          </p:cNvSpPr>
-          <p:nvPr/>
-        </p:nvSpPr>
-        <p:spPr bwMode="auto">
-          <a:xfrm>
-            <a:off x="460375" y="160337"/>
-            <a:ext cx="304800" cy="304801"/>
-          </a:xfrm>
-          <a:prstGeom prst="rect">
-            <a:avLst/>
-          </a:prstGeom>
-          <a:noFill/>
-          <a:extLst>
-            <a:ext uri="{909E8E84-426E-40DD-AFC4-6F175D3DCCD1}">
-              <a14:hiddenFill xmlns:a14="http://schemas.microsoft.com/office/drawing/2010/main">
-                <a:solidFill>
-                  <a:srgbClr val="FFFFFF"/>
-                </a:solidFill>
-              </a14:hiddenFill>
-            </a:ext>
-          </a:extLst>
-        </p:spPr>
-        <p:txBody>
-          <a:bodyPr vert="horz" wrap="square" lIns="91440" tIns="45720" rIns="91440" bIns="45720" numCol="1" anchor="t" anchorCtr="0" compatLnSpc="1">
-            <a:prstTxWarp prst="textNoShape">
-              <a:avLst/>
-            </a:prstTxWarp>
-          </a:bodyPr>
-          <a:lstStyle/>
-          <a:p>
-            <a:endParaRPr lang="en-US"/>
           </a:p>
         </p:txBody>
       </p:sp>
       <p:pic>
         <p:nvPicPr>
-          <p:cNvPr id="3080" name="Picture 8" descr="Image result for json"/>
+          <p:cNvPr id="1026" name="Picture 2" descr="Image result for nosql architecture"/>
           <p:cNvPicPr>
             <a:picLocks noChangeAspect="1" noChangeArrowheads="1"/>
           </p:cNvPicPr>
           <p:nvPr/>
         </p:nvPicPr>
         <p:blipFill>
-          <a:blip r:embed="rId3" cstate="print">
+          <a:blip r:embed="rId3">
             <a:extLst>
               <a:ext uri="{28A0092B-C50C-407E-A947-70E740481C1C}">
                 <a14:useLocalDpi xmlns:a14="http://schemas.microsoft.com/office/drawing/2010/main" val="0"/>
@@ -9835,8 +10832,8 @@
         </p:blipFill>
         <p:spPr bwMode="auto">
           <a:xfrm>
-            <a:off x="6019800" y="3276600"/>
-            <a:ext cx="2270414" cy="1085850"/>
+            <a:off x="711774" y="949959"/>
+            <a:ext cx="7720445" cy="3774441"/>
           </a:xfrm>
           <a:prstGeom prst="rect">
             <a:avLst/>
@@ -9853,51 +10850,85 @@
           </a:extLst>
         </p:spPr>
       </p:pic>
-      <p:pic>
-        <p:nvPicPr>
-          <p:cNvPr id="3082" name="Picture 10" descr="Image result for xml"/>
-          <p:cNvPicPr>
-            <a:picLocks noChangeAspect="1" noChangeArrowheads="1"/>
-          </p:cNvPicPr>
+      <p:sp>
+        <p:nvSpPr>
+          <p:cNvPr id="5" name="TextBox 4"/>
+          <p:cNvSpPr txBox="1"/>
           <p:nvPr/>
-        </p:nvPicPr>
-        <p:blipFill>
-          <a:blip r:embed="rId4">
-            <a:extLst>
-              <a:ext uri="{28A0092B-C50C-407E-A947-70E740481C1C}">
-                <a14:useLocalDpi xmlns:a14="http://schemas.microsoft.com/office/drawing/2010/main" val="0"/>
-              </a:ext>
-            </a:extLst>
-          </a:blip>
-          <a:srcRect/>
-          <a:stretch>
-            <a:fillRect/>
-          </a:stretch>
-        </p:blipFill>
-        <p:spPr bwMode="auto">
+        </p:nvSpPr>
+        <p:spPr>
           <a:xfrm>
-            <a:off x="6019800" y="4724400"/>
-            <a:ext cx="1676400" cy="1676400"/>
+            <a:off x="711774" y="4332744"/>
+            <a:ext cx="7720445" cy="2246769"/>
           </a:xfrm>
           <a:prstGeom prst="rect">
             <a:avLst/>
           </a:prstGeom>
           <a:noFill/>
-          <a:extLst>
-            <a:ext uri="{909E8E84-426E-40DD-AFC4-6F175D3DCCD1}">
-              <a14:hiddenFill xmlns:a14="http://schemas.microsoft.com/office/drawing/2010/main">
-                <a:solidFill>
-                  <a:srgbClr val="FFFFFF"/>
-                </a:solidFill>
-              </a14:hiddenFill>
-            </a:ext>
-          </a:extLst>
         </p:spPr>
-      </p:pic>
+        <p:txBody>
+          <a:bodyPr wrap="square" rtlCol="0">
+            <a:spAutoFit/>
+          </a:bodyPr>
+          <a:lstStyle/>
+          <a:p>
+            <a:pPr marL="457200" indent="-457200">
+              <a:buFont typeface="Arial" panose="020B0604020202020204" pitchFamily="34" charset="0"/>
+              <a:buChar char="•"/>
+            </a:pPr>
+            <a:r>
+              <a:rPr lang="en-US" sz="2800" dirty="0" smtClean="0"/>
+              <a:t>Big Data Features:</a:t>
+            </a:r>
+          </a:p>
+          <a:p>
+            <a:pPr marL="914400" lvl="1" indent="-457200">
+              <a:buFont typeface="Arial" panose="020B0604020202020204" pitchFamily="34" charset="0"/>
+              <a:buChar char="•"/>
+            </a:pPr>
+            <a:r>
+              <a:rPr lang="en-US" sz="2800" dirty="0" smtClean="0"/>
+              <a:t>High Availability (Auto Fail-Over)</a:t>
+            </a:r>
+            <a:endParaRPr lang="en-US" sz="2800" dirty="0"/>
+          </a:p>
+          <a:p>
+            <a:pPr marL="914400" lvl="1" indent="-457200">
+              <a:buFont typeface="Arial" panose="020B0604020202020204" pitchFamily="34" charset="0"/>
+              <a:buChar char="•"/>
+            </a:pPr>
+            <a:r>
+              <a:rPr lang="en-US" sz="2800" dirty="0" smtClean="0"/>
+              <a:t>High Performance</a:t>
+            </a:r>
+          </a:p>
+          <a:p>
+            <a:pPr marL="914400" lvl="1" indent="-457200">
+              <a:buFont typeface="Arial" panose="020B0604020202020204" pitchFamily="34" charset="0"/>
+              <a:buChar char="•"/>
+            </a:pPr>
+            <a:r>
+              <a:rPr lang="en-US" sz="2800" dirty="0" smtClean="0"/>
+              <a:t>Commodity Hardware</a:t>
+            </a:r>
+          </a:p>
+          <a:p>
+            <a:pPr marL="1371600" lvl="2" indent="-457200">
+              <a:buFont typeface="Arial" panose="020B0604020202020204" pitchFamily="34" charset="0"/>
+              <a:buChar char="•"/>
+            </a:pPr>
+            <a:r>
+              <a:rPr lang="en-US" sz="2800" dirty="0" smtClean="0"/>
+              <a:t>May be Local, Remote, or on Cloud</a:t>
+            </a:r>
+            <a:endParaRPr lang="en-US" sz="2800" dirty="0" smtClean="0"/>
+          </a:p>
+        </p:txBody>
+      </p:sp>
     </p:spTree>
     <p:extLst>
       <p:ext uri="{BB962C8B-B14F-4D97-AF65-F5344CB8AC3E}">
-        <p14:creationId xmlns:p14="http://schemas.microsoft.com/office/powerpoint/2010/main" val="1399758064"/>
+        <p14:creationId xmlns:p14="http://schemas.microsoft.com/office/powerpoint/2010/main" val="319868448"/>
       </p:ext>
     </p:extLst>
   </p:cSld>
@@ -9941,7 +10972,7 @@
           <a:p>
             <a:r>
               <a:rPr lang="en-US" dirty="0" smtClean="0"/>
-              <a:t>JSON</a:t>
+              <a:t>NoSQL DB Types</a:t>
             </a:r>
             <a:endParaRPr lang="en-US" dirty="0"/>
           </a:p>
@@ -9959,178 +10990,84 @@
         </p:nvSpPr>
         <p:spPr>
           <a:xfrm>
-            <a:off x="457200" y="1524000"/>
-            <a:ext cx="8229600" cy="5105400"/>
+            <a:off x="457200" y="1600200"/>
+            <a:ext cx="8229600" cy="4800600"/>
           </a:xfrm>
         </p:spPr>
         <p:txBody>
           <a:bodyPr>
-            <a:normAutofit fontScale="77500" lnSpcReduction="20000"/>
+            <a:normAutofit/>
           </a:bodyPr>
           <a:lstStyle/>
           <a:p>
             <a:r>
               <a:rPr lang="en-US" dirty="0" smtClean="0"/>
-              <a:t>Data Format in key-value pairs</a:t>
-            </a:r>
-          </a:p>
-          <a:p>
-            <a:pPr lvl="1">
-              <a:buFont typeface="Arial" panose="020B0604020202020204" pitchFamily="34" charset="0"/>
-              <a:buChar char="•"/>
-            </a:pPr>
-            <a:r>
-              <a:rPr lang="en-US" dirty="0" smtClean="0"/>
-              <a:t>{"key" : "value"}</a:t>
-            </a:r>
-          </a:p>
-          <a:p>
-            <a:pPr lvl="1">
-              <a:buFont typeface="Arial" panose="020B0604020202020204" pitchFamily="34" charset="0"/>
-              <a:buChar char="•"/>
-            </a:pPr>
-            <a:r>
-              <a:rPr lang="en-US" dirty="0" smtClean="0"/>
-              <a:t>The key is always in double quotes</a:t>
-            </a:r>
-          </a:p>
-          <a:p>
-            <a:pPr lvl="1">
-              <a:buFont typeface="Arial" panose="020B0604020202020204" pitchFamily="34" charset="0"/>
-              <a:buChar char="•"/>
-            </a:pPr>
-            <a:r>
-              <a:rPr lang="en-US" dirty="0" smtClean="0"/>
-              <a:t>The value quotes depend on data type</a:t>
-            </a:r>
-          </a:p>
-          <a:p>
-            <a:r>
-              <a:rPr lang="en-US" dirty="0" smtClean="0"/>
-              <a:t>Data Types:</a:t>
+              <a:t>Document:</a:t>
             </a:r>
           </a:p>
           <a:p>
             <a:pPr lvl="1"/>
             <a:r>
               <a:rPr lang="en-US" dirty="0" smtClean="0"/>
-              <a:t>String</a:t>
+              <a:t>Usually JSON or XML</a:t>
+            </a:r>
+          </a:p>
+          <a:p>
+            <a:pPr lvl="1"/>
+            <a:r>
+              <a:rPr lang="en-US" dirty="0" smtClean="0"/>
+              <a:t>Popular Technology/Platform:</a:t>
             </a:r>
           </a:p>
           <a:p>
             <a:pPr lvl="2"/>
             <a:r>
               <a:rPr lang="en-US" dirty="0" smtClean="0"/>
-              <a:t>E.g. { "</a:t>
-            </a:r>
+              <a:t>MongoDB (</a:t>
+            </a:r>
+            <a:r>
+              <a:rPr lang="en-US" dirty="0" smtClean="0"/>
+              <a:t>BSON=Binary Form of JSON)</a:t>
+            </a:r>
+            <a:endParaRPr lang="en-US" dirty="0" smtClean="0"/>
+          </a:p>
+          <a:p>
+            <a:pPr lvl="2"/>
             <a:r>
               <a:rPr lang="en-US" dirty="0" err="1" smtClean="0"/>
-              <a:t>stringKey</a:t>
-            </a:r>
-            <a:r>
-              <a:rPr lang="en-US" dirty="0" smtClean="0"/>
-              <a:t>" : "string value in Double quotes" }</a:t>
+              <a:t>BaseX</a:t>
+            </a:r>
+            <a:r>
+              <a:rPr lang="en-US" dirty="0" smtClean="0"/>
+              <a:t> (XML)</a:t>
+            </a:r>
+          </a:p>
+          <a:p>
+            <a:r>
+              <a:rPr lang="en-US" dirty="0" smtClean="0"/>
+              <a:t>Graph:</a:t>
             </a:r>
           </a:p>
           <a:p>
             <a:pPr lvl="1"/>
             <a:r>
-              <a:rPr lang="en-US" dirty="0" smtClean="0"/>
-              <a:t>Number</a:t>
+              <a:rPr lang="en-US" dirty="0"/>
+              <a:t>Popular Technology/Platform:</a:t>
             </a:r>
           </a:p>
           <a:p>
             <a:pPr lvl="2"/>
             <a:r>
               <a:rPr lang="en-US" dirty="0" smtClean="0"/>
-              <a:t>Integer or floating point, no quotes</a:t>
-            </a:r>
+              <a:t>Neo4j (Cypher Query Language)</a:t>
+            </a:r>
+            <a:endParaRPr lang="en-US" dirty="0"/>
           </a:p>
           <a:p>
             <a:pPr lvl="2"/>
             <a:r>
               <a:rPr lang="en-US" dirty="0" smtClean="0"/>
-              <a:t>E.g. </a:t>
-            </a:r>
-            <a:r>
-              <a:rPr lang="en-US" dirty="0"/>
-              <a:t>{ "age</a:t>
-            </a:r>
-            <a:r>
-              <a:rPr lang="en-US" dirty="0" smtClean="0"/>
-              <a:t>" : 30.123</a:t>
-            </a:r>
-            <a:r>
-              <a:rPr lang="en-US" dirty="0"/>
-              <a:t> }</a:t>
-            </a:r>
-            <a:endParaRPr lang="en-US" dirty="0" smtClean="0"/>
-          </a:p>
-          <a:p>
-            <a:pPr lvl="1"/>
-            <a:r>
-              <a:rPr lang="en-US" dirty="0" smtClean="0"/>
-              <a:t>Boolean</a:t>
-            </a:r>
-          </a:p>
-          <a:p>
-            <a:pPr lvl="2"/>
-            <a:r>
-              <a:rPr lang="en-US" dirty="0"/>
-              <a:t>t</a:t>
-            </a:r>
-            <a:r>
-              <a:rPr lang="en-US" dirty="0" smtClean="0"/>
-              <a:t>rue or false, no quotes</a:t>
-            </a:r>
-          </a:p>
-          <a:p>
-            <a:pPr lvl="2"/>
-            <a:r>
-              <a:rPr lang="en-US" dirty="0" smtClean="0"/>
-              <a:t>E.g. { "</a:t>
-            </a:r>
-            <a:r>
-              <a:rPr lang="en-US" dirty="0" err="1" smtClean="0"/>
-              <a:t>flagField</a:t>
-            </a:r>
-            <a:r>
-              <a:rPr lang="en-US" dirty="0" smtClean="0"/>
-              <a:t>" : true }</a:t>
-            </a:r>
-          </a:p>
-          <a:p>
-            <a:pPr lvl="1"/>
-            <a:r>
-              <a:rPr lang="en-US" dirty="0" smtClean="0"/>
-              <a:t>Null</a:t>
-            </a:r>
-          </a:p>
-          <a:p>
-            <a:pPr lvl="2"/>
-            <a:r>
-              <a:rPr lang="en-US" dirty="0"/>
-              <a:t>E.g. { </a:t>
-            </a:r>
-            <a:r>
-              <a:rPr lang="en-US" dirty="0" smtClean="0"/>
-              <a:t>"</a:t>
-            </a:r>
-            <a:r>
-              <a:rPr lang="en-US" dirty="0" err="1" smtClean="0"/>
-              <a:t>dummyField</a:t>
-            </a:r>
-            <a:r>
-              <a:rPr lang="en-US" dirty="0" smtClean="0"/>
-              <a:t>" </a:t>
-            </a:r>
-            <a:r>
-              <a:rPr lang="en-US" dirty="0"/>
-              <a:t>: </a:t>
-            </a:r>
-            <a:r>
-              <a:rPr lang="en-US" dirty="0" smtClean="0"/>
-              <a:t>null }</a:t>
+              <a:t>OrientDB (SQL)</a:t>
             </a:r>
             <a:endParaRPr lang="en-US" dirty="0"/>
           </a:p>
@@ -10139,20 +11076,13 @@
     </p:spTree>
     <p:extLst>
       <p:ext uri="{BB962C8B-B14F-4D97-AF65-F5344CB8AC3E}">
-        <p14:creationId xmlns:p14="http://schemas.microsoft.com/office/powerpoint/2010/main" val="215320801"/>
+        <p14:creationId xmlns:p14="http://schemas.microsoft.com/office/powerpoint/2010/main" val="4017543064"/>
       </p:ext>
     </p:extLst>
   </p:cSld>
   <p:clrMapOvr>
     <a:masterClrMapping/>
   </p:clrMapOvr>
-  <p:timing>
-    <p:tnLst>
-      <p:par>
-        <p:cTn id="1" dur="indefinite" restart="never" nodeType="tmRoot"/>
-      </p:par>
-    </p:tnLst>
-  </p:timing>
 </p:sld>
 </file>
 

--- a/NoSQL.pptx
+++ b/NoSQL.pptx
@@ -5,7 +5,7 @@
     <p:sldMasterId id="2147483648" r:id="rId1"/>
   </p:sldMasterIdLst>
   <p:notesMasterIdLst>
-    <p:notesMasterId r:id="rId29"/>
+    <p:notesMasterId r:id="rId30"/>
   </p:notesMasterIdLst>
   <p:sldIdLst>
     <p:sldId id="256" r:id="rId2"/>
@@ -13,28 +13,29 @@
     <p:sldId id="271" r:id="rId4"/>
     <p:sldId id="281" r:id="rId5"/>
     <p:sldId id="258" r:id="rId6"/>
-    <p:sldId id="280" r:id="rId7"/>
-    <p:sldId id="259" r:id="rId8"/>
-    <p:sldId id="273" r:id="rId9"/>
-    <p:sldId id="282" r:id="rId10"/>
-    <p:sldId id="272" r:id="rId11"/>
-    <p:sldId id="260" r:id="rId12"/>
-    <p:sldId id="261" r:id="rId13"/>
-    <p:sldId id="264" r:id="rId14"/>
-    <p:sldId id="265" r:id="rId15"/>
-    <p:sldId id="266" r:id="rId16"/>
-    <p:sldId id="267" r:id="rId17"/>
-    <p:sldId id="268" r:id="rId18"/>
-    <p:sldId id="269" r:id="rId19"/>
-    <p:sldId id="270" r:id="rId20"/>
-    <p:sldId id="262" r:id="rId21"/>
-    <p:sldId id="274" r:id="rId22"/>
-    <p:sldId id="275" r:id="rId23"/>
-    <p:sldId id="263" r:id="rId24"/>
-    <p:sldId id="276" r:id="rId25"/>
-    <p:sldId id="278" r:id="rId26"/>
-    <p:sldId id="279" r:id="rId27"/>
-    <p:sldId id="283" r:id="rId28"/>
+    <p:sldId id="284" r:id="rId7"/>
+    <p:sldId id="280" r:id="rId8"/>
+    <p:sldId id="259" r:id="rId9"/>
+    <p:sldId id="273" r:id="rId10"/>
+    <p:sldId id="282" r:id="rId11"/>
+    <p:sldId id="272" r:id="rId12"/>
+    <p:sldId id="260" r:id="rId13"/>
+    <p:sldId id="261" r:id="rId14"/>
+    <p:sldId id="264" r:id="rId15"/>
+    <p:sldId id="265" r:id="rId16"/>
+    <p:sldId id="266" r:id="rId17"/>
+    <p:sldId id="267" r:id="rId18"/>
+    <p:sldId id="268" r:id="rId19"/>
+    <p:sldId id="269" r:id="rId20"/>
+    <p:sldId id="270" r:id="rId21"/>
+    <p:sldId id="262" r:id="rId22"/>
+    <p:sldId id="274" r:id="rId23"/>
+    <p:sldId id="275" r:id="rId24"/>
+    <p:sldId id="263" r:id="rId25"/>
+    <p:sldId id="276" r:id="rId26"/>
+    <p:sldId id="278" r:id="rId27"/>
+    <p:sldId id="279" r:id="rId28"/>
+    <p:sldId id="283" r:id="rId29"/>
   </p:sldIdLst>
   <p:sldSz cx="9144000" cy="6858000" type="screen4x3"/>
   <p:notesSz cx="6858000" cy="9144000"/>
@@ -218,7 +219,7 @@
           <a:p>
             <a:fld id="{BC07F99F-492B-4F6C-818C-20B0196B4DA0}" type="datetimeFigureOut">
               <a:rPr lang="en-US" smtClean="0"/>
-              <a:t>6/29/2017</a:t>
+              <a:t>7/10/2017</a:t>
             </a:fld>
             <a:endParaRPr lang="en-US"/>
           </a:p>
@@ -616,23 +617,7 @@
           <a:p>
             <a:r>
               <a:rPr lang="en-US" dirty="0" smtClean="0"/>
-              <a:t>Only String Data Type Value requires Double Quotes</a:t>
-            </a:r>
-          </a:p>
-          <a:p>
-            <a:r>
-              <a:rPr lang="en-US" dirty="0" smtClean="0"/>
-              <a:t>Date or Time Data Types are NOT </a:t>
-            </a:r>
-            <a:r>
-              <a:rPr lang="en-US" dirty="0" smtClean="0"/>
-              <a:t>supported</a:t>
-            </a:r>
-          </a:p>
-          <a:p>
-            <a:r>
-              <a:rPr lang="en-US" dirty="0" smtClean="0"/>
-              <a:t>Everything is Case Sensitive! True &lt;&gt; true</a:t>
+              <a:t>We will go over each of these in the following slides…</a:t>
             </a:r>
             <a:endParaRPr lang="en-US" dirty="0"/>
           </a:p>
@@ -655,7 +640,7 @@
           <a:p>
             <a:fld id="{715A84DC-FEF2-4269-A86F-D7F63D4115C8}" type="slidenum">
               <a:rPr lang="en-US" smtClean="0"/>
-              <a:t>12</a:t>
+              <a:t>11</a:t>
             </a:fld>
             <a:endParaRPr lang="en-US"/>
           </a:p>
@@ -718,9 +703,48 @@
           <a:bodyPr/>
           <a:lstStyle/>
           <a:p>
-            <a:r>
-              <a:rPr lang="en-US" dirty="0" smtClean="0"/>
-              <a:t>Data Nesting is Supported</a:t>
+            <a:pPr marL="0" marR="0" lvl="1" indent="0" algn="l" defTabSz="914400" rtl="0" eaLnBrk="1" fontAlgn="auto" latinLnBrk="0" hangingPunct="1">
+              <a:lnSpc>
+                <a:spcPct val="100000"/>
+              </a:lnSpc>
+              <a:spcBef>
+                <a:spcPts val="0"/>
+              </a:spcBef>
+              <a:spcAft>
+                <a:spcPts val="0"/>
+              </a:spcAft>
+              <a:buClrTx/>
+              <a:buSzTx/>
+              <a:buFontTx/>
+              <a:buNone/>
+              <a:tabLst/>
+              <a:defRPr/>
+            </a:pPr>
+            <a:r>
+              <a:rPr lang="en-US" dirty="0" smtClean="0"/>
+              <a:t>If you need to compare one document to another, then you need some structure. Otherwise, you may not need document structure.</a:t>
+            </a:r>
+          </a:p>
+          <a:p>
+            <a:r>
+              <a:rPr lang="en-US" dirty="0" smtClean="0"/>
+              <a:t>I believe more often than not, you would want some kind of document structure.</a:t>
+            </a:r>
+          </a:p>
+          <a:p>
+            <a:r>
+              <a:rPr lang="en-US" dirty="0" smtClean="0"/>
+              <a:t>OrientDB offers "Classes"</a:t>
+            </a:r>
+          </a:p>
+          <a:p>
+            <a:r>
+              <a:rPr lang="en-US" dirty="0" smtClean="0"/>
+              <a:t>MongoDB</a:t>
+            </a:r>
+            <a:r>
+              <a:rPr lang="en-US" baseline="0" dirty="0" smtClean="0"/>
+              <a:t> offers "Schemas"</a:t>
             </a:r>
             <a:endParaRPr lang="en-US" dirty="0"/>
           </a:p>
@@ -743,7 +767,7 @@
           <a:p>
             <a:fld id="{715A84DC-FEF2-4269-A86F-D7F63D4115C8}" type="slidenum">
               <a:rPr lang="en-US" smtClean="0"/>
-              <a:t>13</a:t>
+              <a:t>12</a:t>
             </a:fld>
             <a:endParaRPr lang="en-US"/>
           </a:p>
@@ -808,29 +832,25 @@
           <a:p>
             <a:r>
               <a:rPr lang="en-US" dirty="0" smtClean="0"/>
-              <a:t>Simple Person </a:t>
-            </a:r>
-            <a:r>
-              <a:rPr lang="en-US" dirty="0" smtClean="0"/>
-              <a:t>Object</a:t>
-            </a:r>
-            <a:r>
-              <a:rPr lang="en-US" baseline="0" dirty="0" smtClean="0"/>
-              <a:t> </a:t>
-            </a:r>
-            <a:r>
-              <a:rPr lang="en-US" dirty="0" smtClean="0"/>
-              <a:t>Example</a:t>
-            </a:r>
-          </a:p>
-          <a:p>
-            <a:r>
-              <a:rPr lang="en-US" dirty="0" smtClean="0"/>
-              <a:t>Watch the Quotes and Case</a:t>
-            </a:r>
-            <a:r>
-              <a:rPr lang="en-US" baseline="0" dirty="0" smtClean="0"/>
-              <a:t> Sensitivity!</a:t>
+              <a:t>Let's talk about JSON Structure</a:t>
+            </a:r>
+          </a:p>
+          <a:p>
+            <a:r>
+              <a:rPr lang="en-US" dirty="0" smtClean="0"/>
+              <a:t>Only String Data Type Value requires Double Quotes</a:t>
+            </a:r>
+          </a:p>
+          <a:p>
+            <a:r>
+              <a:rPr lang="en-US" dirty="0" smtClean="0"/>
+              <a:t>Date or Time Data Types are NOT supported</a:t>
+            </a:r>
+          </a:p>
+          <a:p>
+            <a:r>
+              <a:rPr lang="en-US" dirty="0" smtClean="0"/>
+              <a:t>Everything is Case Sensitive! True &lt;&gt; true</a:t>
             </a:r>
             <a:endParaRPr lang="en-US" dirty="0"/>
           </a:p>
@@ -853,7 +873,7 @@
           <a:p>
             <a:fld id="{715A84DC-FEF2-4269-A86F-D7F63D4115C8}" type="slidenum">
               <a:rPr lang="en-US" smtClean="0"/>
-              <a:t>14</a:t>
+              <a:t>13</a:t>
             </a:fld>
             <a:endParaRPr lang="en-US"/>
           </a:p>
@@ -918,11 +938,11 @@
           <a:p>
             <a:r>
               <a:rPr lang="en-US" dirty="0" smtClean="0"/>
-              <a:t>Array</a:t>
+              <a:t>Data Nesting is Supported, and get highly</a:t>
             </a:r>
             <a:r>
               <a:rPr lang="en-US" baseline="0" dirty="0" smtClean="0"/>
-              <a:t> of Strings &amp; Array of Objects</a:t>
+              <a:t> complex.</a:t>
             </a:r>
             <a:endParaRPr lang="en-US" dirty="0"/>
           </a:p>
@@ -945,7 +965,7 @@
           <a:p>
             <a:fld id="{715A84DC-FEF2-4269-A86F-D7F63D4115C8}" type="slidenum">
               <a:rPr lang="en-US" smtClean="0"/>
-              <a:t>15</a:t>
+              <a:t>14</a:t>
             </a:fld>
             <a:endParaRPr lang="en-US"/>
           </a:p>
@@ -1010,23 +1030,25 @@
           <a:p>
             <a:r>
               <a:rPr lang="en-US" dirty="0" smtClean="0"/>
-              <a:t>http://json-schema.org/examples.html</a:t>
-            </a:r>
-          </a:p>
-          <a:p>
-            <a:r>
-              <a:rPr lang="en-US" dirty="0" smtClean="0"/>
-              <a:t>A Developing Standard, not widely used yet.</a:t>
-            </a:r>
-          </a:p>
-          <a:p>
-            <a:r>
-              <a:rPr lang="en-US" dirty="0" smtClean="0"/>
-              <a:t>JSON Fields</a:t>
+              <a:t>Simple Person Object</a:t>
             </a:r>
             <a:r>
               <a:rPr lang="en-US" baseline="0" dirty="0" smtClean="0"/>
-              <a:t> start within the "properties" key:</a:t>
+              <a:t> </a:t>
+            </a:r>
+            <a:r>
+              <a:rPr lang="en-US" dirty="0" smtClean="0"/>
+              <a:t>Example</a:t>
+            </a:r>
+          </a:p>
+          <a:p>
+            <a:r>
+              <a:rPr lang="en-US" dirty="0" smtClean="0"/>
+              <a:t>Watch the Quotes and Case</a:t>
+            </a:r>
+            <a:r>
+              <a:rPr lang="en-US" baseline="0" dirty="0" smtClean="0"/>
+              <a:t> Sensitivity!</a:t>
             </a:r>
             <a:endParaRPr lang="en-US" dirty="0"/>
           </a:p>
@@ -1049,7 +1071,7 @@
           <a:p>
             <a:fld id="{715A84DC-FEF2-4269-A86F-D7F63D4115C8}" type="slidenum">
               <a:rPr lang="en-US" smtClean="0"/>
-              <a:t>16</a:t>
+              <a:t>15</a:t>
             </a:fld>
             <a:endParaRPr lang="en-US"/>
           </a:p>
@@ -1113,51 +1135,12 @@
           <a:lstStyle/>
           <a:p>
             <a:r>
-              <a:rPr lang="en-US" dirty="0" err="1" smtClean="0"/>
-              <a:t>xPath</a:t>
+              <a:rPr lang="en-US" dirty="0" smtClean="0"/>
+              <a:t>Array</a:t>
             </a:r>
             <a:r>
               <a:rPr lang="en-US" baseline="0" dirty="0" smtClean="0"/>
-              <a:t> for</a:t>
-            </a:r>
-            <a:r>
-              <a:rPr lang="en-US" dirty="0" smtClean="0"/>
-              <a:t> JSON is called </a:t>
-            </a:r>
-            <a:r>
-              <a:rPr lang="en-US" dirty="0" err="1" smtClean="0"/>
-              <a:t>JsonPath</a:t>
-            </a:r>
-            <a:endParaRPr lang="en-US" dirty="0" smtClean="0"/>
-          </a:p>
-          <a:p>
-            <a:r>
-              <a:rPr lang="en-US" dirty="0" smtClean="0"/>
-              <a:t>http://goessner.net/articles/JsonPath</a:t>
-            </a:r>
-          </a:p>
-          <a:p>
-            <a:endParaRPr lang="en-US" dirty="0" smtClean="0"/>
-          </a:p>
-          <a:p>
-            <a:r>
-              <a:rPr lang="en-US" dirty="0" smtClean="0"/>
-              <a:t>-- online examples:</a:t>
-            </a:r>
-          </a:p>
-          <a:p>
-            <a:r>
-              <a:rPr lang="en-US" dirty="0" smtClean="0"/>
-              <a:t>http://jsonpath.com</a:t>
-            </a:r>
-          </a:p>
-          <a:p>
-            <a:endParaRPr lang="en-US" dirty="0" smtClean="0"/>
-          </a:p>
-          <a:p>
-            <a:r>
-              <a:rPr lang="en-US" dirty="0" smtClean="0"/>
-              <a:t>A Developing Standard, not widely used yet.</a:t>
+              <a:t> of Strings &amp; Array of Objects</a:t>
             </a:r>
             <a:endParaRPr lang="en-US" dirty="0"/>
           </a:p>
@@ -1180,7 +1163,7 @@
           <a:p>
             <a:fld id="{715A84DC-FEF2-4269-A86F-D7F63D4115C8}" type="slidenum">
               <a:rPr lang="en-US" smtClean="0"/>
-              <a:t>17</a:t>
+              <a:t>16</a:t>
             </a:fld>
             <a:endParaRPr lang="en-US"/>
           </a:p>
@@ -1245,27 +1228,23 @@
           <a:p>
             <a:r>
               <a:rPr lang="en-US" dirty="0" smtClean="0"/>
-              <a:t>JSONiq leverages </a:t>
-            </a:r>
-            <a:r>
-              <a:rPr lang="en-US" dirty="0" err="1" smtClean="0"/>
-              <a:t>JsonPath</a:t>
-            </a:r>
-            <a:endParaRPr lang="en-US" dirty="0" smtClean="0"/>
-          </a:p>
-          <a:p>
-            <a:r>
-              <a:rPr lang="en-US" dirty="0" smtClean="0"/>
-              <a:t>http://goessner.net/articles/JsonPath</a:t>
-            </a:r>
-          </a:p>
-          <a:p>
-            <a:endParaRPr lang="en-US" dirty="0" smtClean="0"/>
+              <a:t>http://json-schema.org/examples.html</a:t>
+            </a:r>
           </a:p>
           <a:p>
             <a:r>
               <a:rPr lang="en-US" dirty="0" smtClean="0"/>
               <a:t>A Developing Standard, not widely used yet.</a:t>
+            </a:r>
+          </a:p>
+          <a:p>
+            <a:r>
+              <a:rPr lang="en-US" dirty="0" smtClean="0"/>
+              <a:t>JSON Fields</a:t>
+            </a:r>
+            <a:r>
+              <a:rPr lang="en-US" baseline="0" dirty="0" smtClean="0"/>
+              <a:t> start within the "properties" key:</a:t>
             </a:r>
             <a:endParaRPr lang="en-US" dirty="0"/>
           </a:p>
@@ -1288,7 +1267,7 @@
           <a:p>
             <a:fld id="{715A84DC-FEF2-4269-A86F-D7F63D4115C8}" type="slidenum">
               <a:rPr lang="en-US" smtClean="0"/>
-              <a:t>18</a:t>
+              <a:t>17</a:t>
             </a:fld>
             <a:endParaRPr lang="en-US"/>
           </a:p>
@@ -1352,26 +1331,61 @@
           <a:lstStyle/>
           <a:p>
             <a:r>
-              <a:rPr lang="en-US" dirty="0" smtClean="0"/>
-              <a:t>XML</a:t>
+              <a:rPr lang="en-US" dirty="0" err="1" smtClean="0"/>
+              <a:t>xPath</a:t>
             </a:r>
             <a:r>
               <a:rPr lang="en-US" baseline="0" dirty="0" smtClean="0"/>
-              <a:t> also supports XML Attributes &lt;node </a:t>
-            </a:r>
-            <a:r>
-              <a:rPr lang="en-US" baseline="0" dirty="0" err="1" smtClean="0"/>
-              <a:t>xmlAttribute</a:t>
+              <a:t> for</a:t>
+            </a:r>
+            <a:r>
+              <a:rPr lang="en-US" dirty="0" smtClean="0"/>
+              <a:t> JSON is called </a:t>
+            </a:r>
+            <a:r>
+              <a:rPr lang="en-US" dirty="0" err="1" smtClean="0"/>
+              <a:t>JsonPath</a:t>
+            </a:r>
+            <a:endParaRPr lang="en-US" dirty="0" smtClean="0"/>
+          </a:p>
+          <a:p>
+            <a:r>
+              <a:rPr lang="en-US" dirty="0" smtClean="0"/>
+              <a:t>http://goessner.net/articles/JsonPath</a:t>
+            </a:r>
+          </a:p>
+          <a:p>
+            <a:endParaRPr lang="en-US" dirty="0" smtClean="0"/>
+          </a:p>
+          <a:p>
+            <a:r>
+              <a:rPr lang="en-US" dirty="0" smtClean="0"/>
+              <a:t>-- online examples:</a:t>
+            </a:r>
+          </a:p>
+          <a:p>
+            <a:r>
+              <a:rPr lang="en-US" dirty="0" smtClean="0"/>
+              <a:t>http://jsonpath.com</a:t>
+            </a:r>
+          </a:p>
+          <a:p>
+            <a:endParaRPr lang="en-US" dirty="0" smtClean="0"/>
+          </a:p>
+          <a:p>
+            <a:r>
+              <a:rPr lang="en-US" dirty="0" smtClean="0"/>
+              <a:t>A Developing Standard, not widely used yet.</a:t>
+            </a:r>
+          </a:p>
+          <a:p>
+            <a:r>
+              <a:rPr lang="en-US" dirty="0" smtClean="0"/>
+              <a:t>Returns</a:t>
             </a:r>
             <a:r>
               <a:rPr lang="en-US" baseline="0" dirty="0" smtClean="0"/>
-              <a:t>="comment"&gt;Some Data&lt;/node&gt;</a:t>
-            </a:r>
-          </a:p>
-          <a:p>
-            <a:r>
-              <a:rPr lang="en-US" baseline="0" dirty="0" smtClean="0"/>
-              <a:t>XML is more mature than JSON</a:t>
+              <a:t> "Nigel Rees" here</a:t>
             </a:r>
             <a:endParaRPr lang="en-US" dirty="0"/>
           </a:p>
@@ -1394,7 +1408,7 @@
           <a:p>
             <a:fld id="{715A84DC-FEF2-4269-A86F-D7F63D4115C8}" type="slidenum">
               <a:rPr lang="en-US" smtClean="0"/>
-              <a:t>19</a:t>
+              <a:t>18</a:t>
             </a:fld>
             <a:endParaRPr lang="en-US"/>
           </a:p>
@@ -1459,13 +1473,27 @@
           <a:p>
             <a:r>
               <a:rPr lang="en-US" dirty="0" smtClean="0"/>
-              <a:t>https://www.w3schools.com/xml/</a:t>
-            </a:r>
-          </a:p>
-          <a:p>
-            <a:r>
-              <a:rPr lang="en-US" dirty="0" smtClean="0"/>
-              <a:t>Attribute Data is best used as Metadata about the Element Data</a:t>
+              <a:t>JSONiq leverages </a:t>
+            </a:r>
+            <a:r>
+              <a:rPr lang="en-US" dirty="0" err="1" smtClean="0"/>
+              <a:t>JsonPath</a:t>
+            </a:r>
+            <a:endParaRPr lang="en-US" dirty="0" smtClean="0"/>
+          </a:p>
+          <a:p>
+            <a:r>
+              <a:rPr lang="en-US" dirty="0" smtClean="0"/>
+              <a:t>http://goessner.net/articles/JsonPath</a:t>
+            </a:r>
+          </a:p>
+          <a:p>
+            <a:endParaRPr lang="en-US" dirty="0" smtClean="0"/>
+          </a:p>
+          <a:p>
+            <a:r>
+              <a:rPr lang="en-US" dirty="0" smtClean="0"/>
+              <a:t>A Developing Standard, not widely used yet.</a:t>
             </a:r>
             <a:endParaRPr lang="en-US" dirty="0"/>
           </a:p>
@@ -1488,7 +1516,7 @@
           <a:p>
             <a:fld id="{715A84DC-FEF2-4269-A86F-D7F63D4115C8}" type="slidenum">
               <a:rPr lang="en-US" smtClean="0"/>
-              <a:t>20</a:t>
+              <a:t>19</a:t>
             </a:fld>
             <a:endParaRPr lang="en-US"/>
           </a:p>
@@ -1497,7 +1525,7 @@
     </p:spTree>
     <p:extLst>
       <p:ext uri="{BB962C8B-B14F-4D97-AF65-F5344CB8AC3E}">
-        <p14:creationId xmlns:p14="http://schemas.microsoft.com/office/powerpoint/2010/main" val="1694362293"/>
+        <p14:creationId xmlns:p14="http://schemas.microsoft.com/office/powerpoint/2010/main" val="1874009049"/>
       </p:ext>
     </p:extLst>
   </p:cSld>
@@ -1553,33 +1581,25 @@
           <a:p>
             <a:r>
               <a:rPr lang="en-US" dirty="0" smtClean="0"/>
-              <a:t>Single Entity &lt;person&gt; Example</a:t>
-            </a:r>
-          </a:p>
-          <a:p>
-            <a:r>
-              <a:rPr lang="en-US" dirty="0" smtClean="0"/>
-              <a:t>https://www.w3schools.com/xml/</a:t>
-            </a:r>
-          </a:p>
-          <a:p>
-            <a:r>
-              <a:rPr lang="en-US" dirty="0" smtClean="0"/>
-              <a:t>Attribute Data is best used as Metadata about the Element </a:t>
-            </a:r>
-            <a:r>
-              <a:rPr lang="en-US" dirty="0" smtClean="0"/>
-              <a:t>Data</a:t>
-            </a:r>
-          </a:p>
-          <a:p>
-            <a:r>
-              <a:rPr lang="en-US" dirty="0" smtClean="0"/>
-              <a:t>In this case, I would have used gender</a:t>
+              <a:t>XML</a:t>
             </a:r>
             <a:r>
               <a:rPr lang="en-US" baseline="0" dirty="0" smtClean="0"/>
-              <a:t> as another node, rather than an Attribute.</a:t>
+              <a:t> also supports XML Attributes &lt;node </a:t>
+            </a:r>
+            <a:r>
+              <a:rPr lang="en-US" baseline="0" dirty="0" err="1" smtClean="0"/>
+              <a:t>xmlAttribute</a:t>
+            </a:r>
+            <a:r>
+              <a:rPr lang="en-US" baseline="0" dirty="0" smtClean="0"/>
+              <a:t>="comment"&gt;Some Data&lt;/node&gt;</a:t>
+            </a:r>
+          </a:p>
+          <a:p>
+            <a:r>
+              <a:rPr lang="en-US" baseline="0" dirty="0" smtClean="0"/>
+              <a:t>XML is overall more mature than JSON</a:t>
             </a:r>
             <a:endParaRPr lang="en-US" dirty="0"/>
           </a:p>
@@ -1602,7 +1622,7 @@
           <a:p>
             <a:fld id="{715A84DC-FEF2-4269-A86F-D7F63D4115C8}" type="slidenum">
               <a:rPr lang="en-US" smtClean="0"/>
-              <a:t>21</a:t>
+              <a:t>20</a:t>
             </a:fld>
             <a:endParaRPr lang="en-US"/>
           </a:p>
@@ -1611,7 +1631,7 @@
     </p:spTree>
     <p:extLst>
       <p:ext uri="{BB962C8B-B14F-4D97-AF65-F5344CB8AC3E}">
-        <p14:creationId xmlns:p14="http://schemas.microsoft.com/office/powerpoint/2010/main" val="1694362293"/>
+        <p14:creationId xmlns:p14="http://schemas.microsoft.com/office/powerpoint/2010/main" val="1874009049"/>
       </p:ext>
     </p:extLst>
   </p:cSld>
@@ -1665,11 +1685,32 @@
           <a:bodyPr/>
           <a:lstStyle/>
           <a:p>
-            <a:r>
-              <a:rPr lang="en-US" dirty="0" smtClean="0"/>
-              <a:t>Now in 2010s, People are still primarily using Relational Technologies!</a:t>
-            </a:r>
-            <a:endParaRPr lang="en-US" dirty="0"/>
+            <a:pPr marL="0" marR="0" indent="0" algn="l" defTabSz="914400" rtl="0" eaLnBrk="1" fontAlgn="auto" latinLnBrk="0" hangingPunct="1">
+              <a:lnSpc>
+                <a:spcPct val="100000"/>
+              </a:lnSpc>
+              <a:spcBef>
+                <a:spcPts val="0"/>
+              </a:spcBef>
+              <a:spcAft>
+                <a:spcPts val="0"/>
+              </a:spcAft>
+              <a:buClrTx/>
+              <a:buSzTx/>
+              <a:buFontTx/>
+              <a:buNone/>
+              <a:tabLst/>
+              <a:defRPr/>
+            </a:pPr>
+            <a:r>
+              <a:rPr lang="en-US" dirty="0" smtClean="0"/>
+              <a:t>Document Technologies</a:t>
+            </a:r>
+            <a:r>
+              <a:rPr lang="en-US" baseline="0" dirty="0" smtClean="0"/>
+              <a:t> = Tools available to process/validate documents</a:t>
+            </a:r>
+            <a:endParaRPr lang="en-US" dirty="0" smtClean="0"/>
           </a:p>
         </p:txBody>
       </p:sp>
@@ -1690,7 +1731,7 @@
           <a:p>
             <a:fld id="{715A84DC-FEF2-4269-A86F-D7F63D4115C8}" type="slidenum">
               <a:rPr lang="en-US" smtClean="0"/>
-              <a:t>4</a:t>
+              <a:t>3</a:t>
             </a:fld>
             <a:endParaRPr lang="en-US"/>
           </a:p>
@@ -1699,7 +1740,7 @@
     </p:spTree>
     <p:extLst>
       <p:ext uri="{BB962C8B-B14F-4D97-AF65-F5344CB8AC3E}">
-        <p14:creationId xmlns:p14="http://schemas.microsoft.com/office/powerpoint/2010/main" val="3630661752"/>
+        <p14:creationId xmlns:p14="http://schemas.microsoft.com/office/powerpoint/2010/main" val="771336668"/>
       </p:ext>
     </p:extLst>
   </p:cSld>
@@ -1753,29 +1794,6 @@
           <a:bodyPr/>
           <a:lstStyle/>
           <a:p>
-            <a:pPr marL="0" marR="0" indent="0" algn="l" defTabSz="914400" rtl="0" eaLnBrk="1" fontAlgn="auto" latinLnBrk="0" hangingPunct="1">
-              <a:lnSpc>
-                <a:spcPct val="100000"/>
-              </a:lnSpc>
-              <a:spcBef>
-                <a:spcPts val="0"/>
-              </a:spcBef>
-              <a:spcAft>
-                <a:spcPts val="0"/>
-              </a:spcAft>
-              <a:buClrTx/>
-              <a:buSzTx/>
-              <a:buFontTx/>
-              <a:buNone/>
-              <a:tabLst/>
-              <a:defRPr/>
-            </a:pPr>
-            <a:r>
-              <a:rPr lang="en-US" dirty="0" smtClean="0"/>
-              <a:t>Multiple Entity &lt;note&gt; Example</a:t>
-            </a:r>
-          </a:p>
-          <a:p>
             <a:r>
               <a:rPr lang="en-US" dirty="0" smtClean="0"/>
               <a:t>https://www.w3schools.com/xml/</a:t>
@@ -1807,7 +1825,7 @@
           <a:p>
             <a:fld id="{715A84DC-FEF2-4269-A86F-D7F63D4115C8}" type="slidenum">
               <a:rPr lang="en-US" smtClean="0"/>
-              <a:t>22</a:t>
+              <a:t>21</a:t>
             </a:fld>
             <a:endParaRPr lang="en-US"/>
           </a:p>
@@ -1872,32 +1890,29 @@
           <a:p>
             <a:r>
               <a:rPr lang="en-US" dirty="0" smtClean="0"/>
-              <a:t>Defines Valid</a:t>
+              <a:t>Single Entity &lt;person&gt; Example</a:t>
+            </a:r>
+          </a:p>
+          <a:p>
+            <a:r>
+              <a:rPr lang="en-US" dirty="0" smtClean="0"/>
+              <a:t>https://www.w3schools.com/xml/</a:t>
+            </a:r>
+          </a:p>
+          <a:p>
+            <a:r>
+              <a:rPr lang="en-US" dirty="0" smtClean="0"/>
+              <a:t>Attribute Data is best used as Metadata about the Element Data</a:t>
+            </a:r>
+          </a:p>
+          <a:p>
+            <a:r>
+              <a:rPr lang="en-US" dirty="0" smtClean="0"/>
+              <a:t>In this case, I would have used gender</a:t>
             </a:r>
             <a:r>
               <a:rPr lang="en-US" baseline="0" dirty="0" smtClean="0"/>
-              <a:t> Structure of the XML Document</a:t>
-            </a:r>
-            <a:endParaRPr lang="en-US" dirty="0" smtClean="0"/>
-          </a:p>
-          <a:p>
-            <a:r>
-              <a:rPr lang="en-US" dirty="0" smtClean="0"/>
-              <a:t>https</a:t>
-            </a:r>
-            <a:r>
-              <a:rPr lang="en-US" dirty="0" smtClean="0"/>
-              <a:t>://www.w3schools.com/xml/schema_intro.asp</a:t>
-            </a:r>
-          </a:p>
-          <a:p>
-            <a:r>
-              <a:rPr lang="en-US" dirty="0" smtClean="0"/>
-              <a:t>You can use Java or online tools to validate xml</a:t>
-            </a:r>
-            <a:r>
-              <a:rPr lang="en-US" baseline="0" dirty="0" smtClean="0"/>
-              <a:t> with xml schema.</a:t>
+              <a:t> as another node, rather than an Attribute.</a:t>
             </a:r>
             <a:endParaRPr lang="en-US" dirty="0"/>
           </a:p>
@@ -1920,7 +1935,7 @@
           <a:p>
             <a:fld id="{715A84DC-FEF2-4269-A86F-D7F63D4115C8}" type="slidenum">
               <a:rPr lang="en-US" smtClean="0"/>
-              <a:t>23</a:t>
+              <a:t>22</a:t>
             </a:fld>
             <a:endParaRPr lang="en-US"/>
           </a:p>
@@ -1929,7 +1944,7 @@
     </p:spTree>
     <p:extLst>
       <p:ext uri="{BB962C8B-B14F-4D97-AF65-F5344CB8AC3E}">
-        <p14:creationId xmlns:p14="http://schemas.microsoft.com/office/powerpoint/2010/main" val="4057972422"/>
+        <p14:creationId xmlns:p14="http://schemas.microsoft.com/office/powerpoint/2010/main" val="1694362293"/>
       </p:ext>
     </p:extLst>
   </p:cSld>
@@ -1983,101 +1998,38 @@
           <a:bodyPr/>
           <a:lstStyle/>
           <a:p>
-            <a:r>
-              <a:rPr lang="en-US" dirty="0" smtClean="0"/>
-              <a:t>https://www.w3schools.com/xml/xpath_intro.asp</a:t>
-            </a:r>
-          </a:p>
-          <a:p>
-            <a:r>
-              <a:rPr lang="en-US" dirty="0" smtClean="0"/>
-              <a:t>Returns </a:t>
-            </a:r>
-            <a:r>
-              <a:rPr lang="en-US" sz="1200" b="0" i="0" kern="1200" dirty="0" smtClean="0">
-                <a:solidFill>
-                  <a:schemeClr val="tx1"/>
-                </a:solidFill>
-                <a:effectLst/>
-                <a:latin typeface="+mn-lt"/>
-                <a:ea typeface="+mn-ea"/>
-                <a:cs typeface="+mn-cs"/>
-              </a:rPr>
-              <a:t>&lt;title </a:t>
-            </a:r>
-            <a:r>
-              <a:rPr lang="en-US" sz="1200" b="0" i="0" kern="1200" dirty="0" err="1" smtClean="0">
-                <a:solidFill>
-                  <a:schemeClr val="tx1"/>
-                </a:solidFill>
-                <a:effectLst/>
-                <a:latin typeface="+mn-lt"/>
-                <a:ea typeface="+mn-ea"/>
-                <a:cs typeface="+mn-cs"/>
-              </a:rPr>
-              <a:t>lang</a:t>
-            </a:r>
-            <a:r>
-              <a:rPr lang="en-US" sz="1200" b="0" i="0" kern="1200" dirty="0" smtClean="0">
-                <a:solidFill>
-                  <a:schemeClr val="tx1"/>
-                </a:solidFill>
-                <a:effectLst/>
-                <a:latin typeface="+mn-lt"/>
-                <a:ea typeface="+mn-ea"/>
-                <a:cs typeface="+mn-cs"/>
-              </a:rPr>
-              <a:t>="</a:t>
-            </a:r>
-            <a:r>
-              <a:rPr lang="en-US" sz="1200" b="0" i="0" kern="1200" dirty="0" err="1" smtClean="0">
-                <a:solidFill>
-                  <a:schemeClr val="tx1"/>
-                </a:solidFill>
-                <a:effectLst/>
-                <a:latin typeface="+mn-lt"/>
-                <a:ea typeface="+mn-ea"/>
-                <a:cs typeface="+mn-cs"/>
-              </a:rPr>
-              <a:t>en</a:t>
-            </a:r>
-            <a:r>
-              <a:rPr lang="en-US" sz="1200" b="0" i="0" kern="1200" dirty="0" smtClean="0">
-                <a:solidFill>
-                  <a:schemeClr val="tx1"/>
-                </a:solidFill>
-                <a:effectLst/>
-                <a:latin typeface="+mn-lt"/>
-                <a:ea typeface="+mn-ea"/>
-                <a:cs typeface="+mn-cs"/>
-              </a:rPr>
-              <a:t>"&gt;XQuery Kick Start&lt;/title</a:t>
-            </a:r>
-            <a:r>
-              <a:rPr lang="en-US" sz="1200" b="0" i="0" kern="1200" dirty="0" smtClean="0">
-                <a:solidFill>
-                  <a:schemeClr val="tx1"/>
-                </a:solidFill>
-                <a:effectLst/>
-                <a:latin typeface="+mn-lt"/>
-                <a:ea typeface="+mn-ea"/>
-                <a:cs typeface="+mn-cs"/>
-              </a:rPr>
-              <a:t>&gt;</a:t>
-            </a:r>
-          </a:p>
-          <a:p>
-            <a:r>
-              <a:rPr lang="en-US" sz="1200" b="0" i="0" kern="1200" dirty="0" smtClean="0">
-                <a:solidFill>
-                  <a:schemeClr val="tx1"/>
-                </a:solidFill>
-                <a:effectLst/>
-                <a:latin typeface="+mn-lt"/>
-                <a:ea typeface="+mn-ea"/>
-                <a:cs typeface="+mn-cs"/>
-              </a:rPr>
-              <a:t>[price&gt;35] is referred to as the Predicate.</a:t>
+            <a:pPr marL="0" marR="0" indent="0" algn="l" defTabSz="914400" rtl="0" eaLnBrk="1" fontAlgn="auto" latinLnBrk="0" hangingPunct="1">
+              <a:lnSpc>
+                <a:spcPct val="100000"/>
+              </a:lnSpc>
+              <a:spcBef>
+                <a:spcPts val="0"/>
+              </a:spcBef>
+              <a:spcAft>
+                <a:spcPts val="0"/>
+              </a:spcAft>
+              <a:buClrTx/>
+              <a:buSzTx/>
+              <a:buFontTx/>
+              <a:buNone/>
+              <a:tabLst/>
+              <a:defRPr/>
+            </a:pPr>
+            <a:r>
+              <a:rPr lang="en-US" dirty="0" smtClean="0"/>
+              <a:t>Multiple Entity &lt;note&gt; Example</a:t>
+            </a:r>
+          </a:p>
+          <a:p>
+            <a:r>
+              <a:rPr lang="en-US" dirty="0" smtClean="0"/>
+              <a:t>https://www.w3schools.com/xml/</a:t>
+            </a:r>
+          </a:p>
+          <a:p>
+            <a:r>
+              <a:rPr lang="en-US" dirty="0" smtClean="0"/>
+              <a:t>Attribute Data is best used as Metadata about the Element Data</a:t>
             </a:r>
             <a:endParaRPr lang="en-US" dirty="0"/>
           </a:p>
@@ -2100,7 +2052,7 @@
           <a:p>
             <a:fld id="{715A84DC-FEF2-4269-A86F-D7F63D4115C8}" type="slidenum">
               <a:rPr lang="en-US" smtClean="0"/>
-              <a:t>24</a:t>
+              <a:t>23</a:t>
             </a:fld>
             <a:endParaRPr lang="en-US"/>
           </a:p>
@@ -2109,7 +2061,7 @@
     </p:spTree>
     <p:extLst>
       <p:ext uri="{BB962C8B-B14F-4D97-AF65-F5344CB8AC3E}">
-        <p14:creationId xmlns:p14="http://schemas.microsoft.com/office/powerpoint/2010/main" val="3395605695"/>
+        <p14:creationId xmlns:p14="http://schemas.microsoft.com/office/powerpoint/2010/main" val="1694362293"/>
       </p:ext>
     </p:extLst>
   </p:cSld>
@@ -2165,14 +2117,30 @@
           <a:p>
             <a:r>
               <a:rPr lang="en-US" dirty="0" smtClean="0"/>
-              <a:t>https://www.w3.org/XML/Query/</a:t>
-            </a:r>
-          </a:p>
-          <a:p>
-            <a:r>
-              <a:rPr lang="en-US" dirty="0" smtClean="0"/>
-              <a:t>https://www.w3schools.com/xml/xquery_intro.asp</a:t>
-            </a:r>
+              <a:t>Defines Valid</a:t>
+            </a:r>
+            <a:r>
+              <a:rPr lang="en-US" baseline="0" dirty="0" smtClean="0"/>
+              <a:t> Structure of the XML Document</a:t>
+            </a:r>
+            <a:endParaRPr lang="en-US" dirty="0" smtClean="0"/>
+          </a:p>
+          <a:p>
+            <a:r>
+              <a:rPr lang="en-US" dirty="0" smtClean="0"/>
+              <a:t>https://www.w3schools.com/xml/schema_intro.asp</a:t>
+            </a:r>
+          </a:p>
+          <a:p>
+            <a:r>
+              <a:rPr lang="en-US" dirty="0" smtClean="0"/>
+              <a:t>You can use Java or online tools to validate xml</a:t>
+            </a:r>
+            <a:r>
+              <a:rPr lang="en-US" baseline="0" dirty="0" smtClean="0"/>
+              <a:t> with xml schema.</a:t>
+            </a:r>
+            <a:endParaRPr lang="en-US" dirty="0"/>
           </a:p>
         </p:txBody>
       </p:sp>
@@ -2193,7 +2161,7 @@
           <a:p>
             <a:fld id="{715A84DC-FEF2-4269-A86F-D7F63D4115C8}" type="slidenum">
               <a:rPr lang="en-US" smtClean="0"/>
-              <a:t>25</a:t>
+              <a:t>24</a:t>
             </a:fld>
             <a:endParaRPr lang="en-US"/>
           </a:p>
@@ -2202,7 +2170,7 @@
     </p:spTree>
     <p:extLst>
       <p:ext uri="{BB962C8B-B14F-4D97-AF65-F5344CB8AC3E}">
-        <p14:creationId xmlns:p14="http://schemas.microsoft.com/office/powerpoint/2010/main" val="1874009049"/>
+        <p14:creationId xmlns:p14="http://schemas.microsoft.com/office/powerpoint/2010/main" val="4057972422"/>
       </p:ext>
     </p:extLst>
   </p:cSld>
@@ -2258,17 +2226,182 @@
           <a:p>
             <a:r>
               <a:rPr lang="en-US" dirty="0" smtClean="0"/>
-              <a:t>You</a:t>
-            </a:r>
-            <a:r>
-              <a:rPr lang="en-US" baseline="0" dirty="0" smtClean="0"/>
-              <a:t> can execute XQuery Code in </a:t>
-            </a:r>
-            <a:r>
-              <a:rPr lang="en-US" b="1" baseline="0" dirty="0" err="1" smtClean="0"/>
-              <a:t>BaseX</a:t>
-            </a:r>
-            <a:endParaRPr lang="en-US" b="1" dirty="0" smtClean="0"/>
+              <a:t>https://www.w3schools.com/xml/xpath_intro.asp</a:t>
+            </a:r>
+          </a:p>
+          <a:p>
+            <a:r>
+              <a:rPr lang="en-US" dirty="0" smtClean="0"/>
+              <a:t>Returns </a:t>
+            </a:r>
+            <a:r>
+              <a:rPr lang="en-US" sz="1200" b="0" i="0" kern="1200" dirty="0" smtClean="0">
+                <a:solidFill>
+                  <a:schemeClr val="tx1"/>
+                </a:solidFill>
+                <a:effectLst/>
+                <a:latin typeface="+mn-lt"/>
+                <a:ea typeface="+mn-ea"/>
+                <a:cs typeface="+mn-cs"/>
+              </a:rPr>
+              <a:t>&lt;title </a:t>
+            </a:r>
+            <a:r>
+              <a:rPr lang="en-US" sz="1200" b="0" i="0" kern="1200" dirty="0" err="1" smtClean="0">
+                <a:solidFill>
+                  <a:schemeClr val="tx1"/>
+                </a:solidFill>
+                <a:effectLst/>
+                <a:latin typeface="+mn-lt"/>
+                <a:ea typeface="+mn-ea"/>
+                <a:cs typeface="+mn-cs"/>
+              </a:rPr>
+              <a:t>lang</a:t>
+            </a:r>
+            <a:r>
+              <a:rPr lang="en-US" sz="1200" b="0" i="0" kern="1200" dirty="0" smtClean="0">
+                <a:solidFill>
+                  <a:schemeClr val="tx1"/>
+                </a:solidFill>
+                <a:effectLst/>
+                <a:latin typeface="+mn-lt"/>
+                <a:ea typeface="+mn-ea"/>
+                <a:cs typeface="+mn-cs"/>
+              </a:rPr>
+              <a:t>="</a:t>
+            </a:r>
+            <a:r>
+              <a:rPr lang="en-US" sz="1200" b="0" i="0" kern="1200" dirty="0" err="1" smtClean="0">
+                <a:solidFill>
+                  <a:schemeClr val="tx1"/>
+                </a:solidFill>
+                <a:effectLst/>
+                <a:latin typeface="+mn-lt"/>
+                <a:ea typeface="+mn-ea"/>
+                <a:cs typeface="+mn-cs"/>
+              </a:rPr>
+              <a:t>en</a:t>
+            </a:r>
+            <a:r>
+              <a:rPr lang="en-US" sz="1200" b="0" i="0" kern="1200" dirty="0" smtClean="0">
+                <a:solidFill>
+                  <a:schemeClr val="tx1"/>
+                </a:solidFill>
+                <a:effectLst/>
+                <a:latin typeface="+mn-lt"/>
+                <a:ea typeface="+mn-ea"/>
+                <a:cs typeface="+mn-cs"/>
+              </a:rPr>
+              <a:t>"&gt;XQuery Kick Start&lt;/title&gt;</a:t>
+            </a:r>
+          </a:p>
+          <a:p>
+            <a:r>
+              <a:rPr lang="en-US" sz="1200" b="0" i="0" kern="1200" dirty="0" smtClean="0">
+                <a:solidFill>
+                  <a:schemeClr val="tx1"/>
+                </a:solidFill>
+                <a:effectLst/>
+                <a:latin typeface="+mn-lt"/>
+                <a:ea typeface="+mn-ea"/>
+                <a:cs typeface="+mn-cs"/>
+              </a:rPr>
+              <a:t>[price&gt;35] is referred to as the Predicate.</a:t>
+            </a:r>
+            <a:endParaRPr lang="en-US" dirty="0"/>
+          </a:p>
+        </p:txBody>
+      </p:sp>
+      <p:sp>
+        <p:nvSpPr>
+          <p:cNvPr id="4" name="Slide Number Placeholder 3"/>
+          <p:cNvSpPr>
+            <a:spLocks noGrp="1"/>
+          </p:cNvSpPr>
+          <p:nvPr>
+            <p:ph type="sldNum" sz="quarter" idx="10"/>
+          </p:nvPr>
+        </p:nvSpPr>
+        <p:spPr/>
+        <p:txBody>
+          <a:bodyPr/>
+          <a:lstStyle/>
+          <a:p>
+            <a:fld id="{715A84DC-FEF2-4269-A86F-D7F63D4115C8}" type="slidenum">
+              <a:rPr lang="en-US" smtClean="0"/>
+              <a:t>25</a:t>
+            </a:fld>
+            <a:endParaRPr lang="en-US"/>
+          </a:p>
+        </p:txBody>
+      </p:sp>
+    </p:spTree>
+    <p:extLst>
+      <p:ext uri="{BB962C8B-B14F-4D97-AF65-F5344CB8AC3E}">
+        <p14:creationId xmlns:p14="http://schemas.microsoft.com/office/powerpoint/2010/main" val="3395605695"/>
+      </p:ext>
+    </p:extLst>
+  </p:cSld>
+  <p:clrMapOvr>
+    <a:masterClrMapping/>
+  </p:clrMapOvr>
+</p:notes>
+</file>
+
+<file path=ppt/notesSlides/notesSlide25.xml><?xml version="1.0" encoding="utf-8"?>
+<p:notes xmlns:a="http://schemas.openxmlformats.org/drawingml/2006/main" xmlns:r="http://schemas.openxmlformats.org/officeDocument/2006/relationships" xmlns:p="http://schemas.openxmlformats.org/presentationml/2006/main">
+  <p:cSld>
+    <p:spTree>
+      <p:nvGrpSpPr>
+        <p:cNvPr id="1" name=""/>
+        <p:cNvGrpSpPr/>
+        <p:nvPr/>
+      </p:nvGrpSpPr>
+      <p:grpSpPr>
+        <a:xfrm>
+          <a:off x="0" y="0"/>
+          <a:ext cx="0" cy="0"/>
+          <a:chOff x="0" y="0"/>
+          <a:chExt cx="0" cy="0"/>
+        </a:xfrm>
+      </p:grpSpPr>
+      <p:sp>
+        <p:nvSpPr>
+          <p:cNvPr id="2" name="Slide Image Placeholder 1"/>
+          <p:cNvSpPr>
+            <a:spLocks noGrp="1" noRot="1" noChangeAspect="1"/>
+          </p:cNvSpPr>
+          <p:nvPr>
+            <p:ph type="sldImg"/>
+          </p:nvPr>
+        </p:nvSpPr>
+        <p:spPr/>
+      </p:sp>
+      <p:sp>
+        <p:nvSpPr>
+          <p:cNvPr id="3" name="Notes Placeholder 2"/>
+          <p:cNvSpPr>
+            <a:spLocks noGrp="1"/>
+          </p:cNvSpPr>
+          <p:nvPr>
+            <p:ph type="body" idx="1"/>
+          </p:nvPr>
+        </p:nvSpPr>
+        <p:spPr/>
+        <p:txBody>
+          <a:bodyPr/>
+          <a:lstStyle/>
+          <a:p>
+            <a:r>
+              <a:rPr lang="en-US" dirty="0" smtClean="0"/>
+              <a:t>https://www.w3.org/XML/Query/</a:t>
+            </a:r>
+          </a:p>
+          <a:p>
+            <a:r>
+              <a:rPr lang="en-US" dirty="0" smtClean="0"/>
+              <a:t>https://www.w3schools.com/xml/xquery_intro.asp</a:t>
+            </a:r>
           </a:p>
         </p:txBody>
       </p:sp>
@@ -2290,6 +2423,102 @@
             <a:fld id="{715A84DC-FEF2-4269-A86F-D7F63D4115C8}" type="slidenum">
               <a:rPr lang="en-US" smtClean="0"/>
               <a:t>26</a:t>
+            </a:fld>
+            <a:endParaRPr lang="en-US"/>
+          </a:p>
+        </p:txBody>
+      </p:sp>
+    </p:spTree>
+    <p:extLst>
+      <p:ext uri="{BB962C8B-B14F-4D97-AF65-F5344CB8AC3E}">
+        <p14:creationId xmlns:p14="http://schemas.microsoft.com/office/powerpoint/2010/main" val="1874009049"/>
+      </p:ext>
+    </p:extLst>
+  </p:cSld>
+  <p:clrMapOvr>
+    <a:masterClrMapping/>
+  </p:clrMapOvr>
+</p:notes>
+</file>
+
+<file path=ppt/notesSlides/notesSlide26.xml><?xml version="1.0" encoding="utf-8"?>
+<p:notes xmlns:a="http://schemas.openxmlformats.org/drawingml/2006/main" xmlns:r="http://schemas.openxmlformats.org/officeDocument/2006/relationships" xmlns:p="http://schemas.openxmlformats.org/presentationml/2006/main">
+  <p:cSld>
+    <p:spTree>
+      <p:nvGrpSpPr>
+        <p:cNvPr id="1" name=""/>
+        <p:cNvGrpSpPr/>
+        <p:nvPr/>
+      </p:nvGrpSpPr>
+      <p:grpSpPr>
+        <a:xfrm>
+          <a:off x="0" y="0"/>
+          <a:ext cx="0" cy="0"/>
+          <a:chOff x="0" y="0"/>
+          <a:chExt cx="0" cy="0"/>
+        </a:xfrm>
+      </p:grpSpPr>
+      <p:sp>
+        <p:nvSpPr>
+          <p:cNvPr id="2" name="Slide Image Placeholder 1"/>
+          <p:cNvSpPr>
+            <a:spLocks noGrp="1" noRot="1" noChangeAspect="1"/>
+          </p:cNvSpPr>
+          <p:nvPr>
+            <p:ph type="sldImg"/>
+          </p:nvPr>
+        </p:nvSpPr>
+        <p:spPr/>
+      </p:sp>
+      <p:sp>
+        <p:nvSpPr>
+          <p:cNvPr id="3" name="Notes Placeholder 2"/>
+          <p:cNvSpPr>
+            <a:spLocks noGrp="1"/>
+          </p:cNvSpPr>
+          <p:nvPr>
+            <p:ph type="body" idx="1"/>
+          </p:nvPr>
+        </p:nvSpPr>
+        <p:spPr/>
+        <p:txBody>
+          <a:bodyPr/>
+          <a:lstStyle/>
+          <a:p>
+            <a:r>
+              <a:rPr lang="en-US" dirty="0" smtClean="0"/>
+              <a:t>You</a:t>
+            </a:r>
+            <a:r>
+              <a:rPr lang="en-US" baseline="0" dirty="0" smtClean="0"/>
+              <a:t> can execute XQuery Code in </a:t>
+            </a:r>
+            <a:r>
+              <a:rPr lang="en-US" b="1" baseline="0" dirty="0" err="1" smtClean="0"/>
+              <a:t>BaseX</a:t>
+            </a:r>
+            <a:endParaRPr lang="en-US" b="1" dirty="0" smtClean="0"/>
+          </a:p>
+        </p:txBody>
+      </p:sp>
+      <p:sp>
+        <p:nvSpPr>
+          <p:cNvPr id="4" name="Slide Number Placeholder 3"/>
+          <p:cNvSpPr>
+            <a:spLocks noGrp="1"/>
+          </p:cNvSpPr>
+          <p:nvPr>
+            <p:ph type="sldNum" sz="quarter" idx="10"/>
+          </p:nvPr>
+        </p:nvSpPr>
+        <p:spPr/>
+        <p:txBody>
+          <a:bodyPr/>
+          <a:lstStyle/>
+          <a:p>
+            <a:fld id="{715A84DC-FEF2-4269-A86F-D7F63D4115C8}" type="slidenum">
+              <a:rPr lang="en-US" smtClean="0"/>
+              <a:t>27</a:t>
             </a:fld>
             <a:endParaRPr lang="en-US"/>
           </a:p>
@@ -2354,21 +2583,7 @@
           <a:p>
             <a:r>
               <a:rPr lang="en-US" dirty="0" smtClean="0"/>
-              <a:t>E.F. </a:t>
-            </a:r>
-            <a:r>
-              <a:rPr lang="en-US" dirty="0" err="1" smtClean="0"/>
-              <a:t>Codd</a:t>
-            </a:r>
-            <a:r>
-              <a:rPr lang="en-US" dirty="0" smtClean="0"/>
-              <a:t> wrote the paper while working for IBM, but Oracle used it 8 years later.</a:t>
-            </a:r>
-          </a:p>
-          <a:p>
-            <a:r>
-              <a:rPr lang="en-US" dirty="0" smtClean="0"/>
-              <a:t>We will mainly focus on Document and Graph DB, since they are more widely used.</a:t>
+              <a:t>Now in 2010s, People are still primarily using Relational Technologies!</a:t>
             </a:r>
             <a:endParaRPr lang="en-US" dirty="0"/>
           </a:p>
@@ -2391,7 +2606,7 @@
           <a:p>
             <a:fld id="{715A84DC-FEF2-4269-A86F-D7F63D4115C8}" type="slidenum">
               <a:rPr lang="en-US" smtClean="0"/>
-              <a:t>5</a:t>
+              <a:t>4</a:t>
             </a:fld>
             <a:endParaRPr lang="en-US"/>
           </a:p>
@@ -2400,7 +2615,7 @@
     </p:spTree>
     <p:extLst>
       <p:ext uri="{BB962C8B-B14F-4D97-AF65-F5344CB8AC3E}">
-        <p14:creationId xmlns:p14="http://schemas.microsoft.com/office/powerpoint/2010/main" val="3910238719"/>
+        <p14:creationId xmlns:p14="http://schemas.microsoft.com/office/powerpoint/2010/main" val="3630661752"/>
       </p:ext>
     </p:extLst>
   </p:cSld>
@@ -2456,31 +2671,17 @@
           <a:p>
             <a:r>
               <a:rPr lang="en-US" dirty="0" smtClean="0"/>
-              <a:t>Read</a:t>
+              <a:t>Many NoSQL solutions do</a:t>
             </a:r>
             <a:r>
               <a:rPr lang="en-US" baseline="0" dirty="0" smtClean="0"/>
-              <a:t> the Summery Text...</a:t>
-            </a:r>
-          </a:p>
-          <a:p>
-            <a:r>
-              <a:rPr lang="en-US" dirty="0" smtClean="0"/>
-              <a:t>OrientDB</a:t>
-            </a:r>
+              <a:t> offer SQL!</a:t>
+            </a:r>
+          </a:p>
+          <a:p>
             <a:r>
               <a:rPr lang="en-US" baseline="0" dirty="0" smtClean="0"/>
-              <a:t> </a:t>
-            </a:r>
-            <a:r>
-              <a:rPr lang="en-US" baseline="0" dirty="0" smtClean="0"/>
-              <a:t>attempts to do all of these in one product!</a:t>
-            </a:r>
-          </a:p>
-          <a:p>
-            <a:r>
-              <a:rPr lang="en-US" baseline="0" dirty="0" smtClean="0"/>
-              <a:t>I think these will eventually merge into one product.</a:t>
+              <a:t>I think "Non-Relational" is most accurate.</a:t>
             </a:r>
             <a:endParaRPr lang="en-US" dirty="0"/>
           </a:p>
@@ -2503,7 +2704,7 @@
           <a:p>
             <a:fld id="{715A84DC-FEF2-4269-A86F-D7F63D4115C8}" type="slidenum">
               <a:rPr lang="en-US" smtClean="0"/>
-              <a:t>6</a:t>
+              <a:t>5</a:t>
             </a:fld>
             <a:endParaRPr lang="en-US"/>
           </a:p>
@@ -2568,168 +2769,33 @@
           <a:p>
             <a:r>
               <a:rPr lang="en-US" dirty="0" smtClean="0"/>
-              <a:t>The slide</a:t>
+              <a:t>E.F. </a:t>
+            </a:r>
+            <a:r>
+              <a:rPr lang="en-US" dirty="0" err="1" smtClean="0"/>
+              <a:t>Codd</a:t>
+            </a:r>
+            <a:r>
+              <a:rPr lang="en-US" dirty="0" smtClean="0"/>
+              <a:t> wrote the paper while working for IBM, but Oracle used it 8 years later.</a:t>
+            </a:r>
+          </a:p>
+          <a:p>
+            <a:r>
+              <a:rPr lang="en-US" dirty="0" smtClean="0"/>
+              <a:t>We will mainly focus on Document and Graph DB, since they are more widely used.</a:t>
+            </a:r>
+          </a:p>
+          <a:p>
+            <a:r>
+              <a:rPr lang="en-US" dirty="0" smtClean="0"/>
+              <a:t>Many NoSQL solutions do</a:t>
             </a:r>
             <a:r>
               <a:rPr lang="en-US" baseline="0" dirty="0" smtClean="0"/>
-              <a:t> covers the reasons for using NoSQL</a:t>
-            </a:r>
-            <a:r>
-              <a:rPr lang="en-US" baseline="0" dirty="0" smtClean="0"/>
-              <a:t>! Any other use cases?</a:t>
-            </a:r>
-            <a:endParaRPr lang="en-US" dirty="0" smtClean="0"/>
-          </a:p>
-          <a:p>
-            <a:r>
-              <a:rPr lang="en-US" dirty="0" smtClean="0"/>
-              <a:t>https://www.mongodb.com/nosql-explained</a:t>
-            </a:r>
-          </a:p>
-          <a:p>
-            <a:pPr marL="171450" marR="0" indent="-171450" algn="l" defTabSz="914400" rtl="0" eaLnBrk="1" fontAlgn="auto" latinLnBrk="0" hangingPunct="1">
-              <a:lnSpc>
-                <a:spcPct val="100000"/>
-              </a:lnSpc>
-              <a:spcBef>
-                <a:spcPts val="0"/>
-              </a:spcBef>
-              <a:spcAft>
-                <a:spcPts val="0"/>
-              </a:spcAft>
-              <a:buClrTx/>
-              <a:buSzTx/>
-              <a:buFont typeface="Arial" panose="020B0604020202020204" pitchFamily="34" charset="0"/>
-              <a:buChar char="•"/>
-              <a:tabLst/>
-              <a:defRPr/>
-            </a:pPr>
-            <a:r>
-              <a:rPr lang="en-US" sz="1200" b="0" i="0" kern="1200" dirty="0" smtClean="0">
-                <a:solidFill>
-                  <a:schemeClr val="tx1"/>
-                </a:solidFill>
-                <a:effectLst/>
-                <a:latin typeface="+mn-lt"/>
-                <a:ea typeface="+mn-ea"/>
-                <a:cs typeface="+mn-cs"/>
-              </a:rPr>
-              <a:t>Dynamic Schemas</a:t>
-            </a:r>
-          </a:p>
-          <a:p>
-            <a:pPr marL="171450" marR="0" indent="-171450" algn="l" defTabSz="914400" rtl="0" eaLnBrk="1" fontAlgn="auto" latinLnBrk="0" hangingPunct="1">
-              <a:lnSpc>
-                <a:spcPct val="100000"/>
-              </a:lnSpc>
-              <a:spcBef>
-                <a:spcPts val="0"/>
-              </a:spcBef>
-              <a:spcAft>
-                <a:spcPts val="0"/>
-              </a:spcAft>
-              <a:buClrTx/>
-              <a:buSzTx/>
-              <a:buFont typeface="Arial" panose="020B0604020202020204" pitchFamily="34" charset="0"/>
-              <a:buChar char="•"/>
-              <a:tabLst/>
-              <a:defRPr/>
-            </a:pPr>
-            <a:r>
-              <a:rPr lang="en-US" sz="1200" b="0" i="0" kern="1200" dirty="0" smtClean="0">
-                <a:solidFill>
-                  <a:schemeClr val="tx1"/>
-                </a:solidFill>
-                <a:effectLst/>
-                <a:latin typeface="+mn-lt"/>
-                <a:ea typeface="+mn-ea"/>
-                <a:cs typeface="+mn-cs"/>
-              </a:rPr>
-              <a:t>Auto-</a:t>
-            </a:r>
-            <a:r>
-              <a:rPr lang="en-US" sz="1200" b="0" i="0" kern="1200" dirty="0" err="1" smtClean="0">
-                <a:solidFill>
-                  <a:schemeClr val="tx1"/>
-                </a:solidFill>
-                <a:effectLst/>
-                <a:latin typeface="+mn-lt"/>
-                <a:ea typeface="+mn-ea"/>
-                <a:cs typeface="+mn-cs"/>
-              </a:rPr>
-              <a:t>sharding</a:t>
-            </a:r>
-            <a:endParaRPr lang="en-US" sz="1200" b="0" i="0" kern="1200" dirty="0" smtClean="0">
-              <a:solidFill>
-                <a:schemeClr val="tx1"/>
-              </a:solidFill>
-              <a:effectLst/>
-              <a:latin typeface="+mn-lt"/>
-              <a:ea typeface="+mn-ea"/>
-              <a:cs typeface="+mn-cs"/>
-            </a:endParaRPr>
-          </a:p>
-          <a:p>
-            <a:pPr marL="171450" marR="0" indent="-171450" algn="l" defTabSz="914400" rtl="0" eaLnBrk="1" fontAlgn="auto" latinLnBrk="0" hangingPunct="1">
-              <a:lnSpc>
-                <a:spcPct val="100000"/>
-              </a:lnSpc>
-              <a:spcBef>
-                <a:spcPts val="0"/>
-              </a:spcBef>
-              <a:spcAft>
-                <a:spcPts val="0"/>
-              </a:spcAft>
-              <a:buClrTx/>
-              <a:buSzTx/>
-              <a:buFont typeface="Arial" panose="020B0604020202020204" pitchFamily="34" charset="0"/>
-              <a:buChar char="•"/>
-              <a:tabLst/>
-              <a:defRPr/>
-            </a:pPr>
-            <a:r>
-              <a:rPr lang="en-US" sz="1200" b="0" i="0" kern="1200" dirty="0" smtClean="0">
-                <a:solidFill>
-                  <a:schemeClr val="tx1"/>
-                </a:solidFill>
-                <a:effectLst/>
-                <a:latin typeface="+mn-lt"/>
-                <a:ea typeface="+mn-ea"/>
-                <a:cs typeface="+mn-cs"/>
-              </a:rPr>
-              <a:t>Replication</a:t>
-            </a:r>
-          </a:p>
-          <a:p>
-            <a:pPr marL="171450" marR="0" indent="-171450" algn="l" defTabSz="914400" rtl="0" eaLnBrk="1" fontAlgn="auto" latinLnBrk="0" hangingPunct="1">
-              <a:lnSpc>
-                <a:spcPct val="100000"/>
-              </a:lnSpc>
-              <a:spcBef>
-                <a:spcPts val="0"/>
-              </a:spcBef>
-              <a:spcAft>
-                <a:spcPts val="0"/>
-              </a:spcAft>
-              <a:buClrTx/>
-              <a:buSzTx/>
-              <a:buFont typeface="Arial" panose="020B0604020202020204" pitchFamily="34" charset="0"/>
-              <a:buChar char="•"/>
-              <a:tabLst/>
-              <a:defRPr/>
-            </a:pPr>
-            <a:r>
-              <a:rPr lang="en-US" sz="1200" b="0" i="0" kern="1200" dirty="0" smtClean="0">
-                <a:solidFill>
-                  <a:schemeClr val="tx1"/>
-                </a:solidFill>
-                <a:effectLst/>
-                <a:latin typeface="+mn-lt"/>
-                <a:ea typeface="+mn-ea"/>
-                <a:cs typeface="+mn-cs"/>
-              </a:rPr>
-              <a:t>Integrated Caching</a:t>
-            </a:r>
+              <a:t> offer SQL!</a:t>
+            </a:r>
+            <a:endParaRPr lang="en-US" dirty="0"/>
           </a:p>
         </p:txBody>
       </p:sp>
@@ -2750,7 +2816,7 @@
           <a:p>
             <a:fld id="{715A84DC-FEF2-4269-A86F-D7F63D4115C8}" type="slidenum">
               <a:rPr lang="en-US" smtClean="0"/>
-              <a:t>7</a:t>
+              <a:t>6</a:t>
             </a:fld>
             <a:endParaRPr lang="en-US"/>
           </a:p>
@@ -2759,7 +2825,7 @@
     </p:spTree>
     <p:extLst>
       <p:ext uri="{BB962C8B-B14F-4D97-AF65-F5344CB8AC3E}">
-        <p14:creationId xmlns:p14="http://schemas.microsoft.com/office/powerpoint/2010/main" val="2030243564"/>
+        <p14:creationId xmlns:p14="http://schemas.microsoft.com/office/powerpoint/2010/main" val="3910238719"/>
       </p:ext>
     </p:extLst>
   </p:cSld>
@@ -2813,258 +2879,31 @@
           <a:bodyPr/>
           <a:lstStyle/>
           <a:p>
-            <a:pPr marL="0" marR="0" indent="0" algn="l" defTabSz="914400" rtl="0" eaLnBrk="1" fontAlgn="auto" latinLnBrk="0" hangingPunct="1">
-              <a:lnSpc>
-                <a:spcPct val="100000"/>
-              </a:lnSpc>
-              <a:spcBef>
-                <a:spcPts val="0"/>
-              </a:spcBef>
-              <a:spcAft>
-                <a:spcPts val="0"/>
-              </a:spcAft>
-              <a:buClrTx/>
-              <a:buSzTx/>
-              <a:buFont typeface="Arial" panose="020B0604020202020204" pitchFamily="34" charset="0"/>
-              <a:buNone/>
-              <a:tabLst/>
-              <a:defRPr/>
-            </a:pPr>
-            <a:r>
-              <a:rPr lang="en-US" sz="1200" b="0" i="0" kern="1200" dirty="0" smtClean="0">
-                <a:solidFill>
-                  <a:schemeClr val="tx1"/>
-                </a:solidFill>
-                <a:effectLst/>
-                <a:latin typeface="+mn-lt"/>
-                <a:ea typeface="+mn-ea"/>
-                <a:cs typeface="+mn-cs"/>
-              </a:rPr>
-              <a:t>NoSQL is designed to work with </a:t>
-            </a:r>
-            <a:r>
-              <a:rPr lang="en-US" sz="1200" b="1" i="0" kern="1200" dirty="0" smtClean="0">
-                <a:solidFill>
-                  <a:schemeClr val="tx1"/>
-                </a:solidFill>
-                <a:effectLst/>
-                <a:latin typeface="+mn-lt"/>
-                <a:ea typeface="+mn-ea"/>
-                <a:cs typeface="+mn-cs"/>
-              </a:rPr>
-              <a:t>Big</a:t>
-            </a:r>
-            <a:r>
-              <a:rPr lang="en-US" sz="1200" b="1" i="0" kern="1200" baseline="0" dirty="0" smtClean="0">
-                <a:solidFill>
-                  <a:schemeClr val="tx1"/>
-                </a:solidFill>
-                <a:effectLst/>
-                <a:latin typeface="+mn-lt"/>
-                <a:ea typeface="+mn-ea"/>
-                <a:cs typeface="+mn-cs"/>
-              </a:rPr>
-              <a:t> </a:t>
-            </a:r>
-            <a:r>
-              <a:rPr lang="en-US" sz="1200" b="1" i="0" kern="1200" baseline="0" dirty="0" smtClean="0">
-                <a:solidFill>
-                  <a:schemeClr val="tx1"/>
-                </a:solidFill>
-                <a:effectLst/>
-                <a:latin typeface="+mn-lt"/>
-                <a:ea typeface="+mn-ea"/>
-                <a:cs typeface="+mn-cs"/>
-              </a:rPr>
-              <a:t>Data </a:t>
-            </a:r>
-            <a:r>
-              <a:rPr lang="en-US" sz="1200" b="0" i="0" kern="1200" baseline="0" dirty="0" smtClean="0">
-                <a:solidFill>
-                  <a:schemeClr val="tx1"/>
-                </a:solidFill>
-                <a:effectLst/>
-                <a:latin typeface="+mn-lt"/>
-                <a:ea typeface="+mn-ea"/>
-                <a:cs typeface="+mn-cs"/>
-              </a:rPr>
-              <a:t>Features:</a:t>
-            </a:r>
-            <a:endParaRPr lang="en-US" sz="1200" b="0" i="0" kern="1200" dirty="0" smtClean="0">
-              <a:solidFill>
-                <a:schemeClr val="tx1"/>
-              </a:solidFill>
-              <a:effectLst/>
-              <a:latin typeface="+mn-lt"/>
-              <a:ea typeface="+mn-ea"/>
-              <a:cs typeface="+mn-cs"/>
-            </a:endParaRPr>
-          </a:p>
-          <a:p>
-            <a:pPr marL="171450" marR="0" indent="-171450" algn="l" defTabSz="914400" rtl="0" eaLnBrk="1" fontAlgn="auto" latinLnBrk="0" hangingPunct="1">
-              <a:lnSpc>
-                <a:spcPct val="100000"/>
-              </a:lnSpc>
-              <a:spcBef>
-                <a:spcPts val="0"/>
-              </a:spcBef>
-              <a:spcAft>
-                <a:spcPts val="0"/>
-              </a:spcAft>
-              <a:buClrTx/>
-              <a:buSzTx/>
-              <a:buFont typeface="Arial" panose="020B0604020202020204" pitchFamily="34" charset="0"/>
-              <a:buChar char="•"/>
-              <a:tabLst/>
-              <a:defRPr/>
-            </a:pPr>
-            <a:r>
-              <a:rPr lang="en-US" sz="1200" b="0" i="0" kern="1200" dirty="0" smtClean="0">
-                <a:solidFill>
-                  <a:schemeClr val="tx1"/>
-                </a:solidFill>
-                <a:effectLst/>
-                <a:latin typeface="+mn-lt"/>
-                <a:ea typeface="+mn-ea"/>
-                <a:cs typeface="+mn-cs"/>
-              </a:rPr>
-              <a:t>Auto Fail-Over</a:t>
-            </a:r>
-          </a:p>
-          <a:p>
-            <a:pPr marL="171450" marR="0" indent="-171450" algn="l" defTabSz="914400" rtl="0" eaLnBrk="1" fontAlgn="auto" latinLnBrk="0" hangingPunct="1">
-              <a:lnSpc>
-                <a:spcPct val="100000"/>
-              </a:lnSpc>
-              <a:spcBef>
-                <a:spcPts val="0"/>
-              </a:spcBef>
-              <a:spcAft>
-                <a:spcPts val="0"/>
-              </a:spcAft>
-              <a:buClrTx/>
-              <a:buSzTx/>
-              <a:buFont typeface="Arial" panose="020B0604020202020204" pitchFamily="34" charset="0"/>
-              <a:buChar char="•"/>
-              <a:tabLst/>
-              <a:defRPr/>
-            </a:pPr>
-            <a:r>
-              <a:rPr lang="en-US" sz="1200" b="0" i="0" kern="1200" dirty="0" smtClean="0">
-                <a:solidFill>
-                  <a:schemeClr val="tx1"/>
-                </a:solidFill>
-                <a:effectLst/>
-                <a:latin typeface="+mn-lt"/>
-                <a:ea typeface="+mn-ea"/>
-                <a:cs typeface="+mn-cs"/>
-              </a:rPr>
-              <a:t>Auto-</a:t>
-            </a:r>
-            <a:r>
-              <a:rPr lang="en-US" sz="1200" b="0" i="0" kern="1200" dirty="0" err="1" smtClean="0">
-                <a:solidFill>
-                  <a:schemeClr val="tx1"/>
-                </a:solidFill>
-                <a:effectLst/>
-                <a:latin typeface="+mn-lt"/>
-                <a:ea typeface="+mn-ea"/>
-                <a:cs typeface="+mn-cs"/>
-              </a:rPr>
-              <a:t>Sharding</a:t>
-            </a:r>
-            <a:endParaRPr lang="en-US" sz="1200" b="0" i="0" kern="1200" dirty="0" smtClean="0">
-              <a:solidFill>
-                <a:schemeClr val="tx1"/>
-              </a:solidFill>
-              <a:effectLst/>
-              <a:latin typeface="+mn-lt"/>
-              <a:ea typeface="+mn-ea"/>
-              <a:cs typeface="+mn-cs"/>
-            </a:endParaRPr>
-          </a:p>
-          <a:p>
-            <a:pPr marL="171450" marR="0" indent="-171450" algn="l" defTabSz="914400" rtl="0" eaLnBrk="1" fontAlgn="auto" latinLnBrk="0" hangingPunct="1">
-              <a:lnSpc>
-                <a:spcPct val="100000"/>
-              </a:lnSpc>
-              <a:spcBef>
-                <a:spcPts val="0"/>
-              </a:spcBef>
-              <a:spcAft>
-                <a:spcPts val="0"/>
-              </a:spcAft>
-              <a:buClrTx/>
-              <a:buSzTx/>
-              <a:buFont typeface="Arial" panose="020B0604020202020204" pitchFamily="34" charset="0"/>
-              <a:buChar char="•"/>
-              <a:tabLst/>
-              <a:defRPr/>
-            </a:pPr>
-            <a:r>
-              <a:rPr lang="en-US" sz="1200" b="0" i="0" kern="1200" dirty="0" smtClean="0">
-                <a:solidFill>
-                  <a:schemeClr val="tx1"/>
-                </a:solidFill>
-                <a:effectLst/>
-                <a:latin typeface="+mn-lt"/>
-                <a:ea typeface="+mn-ea"/>
-                <a:cs typeface="+mn-cs"/>
-              </a:rPr>
-              <a:t>Replication &amp; High Availability &amp; High</a:t>
-            </a:r>
-            <a:r>
-              <a:rPr lang="en-US" sz="1200" b="0" i="0" kern="1200" baseline="0" dirty="0" smtClean="0">
-                <a:solidFill>
-                  <a:schemeClr val="tx1"/>
-                </a:solidFill>
-                <a:effectLst/>
-                <a:latin typeface="+mn-lt"/>
-                <a:ea typeface="+mn-ea"/>
-                <a:cs typeface="+mn-cs"/>
-              </a:rPr>
-              <a:t> Performance Computing</a:t>
-            </a:r>
-            <a:endParaRPr lang="en-US" sz="1200" b="0" i="0" kern="1200" dirty="0" smtClean="0">
-              <a:solidFill>
-                <a:schemeClr val="tx1"/>
-              </a:solidFill>
-              <a:effectLst/>
-              <a:latin typeface="+mn-lt"/>
-              <a:ea typeface="+mn-ea"/>
-              <a:cs typeface="+mn-cs"/>
-            </a:endParaRPr>
-          </a:p>
-          <a:p>
-            <a:pPr marL="171450" marR="0" indent="-171450" algn="l" defTabSz="914400" rtl="0" eaLnBrk="1" fontAlgn="auto" latinLnBrk="0" hangingPunct="1">
-              <a:lnSpc>
-                <a:spcPct val="100000"/>
-              </a:lnSpc>
-              <a:spcBef>
-                <a:spcPts val="0"/>
-              </a:spcBef>
-              <a:spcAft>
-                <a:spcPts val="0"/>
-              </a:spcAft>
-              <a:buClrTx/>
-              <a:buSzTx/>
-              <a:buFont typeface="Arial" panose="020B0604020202020204" pitchFamily="34" charset="0"/>
-              <a:buChar char="•"/>
-              <a:tabLst/>
-              <a:defRPr/>
-            </a:pPr>
-            <a:r>
-              <a:rPr lang="en-US" sz="1200" b="0" i="0" kern="1200" dirty="0" smtClean="0">
-                <a:solidFill>
-                  <a:schemeClr val="tx1"/>
-                </a:solidFill>
-                <a:effectLst/>
-                <a:latin typeface="+mn-lt"/>
-                <a:ea typeface="+mn-ea"/>
-                <a:cs typeface="+mn-cs"/>
-              </a:rPr>
-              <a:t>Integrated Caching</a:t>
-            </a:r>
+            <a:r>
+              <a:rPr lang="en-US" dirty="0" smtClean="0"/>
+              <a:t>Read</a:t>
+            </a:r>
+            <a:r>
+              <a:rPr lang="en-US" baseline="0" dirty="0" smtClean="0"/>
+              <a:t> the Summery Text...</a:t>
+            </a:r>
+          </a:p>
+          <a:p>
+            <a:r>
+              <a:rPr lang="en-US" dirty="0" smtClean="0"/>
+              <a:t>OrientDB</a:t>
+            </a:r>
+            <a:r>
+              <a:rPr lang="en-US" baseline="0" dirty="0" smtClean="0"/>
+              <a:t> attempts to do all of these in one product!</a:t>
+            </a:r>
+          </a:p>
+          <a:p>
+            <a:r>
+              <a:rPr lang="en-US" baseline="0" dirty="0" smtClean="0"/>
+              <a:t>I think these will eventually merge into one product.</a:t>
+            </a:r>
+            <a:endParaRPr lang="en-US" dirty="0"/>
           </a:p>
         </p:txBody>
       </p:sp>
@@ -3085,7 +2924,7 @@
           <a:p>
             <a:fld id="{715A84DC-FEF2-4269-A86F-D7F63D4115C8}" type="slidenum">
               <a:rPr lang="en-US" smtClean="0"/>
-              <a:t>8</a:t>
+              <a:t>7</a:t>
             </a:fld>
             <a:endParaRPr lang="en-US"/>
           </a:p>
@@ -3094,7 +2933,7 @@
     </p:spTree>
     <p:extLst>
       <p:ext uri="{BB962C8B-B14F-4D97-AF65-F5344CB8AC3E}">
-        <p14:creationId xmlns:p14="http://schemas.microsoft.com/office/powerpoint/2010/main" val="2030243564"/>
+        <p14:creationId xmlns:p14="http://schemas.microsoft.com/office/powerpoint/2010/main" val="3910238719"/>
       </p:ext>
     </p:extLst>
   </p:cSld>
@@ -3150,12 +2989,40 @@
           <a:p>
             <a:r>
               <a:rPr lang="en-US" dirty="0" smtClean="0"/>
-              <a:t>https://db-engines.com/en/ranking/document+store</a:t>
-            </a:r>
-          </a:p>
-          <a:p>
-            <a:r>
-              <a:rPr lang="en-US" sz="1200" b="0" i="0" u="none" strike="noStrike" kern="1200" dirty="0" smtClean="0">
+              <a:t>The slide</a:t>
+            </a:r>
+            <a:r>
+              <a:rPr lang="en-US" baseline="0" dirty="0" smtClean="0"/>
+              <a:t> covers the reasons for using NoSQL! Any other use cases?</a:t>
+            </a:r>
+            <a:endParaRPr lang="en-US" dirty="0" smtClean="0"/>
+          </a:p>
+          <a:p>
+            <a:r>
+              <a:rPr lang="en-US" dirty="0" smtClean="0"/>
+              <a:t>https://www.mongodb.com/nosql-explained</a:t>
+            </a:r>
+          </a:p>
+          <a:p>
+            <a:pPr marL="171450" marR="0" indent="-171450" algn="l" defTabSz="914400" rtl="0" eaLnBrk="1" fontAlgn="auto" latinLnBrk="0" hangingPunct="1">
+              <a:lnSpc>
+                <a:spcPct val="100000"/>
+              </a:lnSpc>
+              <a:spcBef>
+                <a:spcPts val="0"/>
+              </a:spcBef>
+              <a:spcAft>
+                <a:spcPts val="0"/>
+              </a:spcAft>
+              <a:buClrTx/>
+              <a:buSzTx/>
+              <a:buFont typeface="Arial" panose="020B0604020202020204" pitchFamily="34" charset="0"/>
+              <a:buChar char="•"/>
+              <a:tabLst/>
+              <a:defRPr/>
+            </a:pPr>
+            <a:r>
+              <a:rPr lang="en-US" sz="1200" b="0" i="0" kern="1200" dirty="0" smtClean="0">
                 <a:solidFill>
                   <a:schemeClr val="tx1"/>
                 </a:solidFill>
@@ -3164,12 +3031,29 @@
                 <a:ea typeface="+mn-ea"/>
                 <a:cs typeface="+mn-cs"/>
               </a:rPr>
-              <a:t>BSON is a binary representation of JSON documents</a:t>
-            </a:r>
-          </a:p>
-          <a:p>
-            <a:r>
-              <a:rPr lang="en-US" sz="1200" b="0" i="0" u="none" strike="noStrike" kern="1200" dirty="0" smtClean="0">
+              <a:t>Dynamic Schemas</a:t>
+            </a:r>
+          </a:p>
+          <a:p>
+            <a:pPr marL="171450" marR="0" indent="-171450" algn="l" defTabSz="914400" rtl="0" eaLnBrk="1" fontAlgn="auto" latinLnBrk="0" hangingPunct="1">
+              <a:lnSpc>
+                <a:spcPct val="100000"/>
+              </a:lnSpc>
+              <a:spcBef>
+                <a:spcPts val="0"/>
+              </a:spcBef>
+              <a:spcAft>
+                <a:spcPts val="0"/>
+              </a:spcAft>
+              <a:buClrTx/>
+              <a:buSzTx/>
+              <a:buFont typeface="Arial" panose="020B0604020202020204" pitchFamily="34" charset="0"/>
+              <a:buChar char="•"/>
+              <a:tabLst/>
+              <a:defRPr/>
+            </a:pPr>
+            <a:r>
+              <a:rPr lang="en-US" sz="1200" b="0" i="0" kern="1200" dirty="0" smtClean="0">
                 <a:solidFill>
                   <a:schemeClr val="tx1"/>
                 </a:solidFill>
@@ -3178,21 +3062,91 @@
                 <a:ea typeface="+mn-ea"/>
                 <a:cs typeface="+mn-cs"/>
               </a:rPr>
-              <a:t>http://bsonspec.org provides more data types:</a:t>
-            </a:r>
-          </a:p>
-          <a:p>
-            <a:r>
-              <a:rPr lang="en-US" dirty="0" smtClean="0"/>
-              <a:t>https://docs.mongodb.com/manual/reference/bson-types/</a:t>
-            </a:r>
-          </a:p>
-          <a:p>
-            <a:r>
-              <a:rPr lang="en-US" dirty="0" smtClean="0"/>
-              <a:t>https://db-engines.com/en/ranking/graph+dbms</a:t>
-            </a:r>
-            <a:endParaRPr lang="en-US" dirty="0"/>
+              <a:t>Auto-</a:t>
+            </a:r>
+            <a:r>
+              <a:rPr lang="en-US" sz="1200" b="0" i="0" kern="1200" dirty="0" err="1" smtClean="0">
+                <a:solidFill>
+                  <a:schemeClr val="tx1"/>
+                </a:solidFill>
+                <a:effectLst/>
+                <a:latin typeface="+mn-lt"/>
+                <a:ea typeface="+mn-ea"/>
+                <a:cs typeface="+mn-cs"/>
+              </a:rPr>
+              <a:t>sharding</a:t>
+            </a:r>
+            <a:endParaRPr lang="en-US" sz="1200" b="0" i="0" kern="1200" dirty="0" smtClean="0">
+              <a:solidFill>
+                <a:schemeClr val="tx1"/>
+              </a:solidFill>
+              <a:effectLst/>
+              <a:latin typeface="+mn-lt"/>
+              <a:ea typeface="+mn-ea"/>
+              <a:cs typeface="+mn-cs"/>
+            </a:endParaRPr>
+          </a:p>
+          <a:p>
+            <a:pPr marL="171450" marR="0" indent="-171450" algn="l" defTabSz="914400" rtl="0" eaLnBrk="1" fontAlgn="auto" latinLnBrk="0" hangingPunct="1">
+              <a:lnSpc>
+                <a:spcPct val="100000"/>
+              </a:lnSpc>
+              <a:spcBef>
+                <a:spcPts val="0"/>
+              </a:spcBef>
+              <a:spcAft>
+                <a:spcPts val="0"/>
+              </a:spcAft>
+              <a:buClrTx/>
+              <a:buSzTx/>
+              <a:buFont typeface="Arial" panose="020B0604020202020204" pitchFamily="34" charset="0"/>
+              <a:buChar char="•"/>
+              <a:tabLst/>
+              <a:defRPr/>
+            </a:pPr>
+            <a:r>
+              <a:rPr lang="en-US" sz="1200" b="0" i="0" kern="1200" dirty="0" smtClean="0">
+                <a:solidFill>
+                  <a:schemeClr val="tx1"/>
+                </a:solidFill>
+                <a:effectLst/>
+                <a:latin typeface="+mn-lt"/>
+                <a:ea typeface="+mn-ea"/>
+                <a:cs typeface="+mn-cs"/>
+              </a:rPr>
+              <a:t>Replication</a:t>
+            </a:r>
+          </a:p>
+          <a:p>
+            <a:pPr marL="171450" marR="0" indent="-171450" algn="l" defTabSz="914400" rtl="0" eaLnBrk="1" fontAlgn="auto" latinLnBrk="0" hangingPunct="1">
+              <a:lnSpc>
+                <a:spcPct val="100000"/>
+              </a:lnSpc>
+              <a:spcBef>
+                <a:spcPts val="0"/>
+              </a:spcBef>
+              <a:spcAft>
+                <a:spcPts val="0"/>
+              </a:spcAft>
+              <a:buClrTx/>
+              <a:buSzTx/>
+              <a:buFont typeface="Arial" panose="020B0604020202020204" pitchFamily="34" charset="0"/>
+              <a:buChar char="•"/>
+              <a:tabLst/>
+              <a:defRPr/>
+            </a:pPr>
+            <a:r>
+              <a:rPr lang="en-US" sz="1200" b="0" i="0" kern="1200" dirty="0" smtClean="0">
+                <a:solidFill>
+                  <a:schemeClr val="tx1"/>
+                </a:solidFill>
+                <a:effectLst/>
+                <a:latin typeface="+mn-lt"/>
+                <a:ea typeface="+mn-ea"/>
+                <a:cs typeface="+mn-cs"/>
+              </a:rPr>
+              <a:t>Integrated Caching</a:t>
+            </a:r>
           </a:p>
         </p:txBody>
       </p:sp>
@@ -3213,7 +3167,7 @@
           <a:p>
             <a:fld id="{715A84DC-FEF2-4269-A86F-D7F63D4115C8}" type="slidenum">
               <a:rPr lang="en-US" smtClean="0"/>
-              <a:t>9</a:t>
+              <a:t>8</a:t>
             </a:fld>
             <a:endParaRPr lang="en-US"/>
           </a:p>
@@ -3222,7 +3176,7 @@
     </p:spTree>
     <p:extLst>
       <p:ext uri="{BB962C8B-B14F-4D97-AF65-F5344CB8AC3E}">
-        <p14:creationId xmlns:p14="http://schemas.microsoft.com/office/powerpoint/2010/main" val="1874009049"/>
+        <p14:creationId xmlns:p14="http://schemas.microsoft.com/office/powerpoint/2010/main" val="2030243564"/>
       </p:ext>
     </p:extLst>
   </p:cSld>
@@ -3276,11 +3230,298 @@
           <a:bodyPr/>
           <a:lstStyle/>
           <a:p>
-            <a:r>
-              <a:rPr lang="en-US" dirty="0" smtClean="0"/>
-              <a:t>We will go over each of these in the following slides…</a:t>
-            </a:r>
-            <a:endParaRPr lang="en-US" dirty="0"/>
+            <a:pPr marL="0" marR="0" indent="0" algn="l" defTabSz="914400" rtl="0" eaLnBrk="1" fontAlgn="auto" latinLnBrk="0" hangingPunct="1">
+              <a:lnSpc>
+                <a:spcPct val="100000"/>
+              </a:lnSpc>
+              <a:spcBef>
+                <a:spcPts val="0"/>
+              </a:spcBef>
+              <a:spcAft>
+                <a:spcPts val="0"/>
+              </a:spcAft>
+              <a:buClrTx/>
+              <a:buSzTx/>
+              <a:buFont typeface="Arial" panose="020B0604020202020204" pitchFamily="34" charset="0"/>
+              <a:buNone/>
+              <a:tabLst/>
+              <a:defRPr/>
+            </a:pPr>
+            <a:r>
+              <a:rPr lang="en-US" sz="1200" b="0" i="0" kern="1200" dirty="0" smtClean="0">
+                <a:solidFill>
+                  <a:schemeClr val="tx1"/>
+                </a:solidFill>
+                <a:effectLst/>
+                <a:latin typeface="+mn-lt"/>
+                <a:ea typeface="+mn-ea"/>
+                <a:cs typeface="+mn-cs"/>
+              </a:rPr>
+              <a:t>NoSQL is designed to work with </a:t>
+            </a:r>
+            <a:r>
+              <a:rPr lang="en-US" sz="1200" b="1" i="0" kern="1200" dirty="0" smtClean="0">
+                <a:solidFill>
+                  <a:schemeClr val="tx1"/>
+                </a:solidFill>
+                <a:effectLst/>
+                <a:latin typeface="+mn-lt"/>
+                <a:ea typeface="+mn-ea"/>
+                <a:cs typeface="+mn-cs"/>
+              </a:rPr>
+              <a:t>Big</a:t>
+            </a:r>
+            <a:r>
+              <a:rPr lang="en-US" sz="1200" b="1" i="0" kern="1200" baseline="0" dirty="0" smtClean="0">
+                <a:solidFill>
+                  <a:schemeClr val="tx1"/>
+                </a:solidFill>
+                <a:effectLst/>
+                <a:latin typeface="+mn-lt"/>
+                <a:ea typeface="+mn-ea"/>
+                <a:cs typeface="+mn-cs"/>
+              </a:rPr>
+              <a:t> Data </a:t>
+            </a:r>
+            <a:r>
+              <a:rPr lang="en-US" sz="1200" b="0" i="0" kern="1200" baseline="0" dirty="0" smtClean="0">
+                <a:solidFill>
+                  <a:schemeClr val="tx1"/>
+                </a:solidFill>
+                <a:effectLst/>
+                <a:latin typeface="+mn-lt"/>
+                <a:ea typeface="+mn-ea"/>
+                <a:cs typeface="+mn-cs"/>
+              </a:rPr>
+              <a:t>Features:</a:t>
+            </a:r>
+            <a:endParaRPr lang="en-US" sz="1200" b="0" i="0" kern="1200" dirty="0" smtClean="0">
+              <a:solidFill>
+                <a:schemeClr val="tx1"/>
+              </a:solidFill>
+              <a:effectLst/>
+              <a:latin typeface="+mn-lt"/>
+              <a:ea typeface="+mn-ea"/>
+              <a:cs typeface="+mn-cs"/>
+            </a:endParaRPr>
+          </a:p>
+          <a:p>
+            <a:pPr marL="171450" marR="0" indent="-171450" algn="l" defTabSz="914400" rtl="0" eaLnBrk="1" fontAlgn="auto" latinLnBrk="0" hangingPunct="1">
+              <a:lnSpc>
+                <a:spcPct val="100000"/>
+              </a:lnSpc>
+              <a:spcBef>
+                <a:spcPts val="0"/>
+              </a:spcBef>
+              <a:spcAft>
+                <a:spcPts val="0"/>
+              </a:spcAft>
+              <a:buClrTx/>
+              <a:buSzTx/>
+              <a:buFont typeface="Arial" panose="020B0604020202020204" pitchFamily="34" charset="0"/>
+              <a:buChar char="•"/>
+              <a:tabLst/>
+              <a:defRPr/>
+            </a:pPr>
+            <a:r>
+              <a:rPr lang="en-US" sz="1200" b="0" i="0" kern="1200" dirty="0" smtClean="0">
+                <a:solidFill>
+                  <a:schemeClr val="tx1"/>
+                </a:solidFill>
+                <a:effectLst/>
+                <a:latin typeface="+mn-lt"/>
+                <a:ea typeface="+mn-ea"/>
+                <a:cs typeface="+mn-cs"/>
+              </a:rPr>
+              <a:t>Auto Fail-Over</a:t>
+            </a:r>
+          </a:p>
+          <a:p>
+            <a:pPr marL="171450" marR="0" indent="-171450" algn="l" defTabSz="914400" rtl="0" eaLnBrk="1" fontAlgn="auto" latinLnBrk="0" hangingPunct="1">
+              <a:lnSpc>
+                <a:spcPct val="100000"/>
+              </a:lnSpc>
+              <a:spcBef>
+                <a:spcPts val="0"/>
+              </a:spcBef>
+              <a:spcAft>
+                <a:spcPts val="0"/>
+              </a:spcAft>
+              <a:buClrTx/>
+              <a:buSzTx/>
+              <a:buFont typeface="Arial" panose="020B0604020202020204" pitchFamily="34" charset="0"/>
+              <a:buChar char="•"/>
+              <a:tabLst/>
+              <a:defRPr/>
+            </a:pPr>
+            <a:r>
+              <a:rPr lang="en-US" sz="1200" b="0" i="0" kern="1200" dirty="0" smtClean="0">
+                <a:solidFill>
+                  <a:schemeClr val="tx1"/>
+                </a:solidFill>
+                <a:effectLst/>
+                <a:latin typeface="+mn-lt"/>
+                <a:ea typeface="+mn-ea"/>
+                <a:cs typeface="+mn-cs"/>
+              </a:rPr>
+              <a:t>Auto-</a:t>
+            </a:r>
+            <a:r>
+              <a:rPr lang="en-US" sz="1200" b="0" i="0" kern="1200" dirty="0" err="1" smtClean="0">
+                <a:solidFill>
+                  <a:schemeClr val="tx1"/>
+                </a:solidFill>
+                <a:effectLst/>
+                <a:latin typeface="+mn-lt"/>
+                <a:ea typeface="+mn-ea"/>
+                <a:cs typeface="+mn-cs"/>
+              </a:rPr>
+              <a:t>Sharding</a:t>
+            </a:r>
+            <a:endParaRPr lang="en-US" sz="1200" b="0" i="0" kern="1200" dirty="0" smtClean="0">
+              <a:solidFill>
+                <a:schemeClr val="tx1"/>
+              </a:solidFill>
+              <a:effectLst/>
+              <a:latin typeface="+mn-lt"/>
+              <a:ea typeface="+mn-ea"/>
+              <a:cs typeface="+mn-cs"/>
+            </a:endParaRPr>
+          </a:p>
+          <a:p>
+            <a:pPr marL="171450" marR="0" indent="-171450" algn="l" defTabSz="914400" rtl="0" eaLnBrk="1" fontAlgn="auto" latinLnBrk="0" hangingPunct="1">
+              <a:lnSpc>
+                <a:spcPct val="100000"/>
+              </a:lnSpc>
+              <a:spcBef>
+                <a:spcPts val="0"/>
+              </a:spcBef>
+              <a:spcAft>
+                <a:spcPts val="0"/>
+              </a:spcAft>
+              <a:buClrTx/>
+              <a:buSzTx/>
+              <a:buFont typeface="Arial" panose="020B0604020202020204" pitchFamily="34" charset="0"/>
+              <a:buChar char="•"/>
+              <a:tabLst/>
+              <a:defRPr/>
+            </a:pPr>
+            <a:r>
+              <a:rPr lang="en-US" sz="1200" b="0" i="0" kern="1200" dirty="0" smtClean="0">
+                <a:solidFill>
+                  <a:schemeClr val="tx1"/>
+                </a:solidFill>
+                <a:effectLst/>
+                <a:latin typeface="+mn-lt"/>
+                <a:ea typeface="+mn-ea"/>
+                <a:cs typeface="+mn-cs"/>
+              </a:rPr>
+              <a:t>Replication &amp; High Availability &amp; High</a:t>
+            </a:r>
+            <a:r>
+              <a:rPr lang="en-US" sz="1200" b="0" i="0" kern="1200" baseline="0" dirty="0" smtClean="0">
+                <a:solidFill>
+                  <a:schemeClr val="tx1"/>
+                </a:solidFill>
+                <a:effectLst/>
+                <a:latin typeface="+mn-lt"/>
+                <a:ea typeface="+mn-ea"/>
+                <a:cs typeface="+mn-cs"/>
+              </a:rPr>
+              <a:t> Performance Computing</a:t>
+            </a:r>
+            <a:endParaRPr lang="en-US" sz="1200" b="0" i="0" kern="1200" dirty="0" smtClean="0">
+              <a:solidFill>
+                <a:schemeClr val="tx1"/>
+              </a:solidFill>
+              <a:effectLst/>
+              <a:latin typeface="+mn-lt"/>
+              <a:ea typeface="+mn-ea"/>
+              <a:cs typeface="+mn-cs"/>
+            </a:endParaRPr>
+          </a:p>
+          <a:p>
+            <a:pPr marL="171450" marR="0" indent="-171450" algn="l" defTabSz="914400" rtl="0" eaLnBrk="1" fontAlgn="auto" latinLnBrk="0" hangingPunct="1">
+              <a:lnSpc>
+                <a:spcPct val="100000"/>
+              </a:lnSpc>
+              <a:spcBef>
+                <a:spcPts val="0"/>
+              </a:spcBef>
+              <a:spcAft>
+                <a:spcPts val="0"/>
+              </a:spcAft>
+              <a:buClrTx/>
+              <a:buSzTx/>
+              <a:buFont typeface="Arial" panose="020B0604020202020204" pitchFamily="34" charset="0"/>
+              <a:buChar char="•"/>
+              <a:tabLst/>
+              <a:defRPr/>
+            </a:pPr>
+            <a:r>
+              <a:rPr lang="en-US" sz="1200" b="0" i="0" kern="1200" dirty="0" smtClean="0">
+                <a:solidFill>
+                  <a:schemeClr val="tx1"/>
+                </a:solidFill>
+                <a:effectLst/>
+                <a:latin typeface="+mn-lt"/>
+                <a:ea typeface="+mn-ea"/>
+                <a:cs typeface="+mn-cs"/>
+              </a:rPr>
+              <a:t>Integrated Caching</a:t>
+            </a:r>
+          </a:p>
+          <a:p>
+            <a:pPr marL="171450" marR="0" indent="-171450" algn="l" defTabSz="914400" rtl="0" eaLnBrk="1" fontAlgn="auto" latinLnBrk="0" hangingPunct="1">
+              <a:lnSpc>
+                <a:spcPct val="100000"/>
+              </a:lnSpc>
+              <a:spcBef>
+                <a:spcPts val="0"/>
+              </a:spcBef>
+              <a:spcAft>
+                <a:spcPts val="0"/>
+              </a:spcAft>
+              <a:buClrTx/>
+              <a:buSzTx/>
+              <a:buFont typeface="Arial" panose="020B0604020202020204" pitchFamily="34" charset="0"/>
+              <a:buChar char="•"/>
+              <a:tabLst/>
+              <a:defRPr/>
+            </a:pPr>
+            <a:r>
+              <a:rPr lang="en-US" sz="1200" b="0" i="0" kern="1200" dirty="0" smtClean="0">
+                <a:solidFill>
+                  <a:schemeClr val="tx1"/>
+                </a:solidFill>
+                <a:effectLst/>
+                <a:latin typeface="+mn-lt"/>
+                <a:ea typeface="+mn-ea"/>
+                <a:cs typeface="+mn-cs"/>
+              </a:rPr>
+              <a:t>Flexible Geographic</a:t>
+            </a:r>
+            <a:r>
+              <a:rPr lang="en-US" sz="1200" b="0" i="0" kern="1200" baseline="0" dirty="0" smtClean="0">
+                <a:solidFill>
+                  <a:schemeClr val="tx1"/>
+                </a:solidFill>
+                <a:effectLst/>
+                <a:latin typeface="+mn-lt"/>
+                <a:ea typeface="+mn-ea"/>
+                <a:cs typeface="+mn-cs"/>
+              </a:rPr>
+              <a:t> Locations</a:t>
+            </a:r>
+            <a:endParaRPr lang="en-US" sz="1200" b="0" i="0" kern="1200" dirty="0" smtClean="0">
+              <a:solidFill>
+                <a:schemeClr val="tx1"/>
+              </a:solidFill>
+              <a:effectLst/>
+              <a:latin typeface="+mn-lt"/>
+              <a:ea typeface="+mn-ea"/>
+              <a:cs typeface="+mn-cs"/>
+            </a:endParaRPr>
           </a:p>
         </p:txBody>
       </p:sp>
@@ -3301,7 +3542,7 @@
           <a:p>
             <a:fld id="{715A84DC-FEF2-4269-A86F-D7F63D4115C8}" type="slidenum">
               <a:rPr lang="en-US" smtClean="0"/>
-              <a:t>10</a:t>
+              <a:t>9</a:t>
             </a:fld>
             <a:endParaRPr lang="en-US"/>
           </a:p>
@@ -3310,7 +3551,7 @@
     </p:spTree>
     <p:extLst>
       <p:ext uri="{BB962C8B-B14F-4D97-AF65-F5344CB8AC3E}">
-        <p14:creationId xmlns:p14="http://schemas.microsoft.com/office/powerpoint/2010/main" val="1874009049"/>
+        <p14:creationId xmlns:p14="http://schemas.microsoft.com/office/powerpoint/2010/main" val="2030243564"/>
       </p:ext>
     </p:extLst>
   </p:cSld>
@@ -3366,27 +3607,47 @@
           <a:p>
             <a:r>
               <a:rPr lang="en-US" dirty="0" smtClean="0"/>
-              <a:t>I believe more often than not, you would want some kind of document structure</a:t>
-            </a:r>
-            <a:r>
-              <a:rPr lang="en-US" dirty="0" smtClean="0"/>
-              <a:t>.</a:t>
-            </a:r>
-          </a:p>
-          <a:p>
-            <a:r>
-              <a:rPr lang="en-US" dirty="0" smtClean="0"/>
-              <a:t>OrientDB offers "Classes"</a:t>
-            </a:r>
-          </a:p>
-          <a:p>
-            <a:r>
-              <a:rPr lang="en-US" dirty="0" smtClean="0"/>
-              <a:t>MongoDB</a:t>
-            </a:r>
-            <a:r>
-              <a:rPr lang="en-US" baseline="0" dirty="0" smtClean="0"/>
-              <a:t> offers "Schemas"</a:t>
+              <a:t>https://db-engines.com/en/ranking/document+store</a:t>
+            </a:r>
+          </a:p>
+          <a:p>
+            <a:r>
+              <a:rPr lang="en-US" sz="1200" b="0" i="0" u="none" strike="noStrike" kern="1200" dirty="0" smtClean="0">
+                <a:solidFill>
+                  <a:schemeClr val="tx1"/>
+                </a:solidFill>
+                <a:effectLst/>
+                <a:latin typeface="+mn-lt"/>
+                <a:ea typeface="+mn-ea"/>
+                <a:cs typeface="+mn-cs"/>
+              </a:rPr>
+              <a:t>BSON is a binary representation of JSON documents</a:t>
+            </a:r>
+          </a:p>
+          <a:p>
+            <a:r>
+              <a:rPr lang="en-US" sz="1200" b="0" i="0" u="none" strike="noStrike" kern="1200" dirty="0" smtClean="0">
+                <a:solidFill>
+                  <a:schemeClr val="tx1"/>
+                </a:solidFill>
+                <a:effectLst/>
+                <a:latin typeface="+mn-lt"/>
+                <a:ea typeface="+mn-ea"/>
+                <a:cs typeface="+mn-cs"/>
+              </a:rPr>
+              <a:t>http://bsonspec.org provides more data types:</a:t>
+            </a:r>
+          </a:p>
+          <a:p>
+            <a:r>
+              <a:rPr lang="en-US" dirty="0" smtClean="0"/>
+              <a:t>https://docs.mongodb.com/manual/reference/bson-types/</a:t>
+            </a:r>
+          </a:p>
+          <a:p>
+            <a:r>
+              <a:rPr lang="en-US" dirty="0" smtClean="0"/>
+              <a:t>https://db-engines.com/en/ranking/graph+dbms</a:t>
             </a:r>
             <a:endParaRPr lang="en-US" dirty="0"/>
           </a:p>
@@ -3409,7 +3670,7 @@
           <a:p>
             <a:fld id="{715A84DC-FEF2-4269-A86F-D7F63D4115C8}" type="slidenum">
               <a:rPr lang="en-US" smtClean="0"/>
-              <a:t>11</a:t>
+              <a:t>10</a:t>
             </a:fld>
             <a:endParaRPr lang="en-US"/>
           </a:p>
@@ -3610,7 +3871,7 @@
             <a:fld id="{1D8BD707-D9CF-40AE-B4C6-C98DA3205C09}" type="datetimeFigureOut">
               <a:rPr lang="en-US" smtClean="0"/>
               <a:pPr/>
-              <a:t>6/29/2017</a:t>
+              <a:t>7/10/2017</a:t>
             </a:fld>
             <a:endParaRPr lang="en-US"/>
           </a:p>
@@ -3777,7 +4038,7 @@
             <a:fld id="{1D8BD707-D9CF-40AE-B4C6-C98DA3205C09}" type="datetimeFigureOut">
               <a:rPr lang="en-US" smtClean="0"/>
               <a:pPr/>
-              <a:t>6/29/2017</a:t>
+              <a:t>7/10/2017</a:t>
             </a:fld>
             <a:endParaRPr lang="en-US"/>
           </a:p>
@@ -3954,7 +4215,7 @@
             <a:fld id="{1D8BD707-D9CF-40AE-B4C6-C98DA3205C09}" type="datetimeFigureOut">
               <a:rPr lang="en-US" smtClean="0"/>
               <a:pPr/>
-              <a:t>6/29/2017</a:t>
+              <a:t>7/10/2017</a:t>
             </a:fld>
             <a:endParaRPr lang="en-US"/>
           </a:p>
@@ -4121,7 +4382,7 @@
             <a:fld id="{1D8BD707-D9CF-40AE-B4C6-C98DA3205C09}" type="datetimeFigureOut">
               <a:rPr lang="en-US" smtClean="0"/>
               <a:pPr/>
-              <a:t>6/29/2017</a:t>
+              <a:t>7/10/2017</a:t>
             </a:fld>
             <a:endParaRPr lang="en-US"/>
           </a:p>
@@ -4364,7 +4625,7 @@
             <a:fld id="{1D8BD707-D9CF-40AE-B4C6-C98DA3205C09}" type="datetimeFigureOut">
               <a:rPr lang="en-US" smtClean="0"/>
               <a:pPr/>
-              <a:t>6/29/2017</a:t>
+              <a:t>7/10/2017</a:t>
             </a:fld>
             <a:endParaRPr lang="en-US"/>
           </a:p>
@@ -4649,7 +4910,7 @@
             <a:fld id="{1D8BD707-D9CF-40AE-B4C6-C98DA3205C09}" type="datetimeFigureOut">
               <a:rPr lang="en-US" smtClean="0"/>
               <a:pPr/>
-              <a:t>6/29/2017</a:t>
+              <a:t>7/10/2017</a:t>
             </a:fld>
             <a:endParaRPr lang="en-US"/>
           </a:p>
@@ -5068,7 +5329,7 @@
             <a:fld id="{1D8BD707-D9CF-40AE-B4C6-C98DA3205C09}" type="datetimeFigureOut">
               <a:rPr lang="en-US" smtClean="0"/>
               <a:pPr/>
-              <a:t>6/29/2017</a:t>
+              <a:t>7/10/2017</a:t>
             </a:fld>
             <a:endParaRPr lang="en-US"/>
           </a:p>
@@ -5183,7 +5444,7 @@
             <a:fld id="{1D8BD707-D9CF-40AE-B4C6-C98DA3205C09}" type="datetimeFigureOut">
               <a:rPr lang="en-US" smtClean="0"/>
               <a:pPr/>
-              <a:t>6/29/2017</a:t>
+              <a:t>7/10/2017</a:t>
             </a:fld>
             <a:endParaRPr lang="en-US"/>
           </a:p>
@@ -5275,7 +5536,7 @@
             <a:fld id="{1D8BD707-D9CF-40AE-B4C6-C98DA3205C09}" type="datetimeFigureOut">
               <a:rPr lang="en-US" smtClean="0"/>
               <a:pPr/>
-              <a:t>6/29/2017</a:t>
+              <a:t>7/10/2017</a:t>
             </a:fld>
             <a:endParaRPr lang="en-US"/>
           </a:p>
@@ -5549,7 +5810,7 @@
             <a:fld id="{1D8BD707-D9CF-40AE-B4C6-C98DA3205C09}" type="datetimeFigureOut">
               <a:rPr lang="en-US" smtClean="0"/>
               <a:pPr/>
-              <a:t>6/29/2017</a:t>
+              <a:t>7/10/2017</a:t>
             </a:fld>
             <a:endParaRPr lang="en-US"/>
           </a:p>
@@ -5799,7 +6060,7 @@
             <a:fld id="{1D8BD707-D9CF-40AE-B4C6-C98DA3205C09}" type="datetimeFigureOut">
               <a:rPr lang="en-US" smtClean="0"/>
               <a:pPr/>
-              <a:t>6/29/2017</a:t>
+              <a:t>7/10/2017</a:t>
             </a:fld>
             <a:endParaRPr lang="en-US"/>
           </a:p>
@@ -6009,7 +6270,7 @@
             <a:fld id="{1D8BD707-D9CF-40AE-B4C6-C98DA3205C09}" type="datetimeFigureOut">
               <a:rPr lang="en-US" smtClean="0"/>
               <a:pPr/>
-              <a:t>6/29/2017</a:t>
+              <a:t>7/10/2017</a:t>
             </a:fld>
             <a:endParaRPr lang="en-US"/>
           </a:p>
@@ -6479,7 +6740,7 @@
           <a:p>
             <a:r>
               <a:rPr lang="en-US" dirty="0" smtClean="0"/>
-              <a:t>Document Data Types</a:t>
+              <a:t>NoSQL DB Types</a:t>
             </a:r>
             <a:endParaRPr lang="en-US" dirty="0"/>
           </a:p>
@@ -6508,6 +6769,349 @@
           <a:lstStyle/>
           <a:p>
             <a:r>
+              <a:rPr lang="en-US" b="1" dirty="0" smtClean="0"/>
+              <a:t>Document</a:t>
+            </a:r>
+            <a:r>
+              <a:rPr lang="en-US" dirty="0" smtClean="0"/>
+              <a:t>:</a:t>
+            </a:r>
+          </a:p>
+          <a:p>
+            <a:pPr lvl="1"/>
+            <a:r>
+              <a:rPr lang="en-US" dirty="0" smtClean="0"/>
+              <a:t>Usually JSON or XML</a:t>
+            </a:r>
+          </a:p>
+          <a:p>
+            <a:pPr lvl="1"/>
+            <a:r>
+              <a:rPr lang="en-US" dirty="0" smtClean="0"/>
+              <a:t>Popular Technology/Platform:</a:t>
+            </a:r>
+          </a:p>
+          <a:p>
+            <a:pPr lvl="2"/>
+            <a:r>
+              <a:rPr lang="en-US" dirty="0" smtClean="0"/>
+              <a:t>MongoDB (BSON=Binary Form of JSON)</a:t>
+            </a:r>
+          </a:p>
+          <a:p>
+            <a:pPr lvl="2"/>
+            <a:r>
+              <a:rPr lang="en-US" dirty="0" err="1" smtClean="0"/>
+              <a:t>BaseX</a:t>
+            </a:r>
+            <a:r>
+              <a:rPr lang="en-US" dirty="0" smtClean="0"/>
+              <a:t> (XML)</a:t>
+            </a:r>
+          </a:p>
+          <a:p>
+            <a:r>
+              <a:rPr lang="en-US" b="1" dirty="0" smtClean="0"/>
+              <a:t>Graph</a:t>
+            </a:r>
+            <a:r>
+              <a:rPr lang="en-US" dirty="0" smtClean="0"/>
+              <a:t>:</a:t>
+            </a:r>
+          </a:p>
+          <a:p>
+            <a:pPr lvl="1"/>
+            <a:r>
+              <a:rPr lang="en-US" dirty="0"/>
+              <a:t>Popular Technology/Platform:</a:t>
+            </a:r>
+          </a:p>
+          <a:p>
+            <a:pPr lvl="2"/>
+            <a:r>
+              <a:rPr lang="en-US" dirty="0" smtClean="0"/>
+              <a:t>Neo4j (Cypher Query Language)</a:t>
+            </a:r>
+            <a:endParaRPr lang="en-US" dirty="0"/>
+          </a:p>
+          <a:p>
+            <a:pPr lvl="2"/>
+            <a:r>
+              <a:rPr lang="en-US" dirty="0" smtClean="0"/>
+              <a:t>OrientDB (SQL)</a:t>
+            </a:r>
+            <a:endParaRPr lang="en-US" dirty="0"/>
+          </a:p>
+        </p:txBody>
+      </p:sp>
+      <p:sp>
+        <p:nvSpPr>
+          <p:cNvPr id="4" name="AutoShape 2" descr="Image result for basex"/>
+          <p:cNvSpPr>
+            <a:spLocks noChangeAspect="1" noChangeArrowheads="1"/>
+          </p:cNvSpPr>
+          <p:nvPr/>
+        </p:nvSpPr>
+        <p:spPr bwMode="auto">
+          <a:xfrm>
+            <a:off x="155575" y="-144463"/>
+            <a:ext cx="304800" cy="304801"/>
+          </a:xfrm>
+          <a:prstGeom prst="rect">
+            <a:avLst/>
+          </a:prstGeom>
+          <a:noFill/>
+          <a:extLst>
+            <a:ext uri="{909E8E84-426E-40DD-AFC4-6F175D3DCCD1}">
+              <a14:hiddenFill xmlns:a14="http://schemas.microsoft.com/office/drawing/2010/main">
+                <a:solidFill>
+                  <a:srgbClr val="FFFFFF"/>
+                </a:solidFill>
+              </a14:hiddenFill>
+            </a:ext>
+          </a:extLst>
+        </p:spPr>
+        <p:txBody>
+          <a:bodyPr vert="horz" wrap="square" lIns="91440" tIns="45720" rIns="91440" bIns="45720" numCol="1" anchor="t" anchorCtr="0" compatLnSpc="1">
+            <a:prstTxWarp prst="textNoShape">
+              <a:avLst/>
+            </a:prstTxWarp>
+          </a:bodyPr>
+          <a:lstStyle/>
+          <a:p>
+            <a:endParaRPr lang="en-US"/>
+          </a:p>
+        </p:txBody>
+      </p:sp>
+      <p:pic>
+        <p:nvPicPr>
+          <p:cNvPr id="3076" name="Picture 4" descr="Image result for basex"/>
+          <p:cNvPicPr>
+            <a:picLocks noChangeAspect="1" noChangeArrowheads="1"/>
+          </p:cNvPicPr>
+          <p:nvPr/>
+        </p:nvPicPr>
+        <p:blipFill>
+          <a:blip r:embed="rId3" cstate="print">
+            <a:extLst>
+              <a:ext uri="{28A0092B-C50C-407E-A947-70E740481C1C}">
+                <a14:useLocalDpi xmlns:a14="http://schemas.microsoft.com/office/drawing/2010/main" val="0"/>
+              </a:ext>
+            </a:extLst>
+          </a:blip>
+          <a:srcRect/>
+          <a:stretch>
+            <a:fillRect/>
+          </a:stretch>
+        </p:blipFill>
+        <p:spPr bwMode="auto">
+          <a:xfrm>
+            <a:off x="3508263" y="3581400"/>
+            <a:ext cx="682737" cy="682737"/>
+          </a:xfrm>
+          <a:prstGeom prst="rect">
+            <a:avLst/>
+          </a:prstGeom>
+          <a:noFill/>
+          <a:extLst>
+            <a:ext uri="{909E8E84-426E-40DD-AFC4-6F175D3DCCD1}">
+              <a14:hiddenFill xmlns:a14="http://schemas.microsoft.com/office/drawing/2010/main">
+                <a:solidFill>
+                  <a:srgbClr val="FFFFFF"/>
+                </a:solidFill>
+              </a14:hiddenFill>
+            </a:ext>
+          </a:extLst>
+        </p:spPr>
+      </p:pic>
+      <p:pic>
+        <p:nvPicPr>
+          <p:cNvPr id="3078" name="Picture 6" descr="Image result for mongodb"/>
+          <p:cNvPicPr>
+            <a:picLocks noChangeAspect="1" noChangeArrowheads="1"/>
+          </p:cNvPicPr>
+          <p:nvPr/>
+        </p:nvPicPr>
+        <p:blipFill>
+          <a:blip r:embed="rId4">
+            <a:extLst>
+              <a:ext uri="{28A0092B-C50C-407E-A947-70E740481C1C}">
+                <a14:useLocalDpi xmlns:a14="http://schemas.microsoft.com/office/drawing/2010/main" val="0"/>
+              </a:ext>
+            </a:extLst>
+          </a:blip>
+          <a:srcRect/>
+          <a:stretch>
+            <a:fillRect/>
+          </a:stretch>
+        </p:blipFill>
+        <p:spPr bwMode="auto">
+          <a:xfrm>
+            <a:off x="6707225" y="3037840"/>
+            <a:ext cx="1750975" cy="758756"/>
+          </a:xfrm>
+          <a:prstGeom prst="rect">
+            <a:avLst/>
+          </a:prstGeom>
+          <a:noFill/>
+          <a:extLst>
+            <a:ext uri="{909E8E84-426E-40DD-AFC4-6F175D3DCCD1}">
+              <a14:hiddenFill xmlns:a14="http://schemas.microsoft.com/office/drawing/2010/main">
+                <a:solidFill>
+                  <a:srgbClr val="FFFFFF"/>
+                </a:solidFill>
+              </a14:hiddenFill>
+            </a:ext>
+          </a:extLst>
+        </p:spPr>
+      </p:pic>
+      <p:pic>
+        <p:nvPicPr>
+          <p:cNvPr id="3080" name="Picture 8" descr="Image result for neo4j"/>
+          <p:cNvPicPr>
+            <a:picLocks noChangeAspect="1" noChangeArrowheads="1"/>
+          </p:cNvPicPr>
+          <p:nvPr/>
+        </p:nvPicPr>
+        <p:blipFill>
+          <a:blip r:embed="rId5" cstate="print">
+            <a:extLst>
+              <a:ext uri="{28A0092B-C50C-407E-A947-70E740481C1C}">
+                <a14:useLocalDpi xmlns:a14="http://schemas.microsoft.com/office/drawing/2010/main" val="0"/>
+              </a:ext>
+            </a:extLst>
+          </a:blip>
+          <a:srcRect/>
+          <a:stretch>
+            <a:fillRect/>
+          </a:stretch>
+        </p:blipFill>
+        <p:spPr bwMode="auto">
+          <a:xfrm>
+            <a:off x="5943600" y="5105400"/>
+            <a:ext cx="1219200" cy="635726"/>
+          </a:xfrm>
+          <a:prstGeom prst="rect">
+            <a:avLst/>
+          </a:prstGeom>
+          <a:noFill/>
+          <a:extLst>
+            <a:ext uri="{909E8E84-426E-40DD-AFC4-6F175D3DCCD1}">
+              <a14:hiddenFill xmlns:a14="http://schemas.microsoft.com/office/drawing/2010/main">
+                <a:solidFill>
+                  <a:srgbClr val="FFFFFF"/>
+                </a:solidFill>
+              </a14:hiddenFill>
+            </a:ext>
+          </a:extLst>
+        </p:spPr>
+      </p:pic>
+      <p:pic>
+        <p:nvPicPr>
+          <p:cNvPr id="6" name="Picture 5"/>
+          <p:cNvPicPr>
+            <a:picLocks noChangeAspect="1"/>
+          </p:cNvPicPr>
+          <p:nvPr/>
+        </p:nvPicPr>
+        <p:blipFill>
+          <a:blip r:embed="rId6" cstate="print">
+            <a:extLst>
+              <a:ext uri="{28A0092B-C50C-407E-A947-70E740481C1C}">
+                <a14:useLocalDpi xmlns:a14="http://schemas.microsoft.com/office/drawing/2010/main" val="0"/>
+              </a:ext>
+            </a:extLst>
+          </a:blip>
+          <a:stretch>
+            <a:fillRect/>
+          </a:stretch>
+        </p:blipFill>
+        <p:spPr>
+          <a:xfrm>
+            <a:off x="3771900" y="5596128"/>
+            <a:ext cx="1257300" cy="576072"/>
+          </a:xfrm>
+          <a:prstGeom prst="rect">
+            <a:avLst/>
+          </a:prstGeom>
+        </p:spPr>
+      </p:pic>
+    </p:spTree>
+    <p:extLst>
+      <p:ext uri="{BB962C8B-B14F-4D97-AF65-F5344CB8AC3E}">
+        <p14:creationId xmlns:p14="http://schemas.microsoft.com/office/powerpoint/2010/main" val="4017543064"/>
+      </p:ext>
+    </p:extLst>
+  </p:cSld>
+  <p:clrMapOvr>
+    <a:masterClrMapping/>
+  </p:clrMapOvr>
+</p:sld>
+</file>
+
+<file path=ppt/slides/slide11.xml><?xml version="1.0" encoding="utf-8"?>
+<p:sld xmlns:a="http://schemas.openxmlformats.org/drawingml/2006/main" xmlns:r="http://schemas.openxmlformats.org/officeDocument/2006/relationships" xmlns:p="http://schemas.openxmlformats.org/presentationml/2006/main">
+  <p:cSld>
+    <p:spTree>
+      <p:nvGrpSpPr>
+        <p:cNvPr id="1" name=""/>
+        <p:cNvGrpSpPr/>
+        <p:nvPr/>
+      </p:nvGrpSpPr>
+      <p:grpSpPr>
+        <a:xfrm>
+          <a:off x="0" y="0"/>
+          <a:ext cx="0" cy="0"/>
+          <a:chOff x="0" y="0"/>
+          <a:chExt cx="0" cy="0"/>
+        </a:xfrm>
+      </p:grpSpPr>
+      <p:sp>
+        <p:nvSpPr>
+          <p:cNvPr id="2" name="Title 1"/>
+          <p:cNvSpPr>
+            <a:spLocks noGrp="1"/>
+          </p:cNvSpPr>
+          <p:nvPr>
+            <p:ph type="title"/>
+          </p:nvPr>
+        </p:nvSpPr>
+        <p:spPr/>
+        <p:txBody>
+          <a:bodyPr/>
+          <a:lstStyle/>
+          <a:p>
+            <a:r>
+              <a:rPr lang="en-US" dirty="0" smtClean="0"/>
+              <a:t>Document Data Types</a:t>
+            </a:r>
+            <a:endParaRPr lang="en-US" dirty="0"/>
+          </a:p>
+        </p:txBody>
+      </p:sp>
+      <p:sp>
+        <p:nvSpPr>
+          <p:cNvPr id="3" name="Content Placeholder 2"/>
+          <p:cNvSpPr>
+            <a:spLocks noGrp="1"/>
+          </p:cNvSpPr>
+          <p:nvPr>
+            <p:ph idx="1"/>
+          </p:nvPr>
+        </p:nvSpPr>
+        <p:spPr>
+          <a:xfrm>
+            <a:off x="457200" y="1600200"/>
+            <a:ext cx="8229600" cy="4800600"/>
+          </a:xfrm>
+        </p:spPr>
+        <p:txBody>
+          <a:bodyPr>
+            <a:normAutofit/>
+          </a:bodyPr>
+          <a:lstStyle/>
+          <a:p>
+            <a:r>
               <a:rPr lang="en-US" dirty="0" smtClean="0"/>
               <a:t>Designed </a:t>
             </a:r>
@@ -6547,19 +7151,47 @@
           </a:p>
           <a:p>
             <a:r>
-              <a:rPr lang="en-US" dirty="0" smtClean="0"/>
-              <a:t>JSON:</a:t>
+              <a:rPr lang="en-US" b="1" dirty="0" smtClean="0"/>
+              <a:t>JSON</a:t>
+            </a:r>
+            <a:r>
+              <a:rPr lang="en-US" dirty="0" smtClean="0"/>
+              <a:t>:</a:t>
             </a:r>
           </a:p>
           <a:p>
             <a:pPr lvl="1"/>
             <a:r>
+              <a:rPr lang="en-US" b="1" dirty="0"/>
+              <a:t>J</a:t>
+            </a:r>
+            <a:r>
               <a:rPr lang="en-US" dirty="0"/>
-              <a:t>JavaScript Object </a:t>
-            </a:r>
-            <a:r>
-              <a:rPr lang="en-US" dirty="0" smtClean="0"/>
-              <a:t>Notation</a:t>
+              <a:t>ava</a:t>
+            </a:r>
+            <a:r>
+              <a:rPr lang="en-US" b="1" dirty="0"/>
+              <a:t>S</a:t>
+            </a:r>
+            <a:r>
+              <a:rPr lang="en-US" dirty="0"/>
+              <a:t>cript </a:t>
+            </a:r>
+            <a:r>
+              <a:rPr lang="en-US" b="1" dirty="0"/>
+              <a:t>O</a:t>
+            </a:r>
+            <a:r>
+              <a:rPr lang="en-US" dirty="0"/>
+              <a:t>bject </a:t>
+            </a:r>
+            <a:r>
+              <a:rPr lang="en-US" b="1" dirty="0" smtClean="0"/>
+              <a:t>N</a:t>
+            </a:r>
+            <a:r>
+              <a:rPr lang="en-US" dirty="0" smtClean="0"/>
+              <a:t>otation</a:t>
             </a:r>
           </a:p>
           <a:p>
@@ -6567,15 +7199,39 @@
           </a:p>
           <a:p>
             <a:r>
-              <a:rPr lang="en-US" dirty="0" smtClean="0"/>
-              <a:t>XML:</a:t>
+              <a:rPr lang="en-US" b="1" dirty="0" smtClean="0"/>
+              <a:t>XML</a:t>
+            </a:r>
+            <a:r>
+              <a:rPr lang="en-US" dirty="0" smtClean="0"/>
+              <a:t>:</a:t>
             </a:r>
           </a:p>
           <a:p>
             <a:pPr lvl="1"/>
             <a:r>
-              <a:rPr lang="en-US" dirty="0" smtClean="0"/>
-              <a:t>Extensible Markup Language</a:t>
+              <a:rPr lang="en-US" b="1" dirty="0" smtClean="0"/>
+              <a:t>E</a:t>
+            </a:r>
+            <a:r>
+              <a:rPr lang="en-US" dirty="0" smtClean="0"/>
+              <a:t>xtensible </a:t>
+            </a:r>
+            <a:r>
+              <a:rPr lang="en-US" b="1" dirty="0" smtClean="0"/>
+              <a:t>M</a:t>
+            </a:r>
+            <a:r>
+              <a:rPr lang="en-US" dirty="0" smtClean="0"/>
+              <a:t>arkup </a:t>
+            </a:r>
+            <a:r>
+              <a:rPr lang="en-US" b="1" dirty="0" smtClean="0"/>
+              <a:t>L</a:t>
+            </a:r>
+            <a:r>
+              <a:rPr lang="en-US" dirty="0" smtClean="0"/>
+              <a:t>anguage</a:t>
             </a:r>
             <a:endParaRPr lang="en-US" dirty="0"/>
           </a:p>
@@ -6721,7 +7377,7 @@
         </p:blipFill>
         <p:spPr bwMode="auto">
           <a:xfrm>
-            <a:off x="6019800" y="3276600"/>
+            <a:off x="5486400" y="3276600"/>
             <a:ext cx="2270414" cy="1085850"/>
           </a:xfrm>
           <a:prstGeom prst="rect">
@@ -6762,7 +7418,7 @@
         </p:blipFill>
         <p:spPr bwMode="auto">
           <a:xfrm>
-            <a:off x="6019800" y="4724400"/>
+            <a:off x="5791200" y="4724400"/>
             <a:ext cx="1676400" cy="1676400"/>
           </a:xfrm>
           <a:prstGeom prst="rect">
@@ -6793,117 +7449,6 @@
 </p:sld>
 </file>
 
-<file path=ppt/slides/slide11.xml><?xml version="1.0" encoding="utf-8"?>
-<p:sld xmlns:a="http://schemas.openxmlformats.org/drawingml/2006/main" xmlns:r="http://schemas.openxmlformats.org/officeDocument/2006/relationships" xmlns:p="http://schemas.openxmlformats.org/presentationml/2006/main">
-  <p:cSld>
-    <p:spTree>
-      <p:nvGrpSpPr>
-        <p:cNvPr id="1" name=""/>
-        <p:cNvGrpSpPr/>
-        <p:nvPr/>
-      </p:nvGrpSpPr>
-      <p:grpSpPr>
-        <a:xfrm>
-          <a:off x="0" y="0"/>
-          <a:ext cx="0" cy="0"/>
-          <a:chOff x="0" y="0"/>
-          <a:chExt cx="0" cy="0"/>
-        </a:xfrm>
-      </p:grpSpPr>
-      <p:sp>
-        <p:nvSpPr>
-          <p:cNvPr id="2" name="Title 1"/>
-          <p:cNvSpPr>
-            <a:spLocks noGrp="1"/>
-          </p:cNvSpPr>
-          <p:nvPr>
-            <p:ph type="title"/>
-          </p:nvPr>
-        </p:nvSpPr>
-        <p:spPr/>
-        <p:txBody>
-          <a:bodyPr/>
-          <a:lstStyle/>
-          <a:p>
-            <a:r>
-              <a:rPr lang="en-US" dirty="0" smtClean="0"/>
-              <a:t>Document Structure</a:t>
-            </a:r>
-            <a:endParaRPr lang="en-US" dirty="0"/>
-          </a:p>
-        </p:txBody>
-      </p:sp>
-      <p:sp>
-        <p:nvSpPr>
-          <p:cNvPr id="3" name="Content Placeholder 2"/>
-          <p:cNvSpPr>
-            <a:spLocks noGrp="1"/>
-          </p:cNvSpPr>
-          <p:nvPr>
-            <p:ph idx="1"/>
-          </p:nvPr>
-        </p:nvSpPr>
-        <p:spPr>
-          <a:xfrm>
-            <a:off x="457200" y="1600200"/>
-            <a:ext cx="8229600" cy="4800600"/>
-          </a:xfrm>
-        </p:spPr>
-        <p:txBody>
-          <a:bodyPr>
-            <a:normAutofit/>
-          </a:bodyPr>
-          <a:lstStyle/>
-          <a:p>
-            <a:r>
-              <a:rPr lang="en-US" dirty="0" smtClean="0"/>
-              <a:t>Do you need document structure?</a:t>
-            </a:r>
-          </a:p>
-          <a:p>
-            <a:pPr lvl="1"/>
-            <a:r>
-              <a:rPr lang="en-US" dirty="0" smtClean="0"/>
-              <a:t>If you need to compare one document to another, then you need some structure. Otherwise, you may not need document structure.</a:t>
-            </a:r>
-          </a:p>
-          <a:p>
-            <a:pPr lvl="1"/>
-            <a:r>
-              <a:rPr lang="en-US" dirty="0" smtClean="0"/>
-              <a:t>Common practice to create a minimal set of fields, while you are free to extend to other fields at will in real-time or on-demand.</a:t>
-            </a:r>
-          </a:p>
-          <a:p>
-            <a:pPr lvl="1"/>
-            <a:r>
-              <a:rPr lang="en-US" dirty="0" smtClean="0"/>
-              <a:t>Relational Databases provide a fairly static structure, while NoSQL provides a </a:t>
-            </a:r>
-            <a:r>
-              <a:rPr lang="en-US" b="1" dirty="0" smtClean="0"/>
-              <a:t>flexible</a:t>
-            </a:r>
-            <a:r>
-              <a:rPr lang="en-US" dirty="0" smtClean="0"/>
-              <a:t> structure.</a:t>
-            </a:r>
-          </a:p>
-        </p:txBody>
-      </p:sp>
-    </p:spTree>
-    <p:extLst>
-      <p:ext uri="{BB962C8B-B14F-4D97-AF65-F5344CB8AC3E}">
-        <p14:creationId xmlns:p14="http://schemas.microsoft.com/office/powerpoint/2010/main" val="4147183093"/>
-      </p:ext>
-    </p:extLst>
-  </p:cSld>
-  <p:clrMapOvr>
-    <a:masterClrMapping/>
-  </p:clrMapOvr>
-</p:sld>
-</file>
-
 <file path=ppt/slides/slide12.xml><?xml version="1.0" encoding="utf-8"?>
 <p:sld xmlns:a="http://schemas.openxmlformats.org/drawingml/2006/main" xmlns:r="http://schemas.openxmlformats.org/officeDocument/2006/relationships" xmlns:p="http://schemas.openxmlformats.org/presentationml/2006/main">
   <p:cSld>
@@ -6938,6 +7483,223 @@
           <a:p>
             <a:r>
               <a:rPr lang="en-US" dirty="0" smtClean="0"/>
+              <a:t>Document Structure</a:t>
+            </a:r>
+            <a:endParaRPr lang="en-US" dirty="0"/>
+          </a:p>
+        </p:txBody>
+      </p:sp>
+      <p:sp>
+        <p:nvSpPr>
+          <p:cNvPr id="3" name="Content Placeholder 2"/>
+          <p:cNvSpPr>
+            <a:spLocks noGrp="1"/>
+          </p:cNvSpPr>
+          <p:nvPr>
+            <p:ph idx="1"/>
+          </p:nvPr>
+        </p:nvSpPr>
+        <p:spPr>
+          <a:xfrm>
+            <a:off x="457200" y="1600200"/>
+            <a:ext cx="8229600" cy="4800600"/>
+          </a:xfrm>
+        </p:spPr>
+        <p:txBody>
+          <a:bodyPr>
+            <a:normAutofit/>
+          </a:bodyPr>
+          <a:lstStyle/>
+          <a:p>
+            <a:r>
+              <a:rPr lang="en-US" dirty="0" smtClean="0"/>
+              <a:t>Do you need document structure?</a:t>
+            </a:r>
+          </a:p>
+          <a:p>
+            <a:pPr marL="0" indent="0" algn="ctr">
+              <a:buNone/>
+            </a:pPr>
+            <a:r>
+              <a:rPr lang="en-US" sz="6000" dirty="0" smtClean="0"/>
+              <a:t>=			?</a:t>
+            </a:r>
+          </a:p>
+          <a:p>
+            <a:pPr lvl="1"/>
+            <a:r>
+              <a:rPr lang="en-US" dirty="0" smtClean="0"/>
+              <a:t>Structural Strategy:</a:t>
+            </a:r>
+          </a:p>
+          <a:p>
+            <a:pPr lvl="2"/>
+            <a:r>
+              <a:rPr lang="en-US" dirty="0"/>
+              <a:t>C</a:t>
+            </a:r>
+            <a:r>
+              <a:rPr lang="en-US" dirty="0" smtClean="0"/>
+              <a:t>reate a minimal set of common fields</a:t>
+            </a:r>
+          </a:p>
+          <a:p>
+            <a:pPr lvl="2"/>
+            <a:r>
+              <a:rPr lang="en-US" dirty="0" smtClean="0"/>
+              <a:t>Extend fields at in real-time or as needed</a:t>
+            </a:r>
+          </a:p>
+          <a:p>
+            <a:pPr lvl="1"/>
+            <a:r>
+              <a:rPr lang="en-US" dirty="0" smtClean="0"/>
+              <a:t>Relational databases provide a relatively static structure, while NoSQL provides a </a:t>
+            </a:r>
+            <a:r>
+              <a:rPr lang="en-US" b="1" dirty="0" smtClean="0"/>
+              <a:t>flexible</a:t>
+            </a:r>
+            <a:r>
+              <a:rPr lang="en-US" dirty="0" smtClean="0"/>
+              <a:t> structure.</a:t>
+            </a:r>
+          </a:p>
+        </p:txBody>
+      </p:sp>
+      <p:sp>
+        <p:nvSpPr>
+          <p:cNvPr id="4" name="Flowchart: Document 3"/>
+          <p:cNvSpPr/>
+          <p:nvPr/>
+        </p:nvSpPr>
+        <p:spPr>
+          <a:xfrm>
+            <a:off x="1371600" y="2340428"/>
+            <a:ext cx="990600" cy="762000"/>
+          </a:xfrm>
+          <a:prstGeom prst="flowChartDocument">
+            <a:avLst/>
+          </a:prstGeom>
+          <a:ln w="76200"/>
+        </p:spPr>
+        <p:style>
+          <a:lnRef idx="2">
+            <a:schemeClr val="accent1"/>
+          </a:lnRef>
+          <a:fillRef idx="1">
+            <a:schemeClr val="lt1"/>
+          </a:fillRef>
+          <a:effectRef idx="0">
+            <a:schemeClr val="accent1"/>
+          </a:effectRef>
+          <a:fontRef idx="minor">
+            <a:schemeClr val="dk1"/>
+          </a:fontRef>
+        </p:style>
+        <p:txBody>
+          <a:bodyPr rtlCol="0" anchor="ctr"/>
+          <a:lstStyle/>
+          <a:p>
+            <a:pPr algn="ctr"/>
+            <a:r>
+              <a:rPr lang="en-US" sz="1200" dirty="0" smtClean="0"/>
+              <a:t>Document A</a:t>
+            </a:r>
+            <a:endParaRPr lang="en-US" sz="1200" dirty="0"/>
+          </a:p>
+        </p:txBody>
+      </p:sp>
+      <p:sp>
+        <p:nvSpPr>
+          <p:cNvPr id="5" name="Flowchart: Document 4"/>
+          <p:cNvSpPr/>
+          <p:nvPr/>
+        </p:nvSpPr>
+        <p:spPr>
+          <a:xfrm>
+            <a:off x="4038600" y="2340428"/>
+            <a:ext cx="990600" cy="762000"/>
+          </a:xfrm>
+          <a:prstGeom prst="flowChartDocument">
+            <a:avLst/>
+          </a:prstGeom>
+          <a:ln w="76200"/>
+        </p:spPr>
+        <p:style>
+          <a:lnRef idx="2">
+            <a:schemeClr val="accent1"/>
+          </a:lnRef>
+          <a:fillRef idx="1">
+            <a:schemeClr val="lt1"/>
+          </a:fillRef>
+          <a:effectRef idx="0">
+            <a:schemeClr val="accent1"/>
+          </a:effectRef>
+          <a:fontRef idx="minor">
+            <a:schemeClr val="dk1"/>
+          </a:fontRef>
+        </p:style>
+        <p:txBody>
+          <a:bodyPr rtlCol="0" anchor="ctr"/>
+          <a:lstStyle/>
+          <a:p>
+            <a:pPr algn="ctr"/>
+            <a:r>
+              <a:rPr lang="en-US" sz="1200" dirty="0" smtClean="0"/>
+              <a:t>Document B</a:t>
+            </a:r>
+            <a:endParaRPr lang="en-US" sz="1200" dirty="0"/>
+          </a:p>
+        </p:txBody>
+      </p:sp>
+    </p:spTree>
+    <p:extLst>
+      <p:ext uri="{BB962C8B-B14F-4D97-AF65-F5344CB8AC3E}">
+        <p14:creationId xmlns:p14="http://schemas.microsoft.com/office/powerpoint/2010/main" val="4147183093"/>
+      </p:ext>
+    </p:extLst>
+  </p:cSld>
+  <p:clrMapOvr>
+    <a:masterClrMapping/>
+  </p:clrMapOvr>
+</p:sld>
+</file>
+
+<file path=ppt/slides/slide13.xml><?xml version="1.0" encoding="utf-8"?>
+<p:sld xmlns:a="http://schemas.openxmlformats.org/drawingml/2006/main" xmlns:r="http://schemas.openxmlformats.org/officeDocument/2006/relationships" xmlns:p="http://schemas.openxmlformats.org/presentationml/2006/main">
+  <p:cSld>
+    <p:spTree>
+      <p:nvGrpSpPr>
+        <p:cNvPr id="1" name=""/>
+        <p:cNvGrpSpPr/>
+        <p:nvPr/>
+      </p:nvGrpSpPr>
+      <p:grpSpPr>
+        <a:xfrm>
+          <a:off x="0" y="0"/>
+          <a:ext cx="0" cy="0"/>
+          <a:chOff x="0" y="0"/>
+          <a:chExt cx="0" cy="0"/>
+        </a:xfrm>
+      </p:grpSpPr>
+      <p:sp>
+        <p:nvSpPr>
+          <p:cNvPr id="2" name="Title 1"/>
+          <p:cNvSpPr>
+            <a:spLocks noGrp="1"/>
+          </p:cNvSpPr>
+          <p:nvPr>
+            <p:ph type="title"/>
+          </p:nvPr>
+        </p:nvSpPr>
+        <p:spPr/>
+        <p:txBody>
+          <a:bodyPr/>
+          <a:lstStyle/>
+          <a:p>
+            <a:r>
+              <a:rPr lang="en-US" dirty="0" smtClean="0"/>
               <a:t>JSON</a:t>
             </a:r>
             <a:endParaRPr lang="en-US" dirty="0"/>
@@ -6977,7 +7739,7 @@
               <a:buChar char="•"/>
             </a:pPr>
             <a:r>
-              <a:rPr lang="en-US" dirty="0" smtClean="0"/>
+              <a:rPr lang="en-US" b="1" dirty="0" smtClean="0"/>
               <a:t>{"key" : "value"}</a:t>
             </a:r>
           </a:p>
@@ -7153,174 +7915,6 @@
 </p:sld>
 </file>
 
-<file path=ppt/slides/slide13.xml><?xml version="1.0" encoding="utf-8"?>
-<p:sld xmlns:a="http://schemas.openxmlformats.org/drawingml/2006/main" xmlns:r="http://schemas.openxmlformats.org/officeDocument/2006/relationships" xmlns:p="http://schemas.openxmlformats.org/presentationml/2006/main">
-  <p:cSld>
-    <p:spTree>
-      <p:nvGrpSpPr>
-        <p:cNvPr id="1" name=""/>
-        <p:cNvGrpSpPr/>
-        <p:nvPr/>
-      </p:nvGrpSpPr>
-      <p:grpSpPr>
-        <a:xfrm>
-          <a:off x="0" y="0"/>
-          <a:ext cx="0" cy="0"/>
-          <a:chOff x="0" y="0"/>
-          <a:chExt cx="0" cy="0"/>
-        </a:xfrm>
-      </p:grpSpPr>
-      <p:sp>
-        <p:nvSpPr>
-          <p:cNvPr id="2" name="Title 1"/>
-          <p:cNvSpPr>
-            <a:spLocks noGrp="1"/>
-          </p:cNvSpPr>
-          <p:nvPr>
-            <p:ph type="title"/>
-          </p:nvPr>
-        </p:nvSpPr>
-        <p:spPr/>
-        <p:txBody>
-          <a:bodyPr/>
-          <a:lstStyle/>
-          <a:p>
-            <a:r>
-              <a:rPr lang="en-US" dirty="0" smtClean="0"/>
-              <a:t>JSON</a:t>
-            </a:r>
-            <a:endParaRPr lang="en-US" dirty="0"/>
-          </a:p>
-        </p:txBody>
-      </p:sp>
-      <p:sp>
-        <p:nvSpPr>
-          <p:cNvPr id="3" name="Content Placeholder 2"/>
-          <p:cNvSpPr>
-            <a:spLocks noGrp="1"/>
-          </p:cNvSpPr>
-          <p:nvPr>
-            <p:ph idx="1"/>
-          </p:nvPr>
-        </p:nvSpPr>
-        <p:spPr>
-          <a:xfrm>
-            <a:off x="457200" y="1524000"/>
-            <a:ext cx="8229600" cy="5105400"/>
-          </a:xfrm>
-        </p:spPr>
-        <p:txBody>
-          <a:bodyPr>
-            <a:normAutofit/>
-          </a:bodyPr>
-          <a:lstStyle/>
-          <a:p>
-            <a:r>
-              <a:rPr lang="en-US" dirty="0" smtClean="0"/>
-              <a:t>How is JSON Data Organized?</a:t>
-            </a:r>
-          </a:p>
-          <a:p>
-            <a:r>
-              <a:rPr lang="en-US" dirty="0" smtClean="0"/>
-              <a:t>Data Structures:</a:t>
-            </a:r>
-          </a:p>
-          <a:p>
-            <a:pPr lvl="1"/>
-            <a:r>
-              <a:rPr lang="en-US" dirty="0" smtClean="0"/>
-              <a:t>Object </a:t>
-            </a:r>
-            <a:r>
-              <a:rPr lang="en-US" b="1" dirty="0" smtClean="0"/>
-              <a:t>{ }</a:t>
-            </a:r>
-          </a:p>
-          <a:p>
-            <a:pPr lvl="2"/>
-            <a:r>
-              <a:rPr lang="en-US" dirty="0"/>
-              <a:t>An </a:t>
-            </a:r>
-            <a:r>
-              <a:rPr lang="en-US" i="1" dirty="0"/>
-              <a:t>object</a:t>
-            </a:r>
-            <a:r>
-              <a:rPr lang="en-US" dirty="0"/>
-              <a:t> is an unordered set of </a:t>
-            </a:r>
-            <a:r>
-              <a:rPr lang="en-US" dirty="0" smtClean="0"/>
-              <a:t>key-value pairs</a:t>
-            </a:r>
-          </a:p>
-          <a:p>
-            <a:pPr lvl="1"/>
-            <a:r>
-              <a:rPr lang="en-US" dirty="0" smtClean="0"/>
-              <a:t>Array </a:t>
-            </a:r>
-            <a:r>
-              <a:rPr lang="en-US" b="1" dirty="0" smtClean="0"/>
-              <a:t>[ ]</a:t>
-            </a:r>
-          </a:p>
-          <a:p>
-            <a:pPr lvl="2"/>
-            <a:r>
-              <a:rPr lang="en-US" dirty="0"/>
-              <a:t>An </a:t>
-            </a:r>
-            <a:r>
-              <a:rPr lang="en-US" i="1" dirty="0"/>
-              <a:t>array</a:t>
-            </a:r>
-            <a:r>
-              <a:rPr lang="en-US" dirty="0"/>
-              <a:t> is an ordered collection of </a:t>
-            </a:r>
-            <a:r>
-              <a:rPr lang="en-US" dirty="0" smtClean="0"/>
-              <a:t>values (List)</a:t>
-            </a:r>
-          </a:p>
-          <a:p>
-            <a:r>
-              <a:rPr lang="en-US" dirty="0" smtClean="0"/>
-              <a:t>Data Nesting:</a:t>
-            </a:r>
-          </a:p>
-          <a:p>
-            <a:pPr lvl="1"/>
-            <a:r>
-              <a:rPr lang="en-US" dirty="0" smtClean="0"/>
-              <a:t>A Value may be an Object or an Array</a:t>
-            </a:r>
-          </a:p>
-          <a:p>
-            <a:pPr lvl="1"/>
-            <a:r>
-              <a:rPr lang="en-US" dirty="0" smtClean="0"/>
-              <a:t>You can embed Objects inside of Array and vice versa</a:t>
-            </a:r>
-          </a:p>
-        </p:txBody>
-      </p:sp>
-    </p:spTree>
-    <p:extLst>
-      <p:ext uri="{BB962C8B-B14F-4D97-AF65-F5344CB8AC3E}">
-        <p14:creationId xmlns:p14="http://schemas.microsoft.com/office/powerpoint/2010/main" val="284573289"/>
-      </p:ext>
-    </p:extLst>
-  </p:cSld>
-  <p:clrMapOvr>
-    <a:masterClrMapping/>
-  </p:clrMapOvr>
-</p:sld>
-</file>
-
 <file path=ppt/slides/slide14.xml><?xml version="1.0" encoding="utf-8"?>
 <p:sld xmlns:a="http://schemas.openxmlformats.org/drawingml/2006/main" xmlns:r="http://schemas.openxmlformats.org/officeDocument/2006/relationships" xmlns:p="http://schemas.openxmlformats.org/presentationml/2006/main">
   <p:cSld>
@@ -7355,7 +7949,7 @@
           <a:p>
             <a:r>
               <a:rPr lang="en-US" dirty="0" smtClean="0"/>
-              <a:t>JSON Example</a:t>
+              <a:t>JSON</a:t>
             </a:r>
             <a:endParaRPr lang="en-US" dirty="0"/>
           </a:p>
@@ -7385,102 +7979,93 @@
           <a:p>
             <a:r>
               <a:rPr lang="en-US" dirty="0" smtClean="0"/>
-              <a:t>Simple</a:t>
-            </a:r>
-          </a:p>
-          <a:p>
-            <a:pPr marL="0" indent="0">
-              <a:buNone/>
-            </a:pPr>
+              <a:t>How is JSON Data Organized?</a:t>
+            </a:r>
+          </a:p>
+          <a:p>
+            <a:r>
+              <a:rPr lang="en-US" dirty="0" smtClean="0"/>
+              <a:t>Data Structures:</a:t>
+            </a:r>
+          </a:p>
+          <a:p>
+            <a:pPr lvl="1"/>
+            <a:r>
+              <a:rPr lang="en-US" dirty="0" smtClean="0"/>
+              <a:t>Object </a:t>
+            </a:r>
+            <a:r>
+              <a:rPr lang="en-US" b="1" dirty="0" smtClean="0"/>
+              <a:t>{ }</a:t>
+            </a:r>
+          </a:p>
+          <a:p>
+            <a:pPr lvl="2"/>
             <a:r>
               <a:rPr lang="en-US" dirty="0"/>
-              <a:t>{ </a:t>
-            </a:r>
-            <a:endParaRPr lang="en-US" dirty="0" smtClean="0"/>
-          </a:p>
-          <a:p>
-            <a:pPr marL="457200" lvl="1" indent="0">
-              <a:buNone/>
-            </a:pPr>
-            <a:r>
-              <a:rPr lang="en-US" dirty="0" smtClean="0"/>
-              <a:t>"</a:t>
+              <a:t>An </a:t>
+            </a:r>
+            <a:r>
+              <a:rPr lang="en-US" i="1" dirty="0"/>
+              <a:t>object</a:t>
             </a:r>
             <a:r>
               <a:rPr lang="en-US" dirty="0"/>
-              <a:t>name</a:t>
-            </a:r>
-            <a:r>
-              <a:rPr lang="en-US" dirty="0" smtClean="0"/>
-              <a:t>" : "</a:t>
-            </a:r>
+              <a:t> is an unordered set of </a:t>
+            </a:r>
+            <a:r>
+              <a:rPr lang="en-US" dirty="0" smtClean="0"/>
+              <a:t>key-value pairs</a:t>
+            </a:r>
+          </a:p>
+          <a:p>
+            <a:pPr lvl="1"/>
+            <a:r>
+              <a:rPr lang="en-US" dirty="0" smtClean="0"/>
+              <a:t>Array </a:t>
+            </a:r>
+            <a:r>
+              <a:rPr lang="en-US" b="1" dirty="0" smtClean="0"/>
+              <a:t>[ ]</a:t>
+            </a:r>
+          </a:p>
+          <a:p>
+            <a:pPr lvl="2"/>
             <a:r>
               <a:rPr lang="en-US" dirty="0"/>
-              <a:t>John", </a:t>
-            </a:r>
-            <a:endParaRPr lang="en-US" dirty="0" smtClean="0"/>
-          </a:p>
-          <a:p>
-            <a:pPr marL="457200" lvl="1" indent="0">
-              <a:buNone/>
-            </a:pPr>
-            <a:r>
-              <a:rPr lang="en-US" dirty="0" smtClean="0"/>
-              <a:t>"</a:t>
+              <a:t>An </a:t>
+            </a:r>
+            <a:r>
+              <a:rPr lang="en-US" i="1" dirty="0"/>
+              <a:t>array</a:t>
             </a:r>
             <a:r>
               <a:rPr lang="en-US" dirty="0"/>
-              <a:t>age</a:t>
-            </a:r>
-            <a:r>
-              <a:rPr lang="en-US" dirty="0" smtClean="0"/>
-              <a:t>" : 31</a:t>
-            </a:r>
-            <a:r>
-              <a:rPr lang="en-US" dirty="0"/>
-              <a:t>, </a:t>
-            </a:r>
-            <a:endParaRPr lang="en-US" dirty="0" smtClean="0"/>
-          </a:p>
-          <a:p>
-            <a:pPr marL="457200" lvl="1" indent="0">
-              <a:buNone/>
-            </a:pPr>
-            <a:r>
-              <a:rPr lang="en-US" dirty="0" smtClean="0"/>
-              <a:t>"Birth Place" : "</a:t>
-            </a:r>
-            <a:r>
-              <a:rPr lang="en-US" dirty="0"/>
-              <a:t>New York" </a:t>
-            </a:r>
-            <a:endParaRPr lang="en-US" dirty="0" smtClean="0"/>
-          </a:p>
-          <a:p>
-            <a:pPr marL="457200" lvl="1" indent="0">
-              <a:buNone/>
-            </a:pPr>
-            <a:r>
-              <a:rPr lang="en-US" dirty="0" smtClean="0"/>
-              <a:t>"alive" : true</a:t>
-            </a:r>
-          </a:p>
-          <a:p>
-            <a:pPr marL="457200" lvl="1" indent="0">
-              <a:buNone/>
-            </a:pPr>
-            <a:r>
-              <a:rPr lang="en-US" dirty="0" smtClean="0"/>
-              <a:t>"married" : null</a:t>
-            </a:r>
-          </a:p>
-          <a:p>
-            <a:pPr marL="57150" indent="0">
-              <a:buNone/>
-            </a:pPr>
-            <a:r>
-              <a:rPr lang="en-US" dirty="0" smtClean="0"/>
-              <a:t>}</a:t>
+              <a:t> is an ordered collection of </a:t>
+            </a:r>
+            <a:r>
+              <a:rPr lang="en-US" dirty="0" smtClean="0"/>
+              <a:t>values (List)</a:t>
+            </a:r>
+          </a:p>
+          <a:p>
+            <a:r>
+              <a:rPr lang="en-US" dirty="0" smtClean="0"/>
+              <a:t>Data Nesting:</a:t>
+            </a:r>
+          </a:p>
+          <a:p>
+            <a:pPr lvl="1"/>
+            <a:r>
+              <a:rPr lang="en-US" dirty="0" smtClean="0"/>
+              <a:t>A Value may be an Object or an Array</a:t>
+            </a:r>
+          </a:p>
+          <a:p>
+            <a:pPr lvl="1"/>
+            <a:r>
+              <a:rPr lang="en-US" dirty="0" smtClean="0"/>
+              <a:t>You can embed Objects inside of Array and vice versa</a:t>
             </a:r>
           </a:p>
         </p:txBody>
@@ -7488,7 +8073,7 @@
     </p:spTree>
     <p:extLst>
       <p:ext uri="{BB962C8B-B14F-4D97-AF65-F5344CB8AC3E}">
-        <p14:creationId xmlns:p14="http://schemas.microsoft.com/office/powerpoint/2010/main" val="2675734897"/>
+        <p14:creationId xmlns:p14="http://schemas.microsoft.com/office/powerpoint/2010/main" val="284573289"/>
       </p:ext>
     </p:extLst>
   </p:cSld>
@@ -7562,7 +8147,7 @@
           <a:p>
             <a:r>
               <a:rPr lang="en-US" dirty="0" smtClean="0"/>
-              <a:t>Nested </a:t>
+              <a:t>Simple</a:t>
             </a:r>
           </a:p>
           <a:p>
@@ -7570,8 +8155,176 @@
               <a:buNone/>
             </a:pPr>
             <a:r>
-              <a:rPr lang="en-US" dirty="0" smtClean="0"/>
-              <a:t>{</a:t>
+              <a:rPr lang="en-US" dirty="0"/>
+              <a:t>{ </a:t>
+            </a:r>
+            <a:endParaRPr lang="en-US" dirty="0" smtClean="0"/>
+          </a:p>
+          <a:p>
+            <a:pPr marL="457200" lvl="1" indent="0">
+              <a:buNone/>
+            </a:pPr>
+            <a:r>
+              <a:rPr lang="en-US" dirty="0" smtClean="0"/>
+              <a:t>"</a:t>
+            </a:r>
+            <a:r>
+              <a:rPr lang="en-US" dirty="0"/>
+              <a:t>name</a:t>
+            </a:r>
+            <a:r>
+              <a:rPr lang="en-US" dirty="0" smtClean="0"/>
+              <a:t>" : "</a:t>
+            </a:r>
+            <a:r>
+              <a:rPr lang="en-US" dirty="0"/>
+              <a:t>John", </a:t>
+            </a:r>
+            <a:endParaRPr lang="en-US" dirty="0" smtClean="0"/>
+          </a:p>
+          <a:p>
+            <a:pPr marL="457200" lvl="1" indent="0">
+              <a:buNone/>
+            </a:pPr>
+            <a:r>
+              <a:rPr lang="en-US" dirty="0" smtClean="0"/>
+              <a:t>"</a:t>
+            </a:r>
+            <a:r>
+              <a:rPr lang="en-US" dirty="0"/>
+              <a:t>age</a:t>
+            </a:r>
+            <a:r>
+              <a:rPr lang="en-US" dirty="0" smtClean="0"/>
+              <a:t>" : 31</a:t>
+            </a:r>
+            <a:r>
+              <a:rPr lang="en-US" dirty="0"/>
+              <a:t>, </a:t>
+            </a:r>
+            <a:endParaRPr lang="en-US" dirty="0" smtClean="0"/>
+          </a:p>
+          <a:p>
+            <a:pPr marL="457200" lvl="1" indent="0">
+              <a:buNone/>
+            </a:pPr>
+            <a:r>
+              <a:rPr lang="en-US" dirty="0" smtClean="0"/>
+              <a:t>"Birth Place" : "</a:t>
+            </a:r>
+            <a:r>
+              <a:rPr lang="en-US" dirty="0"/>
+              <a:t>New York" </a:t>
+            </a:r>
+            <a:endParaRPr lang="en-US" dirty="0" smtClean="0"/>
+          </a:p>
+          <a:p>
+            <a:pPr marL="457200" lvl="1" indent="0">
+              <a:buNone/>
+            </a:pPr>
+            <a:r>
+              <a:rPr lang="en-US" dirty="0" smtClean="0"/>
+              <a:t>"alive" : true</a:t>
+            </a:r>
+          </a:p>
+          <a:p>
+            <a:pPr marL="457200" lvl="1" indent="0">
+              <a:buNone/>
+            </a:pPr>
+            <a:r>
+              <a:rPr lang="en-US" dirty="0" smtClean="0"/>
+              <a:t>"married" : null</a:t>
+            </a:r>
+          </a:p>
+          <a:p>
+            <a:pPr marL="57150" indent="0">
+              <a:buNone/>
+            </a:pPr>
+            <a:r>
+              <a:rPr lang="en-US" dirty="0" smtClean="0"/>
+              <a:t>}</a:t>
+            </a:r>
+          </a:p>
+        </p:txBody>
+      </p:sp>
+    </p:spTree>
+    <p:extLst>
+      <p:ext uri="{BB962C8B-B14F-4D97-AF65-F5344CB8AC3E}">
+        <p14:creationId xmlns:p14="http://schemas.microsoft.com/office/powerpoint/2010/main" val="2675734897"/>
+      </p:ext>
+    </p:extLst>
+  </p:cSld>
+  <p:clrMapOvr>
+    <a:masterClrMapping/>
+  </p:clrMapOvr>
+</p:sld>
+</file>
+
+<file path=ppt/slides/slide16.xml><?xml version="1.0" encoding="utf-8"?>
+<p:sld xmlns:a="http://schemas.openxmlformats.org/drawingml/2006/main" xmlns:r="http://schemas.openxmlformats.org/officeDocument/2006/relationships" xmlns:p="http://schemas.openxmlformats.org/presentationml/2006/main">
+  <p:cSld>
+    <p:spTree>
+      <p:nvGrpSpPr>
+        <p:cNvPr id="1" name=""/>
+        <p:cNvGrpSpPr/>
+        <p:nvPr/>
+      </p:nvGrpSpPr>
+      <p:grpSpPr>
+        <a:xfrm>
+          <a:off x="0" y="0"/>
+          <a:ext cx="0" cy="0"/>
+          <a:chOff x="0" y="0"/>
+          <a:chExt cx="0" cy="0"/>
+        </a:xfrm>
+      </p:grpSpPr>
+      <p:sp>
+        <p:nvSpPr>
+          <p:cNvPr id="2" name="Title 1"/>
+          <p:cNvSpPr>
+            <a:spLocks noGrp="1"/>
+          </p:cNvSpPr>
+          <p:nvPr>
+            <p:ph type="title"/>
+          </p:nvPr>
+        </p:nvSpPr>
+        <p:spPr/>
+        <p:txBody>
+          <a:bodyPr/>
+          <a:lstStyle/>
+          <a:p>
+            <a:r>
+              <a:rPr lang="en-US" dirty="0" smtClean="0"/>
+              <a:t>JSON Example</a:t>
+            </a:r>
+            <a:endParaRPr lang="en-US" dirty="0"/>
+          </a:p>
+        </p:txBody>
+      </p:sp>
+      <p:sp>
+        <p:nvSpPr>
+          <p:cNvPr id="3" name="Content Placeholder 2"/>
+          <p:cNvSpPr>
+            <a:spLocks noGrp="1"/>
+          </p:cNvSpPr>
+          <p:nvPr>
+            <p:ph idx="1"/>
+          </p:nvPr>
+        </p:nvSpPr>
+        <p:spPr>
+          <a:xfrm>
+            <a:off x="457200" y="1524000"/>
+            <a:ext cx="8229600" cy="5105400"/>
+          </a:xfrm>
+        </p:spPr>
+        <p:txBody>
+          <a:bodyPr>
+            <a:normAutofit/>
+          </a:bodyPr>
+          <a:lstStyle/>
+          <a:p>
+            <a:r>
+              <a:rPr lang="en-US" dirty="0" smtClean="0"/>
+              <a:t>Nested </a:t>
             </a:r>
           </a:p>
           <a:p>
@@ -7579,20 +8332,8 @@
               <a:buNone/>
             </a:pPr>
             <a:r>
-              <a:rPr lang="en-US" dirty="0"/>
-              <a:t> </a:t>
-            </a:r>
-            <a:r>
-              <a:rPr lang="en-US" dirty="0" smtClean="0"/>
-              <a:t> "</a:t>
-            </a:r>
-            <a:r>
-              <a:rPr lang="en-US" dirty="0"/>
-              <a:t>company" : [ "University of Utah", "IHC" </a:t>
-            </a:r>
-            <a:r>
-              <a:rPr lang="en-US" dirty="0" smtClean="0"/>
-              <a:t>],</a:t>
+              <a:rPr lang="en-US" dirty="0" smtClean="0"/>
+              <a:t>{</a:t>
             </a:r>
           </a:p>
           <a:p>
@@ -7600,6 +8341,27 @@
               <a:buNone/>
             </a:pPr>
             <a:r>
+              <a:rPr lang="en-US" dirty="0"/>
+              <a:t> </a:t>
+            </a:r>
+            <a:r>
+              <a:rPr lang="en-US" dirty="0" smtClean="0"/>
+              <a:t> "</a:t>
+            </a:r>
+            <a:r>
+              <a:rPr lang="en-US" dirty="0"/>
+              <a:t>company" : [ "University of Utah", "IHC" </a:t>
+            </a:r>
+            <a:r>
+              <a:rPr lang="en-US" dirty="0" smtClean="0"/>
+              <a:t>],</a:t>
+            </a:r>
+          </a:p>
+          <a:p>
+            <a:pPr marL="0" indent="0">
+              <a:buNone/>
+            </a:pPr>
+            <a:r>
               <a:rPr lang="en-US" dirty="0" smtClean="0"/>
               <a:t>  "</a:t>
             </a:r>
@@ -7631,19 +8393,19 @@
             </a:r>
             <a:r>
               <a:rPr lang="en-US" dirty="0" err="1"/>
-              <a:t>firstName":"Anna</a:t>
+              <a:t>firstName</a:t>
             </a:r>
             <a:r>
               <a:rPr lang="en-US" dirty="0"/>
-              <a:t>", "</a:t>
+              <a:t>":"Anna", "</a:t>
             </a:r>
             <a:r>
               <a:rPr lang="en-US" dirty="0" err="1"/>
-              <a:t>lastName":"Smith</a:t>
+              <a:t>lastName</a:t>
             </a:r>
             <a:r>
               <a:rPr lang="en-US" dirty="0"/>
-              <a:t>" },</a:t>
+              <a:t>":"Smith" },</a:t>
             </a:r>
             <a:br>
               <a:rPr lang="en-US" dirty="0"/>
@@ -7654,26 +8416,26 @@
             </a:r>
             <a:r>
               <a:rPr lang="en-US" dirty="0" err="1"/>
-              <a:t>firstName":"Peter</a:t>
+              <a:t>firstName</a:t>
             </a:r>
             <a:r>
               <a:rPr lang="en-US" dirty="0"/>
-              <a:t>", "</a:t>
+              <a:t>":"Peter", "</a:t>
             </a:r>
             <a:r>
               <a:rPr lang="en-US" dirty="0" err="1"/>
-              <a:t>lastName":"Jones</a:t>
+              <a:t>lastName</a:t>
             </a:r>
             <a:r>
               <a:rPr lang="en-US" dirty="0"/>
-              <a:t>" }</a:t>
+              <a:t>":"Jones" }</a:t>
             </a:r>
             <a:br>
               <a:rPr lang="en-US" dirty="0"/>
             </a:br>
             <a:r>
               <a:rPr lang="en-US" dirty="0" smtClean="0"/>
-              <a:t>  ],</a:t>
+              <a:t>  ]</a:t>
             </a:r>
           </a:p>
           <a:p>
@@ -7700,7 +8462,7 @@
 </p:sld>
 </file>
 
-<file path=ppt/slides/slide16.xml><?xml version="1.0" encoding="utf-8"?>
+<file path=ppt/slides/slide17.xml><?xml version="1.0" encoding="utf-8"?>
 <p:sld xmlns:a="http://schemas.openxmlformats.org/drawingml/2006/main" xmlns:r="http://schemas.openxmlformats.org/officeDocument/2006/relationships" xmlns:p="http://schemas.openxmlformats.org/presentationml/2006/main">
   <p:cSld>
     <p:spTree>
@@ -7843,7 +8605,7 @@
 </p:sld>
 </file>
 
-<file path=ppt/slides/slide17.xml><?xml version="1.0" encoding="utf-8"?>
+<file path=ppt/slides/slide18.xml><?xml version="1.0" encoding="utf-8"?>
 <p:sld xmlns:a="http://schemas.openxmlformats.org/drawingml/2006/main" xmlns:r="http://schemas.openxmlformats.org/officeDocument/2006/relationships" xmlns:p="http://schemas.openxmlformats.org/presentationml/2006/main">
   <p:cSld>
     <p:spTree>
@@ -8058,118 +8820,6 @@
 </p:sld>
 </file>
 
-<file path=ppt/slides/slide18.xml><?xml version="1.0" encoding="utf-8"?>
-<p:sld xmlns:a="http://schemas.openxmlformats.org/drawingml/2006/main" xmlns:r="http://schemas.openxmlformats.org/officeDocument/2006/relationships" xmlns:p="http://schemas.openxmlformats.org/presentationml/2006/main">
-  <p:cSld>
-    <p:spTree>
-      <p:nvGrpSpPr>
-        <p:cNvPr id="1" name=""/>
-        <p:cNvGrpSpPr/>
-        <p:nvPr/>
-      </p:nvGrpSpPr>
-      <p:grpSpPr>
-        <a:xfrm>
-          <a:off x="0" y="0"/>
-          <a:ext cx="0" cy="0"/>
-          <a:chOff x="0" y="0"/>
-          <a:chExt cx="0" cy="0"/>
-        </a:xfrm>
-      </p:grpSpPr>
-      <p:sp>
-        <p:nvSpPr>
-          <p:cNvPr id="2" name="Title 1"/>
-          <p:cNvSpPr>
-            <a:spLocks noGrp="1"/>
-          </p:cNvSpPr>
-          <p:nvPr>
-            <p:ph type="title"/>
-          </p:nvPr>
-        </p:nvSpPr>
-        <p:spPr/>
-        <p:txBody>
-          <a:bodyPr/>
-          <a:lstStyle/>
-          <a:p>
-            <a:r>
-              <a:rPr lang="en-US" dirty="0" smtClean="0"/>
-              <a:t>JSON Query Language</a:t>
-            </a:r>
-            <a:endParaRPr lang="en-US" dirty="0"/>
-          </a:p>
-        </p:txBody>
-      </p:sp>
-      <p:sp>
-        <p:nvSpPr>
-          <p:cNvPr id="3" name="Content Placeholder 2"/>
-          <p:cNvSpPr>
-            <a:spLocks noGrp="1"/>
-          </p:cNvSpPr>
-          <p:nvPr>
-            <p:ph idx="1"/>
-          </p:nvPr>
-        </p:nvSpPr>
-        <p:spPr>
-          <a:xfrm>
-            <a:off x="457200" y="1447800"/>
-            <a:ext cx="8229600" cy="5181600"/>
-          </a:xfrm>
-        </p:spPr>
-        <p:txBody>
-          <a:bodyPr>
-            <a:normAutofit/>
-          </a:bodyPr>
-          <a:lstStyle/>
-          <a:p>
-            <a:r>
-              <a:rPr lang="en-US" dirty="0" smtClean="0"/>
-              <a:t>JSONiq</a:t>
-            </a:r>
-          </a:p>
-          <a:p>
-            <a:r>
-              <a:rPr lang="en-US" dirty="0" smtClean="0"/>
-              <a:t>http</a:t>
-            </a:r>
-            <a:r>
-              <a:rPr lang="en-US" dirty="0"/>
-              <a:t>://</a:t>
-            </a:r>
-            <a:r>
-              <a:rPr lang="en-US" dirty="0" smtClean="0"/>
-              <a:t>jsoniq.org</a:t>
-            </a:r>
-          </a:p>
-          <a:p>
-            <a:r>
-              <a:rPr lang="en-US" dirty="0" smtClean="0"/>
-              <a:t>This is the equivalent of XQuery for XML, or SQL for Relational Databases</a:t>
-            </a:r>
-          </a:p>
-          <a:p>
-            <a:r>
-              <a:rPr lang="en-US" dirty="0"/>
-              <a:t>JSONiq </a:t>
-            </a:r>
-            <a:r>
-              <a:rPr lang="en-US" dirty="0" smtClean="0"/>
-              <a:t>also a developing standard (work in progress), not yet widely used.</a:t>
-            </a:r>
-          </a:p>
-        </p:txBody>
-      </p:sp>
-    </p:spTree>
-    <p:extLst>
-      <p:ext uri="{BB962C8B-B14F-4D97-AF65-F5344CB8AC3E}">
-        <p14:creationId xmlns:p14="http://schemas.microsoft.com/office/powerpoint/2010/main" val="4052501390"/>
-      </p:ext>
-    </p:extLst>
-  </p:cSld>
-  <p:clrMapOvr>
-    <a:masterClrMapping/>
-  </p:clrMapOvr>
-</p:sld>
-</file>
-
 <file path=ppt/slides/slide19.xml><?xml version="1.0" encoding="utf-8"?>
 <p:sld xmlns:a="http://schemas.openxmlformats.org/drawingml/2006/main" xmlns:r="http://schemas.openxmlformats.org/officeDocument/2006/relationships" xmlns:p="http://schemas.openxmlformats.org/presentationml/2006/main">
   <p:cSld>
@@ -8204,7 +8854,7 @@
           <a:p>
             <a:r>
               <a:rPr lang="en-US" dirty="0" smtClean="0"/>
-              <a:t>Data Comments</a:t>
+              <a:t>JSON Query Language</a:t>
             </a:r>
             <a:endParaRPr lang="en-US" dirty="0"/>
           </a:p>
@@ -8222,8 +8872,8 @@
         </p:nvSpPr>
         <p:spPr>
           <a:xfrm>
-            <a:off x="457200" y="1524000"/>
-            <a:ext cx="8229600" cy="5105400"/>
+            <a:off x="457200" y="1676400"/>
+            <a:ext cx="8229600" cy="4953000"/>
           </a:xfrm>
         </p:spPr>
         <p:txBody>
@@ -8234,62 +8884,67 @@
           <a:p>
             <a:r>
               <a:rPr lang="en-US" dirty="0" smtClean="0"/>
-              <a:t>JSON does NOT support Comments</a:t>
-            </a:r>
-          </a:p>
-          <a:p>
-            <a:pPr lvl="1"/>
-            <a:r>
-              <a:rPr lang="en-US" dirty="0" smtClean="0"/>
-              <a:t>Use the data itself to comment things</a:t>
-            </a:r>
-          </a:p>
-          <a:p>
-            <a:pPr lvl="1"/>
-            <a:endParaRPr lang="en-US" dirty="0" smtClean="0"/>
-          </a:p>
-          <a:p>
-            <a:r>
-              <a:rPr lang="en-US" dirty="0" smtClean="0"/>
-              <a:t>XML</a:t>
-            </a:r>
-            <a:endParaRPr lang="en-US" dirty="0"/>
-          </a:p>
-          <a:p>
-            <a:pPr marL="400050" lvl="1" indent="0">
-              <a:buNone/>
-            </a:pPr>
-            <a:r>
-              <a:rPr lang="en-US" dirty="0" smtClean="0"/>
-              <a:t>&lt;!-- XML Comments are like this.</a:t>
-            </a:r>
-          </a:p>
-          <a:p>
-            <a:pPr marL="400050" lvl="1" indent="0">
-              <a:buNone/>
-            </a:pPr>
+              <a:t>JSONiq</a:t>
+            </a:r>
+          </a:p>
+          <a:p>
+            <a:r>
+              <a:rPr lang="en-US" dirty="0" smtClean="0"/>
+              <a:t>http</a:t>
+            </a:r>
+            <a:r>
+              <a:rPr lang="en-US" dirty="0"/>
+              <a:t>://</a:t>
+            </a:r>
+            <a:r>
+              <a:rPr lang="en-US" dirty="0" smtClean="0"/>
+              <a:t>jsoniq.org</a:t>
+            </a:r>
+          </a:p>
+          <a:p>
+            <a:r>
+              <a:rPr lang="en-US" dirty="0" err="1"/>
+              <a:t>JSONiq</a:t>
+            </a:r>
             <a:r>
               <a:rPr lang="en-US" dirty="0"/>
               <a:t> </a:t>
             </a:r>
             <a:r>
               <a:rPr lang="en-US" dirty="0" smtClean="0"/>
-              <a:t> Same as HTML Comments. </a:t>
-            </a:r>
-            <a:r>
-              <a:rPr lang="en-US" dirty="0" smtClean="0">
-                <a:sym typeface="Wingdings" panose="05000000000000000000" pitchFamily="2" charset="2"/>
-              </a:rPr>
-              <a:t>--&gt;</a:t>
-            </a:r>
-            <a:endParaRPr lang="en-US" dirty="0" smtClean="0"/>
+              <a:t>for JSON is the equivalent to:</a:t>
+            </a:r>
+          </a:p>
+          <a:p>
+            <a:pPr lvl="1"/>
+            <a:r>
+              <a:rPr lang="en-US" dirty="0" smtClean="0"/>
+              <a:t>XQuery for XML</a:t>
+            </a:r>
+          </a:p>
+          <a:p>
+            <a:pPr lvl="1"/>
+            <a:r>
+              <a:rPr lang="en-US" dirty="0" smtClean="0"/>
+              <a:t>SQL for Relational Databases</a:t>
+            </a:r>
+          </a:p>
+          <a:p>
+            <a:r>
+              <a:rPr lang="en-US" dirty="0"/>
+              <a:t>JSONiq </a:t>
+            </a:r>
+            <a:r>
+              <a:rPr lang="en-US" dirty="0" smtClean="0"/>
+              <a:t>also a developing standard (work in progress), not yet widely used.</a:t>
+            </a:r>
           </a:p>
         </p:txBody>
       </p:sp>
     </p:spTree>
     <p:extLst>
       <p:ext uri="{BB962C8B-B14F-4D97-AF65-F5344CB8AC3E}">
-        <p14:creationId xmlns:p14="http://schemas.microsoft.com/office/powerpoint/2010/main" val="1980898369"/>
+        <p14:creationId xmlns:p14="http://schemas.microsoft.com/office/powerpoint/2010/main" val="4052501390"/>
       </p:ext>
     </p:extLst>
   </p:cSld>
@@ -8380,8 +9035,13 @@
             </a:pPr>
             <a:r>
               <a:rPr lang="en-US" dirty="0" smtClean="0"/>
-              <a:t>Understand how various types of data are represented in a NoSQL Environment</a:t>
-            </a:r>
+              <a:t>Understand common data storage </a:t>
+            </a:r>
+            <a:r>
+              <a:rPr lang="en-US" dirty="0" smtClean="0"/>
+              <a:t>formats and related processing technologies</a:t>
+            </a:r>
+            <a:endParaRPr lang="en-US" dirty="0" smtClean="0"/>
           </a:p>
         </p:txBody>
       </p:sp>
@@ -8432,6 +9092,139 @@
           <a:p>
             <a:r>
               <a:rPr lang="en-US" dirty="0" smtClean="0"/>
+              <a:t>Data Comments</a:t>
+            </a:r>
+            <a:endParaRPr lang="en-US" dirty="0"/>
+          </a:p>
+        </p:txBody>
+      </p:sp>
+      <p:sp>
+        <p:nvSpPr>
+          <p:cNvPr id="3" name="Content Placeholder 2"/>
+          <p:cNvSpPr>
+            <a:spLocks noGrp="1"/>
+          </p:cNvSpPr>
+          <p:nvPr>
+            <p:ph idx="1"/>
+          </p:nvPr>
+        </p:nvSpPr>
+        <p:spPr>
+          <a:xfrm>
+            <a:off x="457200" y="1524000"/>
+            <a:ext cx="8229600" cy="5105400"/>
+          </a:xfrm>
+        </p:spPr>
+        <p:txBody>
+          <a:bodyPr>
+            <a:normAutofit/>
+          </a:bodyPr>
+          <a:lstStyle/>
+          <a:p>
+            <a:r>
+              <a:rPr lang="en-US" dirty="0" smtClean="0"/>
+              <a:t>JSON does NOT support Comments</a:t>
+            </a:r>
+          </a:p>
+          <a:p>
+            <a:pPr lvl="1"/>
+            <a:r>
+              <a:rPr lang="en-US" dirty="0" smtClean="0"/>
+              <a:t>Use the data itself to comment things</a:t>
+            </a:r>
+          </a:p>
+          <a:p>
+            <a:pPr lvl="1"/>
+            <a:endParaRPr lang="en-US" dirty="0" smtClean="0"/>
+          </a:p>
+          <a:p>
+            <a:r>
+              <a:rPr lang="en-US" dirty="0" smtClean="0"/>
+              <a:t>XML</a:t>
+            </a:r>
+            <a:endParaRPr lang="en-US" dirty="0"/>
+          </a:p>
+          <a:p>
+            <a:pPr marL="400050" lvl="1" indent="0">
+              <a:buNone/>
+            </a:pPr>
+            <a:r>
+              <a:rPr lang="en-US" b="1" dirty="0" smtClean="0"/>
+              <a:t>&lt;!--</a:t>
+            </a:r>
+            <a:r>
+              <a:rPr lang="en-US" dirty="0" smtClean="0"/>
+              <a:t> XML Comments are like this.</a:t>
+            </a:r>
+          </a:p>
+          <a:p>
+            <a:pPr marL="400050" lvl="1" indent="0">
+              <a:buNone/>
+            </a:pPr>
+            <a:r>
+              <a:rPr lang="en-US" dirty="0"/>
+              <a:t> </a:t>
+            </a:r>
+            <a:r>
+              <a:rPr lang="en-US" dirty="0" smtClean="0"/>
+              <a:t> Same as HTML Comments. </a:t>
+            </a:r>
+            <a:r>
+              <a:rPr lang="en-US" b="1" dirty="0" smtClean="0">
+                <a:sym typeface="Wingdings" panose="05000000000000000000" pitchFamily="2" charset="2"/>
+              </a:rPr>
+              <a:t>--&gt;</a:t>
+            </a:r>
+            <a:endParaRPr lang="en-US" b="1" dirty="0" smtClean="0"/>
+          </a:p>
+        </p:txBody>
+      </p:sp>
+    </p:spTree>
+    <p:extLst>
+      <p:ext uri="{BB962C8B-B14F-4D97-AF65-F5344CB8AC3E}">
+        <p14:creationId xmlns:p14="http://schemas.microsoft.com/office/powerpoint/2010/main" val="1980898369"/>
+      </p:ext>
+    </p:extLst>
+  </p:cSld>
+  <p:clrMapOvr>
+    <a:masterClrMapping/>
+  </p:clrMapOvr>
+</p:sld>
+</file>
+
+<file path=ppt/slides/slide21.xml><?xml version="1.0" encoding="utf-8"?>
+<p:sld xmlns:a="http://schemas.openxmlformats.org/drawingml/2006/main" xmlns:r="http://schemas.openxmlformats.org/officeDocument/2006/relationships" xmlns:p="http://schemas.openxmlformats.org/presentationml/2006/main">
+  <p:cSld>
+    <p:spTree>
+      <p:nvGrpSpPr>
+        <p:cNvPr id="1" name=""/>
+        <p:cNvGrpSpPr/>
+        <p:nvPr/>
+      </p:nvGrpSpPr>
+      <p:grpSpPr>
+        <a:xfrm>
+          <a:off x="0" y="0"/>
+          <a:ext cx="0" cy="0"/>
+          <a:chOff x="0" y="0"/>
+          <a:chExt cx="0" cy="0"/>
+        </a:xfrm>
+      </p:grpSpPr>
+      <p:sp>
+        <p:nvSpPr>
+          <p:cNvPr id="2" name="Title 1"/>
+          <p:cNvSpPr>
+            <a:spLocks noGrp="1"/>
+          </p:cNvSpPr>
+          <p:nvPr>
+            <p:ph type="title"/>
+          </p:nvPr>
+        </p:nvSpPr>
+        <p:spPr/>
+        <p:txBody>
+          <a:bodyPr/>
+          <a:lstStyle/>
+          <a:p>
+            <a:r>
+              <a:rPr lang="en-US" dirty="0" smtClean="0"/>
               <a:t>XML</a:t>
             </a:r>
             <a:endParaRPr lang="en-US" dirty="0"/>
@@ -8495,11 +9288,7 @@
             </a:r>
             <a:r>
               <a:rPr lang="en-US" dirty="0" smtClean="0"/>
-              <a:t>&gt;Some </a:t>
-            </a:r>
-            <a:r>
-              <a:rPr lang="en-US" dirty="0" smtClean="0"/>
-              <a:t>Data</a:t>
+              <a:t>&gt;Some Data</a:t>
             </a:r>
             <a:r>
               <a:rPr lang="en-US" dirty="0"/>
@@ -8532,7 +9321,15 @@
             <a:pPr lvl="1"/>
             <a:r>
               <a:rPr lang="en-US" dirty="0" smtClean="0"/>
-              <a:t>if using XML </a:t>
+              <a:t>if using </a:t>
+            </a:r>
+            <a:r>
+              <a:rPr lang="en-US" b="1" dirty="0" smtClean="0"/>
+              <a:t>XML</a:t>
+            </a:r>
+            <a:r>
+              <a:rPr lang="en-US" dirty="0" smtClean="0"/>
+              <a:t> </a:t>
             </a:r>
             <a:r>
               <a:rPr lang="en-US" b="1" dirty="0" smtClean="0"/>
@@ -8573,11 +9370,7 @@
             </a:r>
             <a:r>
               <a:rPr lang="en-US" sz="2400" dirty="0"/>
-              <a:t>Some Data</a:t>
-            </a:r>
-            <a:r>
-              <a:rPr lang="en-US" sz="2400" dirty="0"/>
-              <a:t>&lt;/</a:t>
+              <a:t>Some Data&lt;/</a:t>
             </a:r>
             <a:r>
               <a:rPr lang="en-US" sz="2400" dirty="0" err="1"/>
@@ -8587,7 +9380,6 @@
               <a:rPr lang="en-US" sz="2400" dirty="0"/>
               <a:t>&gt;</a:t>
             </a:r>
-            <a:endParaRPr lang="en-US" sz="2400" dirty="0"/>
           </a:p>
         </p:txBody>
       </p:sp>
@@ -8604,7 +9396,7 @@
 </p:sld>
 </file>
 
-<file path=ppt/slides/slide21.xml><?xml version="1.0" encoding="utf-8"?>
+<file path=ppt/slides/slide22.xml><?xml version="1.0" encoding="utf-8"?>
 <p:sld xmlns:a="http://schemas.openxmlformats.org/drawingml/2006/main" xmlns:r="http://schemas.openxmlformats.org/officeDocument/2006/relationships" xmlns:p="http://schemas.openxmlformats.org/presentationml/2006/main">
   <p:cSld>
     <p:spTree>
@@ -8863,7 +9655,6 @@
               <a:rPr lang="en-US" dirty="0" smtClean="0"/>
               <a:t>Single Person Object</a:t>
             </a:r>
-            <a:endParaRPr lang="en-US" dirty="0" smtClean="0"/>
           </a:p>
         </p:txBody>
       </p:sp>
@@ -8880,7 +9671,7 @@
 </p:sld>
 </file>
 
-<file path=ppt/slides/slide22.xml><?xml version="1.0" encoding="utf-8"?>
+<file path=ppt/slides/slide23.xml><?xml version="1.0" encoding="utf-8"?>
 <p:sld xmlns:a="http://schemas.openxmlformats.org/drawingml/2006/main" xmlns:r="http://schemas.openxmlformats.org/officeDocument/2006/relationships" xmlns:p="http://schemas.openxmlformats.org/presentationml/2006/main">
   <p:cSld>
     <p:spTree>
@@ -9101,7 +9892,6 @@
               <a:rPr lang="en-US" sz="3200" dirty="0" smtClean="0"/>
               <a:t>Objects</a:t>
             </a:r>
-            <a:endParaRPr lang="en-US" sz="3200" dirty="0" smtClean="0"/>
           </a:p>
         </p:txBody>
       </p:sp>
@@ -9172,7 +9962,7 @@
 </p:sld>
 </file>
 
-<file path=ppt/slides/slide23.xml><?xml version="1.0" encoding="utf-8"?>
+<file path=ppt/slides/slide24.xml><?xml version="1.0" encoding="utf-8"?>
 <p:sld xmlns:a="http://schemas.openxmlformats.org/drawingml/2006/main" xmlns:r="http://schemas.openxmlformats.org/officeDocument/2006/relationships" xmlns:p="http://schemas.openxmlformats.org/presentationml/2006/main">
   <p:cSld>
     <p:spTree>
@@ -9315,7 +10105,7 @@
 </p:sld>
 </file>
 
-<file path=ppt/slides/slide24.xml><?xml version="1.0" encoding="utf-8"?>
+<file path=ppt/slides/slide25.xml><?xml version="1.0" encoding="utf-8"?>
 <p:sld xmlns:a="http://schemas.openxmlformats.org/drawingml/2006/main" xmlns:r="http://schemas.openxmlformats.org/officeDocument/2006/relationships" xmlns:p="http://schemas.openxmlformats.org/presentationml/2006/main">
   <p:cSld>
     <p:spTree>
@@ -9534,7 +10324,7 @@
 </p:sld>
 </file>
 
-<file path=ppt/slides/slide25.xml><?xml version="1.0" encoding="utf-8"?>
+<file path=ppt/slides/slide26.xml><?xml version="1.0" encoding="utf-8"?>
 <p:sld xmlns:a="http://schemas.openxmlformats.org/drawingml/2006/main" xmlns:r="http://schemas.openxmlformats.org/officeDocument/2006/relationships" xmlns:p="http://schemas.openxmlformats.org/presentationml/2006/main">
   <p:cSld>
     <p:spTree>
@@ -9717,7 +10507,7 @@
 </p:sld>
 </file>
 
-<file path=ppt/slides/slide26.xml><?xml version="1.0" encoding="utf-8"?>
+<file path=ppt/slides/slide27.xml><?xml version="1.0" encoding="utf-8"?>
 <p:sld xmlns:a="http://schemas.openxmlformats.org/drawingml/2006/main" xmlns:r="http://schemas.openxmlformats.org/officeDocument/2006/relationships" xmlns:p="http://schemas.openxmlformats.org/presentationml/2006/main">
   <p:cSld>
     <p:spTree>
@@ -9997,7 +10787,7 @@
 </p:sld>
 </file>
 
-<file path=ppt/slides/slide27.xml><?xml version="1.0" encoding="utf-8"?>
+<file path=ppt/slides/slide28.xml><?xml version="1.0" encoding="utf-8"?>
 <p:sld xmlns:a="http://schemas.openxmlformats.org/drawingml/2006/main" xmlns:r="http://schemas.openxmlformats.org/officeDocument/2006/relationships" xmlns:p="http://schemas.openxmlformats.org/presentationml/2006/main">
   <p:cSld>
     <p:spTree>
@@ -10232,7 +11022,7 @@
           <a:p>
             <a:r>
               <a:rPr lang="en-US" dirty="0" smtClean="0"/>
-              <a:t>Working with Documents</a:t>
+              <a:t>Document Processing Technologies</a:t>
             </a:r>
           </a:p>
         </p:txBody>
@@ -10312,7 +11102,7 @@
           <a:graphicData uri="http://schemas.openxmlformats.org/presentationml/2006/ole">
             <mc:AlternateContent xmlns:mc="http://schemas.openxmlformats.org/markup-compatibility/2006">
               <mc:Choice xmlns:v="urn:schemas-microsoft-com:vml" Requires="v">
-                <p:oleObj spid="_x0000_s2068" name="Document" r:id="rId4" imgW="8224928" imgH="5027963" progId="Word.Document.8">
+                <p:oleObj spid="_x0000_s2079" name="Document" r:id="rId4" imgW="8224928" imgH="5027963" progId="Word.Document.8">
                   <p:embed/>
                 </p:oleObj>
               </mc:Choice>
@@ -10428,117 +11218,53 @@
         </p:spPr>
         <p:txBody>
           <a:bodyPr>
-            <a:normAutofit lnSpcReduction="10000"/>
+            <a:normAutofit/>
           </a:bodyPr>
           <a:lstStyle/>
           <a:p>
             <a:r>
-              <a:rPr lang="en-US" dirty="0"/>
-              <a:t>A database is an </a:t>
-            </a:r>
-            <a:r>
-              <a:rPr lang="en-US" b="1" dirty="0"/>
-              <a:t>organized</a:t>
-            </a:r>
-            <a:r>
-              <a:rPr lang="en-US" dirty="0"/>
-              <a:t> collection of </a:t>
-            </a:r>
-            <a:r>
-              <a:rPr lang="en-US" dirty="0" smtClean="0"/>
-              <a:t>data</a:t>
-            </a:r>
-          </a:p>
-          <a:p>
-            <a:r>
-              <a:rPr lang="en-US" dirty="0" smtClean="0"/>
-              <a:t>Many ways to organize data</a:t>
-            </a:r>
-          </a:p>
-          <a:p>
-            <a:pPr lvl="1"/>
-            <a:r>
-              <a:rPr lang="en-US" dirty="0" smtClean="0"/>
-              <a:t>Relational Technology</a:t>
-            </a:r>
-          </a:p>
-          <a:p>
-            <a:pPr lvl="2"/>
-            <a:r>
-              <a:rPr lang="en-US" dirty="0" smtClean="0"/>
-              <a:t>Based on Relational Theory (E.F. </a:t>
-            </a:r>
-            <a:r>
-              <a:rPr lang="en-US" dirty="0" err="1" smtClean="0"/>
-              <a:t>Codd</a:t>
-            </a:r>
-            <a:r>
-              <a:rPr lang="en-US" dirty="0" smtClean="0"/>
-              <a:t> 1970)</a:t>
-            </a:r>
-          </a:p>
-          <a:p>
-            <a:pPr lvl="2"/>
-            <a:r>
-              <a:rPr lang="en-US" dirty="0" smtClean="0"/>
-              <a:t>Oracle, MySQL, SQL Server, etc.</a:t>
-            </a:r>
-          </a:p>
-          <a:p>
-            <a:pPr lvl="1"/>
-            <a:r>
-              <a:rPr lang="en-US" dirty="0" smtClean="0"/>
-              <a:t>Non-Relation (NoSQL) Technologies</a:t>
-            </a:r>
-          </a:p>
-          <a:p>
-            <a:pPr lvl="2"/>
-            <a:r>
-              <a:rPr lang="en-US" dirty="0" smtClean="0"/>
-              <a:t>There are many types</a:t>
-            </a:r>
-          </a:p>
-          <a:p>
-            <a:pPr lvl="3"/>
-            <a:r>
-              <a:rPr lang="en-US" dirty="0" smtClean="0"/>
-              <a:t>Document Collections</a:t>
-            </a:r>
-            <a:endParaRPr lang="en-US" dirty="0" smtClean="0"/>
-          </a:p>
-          <a:p>
-            <a:pPr lvl="3"/>
-            <a:r>
-              <a:rPr lang="en-US" dirty="0" smtClean="0"/>
-              <a:t>Graph Nodes and Edges</a:t>
-            </a:r>
-            <a:endParaRPr lang="en-US" dirty="0" smtClean="0"/>
-          </a:p>
-          <a:p>
-            <a:pPr lvl="3"/>
-            <a:r>
-              <a:rPr lang="en-US" dirty="0" smtClean="0"/>
-              <a:t>Key-Value Pairs</a:t>
-            </a:r>
-          </a:p>
-          <a:p>
-            <a:pPr lvl="3"/>
-            <a:r>
-              <a:rPr lang="en-US" dirty="0" smtClean="0"/>
-              <a:t>Others…</a:t>
-            </a:r>
-          </a:p>
-          <a:p>
-            <a:pPr lvl="3"/>
-            <a:r>
-              <a:rPr lang="en-US" dirty="0"/>
-              <a:t>Combinations of various </a:t>
-            </a:r>
-            <a:r>
-              <a:rPr lang="en-US" dirty="0" smtClean="0"/>
-              <a:t>types in a single solution</a:t>
-            </a:r>
-            <a:endParaRPr lang="en-US" dirty="0"/>
+              <a:rPr lang="en-US" sz="6000" dirty="0" smtClean="0"/>
+              <a:t>NoSQL </a:t>
+            </a:r>
+            <a:r>
+              <a:rPr lang="en-US" sz="6000" b="1" dirty="0" smtClean="0"/>
+              <a:t>Definition</a:t>
+            </a:r>
+            <a:r>
+              <a:rPr lang="en-US" sz="6000" dirty="0" smtClean="0"/>
+              <a:t>:</a:t>
+            </a:r>
+          </a:p>
+          <a:p>
+            <a:pPr lvl="1">
+              <a:buFont typeface="Arial" panose="020B0604020202020204" pitchFamily="34" charset="0"/>
+              <a:buChar char="•"/>
+            </a:pPr>
+            <a:r>
+              <a:rPr lang="en-US" sz="4800" dirty="0" smtClean="0"/>
+              <a:t>Non SQL</a:t>
+            </a:r>
+          </a:p>
+          <a:p>
+            <a:pPr lvl="1">
+              <a:buFont typeface="Arial" panose="020B0604020202020204" pitchFamily="34" charset="0"/>
+              <a:buChar char="•"/>
+            </a:pPr>
+            <a:r>
+              <a:rPr lang="en-US" sz="4800" dirty="0" smtClean="0"/>
+              <a:t>Non-Relational</a:t>
+            </a:r>
+          </a:p>
+          <a:p>
+            <a:pPr lvl="1">
+              <a:buFont typeface="Arial" panose="020B0604020202020204" pitchFamily="34" charset="0"/>
+              <a:buChar char="•"/>
+            </a:pPr>
+            <a:r>
+              <a:rPr lang="en-US" sz="4800" dirty="0" smtClean="0"/>
+              <a:t>Not Only SQL</a:t>
+            </a:r>
+            <a:endParaRPr lang="en-US" sz="4800" dirty="0"/>
           </a:p>
         </p:txBody>
       </p:sp>
@@ -10556,6 +11282,189 @@
 </file>
 
 <file path=ppt/slides/slide6.xml><?xml version="1.0" encoding="utf-8"?>
+<p:sld xmlns:a="http://schemas.openxmlformats.org/drawingml/2006/main" xmlns:r="http://schemas.openxmlformats.org/officeDocument/2006/relationships" xmlns:p="http://schemas.openxmlformats.org/presentationml/2006/main">
+  <p:cSld>
+    <p:spTree>
+      <p:nvGrpSpPr>
+        <p:cNvPr id="1" name=""/>
+        <p:cNvGrpSpPr/>
+        <p:nvPr/>
+      </p:nvGrpSpPr>
+      <p:grpSpPr>
+        <a:xfrm>
+          <a:off x="0" y="0"/>
+          <a:ext cx="0" cy="0"/>
+          <a:chOff x="0" y="0"/>
+          <a:chExt cx="0" cy="0"/>
+        </a:xfrm>
+      </p:grpSpPr>
+      <p:sp>
+        <p:nvSpPr>
+          <p:cNvPr id="2" name="Title 1"/>
+          <p:cNvSpPr>
+            <a:spLocks noGrp="1"/>
+          </p:cNvSpPr>
+          <p:nvPr>
+            <p:ph type="title"/>
+          </p:nvPr>
+        </p:nvSpPr>
+        <p:spPr/>
+        <p:txBody>
+          <a:bodyPr/>
+          <a:lstStyle/>
+          <a:p>
+            <a:r>
+              <a:rPr lang="en-US" dirty="0" smtClean="0"/>
+              <a:t>What is NoSQL?</a:t>
+            </a:r>
+            <a:endParaRPr lang="en-US" dirty="0"/>
+          </a:p>
+        </p:txBody>
+      </p:sp>
+      <p:sp>
+        <p:nvSpPr>
+          <p:cNvPr id="3" name="Content Placeholder 2"/>
+          <p:cNvSpPr>
+            <a:spLocks noGrp="1"/>
+          </p:cNvSpPr>
+          <p:nvPr>
+            <p:ph idx="1"/>
+          </p:nvPr>
+        </p:nvSpPr>
+        <p:spPr>
+          <a:xfrm>
+            <a:off x="457200" y="1600200"/>
+            <a:ext cx="8229600" cy="5029200"/>
+          </a:xfrm>
+        </p:spPr>
+        <p:txBody>
+          <a:bodyPr>
+            <a:normAutofit lnSpcReduction="10000"/>
+          </a:bodyPr>
+          <a:lstStyle/>
+          <a:p>
+            <a:r>
+              <a:rPr lang="en-US" dirty="0"/>
+              <a:t>A database is an </a:t>
+            </a:r>
+            <a:r>
+              <a:rPr lang="en-US" b="1" dirty="0"/>
+              <a:t>organized</a:t>
+            </a:r>
+            <a:r>
+              <a:rPr lang="en-US" dirty="0"/>
+              <a:t> collection of </a:t>
+            </a:r>
+            <a:r>
+              <a:rPr lang="en-US" dirty="0" smtClean="0"/>
+              <a:t>data</a:t>
+            </a:r>
+          </a:p>
+          <a:p>
+            <a:r>
+              <a:rPr lang="en-US" dirty="0" smtClean="0"/>
+              <a:t>Many ways to organize data</a:t>
+            </a:r>
+          </a:p>
+          <a:p>
+            <a:pPr lvl="1"/>
+            <a:r>
+              <a:rPr lang="en-US" dirty="0" smtClean="0"/>
+              <a:t>Relational Technology</a:t>
+            </a:r>
+          </a:p>
+          <a:p>
+            <a:pPr lvl="2"/>
+            <a:r>
+              <a:rPr lang="en-US" dirty="0" smtClean="0"/>
+              <a:t>Based on Relational Theory (E.F. </a:t>
+            </a:r>
+            <a:r>
+              <a:rPr lang="en-US" dirty="0" err="1" smtClean="0"/>
+              <a:t>Codd</a:t>
+            </a:r>
+            <a:r>
+              <a:rPr lang="en-US" dirty="0" smtClean="0"/>
+              <a:t> 1970)</a:t>
+            </a:r>
+          </a:p>
+          <a:p>
+            <a:pPr lvl="2"/>
+            <a:r>
+              <a:rPr lang="en-US" dirty="0" smtClean="0"/>
+              <a:t>Oracle, MySQL, SQL Server, etc.</a:t>
+            </a:r>
+          </a:p>
+          <a:p>
+            <a:pPr lvl="1"/>
+            <a:r>
+              <a:rPr lang="en-US" dirty="0" smtClean="0"/>
+              <a:t>Non-Relation (NoSQL) Technologies</a:t>
+            </a:r>
+          </a:p>
+          <a:p>
+            <a:pPr lvl="2"/>
+            <a:r>
+              <a:rPr lang="en-US" dirty="0" smtClean="0"/>
+              <a:t>There are many types</a:t>
+            </a:r>
+          </a:p>
+          <a:p>
+            <a:pPr lvl="3"/>
+            <a:r>
+              <a:rPr lang="en-US" dirty="0" smtClean="0"/>
+              <a:t>Document Collections</a:t>
+            </a:r>
+          </a:p>
+          <a:p>
+            <a:pPr lvl="3"/>
+            <a:r>
+              <a:rPr lang="en-US" dirty="0" smtClean="0"/>
+              <a:t>Graph Nodes and Edges</a:t>
+            </a:r>
+          </a:p>
+          <a:p>
+            <a:pPr lvl="3"/>
+            <a:r>
+              <a:rPr lang="en-US" dirty="0" smtClean="0"/>
+              <a:t>Key-Value Pairs</a:t>
+            </a:r>
+          </a:p>
+          <a:p>
+            <a:pPr lvl="3"/>
+            <a:r>
+              <a:rPr lang="en-US" dirty="0" smtClean="0"/>
+              <a:t>Others…</a:t>
+            </a:r>
+          </a:p>
+          <a:p>
+            <a:pPr lvl="3"/>
+            <a:r>
+              <a:rPr lang="en-US" dirty="0"/>
+              <a:t>Combinations of various </a:t>
+            </a:r>
+            <a:r>
+              <a:rPr lang="en-US" dirty="0" smtClean="0"/>
+              <a:t>types in a single solution</a:t>
+            </a:r>
+            <a:endParaRPr lang="en-US" dirty="0"/>
+          </a:p>
+        </p:txBody>
+      </p:sp>
+    </p:spTree>
+    <p:extLst>
+      <p:ext uri="{BB962C8B-B14F-4D97-AF65-F5344CB8AC3E}">
+        <p14:creationId xmlns:p14="http://schemas.microsoft.com/office/powerpoint/2010/main" val="3630217136"/>
+      </p:ext>
+    </p:extLst>
+  </p:cSld>
+  <p:clrMapOvr>
+    <a:masterClrMapping/>
+  </p:clrMapOvr>
+</p:sld>
+</file>
+
+<file path=ppt/slides/slide7.xml><?xml version="1.0" encoding="utf-8"?>
 <p:sld xmlns:a="http://schemas.openxmlformats.org/drawingml/2006/main" xmlns:r="http://schemas.openxmlformats.org/officeDocument/2006/relationships" xmlns:p="http://schemas.openxmlformats.org/presentationml/2006/main">
   <p:cSld>
     <p:spTree>
@@ -10645,7 +11554,7 @@
 </p:sld>
 </file>
 
-<file path=ppt/slides/slide7.xml><?xml version="1.0" encoding="utf-8"?>
+<file path=ppt/slides/slide8.xml><?xml version="1.0" encoding="utf-8"?>
 <p:sld xmlns:a="http://schemas.openxmlformats.org/drawingml/2006/main" xmlns:r="http://schemas.openxmlformats.org/officeDocument/2006/relationships" xmlns:p="http://schemas.openxmlformats.org/presentationml/2006/main">
   <p:cSld>
     <p:spTree>
@@ -10769,7 +11678,7 @@
 </p:sld>
 </file>
 
-<file path=ppt/slides/slide8.xml><?xml version="1.0" encoding="utf-8"?>
+<file path=ppt/slides/slide9.xml><?xml version="1.0" encoding="utf-8"?>
 <p:sld xmlns:a="http://schemas.openxmlformats.org/drawingml/2006/main" xmlns:r="http://schemas.openxmlformats.org/officeDocument/2006/relationships" xmlns:p="http://schemas.openxmlformats.org/presentationml/2006/main">
   <p:cSld>
     <p:spTree>
@@ -10921,7 +11830,6 @@
               <a:rPr lang="en-US" sz="2800" dirty="0" smtClean="0"/>
               <a:t>May be Local, Remote, or on Cloud</a:t>
             </a:r>
-            <a:endParaRPr lang="en-US" sz="2800" dirty="0" smtClean="0"/>
           </a:p>
         </p:txBody>
       </p:sp>
@@ -10929,154 +11837,6 @@
     <p:extLst>
       <p:ext uri="{BB962C8B-B14F-4D97-AF65-F5344CB8AC3E}">
         <p14:creationId xmlns:p14="http://schemas.microsoft.com/office/powerpoint/2010/main" val="319868448"/>
-      </p:ext>
-    </p:extLst>
-  </p:cSld>
-  <p:clrMapOvr>
-    <a:masterClrMapping/>
-  </p:clrMapOvr>
-</p:sld>
-</file>
-
-<file path=ppt/slides/slide9.xml><?xml version="1.0" encoding="utf-8"?>
-<p:sld xmlns:a="http://schemas.openxmlformats.org/drawingml/2006/main" xmlns:r="http://schemas.openxmlformats.org/officeDocument/2006/relationships" xmlns:p="http://schemas.openxmlformats.org/presentationml/2006/main">
-  <p:cSld>
-    <p:spTree>
-      <p:nvGrpSpPr>
-        <p:cNvPr id="1" name=""/>
-        <p:cNvGrpSpPr/>
-        <p:nvPr/>
-      </p:nvGrpSpPr>
-      <p:grpSpPr>
-        <a:xfrm>
-          <a:off x="0" y="0"/>
-          <a:ext cx="0" cy="0"/>
-          <a:chOff x="0" y="0"/>
-          <a:chExt cx="0" cy="0"/>
-        </a:xfrm>
-      </p:grpSpPr>
-      <p:sp>
-        <p:nvSpPr>
-          <p:cNvPr id="2" name="Title 1"/>
-          <p:cNvSpPr>
-            <a:spLocks noGrp="1"/>
-          </p:cNvSpPr>
-          <p:nvPr>
-            <p:ph type="title"/>
-          </p:nvPr>
-        </p:nvSpPr>
-        <p:spPr/>
-        <p:txBody>
-          <a:bodyPr/>
-          <a:lstStyle/>
-          <a:p>
-            <a:r>
-              <a:rPr lang="en-US" dirty="0" smtClean="0"/>
-              <a:t>NoSQL DB Types</a:t>
-            </a:r>
-            <a:endParaRPr lang="en-US" dirty="0"/>
-          </a:p>
-        </p:txBody>
-      </p:sp>
-      <p:sp>
-        <p:nvSpPr>
-          <p:cNvPr id="3" name="Content Placeholder 2"/>
-          <p:cNvSpPr>
-            <a:spLocks noGrp="1"/>
-          </p:cNvSpPr>
-          <p:nvPr>
-            <p:ph idx="1"/>
-          </p:nvPr>
-        </p:nvSpPr>
-        <p:spPr>
-          <a:xfrm>
-            <a:off x="457200" y="1600200"/>
-            <a:ext cx="8229600" cy="4800600"/>
-          </a:xfrm>
-        </p:spPr>
-        <p:txBody>
-          <a:bodyPr>
-            <a:normAutofit/>
-          </a:bodyPr>
-          <a:lstStyle/>
-          <a:p>
-            <a:r>
-              <a:rPr lang="en-US" dirty="0" smtClean="0"/>
-              <a:t>Document:</a:t>
-            </a:r>
-          </a:p>
-          <a:p>
-            <a:pPr lvl="1"/>
-            <a:r>
-              <a:rPr lang="en-US" dirty="0" smtClean="0"/>
-              <a:t>Usually JSON or XML</a:t>
-            </a:r>
-          </a:p>
-          <a:p>
-            <a:pPr lvl="1"/>
-            <a:r>
-              <a:rPr lang="en-US" dirty="0" smtClean="0"/>
-              <a:t>Popular Technology/Platform:</a:t>
-            </a:r>
-          </a:p>
-          <a:p>
-            <a:pPr lvl="2"/>
-            <a:r>
-              <a:rPr lang="en-US" dirty="0" smtClean="0"/>
-              <a:t>MongoDB (</a:t>
-            </a:r>
-            <a:r>
-              <a:rPr lang="en-US" dirty="0" smtClean="0"/>
-              <a:t>BSON=Binary Form of JSON)</a:t>
-            </a:r>
-            <a:endParaRPr lang="en-US" dirty="0" smtClean="0"/>
-          </a:p>
-          <a:p>
-            <a:pPr lvl="2"/>
-            <a:r>
-              <a:rPr lang="en-US" dirty="0" err="1" smtClean="0"/>
-              <a:t>BaseX</a:t>
-            </a:r>
-            <a:r>
-              <a:rPr lang="en-US" dirty="0" smtClean="0"/>
-              <a:t> (XML)</a:t>
-            </a:r>
-          </a:p>
-          <a:p>
-            <a:r>
-              <a:rPr lang="en-US" dirty="0" smtClean="0"/>
-              <a:t>Graph:</a:t>
-            </a:r>
-          </a:p>
-          <a:p>
-            <a:pPr lvl="1"/>
-            <a:r>
-              <a:rPr lang="en-US" dirty="0"/>
-              <a:t>Popular Technology/Platform:</a:t>
-            </a:r>
-          </a:p>
-          <a:p>
-            <a:pPr lvl="2"/>
-            <a:r>
-              <a:rPr lang="en-US" dirty="0" smtClean="0"/>
-              <a:t>Neo4j (Cypher Query Language)</a:t>
-            </a:r>
-            <a:endParaRPr lang="en-US" dirty="0"/>
-          </a:p>
-          <a:p>
-            <a:pPr lvl="2"/>
-            <a:r>
-              <a:rPr lang="en-US" dirty="0" smtClean="0"/>
-              <a:t>OrientDB (SQL)</a:t>
-            </a:r>
-            <a:endParaRPr lang="en-US" dirty="0"/>
-          </a:p>
-        </p:txBody>
-      </p:sp>
-    </p:spTree>
-    <p:extLst>
-      <p:ext uri="{BB962C8B-B14F-4D97-AF65-F5344CB8AC3E}">
-        <p14:creationId xmlns:p14="http://schemas.microsoft.com/office/powerpoint/2010/main" val="4017543064"/>
       </p:ext>
     </p:extLst>
   </p:cSld>

--- a/NoSQL.pptx
+++ b/NoSQL.pptx
@@ -1,12 +1,15 @@
 
 <file path=ppt/presentation.xml><?xml version="1.0" encoding="utf-8"?>
-<p:presentation xmlns:a="http://schemas.openxmlformats.org/drawingml/2006/main" xmlns:r="http://schemas.openxmlformats.org/officeDocument/2006/relationships" xmlns:p="http://schemas.openxmlformats.org/presentationml/2006/main" saveSubsetFonts="1">
+<p:presentation xmlns:a="http://schemas.openxmlformats.org/drawingml/2006/main" xmlns:r="http://schemas.openxmlformats.org/officeDocument/2006/relationships" xmlns:p="http://schemas.openxmlformats.org/presentationml/2006/main" showSpecialPlsOnTitleSld="0" saveSubsetFonts="1">
   <p:sldMasterIdLst>
     <p:sldMasterId id="2147483648" r:id="rId1"/>
   </p:sldMasterIdLst>
   <p:notesMasterIdLst>
     <p:notesMasterId r:id="rId30"/>
   </p:notesMasterIdLst>
+  <p:handoutMasterIdLst>
+    <p:handoutMasterId r:id="rId31"/>
+  </p:handoutMasterIdLst>
   <p:sldIdLst>
     <p:sldId id="256" r:id="rId2"/>
     <p:sldId id="257" r:id="rId3"/>
@@ -137,6 +140,172 @@
 </p:presentation>
 </file>
 
+<file path=ppt/handoutMasters/handoutMaster1.xml><?xml version="1.0" encoding="utf-8"?>
+<p:handoutMaster xmlns:a="http://schemas.openxmlformats.org/drawingml/2006/main" xmlns:r="http://schemas.openxmlformats.org/officeDocument/2006/relationships" xmlns:p="http://schemas.openxmlformats.org/presentationml/2006/main">
+  <p:cSld>
+    <p:bg>
+      <p:bgRef idx="1001">
+        <a:schemeClr val="bg1"/>
+      </p:bgRef>
+    </p:bg>
+    <p:spTree>
+      <p:nvGrpSpPr>
+        <p:cNvPr id="1" name=""/>
+        <p:cNvGrpSpPr/>
+        <p:nvPr/>
+      </p:nvGrpSpPr>
+      <p:grpSpPr>
+        <a:xfrm>
+          <a:off x="0" y="0"/>
+          <a:ext cx="0" cy="0"/>
+          <a:chOff x="0" y="0"/>
+          <a:chExt cx="0" cy="0"/>
+        </a:xfrm>
+      </p:grpSpPr>
+      <p:sp>
+        <p:nvSpPr>
+          <p:cNvPr id="2" name="Header Placeholder 1"/>
+          <p:cNvSpPr>
+            <a:spLocks noGrp="1"/>
+          </p:cNvSpPr>
+          <p:nvPr>
+            <p:ph type="hdr" sz="quarter"/>
+          </p:nvPr>
+        </p:nvSpPr>
+        <p:spPr>
+          <a:xfrm>
+            <a:off x="0" y="0"/>
+            <a:ext cx="2971800" cy="457200"/>
+          </a:xfrm>
+          <a:prstGeom prst="rect">
+            <a:avLst/>
+          </a:prstGeom>
+        </p:spPr>
+        <p:txBody>
+          <a:bodyPr vert="horz" lIns="91440" tIns="45720" rIns="91440" bIns="45720" rtlCol="0"/>
+          <a:lstStyle>
+            <a:lvl1pPr algn="l">
+              <a:defRPr sz="1200"/>
+            </a:lvl1pPr>
+          </a:lstStyle>
+          <a:p>
+            <a:endParaRPr lang="en-US"/>
+          </a:p>
+        </p:txBody>
+      </p:sp>
+      <p:sp>
+        <p:nvSpPr>
+          <p:cNvPr id="3" name="Date Placeholder 2"/>
+          <p:cNvSpPr>
+            <a:spLocks noGrp="1"/>
+          </p:cNvSpPr>
+          <p:nvPr>
+            <p:ph type="dt" sz="quarter" idx="1"/>
+          </p:nvPr>
+        </p:nvSpPr>
+        <p:spPr>
+          <a:xfrm>
+            <a:off x="3884613" y="0"/>
+            <a:ext cx="2971800" cy="457200"/>
+          </a:xfrm>
+          <a:prstGeom prst="rect">
+            <a:avLst/>
+          </a:prstGeom>
+        </p:spPr>
+        <p:txBody>
+          <a:bodyPr vert="horz" lIns="91440" tIns="45720" rIns="91440" bIns="45720" rtlCol="0"/>
+          <a:lstStyle>
+            <a:lvl1pPr algn="r">
+              <a:defRPr sz="1200"/>
+            </a:lvl1pPr>
+          </a:lstStyle>
+          <a:p>
+            <a:fld id="{364794E0-3ADB-434C-BD24-51BED4F944D2}" type="datetimeFigureOut">
+              <a:rPr lang="en-US" smtClean="0"/>
+              <a:t>7/12/2017</a:t>
+            </a:fld>
+            <a:endParaRPr lang="en-US"/>
+          </a:p>
+        </p:txBody>
+      </p:sp>
+      <p:sp>
+        <p:nvSpPr>
+          <p:cNvPr id="4" name="Footer Placeholder 3"/>
+          <p:cNvSpPr>
+            <a:spLocks noGrp="1"/>
+          </p:cNvSpPr>
+          <p:nvPr>
+            <p:ph type="ftr" sz="quarter" idx="2"/>
+          </p:nvPr>
+        </p:nvSpPr>
+        <p:spPr>
+          <a:xfrm>
+            <a:off x="0" y="8685213"/>
+            <a:ext cx="2971800" cy="457200"/>
+          </a:xfrm>
+          <a:prstGeom prst="rect">
+            <a:avLst/>
+          </a:prstGeom>
+        </p:spPr>
+        <p:txBody>
+          <a:bodyPr vert="horz" lIns="91440" tIns="45720" rIns="91440" bIns="45720" rtlCol="0" anchor="b"/>
+          <a:lstStyle>
+            <a:lvl1pPr algn="l">
+              <a:defRPr sz="1200"/>
+            </a:lvl1pPr>
+          </a:lstStyle>
+          <a:p>
+            <a:endParaRPr lang="en-US"/>
+          </a:p>
+        </p:txBody>
+      </p:sp>
+      <p:sp>
+        <p:nvSpPr>
+          <p:cNvPr id="5" name="Slide Number Placeholder 4"/>
+          <p:cNvSpPr>
+            <a:spLocks noGrp="1"/>
+          </p:cNvSpPr>
+          <p:nvPr>
+            <p:ph type="sldNum" sz="quarter" idx="3"/>
+          </p:nvPr>
+        </p:nvSpPr>
+        <p:spPr>
+          <a:xfrm>
+            <a:off x="3884613" y="8685213"/>
+            <a:ext cx="2971800" cy="457200"/>
+          </a:xfrm>
+          <a:prstGeom prst="rect">
+            <a:avLst/>
+          </a:prstGeom>
+        </p:spPr>
+        <p:txBody>
+          <a:bodyPr vert="horz" lIns="91440" tIns="45720" rIns="91440" bIns="45720" rtlCol="0" anchor="b"/>
+          <a:lstStyle>
+            <a:lvl1pPr algn="r">
+              <a:defRPr sz="1200"/>
+            </a:lvl1pPr>
+          </a:lstStyle>
+          <a:p>
+            <a:fld id="{66719513-4E82-4ECE-AA92-60951E9516D4}" type="slidenum">
+              <a:rPr lang="en-US" smtClean="0"/>
+              <a:t>‹#›</a:t>
+            </a:fld>
+            <a:endParaRPr lang="en-US"/>
+          </a:p>
+        </p:txBody>
+      </p:sp>
+    </p:spTree>
+    <p:extLst>
+      <p:ext uri="{BB962C8B-B14F-4D97-AF65-F5344CB8AC3E}">
+        <p14:creationId xmlns:p14="http://schemas.microsoft.com/office/powerpoint/2010/main" val="1211612718"/>
+      </p:ext>
+    </p:extLst>
+  </p:cSld>
+  <p:clrMap bg1="lt1" tx1="dk1" bg2="lt2" tx2="dk2" accent1="accent1" accent2="accent2" accent3="accent3" accent4="accent4" accent5="accent5" accent6="accent6" hlink="hlink" folHlink="folHlink"/>
+  <p:hf hdr="0" ftr="0" dt="0"/>
+</p:handoutMaster>
+</file>
+
 <file path=ppt/notesMasters/notesMaster1.xml><?xml version="1.0" encoding="utf-8"?>
 <p:notesMaster xmlns:a="http://schemas.openxmlformats.org/drawingml/2006/main" xmlns:r="http://schemas.openxmlformats.org/officeDocument/2006/relationships" xmlns:p="http://schemas.openxmlformats.org/presentationml/2006/main">
   <p:cSld>
@@ -219,7 +388,7 @@
           <a:p>
             <a:fld id="{BC07F99F-492B-4F6C-818C-20B0196B4DA0}" type="datetimeFigureOut">
               <a:rPr lang="en-US" smtClean="0"/>
-              <a:t>7/10/2017</a:t>
+              <a:t>7/12/2017</a:t>
             </a:fld>
             <a:endParaRPr lang="en-US"/>
           </a:p>
@@ -392,6 +561,7 @@
     </p:extLst>
   </p:cSld>
   <p:clrMap bg1="lt1" tx1="dk1" bg2="lt2" tx2="dk2" accent1="accent1" accent2="accent2" accent3="accent3" accent4="accent4" accent5="accent5" accent6="accent6" hlink="hlink" folHlink="folHlink"/>
+  <p:hf hdr="0" ftr="0" dt="0"/>
   <p:notesStyle>
     <a:lvl1pPr marL="0" algn="l" defTabSz="914400" rtl="0" eaLnBrk="1" latinLnBrk="0" hangingPunct="1">
       <a:defRPr sz="1200" kern="1200">
@@ -531,7 +701,7 @@
           <a:bodyPr/>
           <a:lstStyle/>
           <a:p>
-            <a:endParaRPr lang="en-US" dirty="0"/>
+            <a:endParaRPr lang="en-US"/>
           </a:p>
         </p:txBody>
       </p:sp>
@@ -552,7 +722,7 @@
           <a:p>
             <a:fld id="{715A84DC-FEF2-4269-A86F-D7F63D4115C8}" type="slidenum">
               <a:rPr lang="en-US" smtClean="0"/>
-              <a:t>2</a:t>
+              <a:t>1</a:t>
             </a:fld>
             <a:endParaRPr lang="en-US"/>
           </a:p>
@@ -561,7 +731,7 @@
     </p:spTree>
     <p:extLst>
       <p:ext uri="{BB962C8B-B14F-4D97-AF65-F5344CB8AC3E}">
-        <p14:creationId xmlns:p14="http://schemas.microsoft.com/office/powerpoint/2010/main" val="1522104289"/>
+        <p14:creationId xmlns:p14="http://schemas.microsoft.com/office/powerpoint/2010/main" val="3490179448"/>
       </p:ext>
     </p:extLst>
   </p:cSld>
@@ -617,7 +787,53 @@
           <a:p>
             <a:r>
               <a:rPr lang="en-US" dirty="0" smtClean="0"/>
-              <a:t>We will go over each of these in the following slides…</a:t>
+              <a:t>OrientDB has a nicer UI than neo4j</a:t>
+            </a:r>
+          </a:p>
+          <a:p>
+            <a:r>
+              <a:rPr lang="en-US" dirty="0" smtClean="0"/>
+              <a:t>https://db-engines.com/en/ranking/document+store</a:t>
+            </a:r>
+          </a:p>
+          <a:p>
+            <a:r>
+              <a:rPr lang="en-US" sz="1200" b="0" i="0" u="none" strike="noStrike" kern="1200" dirty="0" smtClean="0">
+                <a:solidFill>
+                  <a:schemeClr val="tx1"/>
+                </a:solidFill>
+                <a:effectLst/>
+                <a:latin typeface="+mn-lt"/>
+                <a:ea typeface="+mn-ea"/>
+                <a:cs typeface="+mn-cs"/>
+              </a:rPr>
+              <a:t>BSON is a binary representation of JSON documents</a:t>
+            </a:r>
+          </a:p>
+          <a:p>
+            <a:r>
+              <a:rPr lang="en-US" sz="1200" b="0" i="0" u="none" strike="noStrike" kern="1200" dirty="0" smtClean="0">
+                <a:solidFill>
+                  <a:schemeClr val="tx1"/>
+                </a:solidFill>
+                <a:effectLst/>
+                <a:latin typeface="+mn-lt"/>
+                <a:ea typeface="+mn-ea"/>
+                <a:cs typeface="+mn-cs"/>
+              </a:rPr>
+              <a:t>http://bsonspec.org provides more data types:</a:t>
+            </a:r>
+          </a:p>
+          <a:p>
+            <a:r>
+              <a:rPr lang="en-US" dirty="0" smtClean="0"/>
+              <a:t>https://docs.mongodb.com/manual/reference/bson-types/</a:t>
+            </a:r>
+          </a:p>
+          <a:p>
+            <a:r>
+              <a:rPr lang="en-US" dirty="0" smtClean="0"/>
+              <a:t>https://db-engines.com/en/ranking/graph+dbms</a:t>
             </a:r>
             <a:endParaRPr lang="en-US" dirty="0"/>
           </a:p>
@@ -640,7 +856,7 @@
           <a:p>
             <a:fld id="{715A84DC-FEF2-4269-A86F-D7F63D4115C8}" type="slidenum">
               <a:rPr lang="en-US" smtClean="0"/>
-              <a:t>11</a:t>
+              <a:t>10</a:t>
             </a:fld>
             <a:endParaRPr lang="en-US"/>
           </a:p>
@@ -703,48 +919,9 @@
           <a:bodyPr/>
           <a:lstStyle/>
           <a:p>
-            <a:pPr marL="0" marR="0" lvl="1" indent="0" algn="l" defTabSz="914400" rtl="0" eaLnBrk="1" fontAlgn="auto" latinLnBrk="0" hangingPunct="1">
-              <a:lnSpc>
-                <a:spcPct val="100000"/>
-              </a:lnSpc>
-              <a:spcBef>
-                <a:spcPts val="0"/>
-              </a:spcBef>
-              <a:spcAft>
-                <a:spcPts val="0"/>
-              </a:spcAft>
-              <a:buClrTx/>
-              <a:buSzTx/>
-              <a:buFontTx/>
-              <a:buNone/>
-              <a:tabLst/>
-              <a:defRPr/>
-            </a:pPr>
-            <a:r>
-              <a:rPr lang="en-US" dirty="0" smtClean="0"/>
-              <a:t>If you need to compare one document to another, then you need some structure. Otherwise, you may not need document structure.</a:t>
-            </a:r>
-          </a:p>
-          <a:p>
-            <a:r>
-              <a:rPr lang="en-US" dirty="0" smtClean="0"/>
-              <a:t>I believe more often than not, you would want some kind of document structure.</a:t>
-            </a:r>
-          </a:p>
-          <a:p>
-            <a:r>
-              <a:rPr lang="en-US" dirty="0" smtClean="0"/>
-              <a:t>OrientDB offers "Classes"</a:t>
-            </a:r>
-          </a:p>
-          <a:p>
-            <a:r>
-              <a:rPr lang="en-US" dirty="0" smtClean="0"/>
-              <a:t>MongoDB</a:t>
-            </a:r>
-            <a:r>
-              <a:rPr lang="en-US" baseline="0" dirty="0" smtClean="0"/>
-              <a:t> offers "Schemas"</a:t>
+            <a:r>
+              <a:rPr lang="en-US" dirty="0" smtClean="0"/>
+              <a:t>We will go over each of these in the following slides…</a:t>
             </a:r>
             <a:endParaRPr lang="en-US" dirty="0"/>
           </a:p>
@@ -767,7 +944,7 @@
           <a:p>
             <a:fld id="{715A84DC-FEF2-4269-A86F-D7F63D4115C8}" type="slidenum">
               <a:rPr lang="en-US" smtClean="0"/>
-              <a:t>12</a:t>
+              <a:t>11</a:t>
             </a:fld>
             <a:endParaRPr lang="en-US"/>
           </a:p>
@@ -830,27 +1007,52 @@
           <a:bodyPr/>
           <a:lstStyle/>
           <a:p>
-            <a:r>
-              <a:rPr lang="en-US" dirty="0" smtClean="0"/>
-              <a:t>Let's talk about JSON Structure</a:t>
-            </a:r>
-          </a:p>
-          <a:p>
-            <a:r>
-              <a:rPr lang="en-US" dirty="0" smtClean="0"/>
-              <a:t>Only String Data Type Value requires Double Quotes</a:t>
-            </a:r>
-          </a:p>
-          <a:p>
-            <a:r>
-              <a:rPr lang="en-US" dirty="0" smtClean="0"/>
-              <a:t>Date or Time Data Types are NOT supported</a:t>
-            </a:r>
-          </a:p>
-          <a:p>
-            <a:r>
-              <a:rPr lang="en-US" dirty="0" smtClean="0"/>
-              <a:t>Everything is Case Sensitive! True &lt;&gt; true</a:t>
+            <a:pPr marL="0" marR="0" lvl="1" indent="0" algn="l" defTabSz="914400" rtl="0" eaLnBrk="1" fontAlgn="auto" latinLnBrk="0" hangingPunct="1">
+              <a:lnSpc>
+                <a:spcPct val="100000"/>
+              </a:lnSpc>
+              <a:spcBef>
+                <a:spcPts val="0"/>
+              </a:spcBef>
+              <a:spcAft>
+                <a:spcPts val="0"/>
+              </a:spcAft>
+              <a:buClrTx/>
+              <a:buSzTx/>
+              <a:buFontTx/>
+              <a:buNone/>
+              <a:tabLst/>
+              <a:defRPr/>
+            </a:pPr>
+            <a:r>
+              <a:rPr lang="en-US" dirty="0" smtClean="0"/>
+              <a:t>If you need to compare one document to another, then you need some structure. Otherwise, you may not need document structure.</a:t>
+            </a:r>
+          </a:p>
+          <a:p>
+            <a:r>
+              <a:rPr lang="en-US" dirty="0" smtClean="0"/>
+              <a:t>I believe more often than not, you would want some kind of document structure.</a:t>
+            </a:r>
+          </a:p>
+          <a:p>
+            <a:r>
+              <a:rPr lang="en-US" dirty="0" smtClean="0"/>
+              <a:t>OrientDB offers "Classes"</a:t>
+            </a:r>
+          </a:p>
+          <a:p>
+            <a:r>
+              <a:rPr lang="en-US" dirty="0" smtClean="0"/>
+              <a:t>MongoDB</a:t>
+            </a:r>
+            <a:r>
+              <a:rPr lang="en-US" baseline="0" dirty="0" smtClean="0"/>
+              <a:t> offers "</a:t>
+            </a:r>
+            <a:r>
+              <a:rPr lang="en-US" baseline="0" smtClean="0"/>
+              <a:t>Schema Validation Rules"</a:t>
             </a:r>
             <a:endParaRPr lang="en-US" dirty="0"/>
           </a:p>
@@ -873,7 +1075,7 @@
           <a:p>
             <a:fld id="{715A84DC-FEF2-4269-A86F-D7F63D4115C8}" type="slidenum">
               <a:rPr lang="en-US" smtClean="0"/>
-              <a:t>13</a:t>
+              <a:t>12</a:t>
             </a:fld>
             <a:endParaRPr lang="en-US"/>
           </a:p>
@@ -938,11 +1140,25 @@
           <a:p>
             <a:r>
               <a:rPr lang="en-US" dirty="0" smtClean="0"/>
-              <a:t>Data Nesting is Supported, and get highly</a:t>
-            </a:r>
-            <a:r>
-              <a:rPr lang="en-US" baseline="0" dirty="0" smtClean="0"/>
-              <a:t> complex.</a:t>
+              <a:t>Let's talk about JSON Structure</a:t>
+            </a:r>
+          </a:p>
+          <a:p>
+            <a:r>
+              <a:rPr lang="en-US" dirty="0" smtClean="0"/>
+              <a:t>Only String Data Type Value requires Double Quotes</a:t>
+            </a:r>
+          </a:p>
+          <a:p>
+            <a:r>
+              <a:rPr lang="en-US" dirty="0" smtClean="0"/>
+              <a:t>Date or Time Data Types are NOT supported</a:t>
+            </a:r>
+          </a:p>
+          <a:p>
+            <a:r>
+              <a:rPr lang="en-US" dirty="0" smtClean="0"/>
+              <a:t>Everything is Case Sensitive! True &lt;&gt; true</a:t>
             </a:r>
             <a:endParaRPr lang="en-US" dirty="0"/>
           </a:p>
@@ -965,7 +1181,7 @@
           <a:p>
             <a:fld id="{715A84DC-FEF2-4269-A86F-D7F63D4115C8}" type="slidenum">
               <a:rPr lang="en-US" smtClean="0"/>
-              <a:t>14</a:t>
+              <a:t>13</a:t>
             </a:fld>
             <a:endParaRPr lang="en-US"/>
           </a:p>
@@ -1030,25 +1246,11 @@
           <a:p>
             <a:r>
               <a:rPr lang="en-US" dirty="0" smtClean="0"/>
-              <a:t>Simple Person Object</a:t>
+              <a:t>Data Nesting is Supported, and get highly</a:t>
             </a:r>
             <a:r>
               <a:rPr lang="en-US" baseline="0" dirty="0" smtClean="0"/>
-              <a:t> </a:t>
-            </a:r>
-            <a:r>
-              <a:rPr lang="en-US" dirty="0" smtClean="0"/>
-              <a:t>Example</a:t>
-            </a:r>
-          </a:p>
-          <a:p>
-            <a:r>
-              <a:rPr lang="en-US" dirty="0" smtClean="0"/>
-              <a:t>Watch the Quotes and Case</a:t>
-            </a:r>
-            <a:r>
-              <a:rPr lang="en-US" baseline="0" dirty="0" smtClean="0"/>
-              <a:t> Sensitivity!</a:t>
+              <a:t> complex.</a:t>
             </a:r>
             <a:endParaRPr lang="en-US" dirty="0"/>
           </a:p>
@@ -1071,7 +1273,7 @@
           <a:p>
             <a:fld id="{715A84DC-FEF2-4269-A86F-D7F63D4115C8}" type="slidenum">
               <a:rPr lang="en-US" smtClean="0"/>
-              <a:t>15</a:t>
+              <a:t>14</a:t>
             </a:fld>
             <a:endParaRPr lang="en-US"/>
           </a:p>
@@ -1136,11 +1338,29 @@
           <a:p>
             <a:r>
               <a:rPr lang="en-US" dirty="0" smtClean="0"/>
-              <a:t>Array</a:t>
+              <a:t>Simple Person Object</a:t>
             </a:r>
             <a:r>
               <a:rPr lang="en-US" baseline="0" dirty="0" smtClean="0"/>
-              <a:t> of Strings &amp; Array of Objects</a:t>
+              <a:t> </a:t>
+            </a:r>
+            <a:r>
+              <a:rPr lang="en-US" dirty="0" smtClean="0"/>
+              <a:t>Example</a:t>
+            </a:r>
+          </a:p>
+          <a:p>
+            <a:r>
+              <a:rPr lang="en-US" dirty="0" smtClean="0"/>
+              <a:t>Watch the Quotes and Case</a:t>
+            </a:r>
+            <a:r>
+              <a:rPr lang="en-US" baseline="0" dirty="0" smtClean="0"/>
+              <a:t> Sensitivity</a:t>
+            </a:r>
+            <a:r>
+              <a:rPr lang="en-US" baseline="0" dirty="0" smtClean="0"/>
+              <a:t>! true &lt;&gt; True</a:t>
             </a:r>
             <a:endParaRPr lang="en-US" dirty="0"/>
           </a:p>
@@ -1163,7 +1383,7 @@
           <a:p>
             <a:fld id="{715A84DC-FEF2-4269-A86F-D7F63D4115C8}" type="slidenum">
               <a:rPr lang="en-US" smtClean="0"/>
-              <a:t>16</a:t>
+              <a:t>15</a:t>
             </a:fld>
             <a:endParaRPr lang="en-US"/>
           </a:p>
@@ -1228,23 +1448,11 @@
           <a:p>
             <a:r>
               <a:rPr lang="en-US" dirty="0" smtClean="0"/>
-              <a:t>http://json-schema.org/examples.html</a:t>
-            </a:r>
-          </a:p>
-          <a:p>
-            <a:r>
-              <a:rPr lang="en-US" dirty="0" smtClean="0"/>
-              <a:t>A Developing Standard, not widely used yet.</a:t>
-            </a:r>
-          </a:p>
-          <a:p>
-            <a:r>
-              <a:rPr lang="en-US" dirty="0" smtClean="0"/>
-              <a:t>JSON Fields</a:t>
+              <a:t>Array</a:t>
             </a:r>
             <a:r>
               <a:rPr lang="en-US" baseline="0" dirty="0" smtClean="0"/>
-              <a:t> start within the "properties" key:</a:t>
+              <a:t> of Strings &amp; Array of Objects</a:t>
             </a:r>
             <a:endParaRPr lang="en-US" dirty="0"/>
           </a:p>
@@ -1267,7 +1475,7 @@
           <a:p>
             <a:fld id="{715A84DC-FEF2-4269-A86F-D7F63D4115C8}" type="slidenum">
               <a:rPr lang="en-US" smtClean="0"/>
-              <a:t>17</a:t>
+              <a:t>16</a:t>
             </a:fld>
             <a:endParaRPr lang="en-US"/>
           </a:p>
@@ -1331,61 +1539,24 @@
           <a:lstStyle/>
           <a:p>
             <a:r>
-              <a:rPr lang="en-US" dirty="0" err="1" smtClean="0"/>
-              <a:t>xPath</a:t>
+              <a:rPr lang="en-US" dirty="0" smtClean="0"/>
+              <a:t>http://json-schema.org/examples.html</a:t>
+            </a:r>
+          </a:p>
+          <a:p>
+            <a:r>
+              <a:rPr lang="en-US" dirty="0" smtClean="0"/>
+              <a:t>A Developing Standard, not widely used yet.</a:t>
+            </a:r>
+          </a:p>
+          <a:p>
+            <a:r>
+              <a:rPr lang="en-US" dirty="0" smtClean="0"/>
+              <a:t>JSON Fields</a:t>
             </a:r>
             <a:r>
               <a:rPr lang="en-US" baseline="0" dirty="0" smtClean="0"/>
-              <a:t> for</a:t>
-            </a:r>
-            <a:r>
-              <a:rPr lang="en-US" dirty="0" smtClean="0"/>
-              <a:t> JSON is called </a:t>
-            </a:r>
-            <a:r>
-              <a:rPr lang="en-US" dirty="0" err="1" smtClean="0"/>
-              <a:t>JsonPath</a:t>
-            </a:r>
-            <a:endParaRPr lang="en-US" dirty="0" smtClean="0"/>
-          </a:p>
-          <a:p>
-            <a:r>
-              <a:rPr lang="en-US" dirty="0" smtClean="0"/>
-              <a:t>http://goessner.net/articles/JsonPath</a:t>
-            </a:r>
-          </a:p>
-          <a:p>
-            <a:endParaRPr lang="en-US" dirty="0" smtClean="0"/>
-          </a:p>
-          <a:p>
-            <a:r>
-              <a:rPr lang="en-US" dirty="0" smtClean="0"/>
-              <a:t>-- online examples:</a:t>
-            </a:r>
-          </a:p>
-          <a:p>
-            <a:r>
-              <a:rPr lang="en-US" dirty="0" smtClean="0"/>
-              <a:t>http://jsonpath.com</a:t>
-            </a:r>
-          </a:p>
-          <a:p>
-            <a:endParaRPr lang="en-US" dirty="0" smtClean="0"/>
-          </a:p>
-          <a:p>
-            <a:r>
-              <a:rPr lang="en-US" dirty="0" smtClean="0"/>
-              <a:t>A Developing Standard, not widely used yet.</a:t>
-            </a:r>
-          </a:p>
-          <a:p>
-            <a:r>
-              <a:rPr lang="en-US" dirty="0" smtClean="0"/>
-              <a:t>Returns</a:t>
-            </a:r>
-            <a:r>
-              <a:rPr lang="en-US" baseline="0" dirty="0" smtClean="0"/>
-              <a:t> "Nigel Rees" here</a:t>
+              <a:t> start within the "properties" key:</a:t>
             </a:r>
             <a:endParaRPr lang="en-US" dirty="0"/>
           </a:p>
@@ -1408,7 +1579,7 @@
           <a:p>
             <a:fld id="{715A84DC-FEF2-4269-A86F-D7F63D4115C8}" type="slidenum">
               <a:rPr lang="en-US" smtClean="0"/>
-              <a:t>18</a:t>
+              <a:t>17</a:t>
             </a:fld>
             <a:endParaRPr lang="en-US"/>
           </a:p>
@@ -1472,8 +1643,16 @@
           <a:lstStyle/>
           <a:p>
             <a:r>
-              <a:rPr lang="en-US" dirty="0" smtClean="0"/>
-              <a:t>JSONiq leverages </a:t>
+              <a:rPr lang="en-US" dirty="0" err="1" smtClean="0"/>
+              <a:t>xPath</a:t>
+            </a:r>
+            <a:r>
+              <a:rPr lang="en-US" baseline="0" dirty="0" smtClean="0"/>
+              <a:t> for</a:t>
+            </a:r>
+            <a:r>
+              <a:rPr lang="en-US" dirty="0" smtClean="0"/>
+              <a:t> JSON is called </a:t>
             </a:r>
             <a:r>
               <a:rPr lang="en-US" dirty="0" err="1" smtClean="0"/>
@@ -1493,8 +1672,33 @@
           <a:p>
             <a:r>
               <a:rPr lang="en-US" dirty="0" smtClean="0"/>
+              <a:t>-- online examples:</a:t>
+            </a:r>
+          </a:p>
+          <a:p>
+            <a:r>
+              <a:rPr lang="en-US" dirty="0" smtClean="0"/>
+              <a:t>http://jsonpath.com</a:t>
+            </a:r>
+          </a:p>
+          <a:p>
+            <a:endParaRPr lang="en-US" dirty="0" smtClean="0"/>
+          </a:p>
+          <a:p>
+            <a:r>
+              <a:rPr lang="en-US" dirty="0" smtClean="0"/>
               <a:t>A Developing Standard, not widely used yet.</a:t>
             </a:r>
+          </a:p>
+          <a:p>
+            <a:r>
+              <a:rPr lang="en-US" dirty="0" smtClean="0"/>
+              <a:t>Returns</a:t>
+            </a:r>
+            <a:r>
+              <a:rPr lang="en-US" baseline="0" dirty="0" smtClean="0"/>
+              <a:t> "Nigel Rees" here</a:t>
+            </a:r>
             <a:endParaRPr lang="en-US" dirty="0"/>
           </a:p>
         </p:txBody>
@@ -1516,7 +1720,7 @@
           <a:p>
             <a:fld id="{715A84DC-FEF2-4269-A86F-D7F63D4115C8}" type="slidenum">
               <a:rPr lang="en-US" smtClean="0"/>
-              <a:t>19</a:t>
+              <a:t>18</a:t>
             </a:fld>
             <a:endParaRPr lang="en-US"/>
           </a:p>
@@ -1581,25 +1785,27 @@
           <a:p>
             <a:r>
               <a:rPr lang="en-US" dirty="0" smtClean="0"/>
-              <a:t>XML</a:t>
-            </a:r>
-            <a:r>
-              <a:rPr lang="en-US" baseline="0" dirty="0" smtClean="0"/>
-              <a:t> also supports XML Attributes &lt;node </a:t>
-            </a:r>
-            <a:r>
-              <a:rPr lang="en-US" baseline="0" dirty="0" err="1" smtClean="0"/>
-              <a:t>xmlAttribute</a:t>
-            </a:r>
-            <a:r>
-              <a:rPr lang="en-US" baseline="0" dirty="0" smtClean="0"/>
-              <a:t>="comment"&gt;Some Data&lt;/node&gt;</a:t>
-            </a:r>
-          </a:p>
-          <a:p>
-            <a:r>
-              <a:rPr lang="en-US" baseline="0" dirty="0" smtClean="0"/>
-              <a:t>XML is overall more mature than JSON</a:t>
+              <a:t>JSONiq leverages </a:t>
+            </a:r>
+            <a:r>
+              <a:rPr lang="en-US" dirty="0" err="1" smtClean="0"/>
+              <a:t>JsonPath</a:t>
+            </a:r>
+            <a:endParaRPr lang="en-US" dirty="0" smtClean="0"/>
+          </a:p>
+          <a:p>
+            <a:r>
+              <a:rPr lang="en-US" dirty="0" smtClean="0"/>
+              <a:t>http://goessner.net/articles/JsonPath</a:t>
+            </a:r>
+          </a:p>
+          <a:p>
+            <a:endParaRPr lang="en-US" dirty="0" smtClean="0"/>
+          </a:p>
+          <a:p>
+            <a:r>
+              <a:rPr lang="en-US" dirty="0" smtClean="0"/>
+              <a:t>A Developing Standard, not widely used yet.</a:t>
             </a:r>
             <a:endParaRPr lang="en-US" dirty="0"/>
           </a:p>
@@ -1622,7 +1828,7 @@
           <a:p>
             <a:fld id="{715A84DC-FEF2-4269-A86F-D7F63D4115C8}" type="slidenum">
               <a:rPr lang="en-US" smtClean="0"/>
-              <a:t>20</a:t>
+              <a:t>19</a:t>
             </a:fld>
             <a:endParaRPr lang="en-US"/>
           </a:p>
@@ -1685,32 +1891,7 @@
           <a:bodyPr/>
           <a:lstStyle/>
           <a:p>
-            <a:pPr marL="0" marR="0" indent="0" algn="l" defTabSz="914400" rtl="0" eaLnBrk="1" fontAlgn="auto" latinLnBrk="0" hangingPunct="1">
-              <a:lnSpc>
-                <a:spcPct val="100000"/>
-              </a:lnSpc>
-              <a:spcBef>
-                <a:spcPts val="0"/>
-              </a:spcBef>
-              <a:spcAft>
-                <a:spcPts val="0"/>
-              </a:spcAft>
-              <a:buClrTx/>
-              <a:buSzTx/>
-              <a:buFontTx/>
-              <a:buNone/>
-              <a:tabLst/>
-              <a:defRPr/>
-            </a:pPr>
-            <a:r>
-              <a:rPr lang="en-US" dirty="0" smtClean="0"/>
-              <a:t>Document Technologies</a:t>
-            </a:r>
-            <a:r>
-              <a:rPr lang="en-US" baseline="0" dirty="0" smtClean="0"/>
-              <a:t> = Tools available to process/validate documents</a:t>
-            </a:r>
-            <a:endParaRPr lang="en-US" dirty="0" smtClean="0"/>
+            <a:endParaRPr lang="en-US" dirty="0"/>
           </a:p>
         </p:txBody>
       </p:sp>
@@ -1731,7 +1912,7 @@
           <a:p>
             <a:fld id="{715A84DC-FEF2-4269-A86F-D7F63D4115C8}" type="slidenum">
               <a:rPr lang="en-US" smtClean="0"/>
-              <a:t>3</a:t>
+              <a:t>2</a:t>
             </a:fld>
             <a:endParaRPr lang="en-US"/>
           </a:p>
@@ -1740,7 +1921,7 @@
     </p:spTree>
     <p:extLst>
       <p:ext uri="{BB962C8B-B14F-4D97-AF65-F5344CB8AC3E}">
-        <p14:creationId xmlns:p14="http://schemas.microsoft.com/office/powerpoint/2010/main" val="771336668"/>
+        <p14:creationId xmlns:p14="http://schemas.microsoft.com/office/powerpoint/2010/main" val="1522104289"/>
       </p:ext>
     </p:extLst>
   </p:cSld>
@@ -1796,13 +1977,25 @@
           <a:p>
             <a:r>
               <a:rPr lang="en-US" dirty="0" smtClean="0"/>
-              <a:t>https://www.w3schools.com/xml/</a:t>
-            </a:r>
-          </a:p>
-          <a:p>
-            <a:r>
-              <a:rPr lang="en-US" dirty="0" smtClean="0"/>
-              <a:t>Attribute Data is best used as Metadata about the Element Data</a:t>
+              <a:t>XML</a:t>
+            </a:r>
+            <a:r>
+              <a:rPr lang="en-US" baseline="0" dirty="0" smtClean="0"/>
+              <a:t> also supports XML Attributes &lt;node </a:t>
+            </a:r>
+            <a:r>
+              <a:rPr lang="en-US" baseline="0" dirty="0" err="1" smtClean="0"/>
+              <a:t>xmlAttribute</a:t>
+            </a:r>
+            <a:r>
+              <a:rPr lang="en-US" baseline="0" dirty="0" smtClean="0"/>
+              <a:t>="comment"&gt;Some Data&lt;/node&gt;</a:t>
+            </a:r>
+          </a:p>
+          <a:p>
+            <a:r>
+              <a:rPr lang="en-US" baseline="0" dirty="0" smtClean="0"/>
+              <a:t>XML is overall more mature than JSON</a:t>
             </a:r>
             <a:endParaRPr lang="en-US" dirty="0"/>
           </a:p>
@@ -1825,7 +2018,7 @@
           <a:p>
             <a:fld id="{715A84DC-FEF2-4269-A86F-D7F63D4115C8}" type="slidenum">
               <a:rPr lang="en-US" smtClean="0"/>
-              <a:t>21</a:t>
+              <a:t>20</a:t>
             </a:fld>
             <a:endParaRPr lang="en-US"/>
           </a:p>
@@ -1834,7 +2027,7 @@
     </p:spTree>
     <p:extLst>
       <p:ext uri="{BB962C8B-B14F-4D97-AF65-F5344CB8AC3E}">
-        <p14:creationId xmlns:p14="http://schemas.microsoft.com/office/powerpoint/2010/main" val="1694362293"/>
+        <p14:creationId xmlns:p14="http://schemas.microsoft.com/office/powerpoint/2010/main" val="1874009049"/>
       </p:ext>
     </p:extLst>
   </p:cSld>
@@ -1890,12 +2083,6 @@
           <a:p>
             <a:r>
               <a:rPr lang="en-US" dirty="0" smtClean="0"/>
-              <a:t>Single Entity &lt;person&gt; Example</a:t>
-            </a:r>
-          </a:p>
-          <a:p>
-            <a:r>
-              <a:rPr lang="en-US" dirty="0" smtClean="0"/>
               <a:t>https://www.w3schools.com/xml/</a:t>
             </a:r>
           </a:p>
@@ -1904,16 +2091,6 @@
               <a:rPr lang="en-US" dirty="0" smtClean="0"/>
               <a:t>Attribute Data is best used as Metadata about the Element Data</a:t>
             </a:r>
-          </a:p>
-          <a:p>
-            <a:r>
-              <a:rPr lang="en-US" dirty="0" smtClean="0"/>
-              <a:t>In this case, I would have used gender</a:t>
-            </a:r>
-            <a:r>
-              <a:rPr lang="en-US" baseline="0" dirty="0" smtClean="0"/>
-              <a:t> as another node, rather than an Attribute.</a:t>
-            </a:r>
             <a:endParaRPr lang="en-US" dirty="0"/>
           </a:p>
         </p:txBody>
@@ -1935,7 +2112,7 @@
           <a:p>
             <a:fld id="{715A84DC-FEF2-4269-A86F-D7F63D4115C8}" type="slidenum">
               <a:rPr lang="en-US" smtClean="0"/>
-              <a:t>22</a:t>
+              <a:t>21</a:t>
             </a:fld>
             <a:endParaRPr lang="en-US"/>
           </a:p>
@@ -1998,26 +2175,9 @@
           <a:bodyPr/>
           <a:lstStyle/>
           <a:p>
-            <a:pPr marL="0" marR="0" indent="0" algn="l" defTabSz="914400" rtl="0" eaLnBrk="1" fontAlgn="auto" latinLnBrk="0" hangingPunct="1">
-              <a:lnSpc>
-                <a:spcPct val="100000"/>
-              </a:lnSpc>
-              <a:spcBef>
-                <a:spcPts val="0"/>
-              </a:spcBef>
-              <a:spcAft>
-                <a:spcPts val="0"/>
-              </a:spcAft>
-              <a:buClrTx/>
-              <a:buSzTx/>
-              <a:buFontTx/>
-              <a:buNone/>
-              <a:tabLst/>
-              <a:defRPr/>
-            </a:pPr>
-            <a:r>
-              <a:rPr lang="en-US" dirty="0" smtClean="0"/>
-              <a:t>Multiple Entity &lt;note&gt; Example</a:t>
+            <a:r>
+              <a:rPr lang="en-US" dirty="0" smtClean="0"/>
+              <a:t>Single Entity &lt;person&gt; Example</a:t>
             </a:r>
           </a:p>
           <a:p>
@@ -2031,6 +2191,16 @@
               <a:rPr lang="en-US" dirty="0" smtClean="0"/>
               <a:t>Attribute Data is best used as Metadata about the Element Data</a:t>
             </a:r>
+          </a:p>
+          <a:p>
+            <a:r>
+              <a:rPr lang="en-US" dirty="0" smtClean="0"/>
+              <a:t>In this case, I would have used gender</a:t>
+            </a:r>
+            <a:r>
+              <a:rPr lang="en-US" baseline="0" dirty="0" smtClean="0"/>
+              <a:t> as another node, rather than an Attribute.</a:t>
+            </a:r>
             <a:endParaRPr lang="en-US" dirty="0"/>
           </a:p>
         </p:txBody>
@@ -2052,7 +2222,7 @@
           <a:p>
             <a:fld id="{715A84DC-FEF2-4269-A86F-D7F63D4115C8}" type="slidenum">
               <a:rPr lang="en-US" smtClean="0"/>
-              <a:t>23</a:t>
+              <a:t>22</a:t>
             </a:fld>
             <a:endParaRPr lang="en-US"/>
           </a:p>
@@ -2115,30 +2285,38 @@
           <a:bodyPr/>
           <a:lstStyle/>
           <a:p>
-            <a:r>
-              <a:rPr lang="en-US" dirty="0" smtClean="0"/>
-              <a:t>Defines Valid</a:t>
-            </a:r>
-            <a:r>
-              <a:rPr lang="en-US" baseline="0" dirty="0" smtClean="0"/>
-              <a:t> Structure of the XML Document</a:t>
-            </a:r>
-            <a:endParaRPr lang="en-US" dirty="0" smtClean="0"/>
-          </a:p>
-          <a:p>
-            <a:r>
-              <a:rPr lang="en-US" dirty="0" smtClean="0"/>
-              <a:t>https://www.w3schools.com/xml/schema_intro.asp</a:t>
-            </a:r>
-          </a:p>
-          <a:p>
-            <a:r>
-              <a:rPr lang="en-US" dirty="0" smtClean="0"/>
-              <a:t>You can use Java or online tools to validate xml</a:t>
-            </a:r>
-            <a:r>
-              <a:rPr lang="en-US" baseline="0" dirty="0" smtClean="0"/>
-              <a:t> with xml schema.</a:t>
+            <a:pPr marL="0" marR="0" indent="0" algn="l" defTabSz="914400" rtl="0" eaLnBrk="1" fontAlgn="auto" latinLnBrk="0" hangingPunct="1">
+              <a:lnSpc>
+                <a:spcPct val="100000"/>
+              </a:lnSpc>
+              <a:spcBef>
+                <a:spcPts val="0"/>
+              </a:spcBef>
+              <a:spcAft>
+                <a:spcPts val="0"/>
+              </a:spcAft>
+              <a:buClrTx/>
+              <a:buSzTx/>
+              <a:buFontTx/>
+              <a:buNone/>
+              <a:tabLst/>
+              <a:defRPr/>
+            </a:pPr>
+            <a:r>
+              <a:rPr lang="en-US" dirty="0" smtClean="0"/>
+              <a:t>Multiple Entity &lt;note&gt; Example</a:t>
+            </a:r>
+          </a:p>
+          <a:p>
+            <a:r>
+              <a:rPr lang="en-US" dirty="0" smtClean="0"/>
+              <a:t>https://www.w3schools.com/xml/</a:t>
+            </a:r>
+          </a:p>
+          <a:p>
+            <a:r>
+              <a:rPr lang="en-US" dirty="0" smtClean="0"/>
+              <a:t>Attribute Data is best used as Metadata about the Element Data</a:t>
             </a:r>
             <a:endParaRPr lang="en-US" dirty="0"/>
           </a:p>
@@ -2161,7 +2339,7 @@
           <a:p>
             <a:fld id="{715A84DC-FEF2-4269-A86F-D7F63D4115C8}" type="slidenum">
               <a:rPr lang="en-US" smtClean="0"/>
-              <a:t>24</a:t>
+              <a:t>23</a:t>
             </a:fld>
             <a:endParaRPr lang="en-US"/>
           </a:p>
@@ -2170,7 +2348,7 @@
     </p:spTree>
     <p:extLst>
       <p:ext uri="{BB962C8B-B14F-4D97-AF65-F5344CB8AC3E}">
-        <p14:creationId xmlns:p14="http://schemas.microsoft.com/office/powerpoint/2010/main" val="4057972422"/>
+        <p14:creationId xmlns:p14="http://schemas.microsoft.com/office/powerpoint/2010/main" val="1694362293"/>
       </p:ext>
     </p:extLst>
   </p:cSld>
@@ -2226,87 +2404,28 @@
           <a:p>
             <a:r>
               <a:rPr lang="en-US" dirty="0" smtClean="0"/>
-              <a:t>https://www.w3schools.com/xml/xpath_intro.asp</a:t>
-            </a:r>
-          </a:p>
-          <a:p>
-            <a:r>
-              <a:rPr lang="en-US" dirty="0" smtClean="0"/>
-              <a:t>Returns </a:t>
-            </a:r>
-            <a:r>
-              <a:rPr lang="en-US" sz="1200" b="0" i="0" kern="1200" dirty="0" smtClean="0">
-                <a:solidFill>
-                  <a:schemeClr val="tx1"/>
-                </a:solidFill>
-                <a:effectLst/>
-                <a:latin typeface="+mn-lt"/>
-                <a:ea typeface="+mn-ea"/>
-                <a:cs typeface="+mn-cs"/>
-              </a:rPr>
-              <a:t>&lt;title </a:t>
-            </a:r>
-            <a:r>
-              <a:rPr lang="en-US" sz="1200" b="0" i="0" kern="1200" dirty="0" err="1" smtClean="0">
-                <a:solidFill>
-                  <a:schemeClr val="tx1"/>
-                </a:solidFill>
-                <a:effectLst/>
-                <a:latin typeface="+mn-lt"/>
-                <a:ea typeface="+mn-ea"/>
-                <a:cs typeface="+mn-cs"/>
-              </a:rPr>
-              <a:t>lang</a:t>
-            </a:r>
-            <a:r>
-              <a:rPr lang="en-US" sz="1200" b="0" i="0" kern="1200" dirty="0" smtClean="0">
-                <a:solidFill>
-                  <a:schemeClr val="tx1"/>
-                </a:solidFill>
-                <a:effectLst/>
-                <a:latin typeface="+mn-lt"/>
-                <a:ea typeface="+mn-ea"/>
-                <a:cs typeface="+mn-cs"/>
-              </a:rPr>
-              <a:t>="</a:t>
-            </a:r>
-            <a:r>
-              <a:rPr lang="en-US" sz="1200" b="0" i="0" kern="1200" dirty="0" err="1" smtClean="0">
-                <a:solidFill>
-                  <a:schemeClr val="tx1"/>
-                </a:solidFill>
-                <a:effectLst/>
-                <a:latin typeface="+mn-lt"/>
-                <a:ea typeface="+mn-ea"/>
-                <a:cs typeface="+mn-cs"/>
-              </a:rPr>
-              <a:t>en</a:t>
-            </a:r>
-            <a:r>
-              <a:rPr lang="en-US" sz="1200" b="0" i="0" kern="1200" dirty="0" smtClean="0">
-                <a:solidFill>
-                  <a:schemeClr val="tx1"/>
-                </a:solidFill>
-                <a:effectLst/>
-                <a:latin typeface="+mn-lt"/>
-                <a:ea typeface="+mn-ea"/>
-                <a:cs typeface="+mn-cs"/>
-              </a:rPr>
-              <a:t>"&gt;XQuery Kick Start&lt;/title&gt;</a:t>
-            </a:r>
-          </a:p>
-          <a:p>
-            <a:r>
-              <a:rPr lang="en-US" sz="1200" b="0" i="0" kern="1200" dirty="0" smtClean="0">
-                <a:solidFill>
-                  <a:schemeClr val="tx1"/>
-                </a:solidFill>
-                <a:effectLst/>
-                <a:latin typeface="+mn-lt"/>
-                <a:ea typeface="+mn-ea"/>
-                <a:cs typeface="+mn-cs"/>
-              </a:rPr>
-              <a:t>[price&gt;35] is referred to as the Predicate.</a:t>
+              <a:t>Defines Valid</a:t>
+            </a:r>
+            <a:r>
+              <a:rPr lang="en-US" baseline="0" dirty="0" smtClean="0"/>
+              <a:t> Structure of the XML Document</a:t>
+            </a:r>
+            <a:endParaRPr lang="en-US" dirty="0" smtClean="0"/>
+          </a:p>
+          <a:p>
+            <a:r>
+              <a:rPr lang="en-US" dirty="0" smtClean="0"/>
+              <a:t>https://www.w3schools.com/xml/schema_intro.asp</a:t>
+            </a:r>
+          </a:p>
+          <a:p>
+            <a:r>
+              <a:rPr lang="en-US" dirty="0" smtClean="0"/>
+              <a:t>You can use Java or online tools to validate xml</a:t>
+            </a:r>
+            <a:r>
+              <a:rPr lang="en-US" baseline="0" dirty="0" smtClean="0"/>
+              <a:t> with xml schema.</a:t>
             </a:r>
             <a:endParaRPr lang="en-US" dirty="0"/>
           </a:p>
@@ -2329,7 +2448,7 @@
           <a:p>
             <a:fld id="{715A84DC-FEF2-4269-A86F-D7F63D4115C8}" type="slidenum">
               <a:rPr lang="en-US" smtClean="0"/>
-              <a:t>25</a:t>
+              <a:t>24</a:t>
             </a:fld>
             <a:endParaRPr lang="en-US"/>
           </a:p>
@@ -2338,7 +2457,7 @@
     </p:spTree>
     <p:extLst>
       <p:ext uri="{BB962C8B-B14F-4D97-AF65-F5344CB8AC3E}">
-        <p14:creationId xmlns:p14="http://schemas.microsoft.com/office/powerpoint/2010/main" val="3395605695"/>
+        <p14:creationId xmlns:p14="http://schemas.microsoft.com/office/powerpoint/2010/main" val="4057972422"/>
       </p:ext>
     </p:extLst>
   </p:cSld>
@@ -2394,6 +2513,174 @@
           <a:p>
             <a:r>
               <a:rPr lang="en-US" dirty="0" smtClean="0"/>
+              <a:t>https://www.w3schools.com/xml/xpath_intro.asp</a:t>
+            </a:r>
+          </a:p>
+          <a:p>
+            <a:r>
+              <a:rPr lang="en-US" dirty="0" smtClean="0"/>
+              <a:t>Returns </a:t>
+            </a:r>
+            <a:r>
+              <a:rPr lang="en-US" sz="1200" b="0" i="0" kern="1200" dirty="0" smtClean="0">
+                <a:solidFill>
+                  <a:schemeClr val="tx1"/>
+                </a:solidFill>
+                <a:effectLst/>
+                <a:latin typeface="+mn-lt"/>
+                <a:ea typeface="+mn-ea"/>
+                <a:cs typeface="+mn-cs"/>
+              </a:rPr>
+              <a:t>&lt;title </a:t>
+            </a:r>
+            <a:r>
+              <a:rPr lang="en-US" sz="1200" b="0" i="0" kern="1200" dirty="0" err="1" smtClean="0">
+                <a:solidFill>
+                  <a:schemeClr val="tx1"/>
+                </a:solidFill>
+                <a:effectLst/>
+                <a:latin typeface="+mn-lt"/>
+                <a:ea typeface="+mn-ea"/>
+                <a:cs typeface="+mn-cs"/>
+              </a:rPr>
+              <a:t>lang</a:t>
+            </a:r>
+            <a:r>
+              <a:rPr lang="en-US" sz="1200" b="0" i="0" kern="1200" dirty="0" smtClean="0">
+                <a:solidFill>
+                  <a:schemeClr val="tx1"/>
+                </a:solidFill>
+                <a:effectLst/>
+                <a:latin typeface="+mn-lt"/>
+                <a:ea typeface="+mn-ea"/>
+                <a:cs typeface="+mn-cs"/>
+              </a:rPr>
+              <a:t>="</a:t>
+            </a:r>
+            <a:r>
+              <a:rPr lang="en-US" sz="1200" b="0" i="0" kern="1200" dirty="0" err="1" smtClean="0">
+                <a:solidFill>
+                  <a:schemeClr val="tx1"/>
+                </a:solidFill>
+                <a:effectLst/>
+                <a:latin typeface="+mn-lt"/>
+                <a:ea typeface="+mn-ea"/>
+                <a:cs typeface="+mn-cs"/>
+              </a:rPr>
+              <a:t>en</a:t>
+            </a:r>
+            <a:r>
+              <a:rPr lang="en-US" sz="1200" b="0" i="0" kern="1200" dirty="0" smtClean="0">
+                <a:solidFill>
+                  <a:schemeClr val="tx1"/>
+                </a:solidFill>
+                <a:effectLst/>
+                <a:latin typeface="+mn-lt"/>
+                <a:ea typeface="+mn-ea"/>
+                <a:cs typeface="+mn-cs"/>
+              </a:rPr>
+              <a:t>"&gt;XQuery Kick Start&lt;/title&gt;</a:t>
+            </a:r>
+          </a:p>
+          <a:p>
+            <a:r>
+              <a:rPr lang="en-US" sz="1200" b="0" i="0" kern="1200" dirty="0" smtClean="0">
+                <a:solidFill>
+                  <a:schemeClr val="tx1"/>
+                </a:solidFill>
+                <a:effectLst/>
+                <a:latin typeface="+mn-lt"/>
+                <a:ea typeface="+mn-ea"/>
+                <a:cs typeface="+mn-cs"/>
+              </a:rPr>
+              <a:t>[price&gt;35] is referred to as the Predicate.</a:t>
+            </a:r>
+            <a:endParaRPr lang="en-US" dirty="0"/>
+          </a:p>
+        </p:txBody>
+      </p:sp>
+      <p:sp>
+        <p:nvSpPr>
+          <p:cNvPr id="4" name="Slide Number Placeholder 3"/>
+          <p:cNvSpPr>
+            <a:spLocks noGrp="1"/>
+          </p:cNvSpPr>
+          <p:nvPr>
+            <p:ph type="sldNum" sz="quarter" idx="10"/>
+          </p:nvPr>
+        </p:nvSpPr>
+        <p:spPr/>
+        <p:txBody>
+          <a:bodyPr/>
+          <a:lstStyle/>
+          <a:p>
+            <a:fld id="{715A84DC-FEF2-4269-A86F-D7F63D4115C8}" type="slidenum">
+              <a:rPr lang="en-US" smtClean="0"/>
+              <a:t>25</a:t>
+            </a:fld>
+            <a:endParaRPr lang="en-US"/>
+          </a:p>
+        </p:txBody>
+      </p:sp>
+    </p:spTree>
+    <p:extLst>
+      <p:ext uri="{BB962C8B-B14F-4D97-AF65-F5344CB8AC3E}">
+        <p14:creationId xmlns:p14="http://schemas.microsoft.com/office/powerpoint/2010/main" val="3395605695"/>
+      </p:ext>
+    </p:extLst>
+  </p:cSld>
+  <p:clrMapOvr>
+    <a:masterClrMapping/>
+  </p:clrMapOvr>
+</p:notes>
+</file>
+
+<file path=ppt/notesSlides/notesSlide26.xml><?xml version="1.0" encoding="utf-8"?>
+<p:notes xmlns:a="http://schemas.openxmlformats.org/drawingml/2006/main" xmlns:r="http://schemas.openxmlformats.org/officeDocument/2006/relationships" xmlns:p="http://schemas.openxmlformats.org/presentationml/2006/main">
+  <p:cSld>
+    <p:spTree>
+      <p:nvGrpSpPr>
+        <p:cNvPr id="1" name=""/>
+        <p:cNvGrpSpPr/>
+        <p:nvPr/>
+      </p:nvGrpSpPr>
+      <p:grpSpPr>
+        <a:xfrm>
+          <a:off x="0" y="0"/>
+          <a:ext cx="0" cy="0"/>
+          <a:chOff x="0" y="0"/>
+          <a:chExt cx="0" cy="0"/>
+        </a:xfrm>
+      </p:grpSpPr>
+      <p:sp>
+        <p:nvSpPr>
+          <p:cNvPr id="2" name="Slide Image Placeholder 1"/>
+          <p:cNvSpPr>
+            <a:spLocks noGrp="1" noRot="1" noChangeAspect="1"/>
+          </p:cNvSpPr>
+          <p:nvPr>
+            <p:ph type="sldImg"/>
+          </p:nvPr>
+        </p:nvSpPr>
+        <p:spPr/>
+      </p:sp>
+      <p:sp>
+        <p:nvSpPr>
+          <p:cNvPr id="3" name="Notes Placeholder 2"/>
+          <p:cNvSpPr>
+            <a:spLocks noGrp="1"/>
+          </p:cNvSpPr>
+          <p:nvPr>
+            <p:ph type="body" idx="1"/>
+          </p:nvPr>
+        </p:nvSpPr>
+        <p:spPr/>
+        <p:txBody>
+          <a:bodyPr/>
+          <a:lstStyle/>
+          <a:p>
+            <a:r>
+              <a:rPr lang="en-US" dirty="0" smtClean="0"/>
               <a:t>https://www.w3.org/XML/Query/</a:t>
             </a:r>
           </a:p>
@@ -2441,7 +2728,7 @@
 </p:notes>
 </file>
 
-<file path=ppt/notesSlides/notesSlide26.xml><?xml version="1.0" encoding="utf-8"?>
+<file path=ppt/notesSlides/notesSlide27.xml><?xml version="1.0" encoding="utf-8"?>
 <p:notes xmlns:a="http://schemas.openxmlformats.org/drawingml/2006/main" xmlns:r="http://schemas.openxmlformats.org/officeDocument/2006/relationships" xmlns:p="http://schemas.openxmlformats.org/presentationml/2006/main">
   <p:cSld>
     <p:spTree>
@@ -2581,11 +2868,32 @@
           <a:bodyPr/>
           <a:lstStyle/>
           <a:p>
-            <a:r>
-              <a:rPr lang="en-US" dirty="0" smtClean="0"/>
-              <a:t>Now in 2010s, People are still primarily using Relational Technologies!</a:t>
-            </a:r>
-            <a:endParaRPr lang="en-US" dirty="0"/>
+            <a:pPr marL="0" marR="0" indent="0" algn="l" defTabSz="914400" rtl="0" eaLnBrk="1" fontAlgn="auto" latinLnBrk="0" hangingPunct="1">
+              <a:lnSpc>
+                <a:spcPct val="100000"/>
+              </a:lnSpc>
+              <a:spcBef>
+                <a:spcPts val="0"/>
+              </a:spcBef>
+              <a:spcAft>
+                <a:spcPts val="0"/>
+              </a:spcAft>
+              <a:buClrTx/>
+              <a:buSzTx/>
+              <a:buFontTx/>
+              <a:buNone/>
+              <a:tabLst/>
+              <a:defRPr/>
+            </a:pPr>
+            <a:r>
+              <a:rPr lang="en-US" dirty="0" smtClean="0"/>
+              <a:t>Document Technologies</a:t>
+            </a:r>
+            <a:r>
+              <a:rPr lang="en-US" baseline="0" dirty="0" smtClean="0"/>
+              <a:t> = Tools available to process/validate documents</a:t>
+            </a:r>
+            <a:endParaRPr lang="en-US" dirty="0" smtClean="0"/>
           </a:p>
         </p:txBody>
       </p:sp>
@@ -2606,7 +2914,7 @@
           <a:p>
             <a:fld id="{715A84DC-FEF2-4269-A86F-D7F63D4115C8}" type="slidenum">
               <a:rPr lang="en-US" smtClean="0"/>
-              <a:t>4</a:t>
+              <a:t>3</a:t>
             </a:fld>
             <a:endParaRPr lang="en-US"/>
           </a:p>
@@ -2615,7 +2923,7 @@
     </p:spTree>
     <p:extLst>
       <p:ext uri="{BB962C8B-B14F-4D97-AF65-F5344CB8AC3E}">
-        <p14:creationId xmlns:p14="http://schemas.microsoft.com/office/powerpoint/2010/main" val="3630661752"/>
+        <p14:creationId xmlns:p14="http://schemas.microsoft.com/office/powerpoint/2010/main" val="771336668"/>
       </p:ext>
     </p:extLst>
   </p:cSld>
@@ -2671,17 +2979,13 @@
           <a:p>
             <a:r>
               <a:rPr lang="en-US" dirty="0" smtClean="0"/>
-              <a:t>Many NoSQL solutions do</a:t>
-            </a:r>
-            <a:r>
-              <a:rPr lang="en-US" baseline="0" dirty="0" smtClean="0"/>
-              <a:t> offer SQL!</a:t>
-            </a:r>
-          </a:p>
-          <a:p>
-            <a:r>
-              <a:rPr lang="en-US" baseline="0" dirty="0" smtClean="0"/>
-              <a:t>I think "Non-Relational" is most accurate.</a:t>
+              <a:t>Now in 2010s, People are still primarily using Relational Technologies!</a:t>
+            </a:r>
+          </a:p>
+          <a:p>
+            <a:r>
+              <a:rPr lang="en-US" dirty="0" smtClean="0"/>
+              <a:t>How many of you are using NoSQL Solutions?</a:t>
             </a:r>
             <a:endParaRPr lang="en-US" dirty="0"/>
           </a:p>
@@ -2704,7 +3008,7 @@
           <a:p>
             <a:fld id="{715A84DC-FEF2-4269-A86F-D7F63D4115C8}" type="slidenum">
               <a:rPr lang="en-US" smtClean="0"/>
-              <a:t>5</a:t>
+              <a:t>4</a:t>
             </a:fld>
             <a:endParaRPr lang="en-US"/>
           </a:p>
@@ -2713,7 +3017,7 @@
     </p:spTree>
     <p:extLst>
       <p:ext uri="{BB962C8B-B14F-4D97-AF65-F5344CB8AC3E}">
-        <p14:creationId xmlns:p14="http://schemas.microsoft.com/office/powerpoint/2010/main" val="3910238719"/>
+        <p14:creationId xmlns:p14="http://schemas.microsoft.com/office/powerpoint/2010/main" val="3630661752"/>
       </p:ext>
     </p:extLst>
   </p:cSld>
@@ -2769,32 +3073,24 @@
           <a:p>
             <a:r>
               <a:rPr lang="en-US" dirty="0" smtClean="0"/>
-              <a:t>E.F. </a:t>
-            </a:r>
-            <a:r>
-              <a:rPr lang="en-US" dirty="0" err="1" smtClean="0"/>
-              <a:t>Codd</a:t>
-            </a:r>
-            <a:r>
-              <a:rPr lang="en-US" dirty="0" smtClean="0"/>
-              <a:t> wrote the paper while working for IBM, but Oracle used it 8 years later.</a:t>
-            </a:r>
-          </a:p>
-          <a:p>
-            <a:r>
-              <a:rPr lang="en-US" dirty="0" smtClean="0"/>
-              <a:t>We will mainly focus on Document and Graph DB, since they are more widely used.</a:t>
-            </a:r>
-          </a:p>
-          <a:p>
-            <a:r>
-              <a:rPr lang="en-US" dirty="0" smtClean="0"/>
               <a:t>Many NoSQL solutions do</a:t>
             </a:r>
             <a:r>
               <a:rPr lang="en-US" baseline="0" dirty="0" smtClean="0"/>
               <a:t> offer SQL!</a:t>
             </a:r>
+          </a:p>
+          <a:p>
+            <a:r>
+              <a:rPr lang="en-US" baseline="0" dirty="0" smtClean="0"/>
+              <a:t>I think "Non-Relational" is most accurate.</a:t>
+            </a:r>
+          </a:p>
+          <a:p>
+            <a:r>
+              <a:rPr lang="en-US" baseline="0" dirty="0" smtClean="0"/>
+              <a:t>Any Others?</a:t>
+            </a:r>
             <a:endParaRPr lang="en-US" dirty="0"/>
           </a:p>
         </p:txBody>
@@ -2816,7 +3112,7 @@
           <a:p>
             <a:fld id="{715A84DC-FEF2-4269-A86F-D7F63D4115C8}" type="slidenum">
               <a:rPr lang="en-US" smtClean="0"/>
-              <a:t>6</a:t>
+              <a:t>5</a:t>
             </a:fld>
             <a:endParaRPr lang="en-US"/>
           </a:p>
@@ -2881,27 +3177,31 @@
           <a:p>
             <a:r>
               <a:rPr lang="en-US" dirty="0" smtClean="0"/>
-              <a:t>Read</a:t>
+              <a:t>E.F. </a:t>
+            </a:r>
+            <a:r>
+              <a:rPr lang="en-US" dirty="0" err="1" smtClean="0"/>
+              <a:t>Codd</a:t>
+            </a:r>
+            <a:r>
+              <a:rPr lang="en-US" dirty="0" smtClean="0"/>
+              <a:t> wrote the paper while working for IBM, but Oracle used it 8 years later.</a:t>
+            </a:r>
+          </a:p>
+          <a:p>
+            <a:r>
+              <a:rPr lang="en-US" dirty="0" smtClean="0"/>
+              <a:t>We will mainly focus on Document and Graph DB, since they are more widely used.</a:t>
+            </a:r>
+          </a:p>
+          <a:p>
+            <a:r>
+              <a:rPr lang="en-US" dirty="0" smtClean="0"/>
+              <a:t>Many NoSQL solutions do</a:t>
             </a:r>
             <a:r>
               <a:rPr lang="en-US" baseline="0" dirty="0" smtClean="0"/>
-              <a:t> the Summery Text...</a:t>
-            </a:r>
-          </a:p>
-          <a:p>
-            <a:r>
-              <a:rPr lang="en-US" dirty="0" smtClean="0"/>
-              <a:t>OrientDB</a:t>
-            </a:r>
-            <a:r>
-              <a:rPr lang="en-US" baseline="0" dirty="0" smtClean="0"/>
-              <a:t> attempts to do all of these in one product!</a:t>
-            </a:r>
-          </a:p>
-          <a:p>
-            <a:r>
-              <a:rPr lang="en-US" baseline="0" dirty="0" smtClean="0"/>
-              <a:t>I think these will eventually merge into one product.</a:t>
+              <a:t> offer SQL!</a:t>
             </a:r>
             <a:endParaRPr lang="en-US" dirty="0"/>
           </a:p>
@@ -2924,7 +3224,7 @@
           <a:p>
             <a:fld id="{715A84DC-FEF2-4269-A86F-D7F63D4115C8}" type="slidenum">
               <a:rPr lang="en-US" smtClean="0"/>
-              <a:t>7</a:t>
+              <a:t>6</a:t>
             </a:fld>
             <a:endParaRPr lang="en-US"/>
           </a:p>
@@ -2989,164 +3289,35 @@
           <a:p>
             <a:r>
               <a:rPr lang="en-US" dirty="0" smtClean="0"/>
-              <a:t>The slide</a:t>
+              <a:t>Read</a:t>
             </a:r>
             <a:r>
               <a:rPr lang="en-US" baseline="0" dirty="0" smtClean="0"/>
-              <a:t> covers the reasons for using NoSQL! Any other use cases?</a:t>
-            </a:r>
-            <a:endParaRPr lang="en-US" dirty="0" smtClean="0"/>
-          </a:p>
-          <a:p>
-            <a:r>
-              <a:rPr lang="en-US" dirty="0" smtClean="0"/>
-              <a:t>https://www.mongodb.com/nosql-explained</a:t>
-            </a:r>
-          </a:p>
-          <a:p>
-            <a:pPr marL="171450" marR="0" indent="-171450" algn="l" defTabSz="914400" rtl="0" eaLnBrk="1" fontAlgn="auto" latinLnBrk="0" hangingPunct="1">
-              <a:lnSpc>
-                <a:spcPct val="100000"/>
-              </a:lnSpc>
-              <a:spcBef>
-                <a:spcPts val="0"/>
-              </a:spcBef>
-              <a:spcAft>
-                <a:spcPts val="0"/>
-              </a:spcAft>
-              <a:buClrTx/>
-              <a:buSzTx/>
-              <a:buFont typeface="Arial" panose="020B0604020202020204" pitchFamily="34" charset="0"/>
-              <a:buChar char="•"/>
-              <a:tabLst/>
-              <a:defRPr/>
-            </a:pPr>
-            <a:r>
-              <a:rPr lang="en-US" sz="1200" b="0" i="0" kern="1200" dirty="0" smtClean="0">
-                <a:solidFill>
-                  <a:schemeClr val="tx1"/>
-                </a:solidFill>
-                <a:effectLst/>
-                <a:latin typeface="+mn-lt"/>
-                <a:ea typeface="+mn-ea"/>
-                <a:cs typeface="+mn-cs"/>
-              </a:rPr>
-              <a:t>Dynamic Schemas</a:t>
-            </a:r>
-          </a:p>
-          <a:p>
-            <a:pPr marL="171450" marR="0" indent="-171450" algn="l" defTabSz="914400" rtl="0" eaLnBrk="1" fontAlgn="auto" latinLnBrk="0" hangingPunct="1">
-              <a:lnSpc>
-                <a:spcPct val="100000"/>
-              </a:lnSpc>
-              <a:spcBef>
-                <a:spcPts val="0"/>
-              </a:spcBef>
-              <a:spcAft>
-                <a:spcPts val="0"/>
-              </a:spcAft>
-              <a:buClrTx/>
-              <a:buSzTx/>
-              <a:buFont typeface="Arial" panose="020B0604020202020204" pitchFamily="34" charset="0"/>
-              <a:buChar char="•"/>
-              <a:tabLst/>
-              <a:defRPr/>
-            </a:pPr>
-            <a:r>
-              <a:rPr lang="en-US" sz="1200" b="0" i="0" kern="1200" dirty="0" smtClean="0">
-                <a:solidFill>
-                  <a:schemeClr val="tx1"/>
-                </a:solidFill>
-                <a:effectLst/>
-                <a:latin typeface="+mn-lt"/>
-                <a:ea typeface="+mn-ea"/>
-                <a:cs typeface="+mn-cs"/>
-              </a:rPr>
-              <a:t>Auto-</a:t>
-            </a:r>
-            <a:r>
-              <a:rPr lang="en-US" sz="1200" b="0" i="0" kern="1200" dirty="0" err="1" smtClean="0">
-                <a:solidFill>
-                  <a:schemeClr val="tx1"/>
-                </a:solidFill>
-                <a:effectLst/>
-                <a:latin typeface="+mn-lt"/>
-                <a:ea typeface="+mn-ea"/>
-                <a:cs typeface="+mn-cs"/>
-              </a:rPr>
-              <a:t>sharding</a:t>
-            </a:r>
-            <a:endParaRPr lang="en-US" sz="1200" b="0" i="0" kern="1200" dirty="0" smtClean="0">
-              <a:solidFill>
-                <a:schemeClr val="tx1"/>
-              </a:solidFill>
-              <a:effectLst/>
-              <a:latin typeface="+mn-lt"/>
-              <a:ea typeface="+mn-ea"/>
-              <a:cs typeface="+mn-cs"/>
-            </a:endParaRPr>
-          </a:p>
-          <a:p>
-            <a:pPr marL="171450" marR="0" indent="-171450" algn="l" defTabSz="914400" rtl="0" eaLnBrk="1" fontAlgn="auto" latinLnBrk="0" hangingPunct="1">
-              <a:lnSpc>
-                <a:spcPct val="100000"/>
-              </a:lnSpc>
-              <a:spcBef>
-                <a:spcPts val="0"/>
-              </a:spcBef>
-              <a:spcAft>
-                <a:spcPts val="0"/>
-              </a:spcAft>
-              <a:buClrTx/>
-              <a:buSzTx/>
-              <a:buFont typeface="Arial" panose="020B0604020202020204" pitchFamily="34" charset="0"/>
-              <a:buChar char="•"/>
-              <a:tabLst/>
-              <a:defRPr/>
-            </a:pPr>
-            <a:r>
-              <a:rPr lang="en-US" sz="1200" b="0" i="0" kern="1200" dirty="0" smtClean="0">
-                <a:solidFill>
-                  <a:schemeClr val="tx1"/>
-                </a:solidFill>
-                <a:effectLst/>
-                <a:latin typeface="+mn-lt"/>
-                <a:ea typeface="+mn-ea"/>
-                <a:cs typeface="+mn-cs"/>
-              </a:rPr>
-              <a:t>Replication</a:t>
-            </a:r>
-          </a:p>
-          <a:p>
-            <a:pPr marL="171450" marR="0" indent="-171450" algn="l" defTabSz="914400" rtl="0" eaLnBrk="1" fontAlgn="auto" latinLnBrk="0" hangingPunct="1">
-              <a:lnSpc>
-                <a:spcPct val="100000"/>
-              </a:lnSpc>
-              <a:spcBef>
-                <a:spcPts val="0"/>
-              </a:spcBef>
-              <a:spcAft>
-                <a:spcPts val="0"/>
-              </a:spcAft>
-              <a:buClrTx/>
-              <a:buSzTx/>
-              <a:buFont typeface="Arial" panose="020B0604020202020204" pitchFamily="34" charset="0"/>
-              <a:buChar char="•"/>
-              <a:tabLst/>
-              <a:defRPr/>
-            </a:pPr>
-            <a:r>
-              <a:rPr lang="en-US" sz="1200" b="0" i="0" kern="1200" dirty="0" smtClean="0">
-                <a:solidFill>
-                  <a:schemeClr val="tx1"/>
-                </a:solidFill>
-                <a:effectLst/>
-                <a:latin typeface="+mn-lt"/>
-                <a:ea typeface="+mn-ea"/>
-                <a:cs typeface="+mn-cs"/>
-              </a:rPr>
-              <a:t>Integrated Caching</a:t>
-            </a:r>
+              <a:t> the Summery Text...</a:t>
+            </a:r>
+          </a:p>
+          <a:p>
+            <a:r>
+              <a:rPr lang="en-US" dirty="0" smtClean="0"/>
+              <a:t>OrientDB</a:t>
+            </a:r>
+            <a:r>
+              <a:rPr lang="en-US" baseline="0" dirty="0" smtClean="0"/>
+              <a:t> attempts to do all of these in one product!</a:t>
+            </a:r>
+          </a:p>
+          <a:p>
+            <a:r>
+              <a:rPr lang="en-US" baseline="0" dirty="0" smtClean="0"/>
+              <a:t>I think these will eventually merge into one product.</a:t>
+            </a:r>
+          </a:p>
+          <a:p>
+            <a:r>
+              <a:rPr lang="en-US" baseline="0" dirty="0" smtClean="0"/>
+              <a:t>Document can simulate Key-Value and Wide Column</a:t>
+            </a:r>
+            <a:endParaRPr lang="en-US" dirty="0"/>
           </a:p>
         </p:txBody>
       </p:sp>
@@ -3167,7 +3338,7 @@
           <a:p>
             <a:fld id="{715A84DC-FEF2-4269-A86F-D7F63D4115C8}" type="slidenum">
               <a:rPr lang="en-US" smtClean="0"/>
-              <a:t>8</a:t>
+              <a:t>7</a:t>
             </a:fld>
             <a:endParaRPr lang="en-US"/>
           </a:p>
@@ -3176,7 +3347,7 @@
     </p:spTree>
     <p:extLst>
       <p:ext uri="{BB962C8B-B14F-4D97-AF65-F5344CB8AC3E}">
-        <p14:creationId xmlns:p14="http://schemas.microsoft.com/office/powerpoint/2010/main" val="2030243564"/>
+        <p14:creationId xmlns:p14="http://schemas.microsoft.com/office/powerpoint/2010/main" val="3910238719"/>
       </p:ext>
     </p:extLst>
   </p:cSld>
@@ -3230,80 +3401,21 @@
           <a:bodyPr/>
           <a:lstStyle/>
           <a:p>
-            <a:pPr marL="0" marR="0" indent="0" algn="l" defTabSz="914400" rtl="0" eaLnBrk="1" fontAlgn="auto" latinLnBrk="0" hangingPunct="1">
-              <a:lnSpc>
-                <a:spcPct val="100000"/>
-              </a:lnSpc>
-              <a:spcBef>
-                <a:spcPts val="0"/>
-              </a:spcBef>
-              <a:spcAft>
-                <a:spcPts val="0"/>
-              </a:spcAft>
-              <a:buClrTx/>
-              <a:buSzTx/>
-              <a:buFont typeface="Arial" panose="020B0604020202020204" pitchFamily="34" charset="0"/>
-              <a:buNone/>
-              <a:tabLst/>
-              <a:defRPr/>
-            </a:pPr>
-            <a:r>
-              <a:rPr lang="en-US" sz="1200" b="0" i="0" kern="1200" dirty="0" smtClean="0">
-                <a:solidFill>
-                  <a:schemeClr val="tx1"/>
-                </a:solidFill>
-                <a:effectLst/>
-                <a:latin typeface="+mn-lt"/>
-                <a:ea typeface="+mn-ea"/>
-                <a:cs typeface="+mn-cs"/>
-              </a:rPr>
-              <a:t>NoSQL is designed to work with </a:t>
-            </a:r>
-            <a:r>
-              <a:rPr lang="en-US" sz="1200" b="1" i="0" kern="1200" dirty="0" smtClean="0">
-                <a:solidFill>
-                  <a:schemeClr val="tx1"/>
-                </a:solidFill>
-                <a:effectLst/>
-                <a:latin typeface="+mn-lt"/>
-                <a:ea typeface="+mn-ea"/>
-                <a:cs typeface="+mn-cs"/>
-              </a:rPr>
-              <a:t>Big</a:t>
-            </a:r>
-            <a:r>
-              <a:rPr lang="en-US" sz="1200" b="1" i="0" kern="1200" baseline="0" dirty="0" smtClean="0">
-                <a:solidFill>
-                  <a:schemeClr val="tx1"/>
-                </a:solidFill>
-                <a:effectLst/>
-                <a:latin typeface="+mn-lt"/>
-                <a:ea typeface="+mn-ea"/>
-                <a:cs typeface="+mn-cs"/>
-              </a:rPr>
-              <a:t> Data </a:t>
-            </a:r>
-            <a:r>
-              <a:rPr lang="en-US" sz="1200" b="0" i="0" kern="1200" baseline="0" dirty="0" smtClean="0">
-                <a:solidFill>
-                  <a:schemeClr val="tx1"/>
-                </a:solidFill>
-                <a:effectLst/>
-                <a:latin typeface="+mn-lt"/>
-                <a:ea typeface="+mn-ea"/>
-                <a:cs typeface="+mn-cs"/>
-              </a:rPr>
-              <a:t>Features:</a:t>
-            </a:r>
-            <a:endParaRPr lang="en-US" sz="1200" b="0" i="0" kern="1200" dirty="0" smtClean="0">
-              <a:solidFill>
-                <a:schemeClr val="tx1"/>
-              </a:solidFill>
-              <a:effectLst/>
-              <a:latin typeface="+mn-lt"/>
-              <a:ea typeface="+mn-ea"/>
-              <a:cs typeface="+mn-cs"/>
-            </a:endParaRPr>
+            <a:r>
+              <a:rPr lang="en-US" dirty="0" smtClean="0"/>
+              <a:t>The slide</a:t>
+            </a:r>
+            <a:r>
+              <a:rPr lang="en-US" baseline="0" dirty="0" smtClean="0"/>
+              <a:t> covers the reasons for using NoSQL! Any other use cases?</a:t>
+            </a:r>
+            <a:endParaRPr lang="en-US" dirty="0" smtClean="0"/>
+          </a:p>
+          <a:p>
+            <a:r>
+              <a:rPr lang="en-US" dirty="0" smtClean="0"/>
+              <a:t>https://www.mongodb.com/nosql-explained</a:t>
+            </a:r>
           </a:p>
           <a:p>
             <a:pPr marL="171450" marR="0" indent="-171450" algn="l" defTabSz="914400" rtl="0" eaLnBrk="1" fontAlgn="auto" latinLnBrk="0" hangingPunct="1">
@@ -3333,7 +3445,7 @@
                 <a:ea typeface="+mn-ea"/>
                 <a:cs typeface="+mn-cs"/>
               </a:rPr>
-              <a:t>Auto Fail-Over</a:t>
+              <a:t>Dynamic Schemas</a:t>
             </a:r>
           </a:p>
           <a:p>
@@ -3376,7 +3488,7 @@
                 <a:ea typeface="+mn-ea"/>
                 <a:cs typeface="+mn-cs"/>
               </a:rPr>
-              <a:t>Sharding</a:t>
+              <a:t>sharding</a:t>
             </a:r>
             <a:endParaRPr lang="en-US" sz="1200" b="0" i="0" kern="1200" dirty="0" smtClean="0">
               <a:solidFill>
@@ -3416,29 +3528,8 @@
                 <a:ea typeface="+mn-ea"/>
                 <a:cs typeface="+mn-cs"/>
               </a:rPr>
-              <a:t>Replication &amp; High Availability &amp; High</a:t>
-            </a:r>
-            <a:r>
-              <a:rPr lang="en-US" sz="1200" b="0" i="0" kern="1200" baseline="0" dirty="0" smtClean="0">
-                <a:solidFill>
-                  <a:schemeClr val="tx1"/>
-                </a:solidFill>
-                <a:effectLst/>
-                <a:latin typeface="+mn-lt"/>
-                <a:ea typeface="+mn-ea"/>
-                <a:cs typeface="+mn-cs"/>
-              </a:rPr>
-              <a:t> Performance Computing</a:t>
-            </a:r>
-            <a:endParaRPr lang="en-US" sz="1200" b="0" i="0" kern="1200" dirty="0" smtClean="0">
-              <a:solidFill>
-                <a:schemeClr val="tx1"/>
-              </a:solidFill>
-              <a:effectLst/>
-              <a:latin typeface="+mn-lt"/>
-              <a:ea typeface="+mn-ea"/>
-              <a:cs typeface="+mn-cs"/>
-            </a:endParaRPr>
+              <a:t>Replication</a:t>
+            </a:r>
           </a:p>
           <a:p>
             <a:pPr marL="171450" marR="0" indent="-171450" algn="l" defTabSz="914400" rtl="0" eaLnBrk="1" fontAlgn="auto" latinLnBrk="0" hangingPunct="1">
@@ -3471,58 +3562,6 @@
               <a:t>Integrated Caching</a:t>
             </a:r>
           </a:p>
-          <a:p>
-            <a:pPr marL="171450" marR="0" indent="-171450" algn="l" defTabSz="914400" rtl="0" eaLnBrk="1" fontAlgn="auto" latinLnBrk="0" hangingPunct="1">
-              <a:lnSpc>
-                <a:spcPct val="100000"/>
-              </a:lnSpc>
-              <a:spcBef>
-                <a:spcPts val="0"/>
-              </a:spcBef>
-              <a:spcAft>
-                <a:spcPts val="0"/>
-              </a:spcAft>
-              <a:buClrTx/>
-              <a:buSzTx/>
-              <a:buFont typeface="Arial" panose="020B0604020202020204" pitchFamily="34" charset="0"/>
-              <a:buChar char="•"/>
-              <a:tabLst/>
-              <a:defRPr/>
-            </a:pPr>
-            <a:r>
-              <a:rPr lang="en-US" sz="1200" b="0" i="0" kern="1200" dirty="0" smtClean="0">
-                <a:solidFill>
-                  <a:schemeClr val="tx1"/>
-                </a:solidFill>
-                <a:effectLst/>
-                <a:latin typeface="+mn-lt"/>
-                <a:ea typeface="+mn-ea"/>
-                <a:cs typeface="+mn-cs"/>
-              </a:rPr>
-              <a:t>Flexible Geographic</a:t>
-            </a:r>
-            <a:r>
-              <a:rPr lang="en-US" sz="1200" b="0" i="0" kern="1200" baseline="0" dirty="0" smtClean="0">
-                <a:solidFill>
-                  <a:schemeClr val="tx1"/>
-                </a:solidFill>
-                <a:effectLst/>
-                <a:latin typeface="+mn-lt"/>
-                <a:ea typeface="+mn-ea"/>
-                <a:cs typeface="+mn-cs"/>
-              </a:rPr>
-              <a:t> Locations</a:t>
-            </a:r>
-            <a:endParaRPr lang="en-US" sz="1200" b="0" i="0" kern="1200" dirty="0" smtClean="0">
-              <a:solidFill>
-                <a:schemeClr val="tx1"/>
-              </a:solidFill>
-              <a:effectLst/>
-              <a:latin typeface="+mn-lt"/>
-              <a:ea typeface="+mn-ea"/>
-              <a:cs typeface="+mn-cs"/>
-            </a:endParaRPr>
-          </a:p>
         </p:txBody>
       </p:sp>
       <p:sp>
@@ -3542,7 +3581,7 @@
           <a:p>
             <a:fld id="{715A84DC-FEF2-4269-A86F-D7F63D4115C8}" type="slidenum">
               <a:rPr lang="en-US" smtClean="0"/>
-              <a:t>9</a:t>
+              <a:t>8</a:t>
             </a:fld>
             <a:endParaRPr lang="en-US"/>
           </a:p>
@@ -3605,14 +3644,25 @@
           <a:bodyPr/>
           <a:lstStyle/>
           <a:p>
-            <a:r>
-              <a:rPr lang="en-US" dirty="0" smtClean="0"/>
-              <a:t>https://db-engines.com/en/ranking/document+store</a:t>
-            </a:r>
-          </a:p>
-          <a:p>
-            <a:r>
-              <a:rPr lang="en-US" sz="1200" b="0" i="0" u="none" strike="noStrike" kern="1200" dirty="0" smtClean="0">
+            <a:pPr marL="0" marR="0" indent="0" algn="l" defTabSz="914400" rtl="0" eaLnBrk="1" fontAlgn="auto" latinLnBrk="0" hangingPunct="1">
+              <a:lnSpc>
+                <a:spcPct val="100000"/>
+              </a:lnSpc>
+              <a:spcBef>
+                <a:spcPts val="0"/>
+              </a:spcBef>
+              <a:spcAft>
+                <a:spcPts val="0"/>
+              </a:spcAft>
+              <a:buClrTx/>
+              <a:buSzTx/>
+              <a:buFont typeface="Arial" panose="020B0604020202020204" pitchFamily="34" charset="0"/>
+              <a:buNone/>
+              <a:tabLst/>
+              <a:defRPr/>
+            </a:pPr>
+            <a:r>
+              <a:rPr lang="en-US" sz="1200" b="0" i="0" kern="1200" dirty="0" smtClean="0">
                 <a:solidFill>
                   <a:schemeClr val="tx1"/>
                 </a:solidFill>
@@ -3621,12 +3671,10 @@
                 <a:ea typeface="+mn-ea"/>
                 <a:cs typeface="+mn-cs"/>
               </a:rPr>
-              <a:t>BSON is a binary representation of JSON documents</a:t>
-            </a:r>
-          </a:p>
-          <a:p>
-            <a:r>
-              <a:rPr lang="en-US" sz="1200" b="0" i="0" u="none" strike="noStrike" kern="1200" dirty="0" smtClean="0">
+              <a:t>NoSQL is designed to work with </a:t>
+            </a:r>
+            <a:r>
+              <a:rPr lang="en-US" sz="1200" b="1" i="0" kern="1200" dirty="0" smtClean="0">
                 <a:solidFill>
                   <a:schemeClr val="tx1"/>
                 </a:solidFill>
@@ -3635,21 +3683,259 @@
                 <a:ea typeface="+mn-ea"/>
                 <a:cs typeface="+mn-cs"/>
               </a:rPr>
-              <a:t>http://bsonspec.org provides more data types:</a:t>
-            </a:r>
-          </a:p>
-          <a:p>
-            <a:r>
-              <a:rPr lang="en-US" dirty="0" smtClean="0"/>
-              <a:t>https://docs.mongodb.com/manual/reference/bson-types/</a:t>
-            </a:r>
-          </a:p>
-          <a:p>
-            <a:r>
-              <a:rPr lang="en-US" dirty="0" smtClean="0"/>
-              <a:t>https://db-engines.com/en/ranking/graph+dbms</a:t>
-            </a:r>
-            <a:endParaRPr lang="en-US" dirty="0"/>
+              <a:t>Big</a:t>
+            </a:r>
+            <a:r>
+              <a:rPr lang="en-US" sz="1200" b="1" i="0" kern="1200" baseline="0" dirty="0" smtClean="0">
+                <a:solidFill>
+                  <a:schemeClr val="tx1"/>
+                </a:solidFill>
+                <a:effectLst/>
+                <a:latin typeface="+mn-lt"/>
+                <a:ea typeface="+mn-ea"/>
+                <a:cs typeface="+mn-cs"/>
+              </a:rPr>
+              <a:t> Data </a:t>
+            </a:r>
+            <a:r>
+              <a:rPr lang="en-US" sz="1200" b="0" i="0" kern="1200" baseline="0" dirty="0" smtClean="0">
+                <a:solidFill>
+                  <a:schemeClr val="tx1"/>
+                </a:solidFill>
+                <a:effectLst/>
+                <a:latin typeface="+mn-lt"/>
+                <a:ea typeface="+mn-ea"/>
+                <a:cs typeface="+mn-cs"/>
+              </a:rPr>
+              <a:t>Features:</a:t>
+            </a:r>
+            <a:endParaRPr lang="en-US" sz="1200" b="0" i="0" kern="1200" dirty="0" smtClean="0">
+              <a:solidFill>
+                <a:schemeClr val="tx1"/>
+              </a:solidFill>
+              <a:effectLst/>
+              <a:latin typeface="+mn-lt"/>
+              <a:ea typeface="+mn-ea"/>
+              <a:cs typeface="+mn-cs"/>
+            </a:endParaRPr>
+          </a:p>
+          <a:p>
+            <a:pPr marL="171450" marR="0" indent="-171450" algn="l" defTabSz="914400" rtl="0" eaLnBrk="1" fontAlgn="auto" latinLnBrk="0" hangingPunct="1">
+              <a:lnSpc>
+                <a:spcPct val="100000"/>
+              </a:lnSpc>
+              <a:spcBef>
+                <a:spcPts val="0"/>
+              </a:spcBef>
+              <a:spcAft>
+                <a:spcPts val="0"/>
+              </a:spcAft>
+              <a:buClrTx/>
+              <a:buSzTx/>
+              <a:buFont typeface="Arial" panose="020B0604020202020204" pitchFamily="34" charset="0"/>
+              <a:buChar char="•"/>
+              <a:tabLst/>
+              <a:defRPr/>
+            </a:pPr>
+            <a:r>
+              <a:rPr lang="en-US" sz="1200" b="0" i="0" kern="1200" dirty="0" smtClean="0">
+                <a:solidFill>
+                  <a:schemeClr val="tx1"/>
+                </a:solidFill>
+                <a:effectLst/>
+                <a:latin typeface="+mn-lt"/>
+                <a:ea typeface="+mn-ea"/>
+                <a:cs typeface="+mn-cs"/>
+              </a:rPr>
+              <a:t>Auto Fail-Over</a:t>
+            </a:r>
+          </a:p>
+          <a:p>
+            <a:pPr marL="171450" marR="0" indent="-171450" algn="l" defTabSz="914400" rtl="0" eaLnBrk="1" fontAlgn="auto" latinLnBrk="0" hangingPunct="1">
+              <a:lnSpc>
+                <a:spcPct val="100000"/>
+              </a:lnSpc>
+              <a:spcBef>
+                <a:spcPts val="0"/>
+              </a:spcBef>
+              <a:spcAft>
+                <a:spcPts val="0"/>
+              </a:spcAft>
+              <a:buClrTx/>
+              <a:buSzTx/>
+              <a:buFont typeface="Arial" panose="020B0604020202020204" pitchFamily="34" charset="0"/>
+              <a:buChar char="•"/>
+              <a:tabLst/>
+              <a:defRPr/>
+            </a:pPr>
+            <a:r>
+              <a:rPr lang="en-US" sz="1200" b="0" i="0" kern="1200" dirty="0" smtClean="0">
+                <a:solidFill>
+                  <a:schemeClr val="tx1"/>
+                </a:solidFill>
+                <a:effectLst/>
+                <a:latin typeface="+mn-lt"/>
+                <a:ea typeface="+mn-ea"/>
+                <a:cs typeface="+mn-cs"/>
+              </a:rPr>
+              <a:t>Auto-</a:t>
+            </a:r>
+            <a:r>
+              <a:rPr lang="en-US" sz="1200" b="0" i="0" kern="1200" dirty="0" err="1" smtClean="0">
+                <a:solidFill>
+                  <a:schemeClr val="tx1"/>
+                </a:solidFill>
+                <a:effectLst/>
+                <a:latin typeface="+mn-lt"/>
+                <a:ea typeface="+mn-ea"/>
+                <a:cs typeface="+mn-cs"/>
+              </a:rPr>
+              <a:t>Sharding</a:t>
+            </a:r>
+            <a:endParaRPr lang="en-US" sz="1200" b="0" i="0" kern="1200" dirty="0" smtClean="0">
+              <a:solidFill>
+                <a:schemeClr val="tx1"/>
+              </a:solidFill>
+              <a:effectLst/>
+              <a:latin typeface="+mn-lt"/>
+              <a:ea typeface="+mn-ea"/>
+              <a:cs typeface="+mn-cs"/>
+            </a:endParaRPr>
+          </a:p>
+          <a:p>
+            <a:pPr marL="171450" marR="0" indent="-171450" algn="l" defTabSz="914400" rtl="0" eaLnBrk="1" fontAlgn="auto" latinLnBrk="0" hangingPunct="1">
+              <a:lnSpc>
+                <a:spcPct val="100000"/>
+              </a:lnSpc>
+              <a:spcBef>
+                <a:spcPts val="0"/>
+              </a:spcBef>
+              <a:spcAft>
+                <a:spcPts val="0"/>
+              </a:spcAft>
+              <a:buClrTx/>
+              <a:buSzTx/>
+              <a:buFont typeface="Arial" panose="020B0604020202020204" pitchFamily="34" charset="0"/>
+              <a:buChar char="•"/>
+              <a:tabLst/>
+              <a:defRPr/>
+            </a:pPr>
+            <a:r>
+              <a:rPr lang="en-US" sz="1200" b="0" i="0" kern="1200" dirty="0" smtClean="0">
+                <a:solidFill>
+                  <a:schemeClr val="tx1"/>
+                </a:solidFill>
+                <a:effectLst/>
+                <a:latin typeface="+mn-lt"/>
+                <a:ea typeface="+mn-ea"/>
+                <a:cs typeface="+mn-cs"/>
+              </a:rPr>
+              <a:t>Replication &amp; High Availability &amp; High</a:t>
+            </a:r>
+            <a:r>
+              <a:rPr lang="en-US" sz="1200" b="0" i="0" kern="1200" baseline="0" dirty="0" smtClean="0">
+                <a:solidFill>
+                  <a:schemeClr val="tx1"/>
+                </a:solidFill>
+                <a:effectLst/>
+                <a:latin typeface="+mn-lt"/>
+                <a:ea typeface="+mn-ea"/>
+                <a:cs typeface="+mn-cs"/>
+              </a:rPr>
+              <a:t> Performance Computing</a:t>
+            </a:r>
+            <a:endParaRPr lang="en-US" sz="1200" b="0" i="0" kern="1200" dirty="0" smtClean="0">
+              <a:solidFill>
+                <a:schemeClr val="tx1"/>
+              </a:solidFill>
+              <a:effectLst/>
+              <a:latin typeface="+mn-lt"/>
+              <a:ea typeface="+mn-ea"/>
+              <a:cs typeface="+mn-cs"/>
+            </a:endParaRPr>
+          </a:p>
+          <a:p>
+            <a:pPr marL="171450" marR="0" indent="-171450" algn="l" defTabSz="914400" rtl="0" eaLnBrk="1" fontAlgn="auto" latinLnBrk="0" hangingPunct="1">
+              <a:lnSpc>
+                <a:spcPct val="100000"/>
+              </a:lnSpc>
+              <a:spcBef>
+                <a:spcPts val="0"/>
+              </a:spcBef>
+              <a:spcAft>
+                <a:spcPts val="0"/>
+              </a:spcAft>
+              <a:buClrTx/>
+              <a:buSzTx/>
+              <a:buFont typeface="Arial" panose="020B0604020202020204" pitchFamily="34" charset="0"/>
+              <a:buChar char="•"/>
+              <a:tabLst/>
+              <a:defRPr/>
+            </a:pPr>
+            <a:r>
+              <a:rPr lang="en-US" sz="1200" b="0" i="0" kern="1200" dirty="0" smtClean="0">
+                <a:solidFill>
+                  <a:schemeClr val="tx1"/>
+                </a:solidFill>
+                <a:effectLst/>
+                <a:latin typeface="+mn-lt"/>
+                <a:ea typeface="+mn-ea"/>
+                <a:cs typeface="+mn-cs"/>
+              </a:rPr>
+              <a:t>Integrated Caching</a:t>
+            </a:r>
+          </a:p>
+          <a:p>
+            <a:pPr marL="171450" marR="0" indent="-171450" algn="l" defTabSz="914400" rtl="0" eaLnBrk="1" fontAlgn="auto" latinLnBrk="0" hangingPunct="1">
+              <a:lnSpc>
+                <a:spcPct val="100000"/>
+              </a:lnSpc>
+              <a:spcBef>
+                <a:spcPts val="0"/>
+              </a:spcBef>
+              <a:spcAft>
+                <a:spcPts val="0"/>
+              </a:spcAft>
+              <a:buClrTx/>
+              <a:buSzTx/>
+              <a:buFont typeface="Arial" panose="020B0604020202020204" pitchFamily="34" charset="0"/>
+              <a:buChar char="•"/>
+              <a:tabLst/>
+              <a:defRPr/>
+            </a:pPr>
+            <a:r>
+              <a:rPr lang="en-US" sz="1200" b="1" i="0" kern="1200" dirty="0" smtClean="0">
+                <a:solidFill>
+                  <a:schemeClr val="tx1"/>
+                </a:solidFill>
+                <a:effectLst/>
+                <a:latin typeface="+mn-lt"/>
+                <a:ea typeface="+mn-ea"/>
+                <a:cs typeface="+mn-cs"/>
+              </a:rPr>
+              <a:t>Flexible Geographic</a:t>
+            </a:r>
+            <a:r>
+              <a:rPr lang="en-US" sz="1200" b="1" i="0" kern="1200" baseline="0" dirty="0" smtClean="0">
+                <a:solidFill>
+                  <a:schemeClr val="tx1"/>
+                </a:solidFill>
+                <a:effectLst/>
+                <a:latin typeface="+mn-lt"/>
+                <a:ea typeface="+mn-ea"/>
+                <a:cs typeface="+mn-cs"/>
+              </a:rPr>
+              <a:t> Locations</a:t>
+            </a:r>
+            <a:endParaRPr lang="en-US" sz="1200" b="1" i="0" kern="1200" dirty="0" smtClean="0">
+              <a:solidFill>
+                <a:schemeClr val="tx1"/>
+              </a:solidFill>
+              <a:effectLst/>
+              <a:latin typeface="+mn-lt"/>
+              <a:ea typeface="+mn-ea"/>
+              <a:cs typeface="+mn-cs"/>
+            </a:endParaRPr>
           </a:p>
         </p:txBody>
       </p:sp>
@@ -3670,7 +3956,7 @@
           <a:p>
             <a:fld id="{715A84DC-FEF2-4269-A86F-D7F63D4115C8}" type="slidenum">
               <a:rPr lang="en-US" smtClean="0"/>
-              <a:t>10</a:t>
+              <a:t>9</a:t>
             </a:fld>
             <a:endParaRPr lang="en-US"/>
           </a:p>
@@ -3679,7 +3965,7 @@
     </p:spTree>
     <p:extLst>
       <p:ext uri="{BB962C8B-B14F-4D97-AF65-F5344CB8AC3E}">
-        <p14:creationId xmlns:p14="http://schemas.microsoft.com/office/powerpoint/2010/main" val="1874009049"/>
+        <p14:creationId xmlns:p14="http://schemas.microsoft.com/office/powerpoint/2010/main" val="2030243564"/>
       </p:ext>
     </p:extLst>
   </p:cSld>
@@ -3868,10 +4154,9 @@
           <a:bodyPr/>
           <a:lstStyle/>
           <a:p>
-            <a:fld id="{1D8BD707-D9CF-40AE-B4C6-C98DA3205C09}" type="datetimeFigureOut">
-              <a:rPr lang="en-US" smtClean="0"/>
-              <a:pPr/>
-              <a:t>7/10/2017</a:t>
+            <a:fld id="{28F584B6-02FA-409D-9BC2-414213E3B3AD}" type="datetime1">
+              <a:rPr lang="en-US" smtClean="0"/>
+              <a:t>7/12/2017</a:t>
             </a:fld>
             <a:endParaRPr lang="en-US"/>
           </a:p>
@@ -4035,10 +4320,9 @@
           <a:bodyPr/>
           <a:lstStyle/>
           <a:p>
-            <a:fld id="{1D8BD707-D9CF-40AE-B4C6-C98DA3205C09}" type="datetimeFigureOut">
-              <a:rPr lang="en-US" smtClean="0"/>
-              <a:pPr/>
-              <a:t>7/10/2017</a:t>
+            <a:fld id="{5177B69B-1C01-4D00-9C0E-63B5042C16DD}" type="datetime1">
+              <a:rPr lang="en-US" smtClean="0"/>
+              <a:t>7/12/2017</a:t>
             </a:fld>
             <a:endParaRPr lang="en-US"/>
           </a:p>
@@ -4212,10 +4496,9 @@
           <a:bodyPr/>
           <a:lstStyle/>
           <a:p>
-            <a:fld id="{1D8BD707-D9CF-40AE-B4C6-C98DA3205C09}" type="datetimeFigureOut">
-              <a:rPr lang="en-US" smtClean="0"/>
-              <a:pPr/>
-              <a:t>7/10/2017</a:t>
+            <a:fld id="{F78B38A8-C82B-4935-AE18-E9E18BDE696B}" type="datetime1">
+              <a:rPr lang="en-US" smtClean="0"/>
+              <a:t>7/12/2017</a:t>
             </a:fld>
             <a:endParaRPr lang="en-US"/>
           </a:p>
@@ -4379,10 +4662,9 @@
           <a:bodyPr/>
           <a:lstStyle/>
           <a:p>
-            <a:fld id="{1D8BD707-D9CF-40AE-B4C6-C98DA3205C09}" type="datetimeFigureOut">
-              <a:rPr lang="en-US" smtClean="0"/>
-              <a:pPr/>
-              <a:t>7/10/2017</a:t>
+            <a:fld id="{91B87EDA-9003-4C73-A329-1F5603C873C1}" type="datetime1">
+              <a:rPr lang="en-US" smtClean="0"/>
+              <a:t>7/12/2017</a:t>
             </a:fld>
             <a:endParaRPr lang="en-US"/>
           </a:p>
@@ -4622,10 +4904,9 @@
           <a:bodyPr/>
           <a:lstStyle/>
           <a:p>
-            <a:fld id="{1D8BD707-D9CF-40AE-B4C6-C98DA3205C09}" type="datetimeFigureOut">
-              <a:rPr lang="en-US" smtClean="0"/>
-              <a:pPr/>
-              <a:t>7/10/2017</a:t>
+            <a:fld id="{94612630-535B-4E73-9F5A-FC15AC60A91B}" type="datetime1">
+              <a:rPr lang="en-US" smtClean="0"/>
+              <a:t>7/12/2017</a:t>
             </a:fld>
             <a:endParaRPr lang="en-US"/>
           </a:p>
@@ -4907,10 +5188,9 @@
           <a:bodyPr/>
           <a:lstStyle/>
           <a:p>
-            <a:fld id="{1D8BD707-D9CF-40AE-B4C6-C98DA3205C09}" type="datetimeFigureOut">
-              <a:rPr lang="en-US" smtClean="0"/>
-              <a:pPr/>
-              <a:t>7/10/2017</a:t>
+            <a:fld id="{804D3A72-A066-4380-8486-1B98DA0E830E}" type="datetime1">
+              <a:rPr lang="en-US" smtClean="0"/>
+              <a:t>7/12/2017</a:t>
             </a:fld>
             <a:endParaRPr lang="en-US"/>
           </a:p>
@@ -5326,10 +5606,9 @@
           <a:bodyPr/>
           <a:lstStyle/>
           <a:p>
-            <a:fld id="{1D8BD707-D9CF-40AE-B4C6-C98DA3205C09}" type="datetimeFigureOut">
-              <a:rPr lang="en-US" smtClean="0"/>
-              <a:pPr/>
-              <a:t>7/10/2017</a:t>
+            <a:fld id="{412BFD3F-3FC4-4119-9D6A-7D344D49D820}" type="datetime1">
+              <a:rPr lang="en-US" smtClean="0"/>
+              <a:t>7/12/2017</a:t>
             </a:fld>
             <a:endParaRPr lang="en-US"/>
           </a:p>
@@ -5441,10 +5720,9 @@
           <a:bodyPr/>
           <a:lstStyle/>
           <a:p>
-            <a:fld id="{1D8BD707-D9CF-40AE-B4C6-C98DA3205C09}" type="datetimeFigureOut">
-              <a:rPr lang="en-US" smtClean="0"/>
-              <a:pPr/>
-              <a:t>7/10/2017</a:t>
+            <a:fld id="{3E38E86C-44C5-4ADE-87CF-D8EBC0D04EFF}" type="datetime1">
+              <a:rPr lang="en-US" smtClean="0"/>
+              <a:t>7/12/2017</a:t>
             </a:fld>
             <a:endParaRPr lang="en-US"/>
           </a:p>
@@ -5533,10 +5811,9 @@
           <a:bodyPr/>
           <a:lstStyle/>
           <a:p>
-            <a:fld id="{1D8BD707-D9CF-40AE-B4C6-C98DA3205C09}" type="datetimeFigureOut">
-              <a:rPr lang="en-US" smtClean="0"/>
-              <a:pPr/>
-              <a:t>7/10/2017</a:t>
+            <a:fld id="{8BDBACC9-C561-4480-98F5-058D265348D0}" type="datetime1">
+              <a:rPr lang="en-US" smtClean="0"/>
+              <a:t>7/12/2017</a:t>
             </a:fld>
             <a:endParaRPr lang="en-US"/>
           </a:p>
@@ -5807,10 +6084,9 @@
           <a:bodyPr/>
           <a:lstStyle/>
           <a:p>
-            <a:fld id="{1D8BD707-D9CF-40AE-B4C6-C98DA3205C09}" type="datetimeFigureOut">
-              <a:rPr lang="en-US" smtClean="0"/>
-              <a:pPr/>
-              <a:t>7/10/2017</a:t>
+            <a:fld id="{F650112E-8541-4AA8-880E-E5BB7A51EC93}" type="datetime1">
+              <a:rPr lang="en-US" smtClean="0"/>
+              <a:t>7/12/2017</a:t>
             </a:fld>
             <a:endParaRPr lang="en-US"/>
           </a:p>
@@ -6057,10 +6333,9 @@
           <a:bodyPr/>
           <a:lstStyle/>
           <a:p>
-            <a:fld id="{1D8BD707-D9CF-40AE-B4C6-C98DA3205C09}" type="datetimeFigureOut">
-              <a:rPr lang="en-US" smtClean="0"/>
-              <a:pPr/>
-              <a:t>7/10/2017</a:t>
+            <a:fld id="{BCD905D8-0E66-4D64-93D2-D593C01498DD}" type="datetime1">
+              <a:rPr lang="en-US" smtClean="0"/>
+              <a:t>7/12/2017</a:t>
             </a:fld>
             <a:endParaRPr lang="en-US"/>
           </a:p>
@@ -6267,10 +6542,9 @@
             </a:lvl1pPr>
           </a:lstStyle>
           <a:p>
-            <a:fld id="{1D8BD707-D9CF-40AE-B4C6-C98DA3205C09}" type="datetimeFigureOut">
-              <a:rPr lang="en-US" smtClean="0"/>
-              <a:pPr/>
-              <a:t>7/10/2017</a:t>
+            <a:fld id="{61743CD1-D11D-48BD-8ABA-7F84323D653D}" type="datetime1">
+              <a:rPr lang="en-US" smtClean="0"/>
+              <a:t>7/12/2017</a:t>
             </a:fld>
             <a:endParaRPr lang="en-US"/>
           </a:p>
@@ -6371,6 +6645,7 @@
     <p:sldLayoutId id="2147483658" r:id="rId10"/>
     <p:sldLayoutId id="2147483659" r:id="rId11"/>
   </p:sldLayoutIdLst>
+  <p:hf hdr="0" ftr="0" dt="0"/>
   <p:txStyles>
     <p:titleStyle>
       <a:lvl1pPr algn="ctr" defTabSz="914400" rtl="0" eaLnBrk="1" latinLnBrk="0" hangingPunct="1">
@@ -6693,6 +6968,47 @@
           </a:p>
         </p:txBody>
       </p:sp>
+      <p:pic>
+        <p:nvPicPr>
+          <p:cNvPr id="3074" name="Picture 2" descr="Image result for nosql"/>
+          <p:cNvPicPr>
+            <a:picLocks noChangeAspect="1" noChangeArrowheads="1"/>
+          </p:cNvPicPr>
+          <p:nvPr/>
+        </p:nvPicPr>
+        <p:blipFill>
+          <a:blip r:embed="rId3">
+            <a:extLst>
+              <a:ext uri="{28A0092B-C50C-407E-A947-70E740481C1C}">
+                <a14:useLocalDpi xmlns:a14="http://schemas.microsoft.com/office/drawing/2010/main" val="0"/>
+              </a:ext>
+            </a:extLst>
+          </a:blip>
+          <a:srcRect/>
+          <a:stretch>
+            <a:fillRect/>
+          </a:stretch>
+        </p:blipFill>
+        <p:spPr bwMode="auto">
+          <a:xfrm>
+            <a:off x="3581400" y="1110657"/>
+            <a:ext cx="1371600" cy="1263056"/>
+          </a:xfrm>
+          <a:prstGeom prst="rect">
+            <a:avLst/>
+          </a:prstGeom>
+          <a:noFill/>
+          <a:extLst>
+            <a:ext uri="{909E8E84-426E-40DD-AFC4-6F175D3DCCD1}">
+              <a14:hiddenFill xmlns:a14="http://schemas.microsoft.com/office/drawing/2010/main">
+                <a:solidFill>
+                  <a:srgbClr val="FFFFFF"/>
+                </a:solidFill>
+              </a14:hiddenFill>
+            </a:ext>
+          </a:extLst>
+        </p:spPr>
+      </p:pic>
     </p:spTree>
     <p:extLst>
       <p:ext uri="{BB962C8B-B14F-4D97-AF65-F5344CB8AC3E}">
@@ -6703,6 +7019,13 @@
   <p:clrMapOvr>
     <a:masterClrMapping/>
   </p:clrMapOvr>
+  <p:timing>
+    <p:tnLst>
+      <p:par>
+        <p:cTn id="1" dur="indefinite" restart="never" nodeType="tmRoot"/>
+      </p:par>
+    </p:tnLst>
+  </p:timing>
 </p:sld>
 </file>
 
@@ -6740,7 +7063,11 @@
           <a:p>
             <a:r>
               <a:rPr lang="en-US" dirty="0" smtClean="0"/>
-              <a:t>NoSQL DB Types</a:t>
+              <a:t>NoSQL DB </a:t>
+            </a:r>
+            <a:r>
+              <a:rPr lang="en-US" dirty="0" smtClean="0"/>
+              <a:t>Platforms</a:t>
             </a:r>
             <a:endParaRPr lang="en-US" dirty="0"/>
           </a:p>
@@ -6906,7 +7233,7 @@
         </p:blipFill>
         <p:spPr bwMode="auto">
           <a:xfrm>
-            <a:off x="3508263" y="3581400"/>
+            <a:off x="3429000" y="3581400"/>
             <a:ext cx="682737" cy="682737"/>
           </a:xfrm>
           <a:prstGeom prst="rect">
@@ -7036,6 +7363,30 @@
           </a:prstGeom>
         </p:spPr>
       </p:pic>
+      <p:sp>
+        <p:nvSpPr>
+          <p:cNvPr id="5" name="Slide Number Placeholder 4"/>
+          <p:cNvSpPr>
+            <a:spLocks noGrp="1"/>
+          </p:cNvSpPr>
+          <p:nvPr>
+            <p:ph type="sldNum" sz="quarter" idx="12"/>
+          </p:nvPr>
+        </p:nvSpPr>
+        <p:spPr/>
+        <p:txBody>
+          <a:bodyPr/>
+          <a:lstStyle/>
+          <a:p>
+            <a:fld id="{B6F15528-21DE-4FAA-801E-634DDDAF4B2B}" type="slidenum">
+              <a:rPr lang="en-US" smtClean="0"/>
+              <a:pPr/>
+              <a:t>10</a:t>
+            </a:fld>
+            <a:endParaRPr lang="en-US"/>
+          </a:p>
+        </p:txBody>
+      </p:sp>
     </p:spTree>
     <p:extLst>
       <p:ext uri="{BB962C8B-B14F-4D97-AF65-F5344CB8AC3E}">
@@ -7083,7 +7434,11 @@
           <a:p>
             <a:r>
               <a:rPr lang="en-US" dirty="0" smtClean="0"/>
-              <a:t>Document Data Types</a:t>
+              <a:t>Document </a:t>
+            </a:r>
+            <a:r>
+              <a:rPr lang="en-US" dirty="0" smtClean="0"/>
+              <a:t>Formats</a:t>
             </a:r>
             <a:endParaRPr lang="en-US" dirty="0"/>
           </a:p>
@@ -7436,6 +7791,30 @@
           </a:extLst>
         </p:spPr>
       </p:pic>
+      <p:sp>
+        <p:nvSpPr>
+          <p:cNvPr id="7" name="Slide Number Placeholder 6"/>
+          <p:cNvSpPr>
+            <a:spLocks noGrp="1"/>
+          </p:cNvSpPr>
+          <p:nvPr>
+            <p:ph type="sldNum" sz="quarter" idx="12"/>
+          </p:nvPr>
+        </p:nvSpPr>
+        <p:spPr/>
+        <p:txBody>
+          <a:bodyPr/>
+          <a:lstStyle/>
+          <a:p>
+            <a:fld id="{B6F15528-21DE-4FAA-801E-634DDDAF4B2B}" type="slidenum">
+              <a:rPr lang="en-US" smtClean="0"/>
+              <a:pPr/>
+              <a:t>11</a:t>
+            </a:fld>
+            <a:endParaRPr lang="en-US"/>
+          </a:p>
+        </p:txBody>
+      </p:sp>
     </p:spTree>
     <p:extLst>
       <p:ext uri="{BB962C8B-B14F-4D97-AF65-F5344CB8AC3E}">
@@ -7529,7 +7908,11 @@
             <a:pPr lvl="1"/>
             <a:r>
               <a:rPr lang="en-US" dirty="0" smtClean="0"/>
-              <a:t>Structural Strategy:</a:t>
+              <a:t>NoSQL Structural </a:t>
+            </a:r>
+            <a:r>
+              <a:rPr lang="en-US" dirty="0" smtClean="0"/>
+              <a:t>Strategy:</a:t>
             </a:r>
           </a:p>
           <a:p>
@@ -7650,6 +8033,30 @@
               <a:t>Document B</a:t>
             </a:r>
             <a:endParaRPr lang="en-US" sz="1200" dirty="0"/>
+          </a:p>
+        </p:txBody>
+      </p:sp>
+      <p:sp>
+        <p:nvSpPr>
+          <p:cNvPr id="6" name="Slide Number Placeholder 5"/>
+          <p:cNvSpPr>
+            <a:spLocks noGrp="1"/>
+          </p:cNvSpPr>
+          <p:nvPr>
+            <p:ph type="sldNum" sz="quarter" idx="12"/>
+          </p:nvPr>
+        </p:nvSpPr>
+        <p:spPr/>
+        <p:txBody>
+          <a:bodyPr/>
+          <a:lstStyle/>
+          <a:p>
+            <a:fld id="{B6F15528-21DE-4FAA-801E-634DDDAF4B2B}" type="slidenum">
+              <a:rPr lang="en-US" smtClean="0"/>
+              <a:pPr/>
+              <a:t>12</a:t>
+            </a:fld>
+            <a:endParaRPr lang="en-US"/>
           </a:p>
         </p:txBody>
       </p:sp>
@@ -7892,6 +8299,30 @@
               <a:t>null }</a:t>
             </a:r>
             <a:endParaRPr lang="en-US" dirty="0"/>
+          </a:p>
+        </p:txBody>
+      </p:sp>
+      <p:sp>
+        <p:nvSpPr>
+          <p:cNvPr id="4" name="Slide Number Placeholder 3"/>
+          <p:cNvSpPr>
+            <a:spLocks noGrp="1"/>
+          </p:cNvSpPr>
+          <p:nvPr>
+            <p:ph type="sldNum" sz="quarter" idx="12"/>
+          </p:nvPr>
+        </p:nvSpPr>
+        <p:spPr/>
+        <p:txBody>
+          <a:bodyPr/>
+          <a:lstStyle/>
+          <a:p>
+            <a:fld id="{B6F15528-21DE-4FAA-801E-634DDDAF4B2B}" type="slidenum">
+              <a:rPr lang="en-US" smtClean="0"/>
+              <a:pPr/>
+              <a:t>13</a:t>
+            </a:fld>
+            <a:endParaRPr lang="en-US"/>
           </a:p>
         </p:txBody>
       </p:sp>
@@ -8070,6 +8501,30 @@
           </a:p>
         </p:txBody>
       </p:sp>
+      <p:sp>
+        <p:nvSpPr>
+          <p:cNvPr id="4" name="Slide Number Placeholder 3"/>
+          <p:cNvSpPr>
+            <a:spLocks noGrp="1"/>
+          </p:cNvSpPr>
+          <p:nvPr>
+            <p:ph type="sldNum" sz="quarter" idx="12"/>
+          </p:nvPr>
+        </p:nvSpPr>
+        <p:spPr/>
+        <p:txBody>
+          <a:bodyPr/>
+          <a:lstStyle/>
+          <a:p>
+            <a:fld id="{B6F15528-21DE-4FAA-801E-634DDDAF4B2B}" type="slidenum">
+              <a:rPr lang="en-US" smtClean="0"/>
+              <a:pPr/>
+              <a:t>14</a:t>
+            </a:fld>
+            <a:endParaRPr lang="en-US"/>
+          </a:p>
+        </p:txBody>
+      </p:sp>
     </p:spTree>
     <p:extLst>
       <p:ext uri="{BB962C8B-B14F-4D97-AF65-F5344CB8AC3E}">
@@ -8247,6 +8702,30 @@
           </a:p>
         </p:txBody>
       </p:sp>
+      <p:sp>
+        <p:nvSpPr>
+          <p:cNvPr id="4" name="Slide Number Placeholder 3"/>
+          <p:cNvSpPr>
+            <a:spLocks noGrp="1"/>
+          </p:cNvSpPr>
+          <p:nvPr>
+            <p:ph type="sldNum" sz="quarter" idx="12"/>
+          </p:nvPr>
+        </p:nvSpPr>
+        <p:spPr/>
+        <p:txBody>
+          <a:bodyPr/>
+          <a:lstStyle/>
+          <a:p>
+            <a:fld id="{B6F15528-21DE-4FAA-801E-634DDDAF4B2B}" type="slidenum">
+              <a:rPr lang="en-US" smtClean="0"/>
+              <a:pPr/>
+              <a:t>15</a:t>
+            </a:fld>
+            <a:endParaRPr lang="en-US"/>
+          </a:p>
+        </p:txBody>
+      </p:sp>
     </p:spTree>
     <p:extLst>
       <p:ext uri="{BB962C8B-B14F-4D97-AF65-F5344CB8AC3E}">
@@ -8446,6 +8925,30 @@
               <a:rPr lang="en-US" dirty="0" smtClean="0"/>
               <a:t>}</a:t>
             </a:r>
+          </a:p>
+        </p:txBody>
+      </p:sp>
+      <p:sp>
+        <p:nvSpPr>
+          <p:cNvPr id="4" name="Slide Number Placeholder 3"/>
+          <p:cNvSpPr>
+            <a:spLocks noGrp="1"/>
+          </p:cNvSpPr>
+          <p:nvPr>
+            <p:ph type="sldNum" sz="quarter" idx="12"/>
+          </p:nvPr>
+        </p:nvSpPr>
+        <p:spPr/>
+        <p:txBody>
+          <a:bodyPr/>
+          <a:lstStyle/>
+          <a:p>
+            <a:fld id="{B6F15528-21DE-4FAA-801E-634DDDAF4B2B}" type="slidenum">
+              <a:rPr lang="en-US" smtClean="0"/>
+              <a:pPr/>
+              <a:t>16</a:t>
+            </a:fld>
+            <a:endParaRPr lang="en-US"/>
           </a:p>
         </p:txBody>
       </p:sp>
@@ -8585,6 +9088,30 @@
           </a:extLst>
         </p:spPr>
       </p:pic>
+      <p:sp>
+        <p:nvSpPr>
+          <p:cNvPr id="4" name="Slide Number Placeholder 3"/>
+          <p:cNvSpPr>
+            <a:spLocks noGrp="1"/>
+          </p:cNvSpPr>
+          <p:nvPr>
+            <p:ph type="sldNum" sz="quarter" idx="12"/>
+          </p:nvPr>
+        </p:nvSpPr>
+        <p:spPr/>
+        <p:txBody>
+          <a:bodyPr/>
+          <a:lstStyle/>
+          <a:p>
+            <a:fld id="{B6F15528-21DE-4FAA-801E-634DDDAF4B2B}" type="slidenum">
+              <a:rPr lang="en-US" smtClean="0"/>
+              <a:pPr/>
+              <a:t>17</a:t>
+            </a:fld>
+            <a:endParaRPr lang="en-US"/>
+          </a:p>
+        </p:txBody>
+      </p:sp>
     </p:spTree>
     <p:extLst>
       <p:ext uri="{BB962C8B-B14F-4D97-AF65-F5344CB8AC3E}">
@@ -8807,6 +9334,30 @@
           </a:extLst>
         </p:spPr>
       </p:pic>
+      <p:sp>
+        <p:nvSpPr>
+          <p:cNvPr id="4" name="Slide Number Placeholder 3"/>
+          <p:cNvSpPr>
+            <a:spLocks noGrp="1"/>
+          </p:cNvSpPr>
+          <p:nvPr>
+            <p:ph type="sldNum" sz="quarter" idx="12"/>
+          </p:nvPr>
+        </p:nvSpPr>
+        <p:spPr/>
+        <p:txBody>
+          <a:bodyPr/>
+          <a:lstStyle/>
+          <a:p>
+            <a:fld id="{B6F15528-21DE-4FAA-801E-634DDDAF4B2B}" type="slidenum">
+              <a:rPr lang="en-US" smtClean="0"/>
+              <a:pPr/>
+              <a:t>18</a:t>
+            </a:fld>
+            <a:endParaRPr lang="en-US"/>
+          </a:p>
+        </p:txBody>
+      </p:sp>
     </p:spTree>
     <p:extLst>
       <p:ext uri="{BB962C8B-B14F-4D97-AF65-F5344CB8AC3E}">
@@ -8941,6 +9492,30 @@
           </a:p>
         </p:txBody>
       </p:sp>
+      <p:sp>
+        <p:nvSpPr>
+          <p:cNvPr id="4" name="Slide Number Placeholder 3"/>
+          <p:cNvSpPr>
+            <a:spLocks noGrp="1"/>
+          </p:cNvSpPr>
+          <p:nvPr>
+            <p:ph type="sldNum" sz="quarter" idx="12"/>
+          </p:nvPr>
+        </p:nvSpPr>
+        <p:spPr/>
+        <p:txBody>
+          <a:bodyPr/>
+          <a:lstStyle/>
+          <a:p>
+            <a:fld id="{B6F15528-21DE-4FAA-801E-634DDDAF4B2B}" type="slidenum">
+              <a:rPr lang="en-US" smtClean="0"/>
+              <a:pPr/>
+              <a:t>19</a:t>
+            </a:fld>
+            <a:endParaRPr lang="en-US"/>
+          </a:p>
+        </p:txBody>
+      </p:sp>
     </p:spTree>
     <p:extLst>
       <p:ext uri="{BB962C8B-B14F-4D97-AF65-F5344CB8AC3E}">
@@ -9035,13 +9610,32 @@
             </a:pPr>
             <a:r>
               <a:rPr lang="en-US" dirty="0" smtClean="0"/>
-              <a:t>Understand common data storage </a:t>
-            </a:r>
-            <a:r>
-              <a:rPr lang="en-US" dirty="0" smtClean="0"/>
-              <a:t>formats and related processing technologies</a:t>
-            </a:r>
-            <a:endParaRPr lang="en-US" dirty="0" smtClean="0"/>
+              <a:t>Understand common data storage formats and related processing technologies</a:t>
+            </a:r>
+          </a:p>
+        </p:txBody>
+      </p:sp>
+      <p:sp>
+        <p:nvSpPr>
+          <p:cNvPr id="4" name="Slide Number Placeholder 3"/>
+          <p:cNvSpPr>
+            <a:spLocks noGrp="1"/>
+          </p:cNvSpPr>
+          <p:nvPr>
+            <p:ph type="sldNum" sz="quarter" idx="12"/>
+          </p:nvPr>
+        </p:nvSpPr>
+        <p:spPr/>
+        <p:txBody>
+          <a:bodyPr/>
+          <a:lstStyle/>
+          <a:p>
+            <a:fld id="{B6F15528-21DE-4FAA-801E-634DDDAF4B2B}" type="slidenum">
+              <a:rPr lang="en-US" smtClean="0"/>
+              <a:pPr/>
+              <a:t>2</a:t>
+            </a:fld>
+            <a:endParaRPr lang="en-US"/>
           </a:p>
         </p:txBody>
       </p:sp>
@@ -9055,6 +9649,13 @@
   <p:clrMapOvr>
     <a:masterClrMapping/>
   </p:clrMapOvr>
+  <p:timing>
+    <p:tnLst>
+      <p:par>
+        <p:cTn id="1" dur="indefinite" restart="never" nodeType="tmRoot"/>
+      </p:par>
+    </p:tnLst>
+  </p:timing>
 </p:sld>
 </file>
 
@@ -9175,6 +9776,30 @@
               <a:t>--&gt;</a:t>
             </a:r>
             <a:endParaRPr lang="en-US" b="1" dirty="0" smtClean="0"/>
+          </a:p>
+        </p:txBody>
+      </p:sp>
+      <p:sp>
+        <p:nvSpPr>
+          <p:cNvPr id="4" name="Slide Number Placeholder 3"/>
+          <p:cNvSpPr>
+            <a:spLocks noGrp="1"/>
+          </p:cNvSpPr>
+          <p:nvPr>
+            <p:ph type="sldNum" sz="quarter" idx="12"/>
+          </p:nvPr>
+        </p:nvSpPr>
+        <p:spPr/>
+        <p:txBody>
+          <a:bodyPr/>
+          <a:lstStyle/>
+          <a:p>
+            <a:fld id="{B6F15528-21DE-4FAA-801E-634DDDAF4B2B}" type="slidenum">
+              <a:rPr lang="en-US" smtClean="0"/>
+              <a:pPr/>
+              <a:t>20</a:t>
+            </a:fld>
+            <a:endParaRPr lang="en-US"/>
           </a:p>
         </p:txBody>
       </p:sp>
@@ -9380,6 +10005,30 @@
               <a:rPr lang="en-US" sz="2400" dirty="0"/>
               <a:t>&gt;</a:t>
             </a:r>
+          </a:p>
+        </p:txBody>
+      </p:sp>
+      <p:sp>
+        <p:nvSpPr>
+          <p:cNvPr id="4" name="Slide Number Placeholder 3"/>
+          <p:cNvSpPr>
+            <a:spLocks noGrp="1"/>
+          </p:cNvSpPr>
+          <p:nvPr>
+            <p:ph type="sldNum" sz="quarter" idx="12"/>
+          </p:nvPr>
+        </p:nvSpPr>
+        <p:spPr/>
+        <p:txBody>
+          <a:bodyPr/>
+          <a:lstStyle/>
+          <a:p>
+            <a:fld id="{B6F15528-21DE-4FAA-801E-634DDDAF4B2B}" type="slidenum">
+              <a:rPr lang="en-US" smtClean="0"/>
+              <a:pPr/>
+              <a:t>21</a:t>
+            </a:fld>
+            <a:endParaRPr lang="en-US"/>
           </a:p>
         </p:txBody>
       </p:sp>
@@ -9658,6 +10307,30 @@
           </a:p>
         </p:txBody>
       </p:sp>
+      <p:sp>
+        <p:nvSpPr>
+          <p:cNvPr id="3" name="Slide Number Placeholder 2"/>
+          <p:cNvSpPr>
+            <a:spLocks noGrp="1"/>
+          </p:cNvSpPr>
+          <p:nvPr>
+            <p:ph type="sldNum" sz="quarter" idx="12"/>
+          </p:nvPr>
+        </p:nvSpPr>
+        <p:spPr/>
+        <p:txBody>
+          <a:bodyPr/>
+          <a:lstStyle/>
+          <a:p>
+            <a:fld id="{B6F15528-21DE-4FAA-801E-634DDDAF4B2B}" type="slidenum">
+              <a:rPr lang="en-US" smtClean="0"/>
+              <a:pPr/>
+              <a:t>22</a:t>
+            </a:fld>
+            <a:endParaRPr lang="en-US"/>
+          </a:p>
+        </p:txBody>
+      </p:sp>
     </p:spTree>
     <p:extLst>
       <p:ext uri="{BB962C8B-B14F-4D97-AF65-F5344CB8AC3E}">
@@ -9949,6 +10622,30 @@
           </a:extLst>
         </p:spPr>
       </p:pic>
+      <p:sp>
+        <p:nvSpPr>
+          <p:cNvPr id="3" name="Slide Number Placeholder 2"/>
+          <p:cNvSpPr>
+            <a:spLocks noGrp="1"/>
+          </p:cNvSpPr>
+          <p:nvPr>
+            <p:ph type="sldNum" sz="quarter" idx="12"/>
+          </p:nvPr>
+        </p:nvSpPr>
+        <p:spPr/>
+        <p:txBody>
+          <a:bodyPr/>
+          <a:lstStyle/>
+          <a:p>
+            <a:fld id="{B6F15528-21DE-4FAA-801E-634DDDAF4B2B}" type="slidenum">
+              <a:rPr lang="en-US" smtClean="0"/>
+              <a:pPr/>
+              <a:t>23</a:t>
+            </a:fld>
+            <a:endParaRPr lang="en-US"/>
+          </a:p>
+        </p:txBody>
+      </p:sp>
     </p:spTree>
     <p:extLst>
       <p:ext uri="{BB962C8B-B14F-4D97-AF65-F5344CB8AC3E}">
@@ -10092,6 +10789,30 @@
           </a:extLst>
         </p:spPr>
       </p:pic>
+      <p:sp>
+        <p:nvSpPr>
+          <p:cNvPr id="4" name="Slide Number Placeholder 3"/>
+          <p:cNvSpPr>
+            <a:spLocks noGrp="1"/>
+          </p:cNvSpPr>
+          <p:nvPr>
+            <p:ph type="sldNum" sz="quarter" idx="12"/>
+          </p:nvPr>
+        </p:nvSpPr>
+        <p:spPr/>
+        <p:txBody>
+          <a:bodyPr/>
+          <a:lstStyle/>
+          <a:p>
+            <a:fld id="{B6F15528-21DE-4FAA-801E-634DDDAF4B2B}" type="slidenum">
+              <a:rPr lang="en-US" smtClean="0"/>
+              <a:pPr/>
+              <a:t>24</a:t>
+            </a:fld>
+            <a:endParaRPr lang="en-US"/>
+          </a:p>
+        </p:txBody>
+      </p:sp>
     </p:spTree>
     <p:extLst>
       <p:ext uri="{BB962C8B-B14F-4D97-AF65-F5344CB8AC3E}">
@@ -10311,6 +11032,30 @@
           </a:extLst>
         </p:spPr>
       </p:pic>
+      <p:sp>
+        <p:nvSpPr>
+          <p:cNvPr id="4" name="Slide Number Placeholder 3"/>
+          <p:cNvSpPr>
+            <a:spLocks noGrp="1"/>
+          </p:cNvSpPr>
+          <p:nvPr>
+            <p:ph type="sldNum" sz="quarter" idx="12"/>
+          </p:nvPr>
+        </p:nvSpPr>
+        <p:spPr/>
+        <p:txBody>
+          <a:bodyPr/>
+          <a:lstStyle/>
+          <a:p>
+            <a:fld id="{B6F15528-21DE-4FAA-801E-634DDDAF4B2B}" type="slidenum">
+              <a:rPr lang="en-US" smtClean="0"/>
+              <a:pPr/>
+              <a:t>25</a:t>
+            </a:fld>
+            <a:endParaRPr lang="en-US"/>
+          </a:p>
+        </p:txBody>
+      </p:sp>
     </p:spTree>
     <p:extLst>
       <p:ext uri="{BB962C8B-B14F-4D97-AF65-F5344CB8AC3E}">
@@ -10491,6 +11236,30 @@
               <a:t>return</a:t>
             </a:r>
             <a:endParaRPr lang="en-US" dirty="0"/>
+          </a:p>
+        </p:txBody>
+      </p:sp>
+      <p:sp>
+        <p:nvSpPr>
+          <p:cNvPr id="4" name="Slide Number Placeholder 3"/>
+          <p:cNvSpPr>
+            <a:spLocks noGrp="1"/>
+          </p:cNvSpPr>
+          <p:nvPr>
+            <p:ph type="sldNum" sz="quarter" idx="12"/>
+          </p:nvPr>
+        </p:nvSpPr>
+        <p:spPr/>
+        <p:txBody>
+          <a:bodyPr/>
+          <a:lstStyle/>
+          <a:p>
+            <a:fld id="{B6F15528-21DE-4FAA-801E-634DDDAF4B2B}" type="slidenum">
+              <a:rPr lang="en-US" smtClean="0"/>
+              <a:pPr/>
+              <a:t>26</a:t>
+            </a:fld>
+            <a:endParaRPr lang="en-US"/>
           </a:p>
         </p:txBody>
       </p:sp>
@@ -10767,6 +11536,30 @@
           </a:effectLst>
         </p:spPr>
       </p:pic>
+      <p:sp>
+        <p:nvSpPr>
+          <p:cNvPr id="4" name="Slide Number Placeholder 3"/>
+          <p:cNvSpPr>
+            <a:spLocks noGrp="1"/>
+          </p:cNvSpPr>
+          <p:nvPr>
+            <p:ph type="sldNum" sz="quarter" idx="12"/>
+          </p:nvPr>
+        </p:nvSpPr>
+        <p:spPr/>
+        <p:txBody>
+          <a:bodyPr/>
+          <a:lstStyle/>
+          <a:p>
+            <a:fld id="{B6F15528-21DE-4FAA-801E-634DDDAF4B2B}" type="slidenum">
+              <a:rPr lang="en-US" smtClean="0"/>
+              <a:pPr/>
+              <a:t>27</a:t>
+            </a:fld>
+            <a:endParaRPr lang="en-US"/>
+          </a:p>
+        </p:txBody>
+      </p:sp>
     </p:spTree>
     <p:extLst>
       <p:ext uri="{BB962C8B-B14F-4D97-AF65-F5344CB8AC3E}">
@@ -10907,6 +11700,30 @@
           <a:noFill/>
         </p:spPr>
       </p:pic>
+      <p:sp>
+        <p:nvSpPr>
+          <p:cNvPr id="4" name="Slide Number Placeholder 3"/>
+          <p:cNvSpPr>
+            <a:spLocks noGrp="1"/>
+          </p:cNvSpPr>
+          <p:nvPr>
+            <p:ph type="sldNum" sz="quarter" idx="12"/>
+          </p:nvPr>
+        </p:nvSpPr>
+        <p:spPr/>
+        <p:txBody>
+          <a:bodyPr/>
+          <a:lstStyle/>
+          <a:p>
+            <a:fld id="{B6F15528-21DE-4FAA-801E-634DDDAF4B2B}" type="slidenum">
+              <a:rPr lang="en-US" smtClean="0"/>
+              <a:pPr/>
+              <a:t>28</a:t>
+            </a:fld>
+            <a:endParaRPr lang="en-US"/>
+          </a:p>
+        </p:txBody>
+      </p:sp>
     </p:spTree>
     <p:extLst>
       <p:ext uri="{BB962C8B-B14F-4D97-AF65-F5344CB8AC3E}">
@@ -11027,6 +11844,30 @@
           </a:p>
         </p:txBody>
       </p:sp>
+      <p:sp>
+        <p:nvSpPr>
+          <p:cNvPr id="4" name="Slide Number Placeholder 3"/>
+          <p:cNvSpPr>
+            <a:spLocks noGrp="1"/>
+          </p:cNvSpPr>
+          <p:nvPr>
+            <p:ph type="sldNum" sz="quarter" idx="12"/>
+          </p:nvPr>
+        </p:nvSpPr>
+        <p:spPr/>
+        <p:txBody>
+          <a:bodyPr/>
+          <a:lstStyle/>
+          <a:p>
+            <a:fld id="{B6F15528-21DE-4FAA-801E-634DDDAF4B2B}" type="slidenum">
+              <a:rPr lang="en-US" smtClean="0"/>
+              <a:pPr/>
+              <a:t>3</a:t>
+            </a:fld>
+            <a:endParaRPr lang="en-US"/>
+          </a:p>
+        </p:txBody>
+      </p:sp>
     </p:spTree>
     <p:extLst>
       <p:ext uri="{BB962C8B-B14F-4D97-AF65-F5344CB8AC3E}">
@@ -11102,7 +11943,7 @@
           <a:graphicData uri="http://schemas.openxmlformats.org/presentationml/2006/ole">
             <mc:AlternateContent xmlns:mc="http://schemas.openxmlformats.org/markup-compatibility/2006">
               <mc:Choice xmlns:v="urn:schemas-microsoft-com:vml" Requires="v">
-                <p:oleObj spid="_x0000_s2079" name="Document" r:id="rId4" imgW="8224928" imgH="5027963" progId="Word.Document.8">
+                <p:oleObj spid="_x0000_s2090" name="Document" r:id="rId4" imgW="8224928" imgH="5027963" progId="Word.Document.8">
                   <p:embed/>
                 </p:oleObj>
               </mc:Choice>
@@ -11147,6 +11988,30 @@
           </a:graphicData>
         </a:graphic>
       </p:graphicFrame>
+      <p:sp>
+        <p:nvSpPr>
+          <p:cNvPr id="3" name="Slide Number Placeholder 2"/>
+          <p:cNvSpPr>
+            <a:spLocks noGrp="1"/>
+          </p:cNvSpPr>
+          <p:nvPr>
+            <p:ph type="sldNum" sz="quarter" idx="12"/>
+          </p:nvPr>
+        </p:nvSpPr>
+        <p:spPr/>
+        <p:txBody>
+          <a:bodyPr/>
+          <a:lstStyle/>
+          <a:p>
+            <a:fld id="{B6F15528-21DE-4FAA-801E-634DDDAF4B2B}" type="slidenum">
+              <a:rPr lang="en-US" smtClean="0"/>
+              <a:pPr/>
+              <a:t>4</a:t>
+            </a:fld>
+            <a:endParaRPr lang="en-US"/>
+          </a:p>
+        </p:txBody>
+      </p:sp>
     </p:spTree>
     <p:extLst>
       <p:ext uri="{BB962C8B-B14F-4D97-AF65-F5344CB8AC3E}">
@@ -11242,7 +12107,7 @@
             </a:pPr>
             <a:r>
               <a:rPr lang="en-US" sz="4800" dirty="0" smtClean="0"/>
-              <a:t>Non SQL</a:t>
+              <a:t>Non-SQL</a:t>
             </a:r>
           </a:p>
           <a:p>
@@ -11251,8 +12116,8 @@
               <a:buChar char="•"/>
             </a:pPr>
             <a:r>
-              <a:rPr lang="en-US" sz="4800" dirty="0" smtClean="0"/>
-              <a:t>Non-Relational</a:t>
+              <a:rPr lang="en-US" sz="4800" b="1" i="1" dirty="0" smtClean="0"/>
+              <a:t>Non-Relational *</a:t>
             </a:r>
           </a:p>
           <a:p>
@@ -11265,6 +12130,30 @@
               <a:t>Not Only SQL</a:t>
             </a:r>
             <a:endParaRPr lang="en-US" sz="4800" dirty="0"/>
+          </a:p>
+        </p:txBody>
+      </p:sp>
+      <p:sp>
+        <p:nvSpPr>
+          <p:cNvPr id="4" name="Slide Number Placeholder 3"/>
+          <p:cNvSpPr>
+            <a:spLocks noGrp="1"/>
+          </p:cNvSpPr>
+          <p:nvPr>
+            <p:ph type="sldNum" sz="quarter" idx="12"/>
+          </p:nvPr>
+        </p:nvSpPr>
+        <p:spPr/>
+        <p:txBody>
+          <a:bodyPr/>
+          <a:lstStyle/>
+          <a:p>
+            <a:fld id="{B6F15528-21DE-4FAA-801E-634DDDAF4B2B}" type="slidenum">
+              <a:rPr lang="en-US" smtClean="0"/>
+              <a:pPr/>
+              <a:t>5</a:t>
+            </a:fld>
+            <a:endParaRPr lang="en-US"/>
           </a:p>
         </p:txBody>
       </p:sp>
@@ -11333,13 +12222,13 @@
         </p:nvSpPr>
         <p:spPr>
           <a:xfrm>
-            <a:off x="457200" y="1600200"/>
-            <a:ext cx="8229600" cy="5029200"/>
+            <a:off x="457200" y="1447800"/>
+            <a:ext cx="8229600" cy="5181600"/>
           </a:xfrm>
         </p:spPr>
         <p:txBody>
           <a:bodyPr>
-            <a:normAutofit lnSpcReduction="10000"/>
+            <a:normAutofit fontScale="92500" lnSpcReduction="10000"/>
           </a:bodyPr>
           <a:lstStyle/>
           <a:p>
@@ -11392,8 +12281,20 @@
             <a:pPr lvl="2"/>
             <a:r>
               <a:rPr lang="en-US" dirty="0" smtClean="0"/>
-              <a:t>Oracle, MySQL, SQL Server, etc.</a:t>
-            </a:r>
+              <a:t>Oracle, MySQL, SQL Server, etc</a:t>
+            </a:r>
+            <a:r>
+              <a:rPr lang="en-US" dirty="0" smtClean="0"/>
+              <a:t>.</a:t>
+            </a:r>
+          </a:p>
+          <a:p>
+            <a:pPr lvl="2"/>
+            <a:r>
+              <a:rPr lang="en-US" dirty="0" smtClean="0"/>
+              <a:t>Table Structures</a:t>
+            </a:r>
+            <a:endParaRPr lang="en-US" dirty="0" smtClean="0"/>
           </a:p>
           <a:p>
             <a:pPr lvl="1"/>
@@ -11438,7 +12339,7 @@
             </a:r>
           </a:p>
           <a:p>
-            <a:pPr lvl="3"/>
+            <a:pPr lvl="2"/>
             <a:r>
               <a:rPr lang="en-US" dirty="0"/>
               <a:t>Combinations of various </a:t>
@@ -11448,6 +12349,30 @@
               <a:t>types in a single solution</a:t>
             </a:r>
             <a:endParaRPr lang="en-US" dirty="0"/>
+          </a:p>
+        </p:txBody>
+      </p:sp>
+      <p:sp>
+        <p:nvSpPr>
+          <p:cNvPr id="4" name="Slide Number Placeholder 3"/>
+          <p:cNvSpPr>
+            <a:spLocks noGrp="1"/>
+          </p:cNvSpPr>
+          <p:nvPr>
+            <p:ph type="sldNum" sz="quarter" idx="12"/>
+          </p:nvPr>
+        </p:nvSpPr>
+        <p:spPr/>
+        <p:txBody>
+          <a:bodyPr/>
+          <a:lstStyle/>
+          <a:p>
+            <a:fld id="{B6F15528-21DE-4FAA-801E-634DDDAF4B2B}" type="slidenum">
+              <a:rPr lang="en-US" smtClean="0"/>
+              <a:pPr/>
+              <a:t>6</a:t>
+            </a:fld>
+            <a:endParaRPr lang="en-US"/>
           </a:p>
         </p:txBody>
       </p:sp>
@@ -11534,6 +12459,30 @@
           </a:prstGeom>
         </p:spPr>
       </p:pic>
+      <p:sp>
+        <p:nvSpPr>
+          <p:cNvPr id="3" name="Slide Number Placeholder 2"/>
+          <p:cNvSpPr>
+            <a:spLocks noGrp="1"/>
+          </p:cNvSpPr>
+          <p:nvPr>
+            <p:ph type="sldNum" sz="quarter" idx="12"/>
+          </p:nvPr>
+        </p:nvSpPr>
+        <p:spPr/>
+        <p:txBody>
+          <a:bodyPr/>
+          <a:lstStyle/>
+          <a:p>
+            <a:fld id="{B6F15528-21DE-4FAA-801E-634DDDAF4B2B}" type="slidenum">
+              <a:rPr lang="en-US" smtClean="0"/>
+              <a:pPr/>
+              <a:t>7</a:t>
+            </a:fld>
+            <a:endParaRPr lang="en-US"/>
+          </a:p>
+        </p:txBody>
+      </p:sp>
     </p:spTree>
     <p:extLst>
       <p:ext uri="{BB962C8B-B14F-4D97-AF65-F5344CB8AC3E}">
@@ -11665,6 +12614,30 @@
           </a:p>
         </p:txBody>
       </p:sp>
+      <p:sp>
+        <p:nvSpPr>
+          <p:cNvPr id="4" name="Slide Number Placeholder 3"/>
+          <p:cNvSpPr>
+            <a:spLocks noGrp="1"/>
+          </p:cNvSpPr>
+          <p:nvPr>
+            <p:ph type="sldNum" sz="quarter" idx="12"/>
+          </p:nvPr>
+        </p:nvSpPr>
+        <p:spPr/>
+        <p:txBody>
+          <a:bodyPr/>
+          <a:lstStyle/>
+          <a:p>
+            <a:fld id="{B6F15528-21DE-4FAA-801E-634DDDAF4B2B}" type="slidenum">
+              <a:rPr lang="en-US" smtClean="0"/>
+              <a:pPr/>
+              <a:t>8</a:t>
+            </a:fld>
+            <a:endParaRPr lang="en-US"/>
+          </a:p>
+        </p:txBody>
+      </p:sp>
     </p:spTree>
     <p:extLst>
       <p:ext uri="{BB962C8B-B14F-4D97-AF65-F5344CB8AC3E}">
@@ -11675,6 +12648,13 @@
   <p:clrMapOvr>
     <a:masterClrMapping/>
   </p:clrMapOvr>
+  <p:timing>
+    <p:tnLst>
+      <p:par>
+        <p:cTn id="1" dur="indefinite" restart="never" nodeType="tmRoot"/>
+      </p:par>
+    </p:tnLst>
+  </p:timing>
 </p:sld>
 </file>
 
@@ -11830,6 +12810,30 @@
               <a:rPr lang="en-US" sz="2800" dirty="0" smtClean="0"/>
               <a:t>May be Local, Remote, or on Cloud</a:t>
             </a:r>
+          </a:p>
+        </p:txBody>
+      </p:sp>
+      <p:sp>
+        <p:nvSpPr>
+          <p:cNvPr id="3" name="Slide Number Placeholder 2"/>
+          <p:cNvSpPr>
+            <a:spLocks noGrp="1"/>
+          </p:cNvSpPr>
+          <p:nvPr>
+            <p:ph type="sldNum" sz="quarter" idx="12"/>
+          </p:nvPr>
+        </p:nvSpPr>
+        <p:spPr/>
+        <p:txBody>
+          <a:bodyPr/>
+          <a:lstStyle/>
+          <a:p>
+            <a:fld id="{B6F15528-21DE-4FAA-801E-634DDDAF4B2B}" type="slidenum">
+              <a:rPr lang="en-US" smtClean="0"/>
+              <a:pPr/>
+              <a:t>9</a:t>
+            </a:fld>
+            <a:endParaRPr lang="en-US"/>
           </a:p>
         </p:txBody>
       </p:sp>
@@ -12412,4 +13416,289 @@
   <a:objectDefaults/>
   <a:extraClrSchemeLst/>
 </a:theme>
+</file>
+
+<file path=ppt/theme/theme3.xml><?xml version="1.0" encoding="utf-8"?>
+<a:theme xmlns:a="http://schemas.openxmlformats.org/drawingml/2006/main" name="Office Theme">
+  <a:themeElements>
+    <a:clrScheme name="Office">
+      <a:dk1>
+        <a:sysClr val="windowText" lastClr="000000"/>
+      </a:dk1>
+      <a:lt1>
+        <a:sysClr val="window" lastClr="FFFFFF"/>
+      </a:lt1>
+      <a:dk2>
+        <a:srgbClr val="1F497D"/>
+      </a:dk2>
+      <a:lt2>
+        <a:srgbClr val="EEECE1"/>
+      </a:lt2>
+      <a:accent1>
+        <a:srgbClr val="4F81BD"/>
+      </a:accent1>
+      <a:accent2>
+        <a:srgbClr val="C0504D"/>
+      </a:accent2>
+      <a:accent3>
+        <a:srgbClr val="9BBB59"/>
+      </a:accent3>
+      <a:accent4>
+        <a:srgbClr val="8064A2"/>
+      </a:accent4>
+      <a:accent5>
+        <a:srgbClr val="4BACC6"/>
+      </a:accent5>
+      <a:accent6>
+        <a:srgbClr val="F79646"/>
+      </a:accent6>
+      <a:hlink>
+        <a:srgbClr val="0000FF"/>
+      </a:hlink>
+      <a:folHlink>
+        <a:srgbClr val="800080"/>
+      </a:folHlink>
+    </a:clrScheme>
+    <a:fontScheme name="Office">
+      <a:majorFont>
+        <a:latin typeface="Calibri"/>
+        <a:ea typeface=""/>
+        <a:cs typeface=""/>
+        <a:font script="Jpan" typeface="ＭＳ Ｐゴシック"/>
+        <a:font script="Hang" typeface="맑은 고딕"/>
+        <a:font script="Hans" typeface="宋体"/>
+        <a:font script="Hant" typeface="新細明體"/>
+        <a:font script="Arab" typeface="Times New Roman"/>
+        <a:font script="Hebr" typeface="Times New Roman"/>
+        <a:font script="Thai" typeface="Angsana New"/>
+        <a:font script="Ethi" typeface="Nyala"/>
+        <a:font script="Beng" typeface="Vrinda"/>
+        <a:font script="Gujr" typeface="Shruti"/>
+        <a:font script="Khmr" typeface="MoolBoran"/>
+        <a:font script="Knda" typeface="Tunga"/>
+        <a:font script="Guru" typeface="Raavi"/>
+        <a:font script="Cans" typeface="Euphemia"/>
+        <a:font script="Cher" typeface="Plantagenet Cherokee"/>
+        <a:font script="Yiii" typeface="Microsoft Yi Baiti"/>
+        <a:font script="Tibt" typeface="Microsoft Himalaya"/>
+        <a:font script="Thaa" typeface="MV Boli"/>
+        <a:font script="Deva" typeface="Mangal"/>
+        <a:font script="Telu" typeface="Gautami"/>
+        <a:font script="Taml" typeface="Latha"/>
+        <a:font script="Syrc" typeface="Estrangelo Edessa"/>
+        <a:font script="Orya" typeface="Kalinga"/>
+        <a:font script="Mlym" typeface="Kartika"/>
+        <a:font script="Laoo" typeface="DokChampa"/>
+        <a:font script="Sinh" typeface="Iskoola Pota"/>
+        <a:font script="Mong" typeface="Mongolian Baiti"/>
+        <a:font script="Viet" typeface="Times New Roman"/>
+        <a:font script="Uigh" typeface="Microsoft Uighur"/>
+        <a:font script="Geor" typeface="Sylfaen"/>
+      </a:majorFont>
+      <a:minorFont>
+        <a:latin typeface="Calibri"/>
+        <a:ea typeface=""/>
+        <a:cs typeface=""/>
+        <a:font script="Jpan" typeface="ＭＳ Ｐゴシック"/>
+        <a:font script="Hang" typeface="맑은 고딕"/>
+        <a:font script="Hans" typeface="宋体"/>
+        <a:font script="Hant" typeface="新細明體"/>
+        <a:font script="Arab" typeface="Arial"/>
+        <a:font script="Hebr" typeface="Arial"/>
+        <a:font script="Thai" typeface="Cordia New"/>
+        <a:font script="Ethi" typeface="Nyala"/>
+        <a:font script="Beng" typeface="Vrinda"/>
+        <a:font script="Gujr" typeface="Shruti"/>
+        <a:font script="Khmr" typeface="DaunPenh"/>
+        <a:font script="Knda" typeface="Tunga"/>
+        <a:font script="Guru" typeface="Raavi"/>
+        <a:font script="Cans" typeface="Euphemia"/>
+        <a:font script="Cher" typeface="Plantagenet Cherokee"/>
+        <a:font script="Yiii" typeface="Microsoft Yi Baiti"/>
+        <a:font script="Tibt" typeface="Microsoft Himalaya"/>
+        <a:font script="Thaa" typeface="MV Boli"/>
+        <a:font script="Deva" typeface="Mangal"/>
+        <a:font script="Telu" typeface="Gautami"/>
+        <a:font script="Taml" typeface="Latha"/>
+        <a:font script="Syrc" typeface="Estrangelo Edessa"/>
+        <a:font script="Orya" typeface="Kalinga"/>
+        <a:font script="Mlym" typeface="Kartika"/>
+        <a:font script="Laoo" typeface="DokChampa"/>
+        <a:font script="Sinh" typeface="Iskoola Pota"/>
+        <a:font script="Mong" typeface="Mongolian Baiti"/>
+        <a:font script="Viet" typeface="Arial"/>
+        <a:font script="Uigh" typeface="Microsoft Uighur"/>
+        <a:font script="Geor" typeface="Sylfaen"/>
+      </a:minorFont>
+    </a:fontScheme>
+    <a:fmtScheme name="Office">
+      <a:fillStyleLst>
+        <a:solidFill>
+          <a:schemeClr val="phClr"/>
+        </a:solidFill>
+        <a:gradFill rotWithShape="1">
+          <a:gsLst>
+            <a:gs pos="0">
+              <a:schemeClr val="phClr">
+                <a:tint val="50000"/>
+                <a:satMod val="300000"/>
+              </a:schemeClr>
+            </a:gs>
+            <a:gs pos="35000">
+              <a:schemeClr val="phClr">
+                <a:tint val="37000"/>
+                <a:satMod val="300000"/>
+              </a:schemeClr>
+            </a:gs>
+            <a:gs pos="100000">
+              <a:schemeClr val="phClr">
+                <a:tint val="15000"/>
+                <a:satMod val="350000"/>
+              </a:schemeClr>
+            </a:gs>
+          </a:gsLst>
+          <a:lin ang="16200000" scaled="1"/>
+        </a:gradFill>
+        <a:gradFill rotWithShape="1">
+          <a:gsLst>
+            <a:gs pos="0">
+              <a:schemeClr val="phClr">
+                <a:shade val="51000"/>
+                <a:satMod val="130000"/>
+              </a:schemeClr>
+            </a:gs>
+            <a:gs pos="80000">
+              <a:schemeClr val="phClr">
+                <a:shade val="93000"/>
+                <a:satMod val="130000"/>
+              </a:schemeClr>
+            </a:gs>
+            <a:gs pos="100000">
+              <a:schemeClr val="phClr">
+                <a:shade val="94000"/>
+                <a:satMod val="135000"/>
+              </a:schemeClr>
+            </a:gs>
+          </a:gsLst>
+          <a:lin ang="16200000" scaled="0"/>
+        </a:gradFill>
+      </a:fillStyleLst>
+      <a:lnStyleLst>
+        <a:ln w="9525" cap="flat" cmpd="sng" algn="ctr">
+          <a:solidFill>
+            <a:schemeClr val="phClr">
+              <a:shade val="95000"/>
+              <a:satMod val="105000"/>
+            </a:schemeClr>
+          </a:solidFill>
+          <a:prstDash val="solid"/>
+        </a:ln>
+        <a:ln w="25400" cap="flat" cmpd="sng" algn="ctr">
+          <a:solidFill>
+            <a:schemeClr val="phClr"/>
+          </a:solidFill>
+          <a:prstDash val="solid"/>
+        </a:ln>
+        <a:ln w="38100" cap="flat" cmpd="sng" algn="ctr">
+          <a:solidFill>
+            <a:schemeClr val="phClr"/>
+          </a:solidFill>
+          <a:prstDash val="solid"/>
+        </a:ln>
+      </a:lnStyleLst>
+      <a:effectStyleLst>
+        <a:effectStyle>
+          <a:effectLst>
+            <a:outerShdw blurRad="40000" dist="20000" dir="5400000" rotWithShape="0">
+              <a:srgbClr val="000000">
+                <a:alpha val="38000"/>
+              </a:srgbClr>
+            </a:outerShdw>
+          </a:effectLst>
+        </a:effectStyle>
+        <a:effectStyle>
+          <a:effectLst>
+            <a:outerShdw blurRad="40000" dist="23000" dir="5400000" rotWithShape="0">
+              <a:srgbClr val="000000">
+                <a:alpha val="35000"/>
+              </a:srgbClr>
+            </a:outerShdw>
+          </a:effectLst>
+        </a:effectStyle>
+        <a:effectStyle>
+          <a:effectLst>
+            <a:outerShdw blurRad="40000" dist="23000" dir="5400000" rotWithShape="0">
+              <a:srgbClr val="000000">
+                <a:alpha val="35000"/>
+              </a:srgbClr>
+            </a:outerShdw>
+          </a:effectLst>
+          <a:scene3d>
+            <a:camera prst="orthographicFront">
+              <a:rot lat="0" lon="0" rev="0"/>
+            </a:camera>
+            <a:lightRig rig="threePt" dir="t">
+              <a:rot lat="0" lon="0" rev="1200000"/>
+            </a:lightRig>
+          </a:scene3d>
+          <a:sp3d>
+            <a:bevelT w="63500" h="25400"/>
+          </a:sp3d>
+        </a:effectStyle>
+      </a:effectStyleLst>
+      <a:bgFillStyleLst>
+        <a:solidFill>
+          <a:schemeClr val="phClr"/>
+        </a:solidFill>
+        <a:gradFill rotWithShape="1">
+          <a:gsLst>
+            <a:gs pos="0">
+              <a:schemeClr val="phClr">
+                <a:tint val="40000"/>
+                <a:satMod val="350000"/>
+              </a:schemeClr>
+            </a:gs>
+            <a:gs pos="40000">
+              <a:schemeClr val="phClr">
+                <a:tint val="45000"/>
+                <a:shade val="99000"/>
+                <a:satMod val="350000"/>
+              </a:schemeClr>
+            </a:gs>
+            <a:gs pos="100000">
+              <a:schemeClr val="phClr">
+                <a:shade val="20000"/>
+                <a:satMod val="255000"/>
+              </a:schemeClr>
+            </a:gs>
+          </a:gsLst>
+          <a:path path="circle">
+            <a:fillToRect l="50000" t="-80000" r="50000" b="180000"/>
+          </a:path>
+        </a:gradFill>
+        <a:gradFill rotWithShape="1">
+          <a:gsLst>
+            <a:gs pos="0">
+              <a:schemeClr val="phClr">
+                <a:tint val="80000"/>
+                <a:satMod val="300000"/>
+              </a:schemeClr>
+            </a:gs>
+            <a:gs pos="100000">
+              <a:schemeClr val="phClr">
+                <a:shade val="30000"/>
+                <a:satMod val="200000"/>
+              </a:schemeClr>
+            </a:gs>
+          </a:gsLst>
+          <a:path path="circle">
+            <a:fillToRect l="50000" t="50000" r="50000" b="50000"/>
+          </a:path>
+        </a:gradFill>
+      </a:bgFillStyleLst>
+    </a:fmtScheme>
+  </a:themeElements>
+  <a:objectDefaults/>
+  <a:extraClrSchemeLst/>
+</a:theme>
 </file>